--- a/training_react_advanced.pptx
+++ b/training_react_advanced.pptx
@@ -5,7 +5,7 @@
     <p:sldMasterId id="2147483660" r:id="rId4"/>
   </p:sldMasterIdLst>
   <p:notesMasterIdLst>
-    <p:notesMasterId r:id="rId32"/>
+    <p:notesMasterId r:id="rId31"/>
   </p:notesMasterIdLst>
   <p:sldIdLst>
     <p:sldId id="257" r:id="rId5"/>
@@ -22,19 +22,18 @@
     <p:sldId id="472" r:id="rId16"/>
     <p:sldId id="475" r:id="rId17"/>
     <p:sldId id="474" r:id="rId18"/>
-    <p:sldId id="476" r:id="rId19"/>
-    <p:sldId id="477" r:id="rId20"/>
-    <p:sldId id="467" r:id="rId21"/>
-    <p:sldId id="490" r:id="rId22"/>
-    <p:sldId id="468" r:id="rId23"/>
-    <p:sldId id="462" r:id="rId24"/>
-    <p:sldId id="486" r:id="rId25"/>
-    <p:sldId id="489" r:id="rId26"/>
-    <p:sldId id="488" r:id="rId27"/>
-    <p:sldId id="481" r:id="rId28"/>
+    <p:sldId id="477" r:id="rId19"/>
+    <p:sldId id="467" r:id="rId20"/>
+    <p:sldId id="490" r:id="rId21"/>
+    <p:sldId id="468" r:id="rId22"/>
+    <p:sldId id="462" r:id="rId23"/>
+    <p:sldId id="486" r:id="rId24"/>
+    <p:sldId id="489" r:id="rId25"/>
+    <p:sldId id="488" r:id="rId26"/>
+    <p:sldId id="481" r:id="rId27"/>
+    <p:sldId id="495" r:id="rId28"/>
     <p:sldId id="482" r:id="rId29"/>
     <p:sldId id="469" r:id="rId30"/>
-    <p:sldId id="459" r:id="rId31"/>
   </p:sldIdLst>
   <p:sldSz cx="12192000" cy="6858000"/>
   <p:notesSz cx="6858000" cy="9144000"/>
@@ -583,90 +582,6 @@
 </p:notes>
 </file>
 
-<file path=ppt/notesSlides/notesSlide10.xml><?xml version="1.0" encoding="utf-8"?>
-<p:notes xmlns:a="http://schemas.openxmlformats.org/drawingml/2006/main" xmlns:r="http://schemas.openxmlformats.org/officeDocument/2006/relationships" xmlns:p="http://schemas.openxmlformats.org/presentationml/2006/main">
-  <p:cSld>
-    <p:spTree>
-      <p:nvGrpSpPr>
-        <p:cNvPr id="1" name=""/>
-        <p:cNvGrpSpPr/>
-        <p:nvPr/>
-      </p:nvGrpSpPr>
-      <p:grpSpPr>
-        <a:xfrm>
-          <a:off x="0" y="0"/>
-          <a:ext cx="0" cy="0"/>
-          <a:chOff x="0" y="0"/>
-          <a:chExt cx="0" cy="0"/>
-        </a:xfrm>
-      </p:grpSpPr>
-      <p:sp>
-        <p:nvSpPr>
-          <p:cNvPr id="2" name="Folienbildplatzhalter 1"/>
-          <p:cNvSpPr>
-            <a:spLocks noGrp="1" noRot="1" noChangeAspect="1"/>
-          </p:cNvSpPr>
-          <p:nvPr>
-            <p:ph type="sldImg"/>
-          </p:nvPr>
-        </p:nvSpPr>
-        <p:spPr/>
-      </p:sp>
-      <p:sp>
-        <p:nvSpPr>
-          <p:cNvPr id="3" name="Notizenplatzhalter 2"/>
-          <p:cNvSpPr>
-            <a:spLocks noGrp="1"/>
-          </p:cNvSpPr>
-          <p:nvPr>
-            <p:ph type="body" idx="1"/>
-          </p:nvPr>
-        </p:nvSpPr>
-        <p:spPr/>
-        <p:txBody>
-          <a:bodyPr/>
-          <a:lstStyle/>
-          <a:p>
-            <a:endParaRPr lang="de-DE"/>
-          </a:p>
-        </p:txBody>
-      </p:sp>
-      <p:sp>
-        <p:nvSpPr>
-          <p:cNvPr id="4" name="Foliennummernplatzhalter 3"/>
-          <p:cNvSpPr>
-            <a:spLocks noGrp="1"/>
-          </p:cNvSpPr>
-          <p:nvPr>
-            <p:ph type="sldNum" sz="quarter" idx="5"/>
-          </p:nvPr>
-        </p:nvSpPr>
-        <p:spPr/>
-        <p:txBody>
-          <a:bodyPr/>
-          <a:lstStyle/>
-          <a:p>
-            <a:fld id="{FE397A80-5EBD-4606-9736-554DD94C2457}" type="slidenum">
-              <a:rPr lang="de-DE" smtClean="0"/>
-              <a:t>27</a:t>
-            </a:fld>
-            <a:endParaRPr lang="de-DE"/>
-          </a:p>
-        </p:txBody>
-      </p:sp>
-    </p:spTree>
-    <p:extLst>
-      <p:ext uri="{BB962C8B-B14F-4D97-AF65-F5344CB8AC3E}">
-        <p14:creationId xmlns:p14="http://schemas.microsoft.com/office/powerpoint/2010/main" val="1157369889"/>
-      </p:ext>
-    </p:extLst>
-  </p:cSld>
-  <p:clrMapOvr>
-    <a:masterClrMapping/>
-  </p:clrMapOvr>
-</p:notes>
-</file>
-
 <file path=ppt/notesSlides/notesSlide2.xml><?xml version="1.0" encoding="utf-8"?>
 <p:notes xmlns:a="http://schemas.openxmlformats.org/drawingml/2006/main" xmlns:r="http://schemas.openxmlformats.org/officeDocument/2006/relationships" xmlns:p="http://schemas.openxmlformats.org/presentationml/2006/main">
   <p:cSld>
@@ -900,7 +815,7 @@
           <a:p>
             <a:fld id="{BE27EB21-DCD7-43FA-8128-0AE77BB54778}" type="slidenum">
               <a:rPr lang="de-DE" smtClean="0"/>
-              <a:t>20</a:t>
+              <a:t>19</a:t>
             </a:fld>
             <a:endParaRPr lang="de-DE"/>
           </a:p>
@@ -984,7 +899,7 @@
           <a:p>
             <a:fld id="{BE27EB21-DCD7-43FA-8128-0AE77BB54778}" type="slidenum">
               <a:rPr lang="de-DE" smtClean="0"/>
-              <a:t>21</a:t>
+              <a:t>20</a:t>
             </a:fld>
             <a:endParaRPr lang="de-DE"/>
           </a:p>
@@ -1068,7 +983,7 @@
           <a:p>
             <a:fld id="{BE27EB21-DCD7-43FA-8128-0AE77BB54778}" type="slidenum">
               <a:rPr lang="de-DE" smtClean="0"/>
-              <a:t>22</a:t>
+              <a:t>21</a:t>
             </a:fld>
             <a:endParaRPr lang="de-DE"/>
           </a:p>
@@ -1152,7 +1067,7 @@
           <a:p>
             <a:fld id="{BE27EB21-DCD7-43FA-8128-0AE77BB54778}" type="slidenum">
               <a:rPr lang="de-DE" smtClean="0"/>
-              <a:t>23</a:t>
+              <a:t>22</a:t>
             </a:fld>
             <a:endParaRPr lang="de-DE"/>
           </a:p>
@@ -1236,7 +1151,7 @@
           <a:p>
             <a:fld id="{BE27EB21-DCD7-43FA-8128-0AE77BB54778}" type="slidenum">
               <a:rPr lang="de-DE" smtClean="0"/>
-              <a:t>24</a:t>
+              <a:t>23</a:t>
             </a:fld>
             <a:endParaRPr lang="de-DE"/>
           </a:p>
@@ -12522,331 +12437,6 @@
           <a:p>
             <a:r>
               <a:rPr lang="de-DE"/>
-              <a:t>ToDo Api-Generierung</a:t>
-            </a:r>
-          </a:p>
-        </p:txBody>
-      </p:sp>
-      <p:sp>
-        <p:nvSpPr>
-          <p:cNvPr id="5" name="Content Placeholder 3">
-            <a:extLst>
-              <a:ext uri="{FF2B5EF4-FFF2-40B4-BE49-F238E27FC236}">
-                <a16:creationId xmlns:a16="http://schemas.microsoft.com/office/drawing/2014/main" id="{42A3791E-6742-B043-6D0F-BA401780D0A0}"/>
-              </a:ext>
-            </a:extLst>
-          </p:cNvPr>
-          <p:cNvSpPr txBox="1">
-            <a:spLocks/>
-          </p:cNvSpPr>
-          <p:nvPr/>
-        </p:nvSpPr>
-        <p:spPr>
-          <a:xfrm>
-            <a:off x="839789" y="2343531"/>
-            <a:ext cx="6373811" cy="1626493"/>
-          </a:xfrm>
-          <a:prstGeom prst="rect">
-            <a:avLst/>
-          </a:prstGeom>
-        </p:spPr>
-        <p:txBody>
-          <a:bodyPr vert="horz" lIns="91440" tIns="45720" rIns="91440" bIns="45720" rtlCol="0">
-            <a:noAutofit/>
-          </a:bodyPr>
-          <a:lstStyle>
-            <a:lvl1pPr marL="0" indent="0" algn="l" defTabSz="914349" rtl="0" eaLnBrk="1" latinLnBrk="0" hangingPunct="1">
-              <a:lnSpc>
-                <a:spcPct val="90000"/>
-              </a:lnSpc>
-              <a:spcBef>
-                <a:spcPts val="1000"/>
-              </a:spcBef>
-              <a:buClr>
-                <a:srgbClr val="0078D1"/>
-              </a:buClr>
-              <a:buFont typeface="Wingdings" panose="05000000000000000000" pitchFamily="2" charset="2"/>
-              <a:buNone/>
-              <a:defRPr sz="2800" kern="1200">
-                <a:solidFill>
-                  <a:schemeClr val="tx1"/>
-                </a:solidFill>
-                <a:latin typeface="Garet Book" pitchFamily="2" charset="0"/>
-                <a:ea typeface="+mn-ea"/>
-                <a:cs typeface="+mn-cs"/>
-              </a:defRPr>
-            </a:lvl1pPr>
-            <a:lvl2pPr marL="359980" indent="-228587" algn="l" defTabSz="914349" rtl="0" eaLnBrk="1" latinLnBrk="0" hangingPunct="1">
-              <a:lnSpc>
-                <a:spcPct val="90000"/>
-              </a:lnSpc>
-              <a:spcBef>
-                <a:spcPts val="500"/>
-              </a:spcBef>
-              <a:buClr>
-                <a:schemeClr val="tx2"/>
-              </a:buClr>
-              <a:buFont typeface="Wingdings" panose="05000000000000000000" pitchFamily="2" charset="2"/>
-              <a:buChar char="§"/>
-              <a:defRPr sz="2400" kern="1200">
-                <a:solidFill>
-                  <a:schemeClr val="tx1"/>
-                </a:solidFill>
-                <a:latin typeface="Garet Book" pitchFamily="2" charset="0"/>
-                <a:ea typeface="+mn-ea"/>
-                <a:cs typeface="+mn-cs"/>
-              </a:defRPr>
-            </a:lvl2pPr>
-            <a:lvl3pPr marL="611965" indent="-228587" algn="l" defTabSz="914349" rtl="0" eaLnBrk="1" latinLnBrk="0" hangingPunct="1">
-              <a:lnSpc>
-                <a:spcPct val="90000"/>
-              </a:lnSpc>
-              <a:spcBef>
-                <a:spcPts val="500"/>
-              </a:spcBef>
-              <a:buClr>
-                <a:schemeClr val="tx2"/>
-              </a:buClr>
-              <a:buFont typeface="Wingdings" panose="05000000000000000000" pitchFamily="2" charset="2"/>
-              <a:buChar char="§"/>
-              <a:defRPr sz="2000" kern="1200">
-                <a:solidFill>
-                  <a:schemeClr val="tx1"/>
-                </a:solidFill>
-                <a:latin typeface="Garet Book" pitchFamily="2" charset="0"/>
-                <a:ea typeface="+mn-ea"/>
-                <a:cs typeface="+mn-cs"/>
-              </a:defRPr>
-            </a:lvl3pPr>
-            <a:lvl4pPr marL="899950" indent="-228587" algn="l" defTabSz="914349" rtl="0" eaLnBrk="1" latinLnBrk="0" hangingPunct="1">
-              <a:lnSpc>
-                <a:spcPct val="90000"/>
-              </a:lnSpc>
-              <a:spcBef>
-                <a:spcPts val="500"/>
-              </a:spcBef>
-              <a:buClr>
-                <a:schemeClr val="tx2"/>
-              </a:buClr>
-              <a:buFont typeface="Wingdings" panose="05000000000000000000" pitchFamily="2" charset="2"/>
-              <a:buChar char="§"/>
-              <a:defRPr sz="1799" kern="1200">
-                <a:solidFill>
-                  <a:schemeClr val="tx1"/>
-                </a:solidFill>
-                <a:latin typeface="Garet Book" pitchFamily="2" charset="0"/>
-                <a:ea typeface="+mn-ea"/>
-                <a:cs typeface="+mn-cs"/>
-              </a:defRPr>
-            </a:lvl4pPr>
-            <a:lvl5pPr marL="1187934" indent="-228587" algn="l" defTabSz="914349" rtl="0" eaLnBrk="1" latinLnBrk="0" hangingPunct="1">
-              <a:lnSpc>
-                <a:spcPct val="90000"/>
-              </a:lnSpc>
-              <a:spcBef>
-                <a:spcPts val="500"/>
-              </a:spcBef>
-              <a:buClr>
-                <a:schemeClr val="tx2"/>
-              </a:buClr>
-              <a:buFont typeface="Wingdings" panose="05000000000000000000" pitchFamily="2" charset="2"/>
-              <a:buChar char="§"/>
-              <a:defRPr sz="1799" kern="1200">
-                <a:solidFill>
-                  <a:schemeClr val="tx1"/>
-                </a:solidFill>
-                <a:latin typeface="Garet Book" pitchFamily="2" charset="0"/>
-                <a:ea typeface="+mn-ea"/>
-                <a:cs typeface="+mn-cs"/>
-              </a:defRPr>
-            </a:lvl5pPr>
-            <a:lvl6pPr marL="2514460" indent="-228587" algn="l" defTabSz="914349" rtl="0" eaLnBrk="1" latinLnBrk="0" hangingPunct="1">
-              <a:lnSpc>
-                <a:spcPct val="90000"/>
-              </a:lnSpc>
-              <a:spcBef>
-                <a:spcPts val="500"/>
-              </a:spcBef>
-              <a:buFont typeface="Arial" panose="020B0604020202020204" pitchFamily="34" charset="0"/>
-              <a:buChar char="•"/>
-              <a:defRPr sz="1799" kern="1200">
-                <a:solidFill>
-                  <a:schemeClr val="tx1"/>
-                </a:solidFill>
-                <a:latin typeface="+mn-lt"/>
-                <a:ea typeface="+mn-ea"/>
-                <a:cs typeface="+mn-cs"/>
-              </a:defRPr>
-            </a:lvl6pPr>
-            <a:lvl7pPr marL="2971634" indent="-228587" algn="l" defTabSz="914349" rtl="0" eaLnBrk="1" latinLnBrk="0" hangingPunct="1">
-              <a:lnSpc>
-                <a:spcPct val="90000"/>
-              </a:lnSpc>
-              <a:spcBef>
-                <a:spcPts val="500"/>
-              </a:spcBef>
-              <a:buFont typeface="Arial" panose="020B0604020202020204" pitchFamily="34" charset="0"/>
-              <a:buChar char="•"/>
-              <a:defRPr sz="1799" kern="1200">
-                <a:solidFill>
-                  <a:schemeClr val="tx1"/>
-                </a:solidFill>
-                <a:latin typeface="+mn-lt"/>
-                <a:ea typeface="+mn-ea"/>
-                <a:cs typeface="+mn-cs"/>
-              </a:defRPr>
-            </a:lvl7pPr>
-            <a:lvl8pPr marL="3428808" indent="-228587" algn="l" defTabSz="914349" rtl="0" eaLnBrk="1" latinLnBrk="0" hangingPunct="1">
-              <a:lnSpc>
-                <a:spcPct val="90000"/>
-              </a:lnSpc>
-              <a:spcBef>
-                <a:spcPts val="500"/>
-              </a:spcBef>
-              <a:buFont typeface="Arial" panose="020B0604020202020204" pitchFamily="34" charset="0"/>
-              <a:buChar char="•"/>
-              <a:defRPr sz="1799" kern="1200">
-                <a:solidFill>
-                  <a:schemeClr val="tx1"/>
-                </a:solidFill>
-                <a:latin typeface="+mn-lt"/>
-                <a:ea typeface="+mn-ea"/>
-                <a:cs typeface="+mn-cs"/>
-              </a:defRPr>
-            </a:lvl8pPr>
-            <a:lvl9pPr marL="3885983" indent="-228587" algn="l" defTabSz="914349" rtl="0" eaLnBrk="1" latinLnBrk="0" hangingPunct="1">
-              <a:lnSpc>
-                <a:spcPct val="90000"/>
-              </a:lnSpc>
-              <a:spcBef>
-                <a:spcPts val="500"/>
-              </a:spcBef>
-              <a:buFont typeface="Arial" panose="020B0604020202020204" pitchFamily="34" charset="0"/>
-              <a:buChar char="•"/>
-              <a:defRPr sz="1799" kern="1200">
-                <a:solidFill>
-                  <a:schemeClr val="tx1"/>
-                </a:solidFill>
-                <a:latin typeface="+mn-lt"/>
-                <a:ea typeface="+mn-ea"/>
-                <a:cs typeface="+mn-cs"/>
-              </a:defRPr>
-            </a:lvl9pPr>
-          </a:lstStyle>
-          <a:p>
-            <a:pPr marL="457200" indent="-457200" defTabSz="914400">
-              <a:spcBef>
-                <a:spcPts val="500"/>
-              </a:spcBef>
-              <a:buClr>
-                <a:srgbClr val="5E42F5"/>
-              </a:buClr>
-              <a:buFont typeface="Wingdings" panose="05000000000000000000" pitchFamily="2" charset="2"/>
-              <a:buChar char="§"/>
-              <a:defRPr/>
-            </a:pPr>
-            <a:r>
-              <a:rPr lang="en-US" sz="1800"/>
-              <a:t>ToDo 1.1: 	Generate Client Api </a:t>
-            </a:r>
-          </a:p>
-          <a:p>
-            <a:pPr marL="817180" lvl="1" indent="-457200" defTabSz="914400">
-              <a:buClr>
-                <a:srgbClr val="5E42F5"/>
-              </a:buClr>
-              <a:defRPr/>
-            </a:pPr>
-            <a:r>
-              <a:rPr lang="en-US" sz="1400"/>
-              <a:t>package.json</a:t>
-            </a:r>
-          </a:p>
-          <a:p>
-            <a:pPr marL="457200" indent="-457200" defTabSz="914400">
-              <a:spcBef>
-                <a:spcPts val="500"/>
-              </a:spcBef>
-              <a:buClr>
-                <a:srgbClr val="5E42F5"/>
-              </a:buClr>
-              <a:buFont typeface="Wingdings" panose="05000000000000000000" pitchFamily="2" charset="2"/>
-              <a:buChar char="§"/>
-              <a:defRPr/>
-            </a:pPr>
-            <a:r>
-              <a:rPr lang="en-US" sz="1800"/>
-              <a:t>ToDo 1.2: 	Import and use Login Mutation</a:t>
-            </a:r>
-          </a:p>
-          <a:p>
-            <a:pPr marL="817180" lvl="1" indent="-457200" defTabSz="914400">
-              <a:buClr>
-                <a:srgbClr val="5E42F5"/>
-              </a:buClr>
-              <a:defRPr/>
-            </a:pPr>
-            <a:r>
-              <a:rPr lang="en-US" sz="1400"/>
-              <a:t>LoginPage</a:t>
-            </a:r>
-            <a:endParaRPr lang="en-DE" sz="1400"/>
-          </a:p>
-        </p:txBody>
-      </p:sp>
-    </p:spTree>
-    <p:extLst>
-      <p:ext uri="{BB962C8B-B14F-4D97-AF65-F5344CB8AC3E}">
-        <p14:creationId xmlns:p14="http://schemas.microsoft.com/office/powerpoint/2010/main" val="507220190"/>
-      </p:ext>
-    </p:extLst>
-  </p:cSld>
-  <p:clrMapOvr>
-    <a:masterClrMapping/>
-  </p:clrMapOvr>
-</p:sld>
-</file>
-
-<file path=ppt/slides/slide16.xml><?xml version="1.0" encoding="utf-8"?>
-<p:sld xmlns:a="http://schemas.openxmlformats.org/drawingml/2006/main" xmlns:r="http://schemas.openxmlformats.org/officeDocument/2006/relationships" xmlns:p="http://schemas.openxmlformats.org/presentationml/2006/main">
-  <p:cSld>
-    <p:spTree>
-      <p:nvGrpSpPr>
-        <p:cNvPr id="1" name=""/>
-        <p:cNvGrpSpPr/>
-        <p:nvPr/>
-      </p:nvGrpSpPr>
-      <p:grpSpPr>
-        <a:xfrm>
-          <a:off x="0" y="0"/>
-          <a:ext cx="0" cy="0"/>
-          <a:chOff x="0" y="0"/>
-          <a:chExt cx="0" cy="0"/>
-        </a:xfrm>
-      </p:grpSpPr>
-      <p:sp>
-        <p:nvSpPr>
-          <p:cNvPr id="2" name="Title 1">
-            <a:extLst>
-              <a:ext uri="{FF2B5EF4-FFF2-40B4-BE49-F238E27FC236}">
-                <a16:creationId xmlns:a16="http://schemas.microsoft.com/office/drawing/2014/main" id="{7CA98F98-950E-FD15-8A08-D998C8B0A61F}"/>
-              </a:ext>
-            </a:extLst>
-          </p:cNvPr>
-          <p:cNvSpPr>
-            <a:spLocks noGrp="1"/>
-          </p:cNvSpPr>
-          <p:nvPr>
-            <p:ph type="title"/>
-          </p:nvPr>
-        </p:nvSpPr>
-        <p:spPr/>
-        <p:txBody>
-          <a:bodyPr/>
-          <a:lstStyle/>
-          <a:p>
-            <a:r>
-              <a:rPr lang="de-DE"/>
               <a:t>Api-Generierung mit</a:t>
             </a:r>
           </a:p>
@@ -12901,38 +12491,267 @@
       </p:pic>
       <p:sp>
         <p:nvSpPr>
-          <p:cNvPr id="13" name="Content Placeholder 2">
+          <p:cNvPr id="5" name="Content Placeholder 3">
             <a:extLst>
               <a:ext uri="{FF2B5EF4-FFF2-40B4-BE49-F238E27FC236}">
-                <a16:creationId xmlns:a16="http://schemas.microsoft.com/office/drawing/2014/main" id="{259D7107-9D9F-0BB5-0F6F-AEB9157C7F0D}"/>
+                <a16:creationId xmlns:a16="http://schemas.microsoft.com/office/drawing/2014/main" id="{165E9C6A-40B7-D974-E93D-70E1E7A01C5B}"/>
               </a:ext>
             </a:extLst>
           </p:cNvPr>
-          <p:cNvSpPr>
-            <a:spLocks noGrp="1"/>
+          <p:cNvSpPr txBox="1">
+            <a:spLocks/>
           </p:cNvSpPr>
-          <p:nvPr>
-            <p:ph sz="half" idx="1"/>
-          </p:nvPr>
+          <p:nvPr/>
         </p:nvSpPr>
         <p:spPr>
           <a:xfrm>
-            <a:off x="487220" y="1544708"/>
-            <a:ext cx="9571180" cy="418811"/>
+            <a:off x="839789" y="2343531"/>
+            <a:ext cx="6373811" cy="2309151"/>
           </a:xfrm>
+          <a:prstGeom prst="rect">
+            <a:avLst/>
+          </a:prstGeom>
         </p:spPr>
         <p:txBody>
-          <a:bodyPr>
-            <a:normAutofit/>
+          <a:bodyPr vert="horz" lIns="91440" tIns="45720" rIns="91440" bIns="45720" rtlCol="0">
+            <a:noAutofit/>
           </a:bodyPr>
-          <a:lstStyle/>
-          <a:p>
-            <a:pPr algn="ctr"/>
-            <a:r>
-              <a:rPr lang="en-US" sz="2200" b="1"/>
-              <a:t>ToDo 1.2: Import generated login endpoint &amp; use it</a:t>
-            </a:r>
-            <a:endParaRPr lang="de-DE" sz="2200" b="1"/>
+          <a:lstStyle>
+            <a:lvl1pPr marL="0" indent="0" algn="l" defTabSz="914349" rtl="0" eaLnBrk="1" latinLnBrk="0" hangingPunct="1">
+              <a:lnSpc>
+                <a:spcPct val="90000"/>
+              </a:lnSpc>
+              <a:spcBef>
+                <a:spcPts val="1000"/>
+              </a:spcBef>
+              <a:buClr>
+                <a:srgbClr val="0078D1"/>
+              </a:buClr>
+              <a:buFont typeface="Wingdings" panose="05000000000000000000" pitchFamily="2" charset="2"/>
+              <a:buNone/>
+              <a:defRPr sz="2800" kern="1200">
+                <a:solidFill>
+                  <a:schemeClr val="tx1"/>
+                </a:solidFill>
+                <a:latin typeface="Garet Book" pitchFamily="2" charset="0"/>
+                <a:ea typeface="+mn-ea"/>
+                <a:cs typeface="+mn-cs"/>
+              </a:defRPr>
+            </a:lvl1pPr>
+            <a:lvl2pPr marL="359980" indent="-228587" algn="l" defTabSz="914349" rtl="0" eaLnBrk="1" latinLnBrk="0" hangingPunct="1">
+              <a:lnSpc>
+                <a:spcPct val="90000"/>
+              </a:lnSpc>
+              <a:spcBef>
+                <a:spcPts val="500"/>
+              </a:spcBef>
+              <a:buClr>
+                <a:schemeClr val="tx2"/>
+              </a:buClr>
+              <a:buFont typeface="Wingdings" panose="05000000000000000000" pitchFamily="2" charset="2"/>
+              <a:buChar char="§"/>
+              <a:defRPr sz="2400" kern="1200">
+                <a:solidFill>
+                  <a:schemeClr val="tx1"/>
+                </a:solidFill>
+                <a:latin typeface="Garet Book" pitchFamily="2" charset="0"/>
+                <a:ea typeface="+mn-ea"/>
+                <a:cs typeface="+mn-cs"/>
+              </a:defRPr>
+            </a:lvl2pPr>
+            <a:lvl3pPr marL="611965" indent="-228587" algn="l" defTabSz="914349" rtl="0" eaLnBrk="1" latinLnBrk="0" hangingPunct="1">
+              <a:lnSpc>
+                <a:spcPct val="90000"/>
+              </a:lnSpc>
+              <a:spcBef>
+                <a:spcPts val="500"/>
+              </a:spcBef>
+              <a:buClr>
+                <a:schemeClr val="tx2"/>
+              </a:buClr>
+              <a:buFont typeface="Wingdings" panose="05000000000000000000" pitchFamily="2" charset="2"/>
+              <a:buChar char="§"/>
+              <a:defRPr sz="2000" kern="1200">
+                <a:solidFill>
+                  <a:schemeClr val="tx1"/>
+                </a:solidFill>
+                <a:latin typeface="Garet Book" pitchFamily="2" charset="0"/>
+                <a:ea typeface="+mn-ea"/>
+                <a:cs typeface="+mn-cs"/>
+              </a:defRPr>
+            </a:lvl3pPr>
+            <a:lvl4pPr marL="899950" indent="-228587" algn="l" defTabSz="914349" rtl="0" eaLnBrk="1" latinLnBrk="0" hangingPunct="1">
+              <a:lnSpc>
+                <a:spcPct val="90000"/>
+              </a:lnSpc>
+              <a:spcBef>
+                <a:spcPts val="500"/>
+              </a:spcBef>
+              <a:buClr>
+                <a:schemeClr val="tx2"/>
+              </a:buClr>
+              <a:buFont typeface="Wingdings" panose="05000000000000000000" pitchFamily="2" charset="2"/>
+              <a:buChar char="§"/>
+              <a:defRPr sz="1799" kern="1200">
+                <a:solidFill>
+                  <a:schemeClr val="tx1"/>
+                </a:solidFill>
+                <a:latin typeface="Garet Book" pitchFamily="2" charset="0"/>
+                <a:ea typeface="+mn-ea"/>
+                <a:cs typeface="+mn-cs"/>
+              </a:defRPr>
+            </a:lvl4pPr>
+            <a:lvl5pPr marL="1187934" indent="-228587" algn="l" defTabSz="914349" rtl="0" eaLnBrk="1" latinLnBrk="0" hangingPunct="1">
+              <a:lnSpc>
+                <a:spcPct val="90000"/>
+              </a:lnSpc>
+              <a:spcBef>
+                <a:spcPts val="500"/>
+              </a:spcBef>
+              <a:buClr>
+                <a:schemeClr val="tx2"/>
+              </a:buClr>
+              <a:buFont typeface="Wingdings" panose="05000000000000000000" pitchFamily="2" charset="2"/>
+              <a:buChar char="§"/>
+              <a:defRPr sz="1799" kern="1200">
+                <a:solidFill>
+                  <a:schemeClr val="tx1"/>
+                </a:solidFill>
+                <a:latin typeface="Garet Book" pitchFamily="2" charset="0"/>
+                <a:ea typeface="+mn-ea"/>
+                <a:cs typeface="+mn-cs"/>
+              </a:defRPr>
+            </a:lvl5pPr>
+            <a:lvl6pPr marL="2514460" indent="-228587" algn="l" defTabSz="914349" rtl="0" eaLnBrk="1" latinLnBrk="0" hangingPunct="1">
+              <a:lnSpc>
+                <a:spcPct val="90000"/>
+              </a:lnSpc>
+              <a:spcBef>
+                <a:spcPts val="500"/>
+              </a:spcBef>
+              <a:buFont typeface="Arial" panose="020B0604020202020204" pitchFamily="34" charset="0"/>
+              <a:buChar char="•"/>
+              <a:defRPr sz="1799" kern="1200">
+                <a:solidFill>
+                  <a:schemeClr val="tx1"/>
+                </a:solidFill>
+                <a:latin typeface="+mn-lt"/>
+                <a:ea typeface="+mn-ea"/>
+                <a:cs typeface="+mn-cs"/>
+              </a:defRPr>
+            </a:lvl6pPr>
+            <a:lvl7pPr marL="2971634" indent="-228587" algn="l" defTabSz="914349" rtl="0" eaLnBrk="1" latinLnBrk="0" hangingPunct="1">
+              <a:lnSpc>
+                <a:spcPct val="90000"/>
+              </a:lnSpc>
+              <a:spcBef>
+                <a:spcPts val="500"/>
+              </a:spcBef>
+              <a:buFont typeface="Arial" panose="020B0604020202020204" pitchFamily="34" charset="0"/>
+              <a:buChar char="•"/>
+              <a:defRPr sz="1799" kern="1200">
+                <a:solidFill>
+                  <a:schemeClr val="tx1"/>
+                </a:solidFill>
+                <a:latin typeface="+mn-lt"/>
+                <a:ea typeface="+mn-ea"/>
+                <a:cs typeface="+mn-cs"/>
+              </a:defRPr>
+            </a:lvl7pPr>
+            <a:lvl8pPr marL="3428808" indent="-228587" algn="l" defTabSz="914349" rtl="0" eaLnBrk="1" latinLnBrk="0" hangingPunct="1">
+              <a:lnSpc>
+                <a:spcPct val="90000"/>
+              </a:lnSpc>
+              <a:spcBef>
+                <a:spcPts val="500"/>
+              </a:spcBef>
+              <a:buFont typeface="Arial" panose="020B0604020202020204" pitchFamily="34" charset="0"/>
+              <a:buChar char="•"/>
+              <a:defRPr sz="1799" kern="1200">
+                <a:solidFill>
+                  <a:schemeClr val="tx1"/>
+                </a:solidFill>
+                <a:latin typeface="+mn-lt"/>
+                <a:ea typeface="+mn-ea"/>
+                <a:cs typeface="+mn-cs"/>
+              </a:defRPr>
+            </a:lvl8pPr>
+            <a:lvl9pPr marL="3885983" indent="-228587" algn="l" defTabSz="914349" rtl="0" eaLnBrk="1" latinLnBrk="0" hangingPunct="1">
+              <a:lnSpc>
+                <a:spcPct val="90000"/>
+              </a:lnSpc>
+              <a:spcBef>
+                <a:spcPts val="500"/>
+              </a:spcBef>
+              <a:buFont typeface="Arial" panose="020B0604020202020204" pitchFamily="34" charset="0"/>
+              <a:buChar char="•"/>
+              <a:defRPr sz="1799" kern="1200">
+                <a:solidFill>
+                  <a:schemeClr val="tx1"/>
+                </a:solidFill>
+                <a:latin typeface="+mn-lt"/>
+                <a:ea typeface="+mn-ea"/>
+                <a:cs typeface="+mn-cs"/>
+              </a:defRPr>
+            </a:lvl9pPr>
+          </a:lstStyle>
+          <a:p>
+            <a:pPr marL="457200" indent="-457200" defTabSz="914400">
+              <a:spcBef>
+                <a:spcPts val="500"/>
+              </a:spcBef>
+              <a:buClr>
+                <a:srgbClr val="5E42F5"/>
+              </a:buClr>
+              <a:buFont typeface="Wingdings" panose="05000000000000000000" pitchFamily="2" charset="2"/>
+              <a:buChar char="§"/>
+              <a:defRPr/>
+            </a:pPr>
+            <a:r>
+              <a:rPr lang="en-US" sz="1800"/>
+              <a:t>ToDo 1.1: 	Generate Client Api </a:t>
+            </a:r>
+          </a:p>
+          <a:p>
+            <a:pPr marL="817180" lvl="1" indent="-457200" defTabSz="914400">
+              <a:buClr>
+                <a:srgbClr val="5E42F5"/>
+              </a:buClr>
+              <a:defRPr/>
+            </a:pPr>
+            <a:r>
+              <a:rPr lang="en-US" sz="1400"/>
+              <a:t>package.json</a:t>
+            </a:r>
+          </a:p>
+          <a:p>
+            <a:pPr marL="457200" indent="-457200" defTabSz="914400">
+              <a:spcBef>
+                <a:spcPts val="500"/>
+              </a:spcBef>
+              <a:buClr>
+                <a:srgbClr val="5E42F5"/>
+              </a:buClr>
+              <a:buFont typeface="Wingdings" panose="05000000000000000000" pitchFamily="2" charset="2"/>
+              <a:buChar char="§"/>
+              <a:defRPr/>
+            </a:pPr>
+            <a:r>
+              <a:rPr lang="en-US" sz="1800"/>
+              <a:t>ToDo 1.2: 	Import and use Login Mutation</a:t>
+            </a:r>
+          </a:p>
+          <a:p>
+            <a:pPr marL="817180" lvl="1" indent="-457200" defTabSz="914400">
+              <a:buClr>
+                <a:srgbClr val="5E42F5"/>
+              </a:buClr>
+              <a:defRPr/>
+            </a:pPr>
+            <a:r>
+              <a:rPr lang="en-US" sz="1400"/>
+              <a:t>LoginPage</a:t>
+            </a:r>
           </a:p>
         </p:txBody>
       </p:sp>
@@ -12949,7 +12768,7 @@
 </p:sld>
 </file>
 
-<file path=ppt/slides/slide17.xml><?xml version="1.0" encoding="utf-8"?>
+<file path=ppt/slides/slide16.xml><?xml version="1.0" encoding="utf-8"?>
 <p:sld xmlns:a="http://schemas.openxmlformats.org/drawingml/2006/main" xmlns:r="http://schemas.openxmlformats.org/officeDocument/2006/relationships" xmlns:p="http://schemas.openxmlformats.org/presentationml/2006/main">
   <p:cSld>
     <p:spTree>
@@ -13035,7 +12854,7 @@
 </p:sld>
 </file>
 
-<file path=ppt/slides/slide18.xml><?xml version="1.0" encoding="utf-8"?>
+<file path=ppt/slides/slide17.xml><?xml version="1.0" encoding="utf-8"?>
 <p:sld xmlns:a="http://schemas.openxmlformats.org/drawingml/2006/main" xmlns:r="http://schemas.openxmlformats.org/officeDocument/2006/relationships" xmlns:p="http://schemas.openxmlformats.org/presentationml/2006/main">
   <p:cSld>
     <p:spTree>
@@ -13435,7 +13254,7 @@
 </p:sld>
 </file>
 
-<file path=ppt/slides/slide19.xml><?xml version="1.0" encoding="utf-8"?>
+<file path=ppt/slides/slide18.xml><?xml version="1.0" encoding="utf-8"?>
 <p:sld xmlns:a="http://schemas.openxmlformats.org/drawingml/2006/main" xmlns:r="http://schemas.openxmlformats.org/officeDocument/2006/relationships" xmlns:p="http://schemas.openxmlformats.org/presentationml/2006/main">
   <p:cSld>
     <p:spTree>
@@ -13512,6 +13331,1198 @@
     <p:extLst>
       <p:ext uri="{BB962C8B-B14F-4D97-AF65-F5344CB8AC3E}">
         <p14:creationId xmlns:p14="http://schemas.microsoft.com/office/powerpoint/2010/main" val="2176160067"/>
+      </p:ext>
+    </p:extLst>
+  </p:cSld>
+  <p:clrMapOvr>
+    <a:masterClrMapping/>
+  </p:clrMapOvr>
+</p:sld>
+</file>
+
+<file path=ppt/slides/slide19.xml><?xml version="1.0" encoding="utf-8"?>
+<p:sld xmlns:a="http://schemas.openxmlformats.org/drawingml/2006/main" xmlns:r="http://schemas.openxmlformats.org/officeDocument/2006/relationships" xmlns:p="http://schemas.openxmlformats.org/presentationml/2006/main">
+  <p:cSld>
+    <p:spTree>
+      <p:nvGrpSpPr>
+        <p:cNvPr id="1" name=""/>
+        <p:cNvGrpSpPr/>
+        <p:nvPr/>
+      </p:nvGrpSpPr>
+      <p:grpSpPr>
+        <a:xfrm>
+          <a:off x="0" y="0"/>
+          <a:ext cx="0" cy="0"/>
+          <a:chOff x="0" y="0"/>
+          <a:chExt cx="0" cy="0"/>
+        </a:xfrm>
+      </p:grpSpPr>
+      <p:sp>
+        <p:nvSpPr>
+          <p:cNvPr id="3" name="Titel 2">
+            <a:extLst>
+              <a:ext uri="{FF2B5EF4-FFF2-40B4-BE49-F238E27FC236}">
+                <a16:creationId xmlns:a16="http://schemas.microsoft.com/office/drawing/2014/main" id="{F15C4302-1904-95F5-7E7B-E687AE6F4386}"/>
+              </a:ext>
+            </a:extLst>
+          </p:cNvPr>
+          <p:cNvSpPr>
+            <a:spLocks noGrp="1"/>
+          </p:cNvSpPr>
+          <p:nvPr>
+            <p:ph type="title"/>
+          </p:nvPr>
+        </p:nvSpPr>
+        <p:spPr>
+          <a:xfrm>
+            <a:off x="838345" y="365125"/>
+            <a:ext cx="10515311" cy="1325563"/>
+          </a:xfrm>
+        </p:spPr>
+        <p:txBody>
+          <a:bodyPr anchor="ctr">
+            <a:normAutofit/>
+          </a:bodyPr>
+          <a:lstStyle/>
+          <a:p>
+            <a:r>
+              <a:rPr lang="de-DE"/>
+              <a:t>React Hooks</a:t>
+            </a:r>
+          </a:p>
+        </p:txBody>
+      </p:sp>
+      <p:sp>
+        <p:nvSpPr>
+          <p:cNvPr id="7" name="Text Placeholder 2">
+            <a:extLst>
+              <a:ext uri="{FF2B5EF4-FFF2-40B4-BE49-F238E27FC236}">
+                <a16:creationId xmlns:a16="http://schemas.microsoft.com/office/drawing/2014/main" id="{AD7F0BC1-64B4-C22D-D688-A43A681D5B26}"/>
+              </a:ext>
+            </a:extLst>
+          </p:cNvPr>
+          <p:cNvSpPr txBox="1">
+            <a:spLocks/>
+          </p:cNvSpPr>
+          <p:nvPr/>
+        </p:nvSpPr>
+        <p:spPr>
+          <a:xfrm>
+            <a:off x="839789" y="1908428"/>
+            <a:ext cx="5157787" cy="823912"/>
+          </a:xfrm>
+          <a:prstGeom prst="rect">
+            <a:avLst/>
+          </a:prstGeom>
+        </p:spPr>
+        <p:txBody>
+          <a:bodyPr vert="horz" lIns="91440" tIns="45720" rIns="91440" bIns="45720" rtlCol="0">
+            <a:normAutofit/>
+          </a:bodyPr>
+          <a:lstStyle>
+            <a:lvl1pPr marL="0" indent="0" algn="l" defTabSz="914349" rtl="0" eaLnBrk="1" latinLnBrk="0" hangingPunct="1">
+              <a:lnSpc>
+                <a:spcPct val="90000"/>
+              </a:lnSpc>
+              <a:spcBef>
+                <a:spcPts val="1000"/>
+              </a:spcBef>
+              <a:buClr>
+                <a:srgbClr val="0078D1"/>
+              </a:buClr>
+              <a:buFont typeface="Wingdings" panose="05000000000000000000" pitchFamily="2" charset="2"/>
+              <a:buNone/>
+              <a:defRPr sz="2800" kern="1200">
+                <a:solidFill>
+                  <a:schemeClr val="tx1"/>
+                </a:solidFill>
+                <a:latin typeface="Garet Book" pitchFamily="2" charset="0"/>
+                <a:ea typeface="+mn-ea"/>
+                <a:cs typeface="+mn-cs"/>
+              </a:defRPr>
+            </a:lvl1pPr>
+            <a:lvl2pPr marL="359980" indent="-228587" algn="l" defTabSz="914349" rtl="0" eaLnBrk="1" latinLnBrk="0" hangingPunct="1">
+              <a:lnSpc>
+                <a:spcPct val="90000"/>
+              </a:lnSpc>
+              <a:spcBef>
+                <a:spcPts val="500"/>
+              </a:spcBef>
+              <a:buClr>
+                <a:schemeClr val="tx2"/>
+              </a:buClr>
+              <a:buFont typeface="Wingdings" panose="05000000000000000000" pitchFamily="2" charset="2"/>
+              <a:buChar char="§"/>
+              <a:defRPr sz="2400" kern="1200">
+                <a:solidFill>
+                  <a:schemeClr val="tx1"/>
+                </a:solidFill>
+                <a:latin typeface="Garet Book" pitchFamily="2" charset="0"/>
+                <a:ea typeface="+mn-ea"/>
+                <a:cs typeface="+mn-cs"/>
+              </a:defRPr>
+            </a:lvl2pPr>
+            <a:lvl3pPr marL="611965" indent="-228587" algn="l" defTabSz="914349" rtl="0" eaLnBrk="1" latinLnBrk="0" hangingPunct="1">
+              <a:lnSpc>
+                <a:spcPct val="90000"/>
+              </a:lnSpc>
+              <a:spcBef>
+                <a:spcPts val="500"/>
+              </a:spcBef>
+              <a:buClr>
+                <a:schemeClr val="tx2"/>
+              </a:buClr>
+              <a:buFont typeface="Wingdings" panose="05000000000000000000" pitchFamily="2" charset="2"/>
+              <a:buChar char="§"/>
+              <a:defRPr sz="2000" kern="1200">
+                <a:solidFill>
+                  <a:schemeClr val="tx1"/>
+                </a:solidFill>
+                <a:latin typeface="Garet Book" pitchFamily="2" charset="0"/>
+                <a:ea typeface="+mn-ea"/>
+                <a:cs typeface="+mn-cs"/>
+              </a:defRPr>
+            </a:lvl3pPr>
+            <a:lvl4pPr marL="899950" indent="-228587" algn="l" defTabSz="914349" rtl="0" eaLnBrk="1" latinLnBrk="0" hangingPunct="1">
+              <a:lnSpc>
+                <a:spcPct val="90000"/>
+              </a:lnSpc>
+              <a:spcBef>
+                <a:spcPts val="500"/>
+              </a:spcBef>
+              <a:buClr>
+                <a:schemeClr val="tx2"/>
+              </a:buClr>
+              <a:buFont typeface="Wingdings" panose="05000000000000000000" pitchFamily="2" charset="2"/>
+              <a:buChar char="§"/>
+              <a:defRPr sz="1799" kern="1200">
+                <a:solidFill>
+                  <a:schemeClr val="tx1"/>
+                </a:solidFill>
+                <a:latin typeface="Garet Book" pitchFamily="2" charset="0"/>
+                <a:ea typeface="+mn-ea"/>
+                <a:cs typeface="+mn-cs"/>
+              </a:defRPr>
+            </a:lvl4pPr>
+            <a:lvl5pPr marL="1187934" indent="-228587" algn="l" defTabSz="914349" rtl="0" eaLnBrk="1" latinLnBrk="0" hangingPunct="1">
+              <a:lnSpc>
+                <a:spcPct val="90000"/>
+              </a:lnSpc>
+              <a:spcBef>
+                <a:spcPts val="500"/>
+              </a:spcBef>
+              <a:buClr>
+                <a:schemeClr val="tx2"/>
+              </a:buClr>
+              <a:buFont typeface="Wingdings" panose="05000000000000000000" pitchFamily="2" charset="2"/>
+              <a:buChar char="§"/>
+              <a:defRPr sz="1799" kern="1200">
+                <a:solidFill>
+                  <a:schemeClr val="tx1"/>
+                </a:solidFill>
+                <a:latin typeface="Garet Book" pitchFamily="2" charset="0"/>
+                <a:ea typeface="+mn-ea"/>
+                <a:cs typeface="+mn-cs"/>
+              </a:defRPr>
+            </a:lvl5pPr>
+            <a:lvl6pPr marL="2514460" indent="-228587" algn="l" defTabSz="914349" rtl="0" eaLnBrk="1" latinLnBrk="0" hangingPunct="1">
+              <a:lnSpc>
+                <a:spcPct val="90000"/>
+              </a:lnSpc>
+              <a:spcBef>
+                <a:spcPts val="500"/>
+              </a:spcBef>
+              <a:buFont typeface="Arial" panose="020B0604020202020204" pitchFamily="34" charset="0"/>
+              <a:buChar char="•"/>
+              <a:defRPr sz="1799" kern="1200">
+                <a:solidFill>
+                  <a:schemeClr val="tx1"/>
+                </a:solidFill>
+                <a:latin typeface="+mn-lt"/>
+                <a:ea typeface="+mn-ea"/>
+                <a:cs typeface="+mn-cs"/>
+              </a:defRPr>
+            </a:lvl6pPr>
+            <a:lvl7pPr marL="2971634" indent="-228587" algn="l" defTabSz="914349" rtl="0" eaLnBrk="1" latinLnBrk="0" hangingPunct="1">
+              <a:lnSpc>
+                <a:spcPct val="90000"/>
+              </a:lnSpc>
+              <a:spcBef>
+                <a:spcPts val="500"/>
+              </a:spcBef>
+              <a:buFont typeface="Arial" panose="020B0604020202020204" pitchFamily="34" charset="0"/>
+              <a:buChar char="•"/>
+              <a:defRPr sz="1799" kern="1200">
+                <a:solidFill>
+                  <a:schemeClr val="tx1"/>
+                </a:solidFill>
+                <a:latin typeface="+mn-lt"/>
+                <a:ea typeface="+mn-ea"/>
+                <a:cs typeface="+mn-cs"/>
+              </a:defRPr>
+            </a:lvl7pPr>
+            <a:lvl8pPr marL="3428808" indent="-228587" algn="l" defTabSz="914349" rtl="0" eaLnBrk="1" latinLnBrk="0" hangingPunct="1">
+              <a:lnSpc>
+                <a:spcPct val="90000"/>
+              </a:lnSpc>
+              <a:spcBef>
+                <a:spcPts val="500"/>
+              </a:spcBef>
+              <a:buFont typeface="Arial" panose="020B0604020202020204" pitchFamily="34" charset="0"/>
+              <a:buChar char="•"/>
+              <a:defRPr sz="1799" kern="1200">
+                <a:solidFill>
+                  <a:schemeClr val="tx1"/>
+                </a:solidFill>
+                <a:latin typeface="+mn-lt"/>
+                <a:ea typeface="+mn-ea"/>
+                <a:cs typeface="+mn-cs"/>
+              </a:defRPr>
+            </a:lvl8pPr>
+            <a:lvl9pPr marL="3885983" indent="-228587" algn="l" defTabSz="914349" rtl="0" eaLnBrk="1" latinLnBrk="0" hangingPunct="1">
+              <a:lnSpc>
+                <a:spcPct val="90000"/>
+              </a:lnSpc>
+              <a:spcBef>
+                <a:spcPts val="500"/>
+              </a:spcBef>
+              <a:buFont typeface="Arial" panose="020B0604020202020204" pitchFamily="34" charset="0"/>
+              <a:buChar char="•"/>
+              <a:defRPr sz="1799" kern="1200">
+                <a:solidFill>
+                  <a:schemeClr val="tx1"/>
+                </a:solidFill>
+                <a:latin typeface="+mn-lt"/>
+                <a:ea typeface="+mn-ea"/>
+                <a:cs typeface="+mn-cs"/>
+              </a:defRPr>
+            </a:lvl9pPr>
+          </a:lstStyle>
+          <a:p>
+            <a:r>
+              <a:rPr lang="de-DE" sz="2000"/>
+              <a:t>useMemo:</a:t>
+            </a:r>
+          </a:p>
+        </p:txBody>
+      </p:sp>
+      <p:sp>
+        <p:nvSpPr>
+          <p:cNvPr id="8" name="Content Placeholder 3">
+            <a:extLst>
+              <a:ext uri="{FF2B5EF4-FFF2-40B4-BE49-F238E27FC236}">
+                <a16:creationId xmlns:a16="http://schemas.microsoft.com/office/drawing/2014/main" id="{E30A0B3B-5E33-DCBD-D65F-4E85373AEA27}"/>
+              </a:ext>
+            </a:extLst>
+          </p:cNvPr>
+          <p:cNvSpPr>
+            <a:spLocks noGrp="1"/>
+          </p:cNvSpPr>
+          <p:nvPr>
+            <p:ph sz="half" idx="2"/>
+          </p:nvPr>
+        </p:nvSpPr>
+        <p:spPr>
+          <a:xfrm>
+            <a:off x="839789" y="2343531"/>
+            <a:ext cx="5256211" cy="1626493"/>
+          </a:xfrm>
+        </p:spPr>
+        <p:txBody>
+          <a:bodyPr>
+            <a:noAutofit/>
+          </a:bodyPr>
+          <a:lstStyle/>
+          <a:p>
+            <a:pPr marL="457200" marR="0" lvl="0" indent="-457200" algn="l" defTabSz="914400" rtl="0" eaLnBrk="1" fontAlgn="auto" latinLnBrk="0" hangingPunct="1">
+              <a:lnSpc>
+                <a:spcPct val="90000"/>
+              </a:lnSpc>
+              <a:spcBef>
+                <a:spcPts val="500"/>
+              </a:spcBef>
+              <a:spcAft>
+                <a:spcPts val="0"/>
+              </a:spcAft>
+              <a:buClr>
+                <a:srgbClr val="5E42F5"/>
+              </a:buClr>
+              <a:buSzTx/>
+              <a:buFont typeface="Wingdings" panose="05000000000000000000" pitchFamily="2" charset="2"/>
+              <a:buChar char="§"/>
+              <a:tabLst/>
+              <a:defRPr/>
+            </a:pPr>
+            <a:r>
+              <a:rPr lang="en-DE" sz="1800"/>
+              <a:t>kapselt eine Funktion, die einen memoisierten Wert zurückgibt</a:t>
+            </a:r>
+          </a:p>
+          <a:p>
+            <a:pPr marL="457200" marR="0" lvl="0" indent="-457200" algn="l" defTabSz="914400" rtl="0" eaLnBrk="1" fontAlgn="auto" latinLnBrk="0" hangingPunct="1">
+              <a:lnSpc>
+                <a:spcPct val="90000"/>
+              </a:lnSpc>
+              <a:spcBef>
+                <a:spcPts val="500"/>
+              </a:spcBef>
+              <a:spcAft>
+                <a:spcPts val="0"/>
+              </a:spcAft>
+              <a:buClr>
+                <a:srgbClr val="5E42F5"/>
+              </a:buClr>
+              <a:buSzTx/>
+              <a:buFont typeface="Wingdings" panose="05000000000000000000" pitchFamily="2" charset="2"/>
+              <a:buChar char="§"/>
+              <a:tabLst/>
+              <a:defRPr/>
+            </a:pPr>
+            <a:r>
+              <a:rPr lang="en-DE" sz="1800"/>
+              <a:t>Ähnlich </a:t>
+            </a:r>
+            <a:r>
+              <a:rPr kumimoji="0" lang="en-DE" sz="1800" i="0" u="none" strike="noStrike" kern="1200" cap="none" spc="0" normalizeH="0" baseline="0" noProof="0">
+                <a:ln>
+                  <a:noFill/>
+                </a:ln>
+                <a:effectLst/>
+                <a:uLnTx/>
+                <a:uFillTx/>
+                <a:latin typeface="Garet Book" pitchFamily="2" charset="0"/>
+                <a:ea typeface="+mn-ea"/>
+                <a:cs typeface="+mn-cs"/>
+              </a:rPr>
+              <a:t>zu </a:t>
+            </a:r>
+            <a:r>
+              <a:rPr lang="en-DE" sz="1800"/>
+              <a:t>useEffect durch abhängige States gesteuert, wann der Wert neu berechnet wird</a:t>
+            </a:r>
+            <a:endParaRPr kumimoji="0" lang="en-DE" sz="1800" i="0" u="none" strike="noStrike" kern="1200" cap="none" spc="0" normalizeH="0" baseline="0" noProof="0">
+              <a:ln>
+                <a:noFill/>
+              </a:ln>
+              <a:effectLst/>
+              <a:uLnTx/>
+              <a:uFillTx/>
+              <a:latin typeface="Garet Book" pitchFamily="2" charset="0"/>
+              <a:ea typeface="+mn-ea"/>
+              <a:cs typeface="+mn-cs"/>
+            </a:endParaRPr>
+          </a:p>
+        </p:txBody>
+      </p:sp>
+      <p:sp>
+        <p:nvSpPr>
+          <p:cNvPr id="33" name="Arrow: Right 32">
+            <a:extLst>
+              <a:ext uri="{FF2B5EF4-FFF2-40B4-BE49-F238E27FC236}">
+                <a16:creationId xmlns:a16="http://schemas.microsoft.com/office/drawing/2014/main" id="{EEECCED3-0447-6EFB-9802-A6967B5426D3}"/>
+              </a:ext>
+            </a:extLst>
+          </p:cNvPr>
+          <p:cNvSpPr/>
+          <p:nvPr/>
+        </p:nvSpPr>
+        <p:spPr>
+          <a:xfrm>
+            <a:off x="903000" y="4902340"/>
+            <a:ext cx="981219" cy="455093"/>
+          </a:xfrm>
+          <a:prstGeom prst="rightArrow">
+            <a:avLst/>
+          </a:prstGeom>
+          <a:solidFill>
+            <a:schemeClr val="bg2"/>
+          </a:solidFill>
+          <a:ln>
+            <a:solidFill>
+              <a:schemeClr val="tx1"/>
+            </a:solidFill>
+          </a:ln>
+        </p:spPr>
+        <p:style>
+          <a:lnRef idx="2">
+            <a:schemeClr val="accent1">
+              <a:shade val="15000"/>
+            </a:schemeClr>
+          </a:lnRef>
+          <a:fillRef idx="1">
+            <a:schemeClr val="accent1"/>
+          </a:fillRef>
+          <a:effectRef idx="0">
+            <a:schemeClr val="accent1"/>
+          </a:effectRef>
+          <a:fontRef idx="minor">
+            <a:schemeClr val="lt1"/>
+          </a:fontRef>
+        </p:style>
+        <p:txBody>
+          <a:bodyPr rtlCol="0" anchor="ctr"/>
+          <a:lstStyle/>
+          <a:p>
+            <a:pPr algn="ctr"/>
+            <a:r>
+              <a:rPr lang="de-DE" sz="1200">
+                <a:solidFill>
+                  <a:schemeClr val="bg1"/>
+                </a:solidFill>
+              </a:rPr>
+              <a:t>Render</a:t>
+            </a:r>
+          </a:p>
+        </p:txBody>
+      </p:sp>
+      <p:sp>
+        <p:nvSpPr>
+          <p:cNvPr id="37" name="Diamond 36">
+            <a:extLst>
+              <a:ext uri="{FF2B5EF4-FFF2-40B4-BE49-F238E27FC236}">
+                <a16:creationId xmlns:a16="http://schemas.microsoft.com/office/drawing/2014/main" id="{626B7858-50A5-14C1-D4F7-5338A98AFB49}"/>
+              </a:ext>
+            </a:extLst>
+          </p:cNvPr>
+          <p:cNvSpPr/>
+          <p:nvPr/>
+        </p:nvSpPr>
+        <p:spPr>
+          <a:xfrm>
+            <a:off x="3720088" y="4282452"/>
+            <a:ext cx="1717963" cy="1717963"/>
+          </a:xfrm>
+          <a:prstGeom prst="diamond">
+            <a:avLst/>
+          </a:prstGeom>
+        </p:spPr>
+        <p:style>
+          <a:lnRef idx="2">
+            <a:schemeClr val="accent2">
+              <a:shade val="15000"/>
+            </a:schemeClr>
+          </a:lnRef>
+          <a:fillRef idx="1">
+            <a:schemeClr val="accent2"/>
+          </a:fillRef>
+          <a:effectRef idx="0">
+            <a:schemeClr val="accent2"/>
+          </a:effectRef>
+          <a:fontRef idx="minor">
+            <a:schemeClr val="lt1"/>
+          </a:fontRef>
+        </p:style>
+        <p:txBody>
+          <a:bodyPr rtlCol="0" anchor="ctr"/>
+          <a:lstStyle/>
+          <a:p>
+            <a:pPr algn="ctr"/>
+            <a:endParaRPr lang="de-DE" sz="1200"/>
+          </a:p>
+        </p:txBody>
+      </p:sp>
+      <p:sp>
+        <p:nvSpPr>
+          <p:cNvPr id="38" name="Text Placeholder 2">
+            <a:extLst>
+              <a:ext uri="{FF2B5EF4-FFF2-40B4-BE49-F238E27FC236}">
+                <a16:creationId xmlns:a16="http://schemas.microsoft.com/office/drawing/2014/main" id="{0E24A600-1FB6-6C37-7D74-14FEDA5DF1F0}"/>
+              </a:ext>
+            </a:extLst>
+          </p:cNvPr>
+          <p:cNvSpPr txBox="1">
+            <a:spLocks/>
+          </p:cNvSpPr>
+          <p:nvPr/>
+        </p:nvSpPr>
+        <p:spPr>
+          <a:xfrm>
+            <a:off x="3720088" y="5011676"/>
+            <a:ext cx="1717963" cy="416347"/>
+          </a:xfrm>
+          <a:prstGeom prst="rect">
+            <a:avLst/>
+          </a:prstGeom>
+          <a:ln>
+            <a:noFill/>
+          </a:ln>
+        </p:spPr>
+        <p:txBody>
+          <a:bodyPr vert="horz" lIns="91440" tIns="45720" rIns="91440" bIns="45720" rtlCol="0" anchor="b">
+            <a:noAutofit/>
+          </a:bodyPr>
+          <a:lstStyle>
+            <a:lvl1pPr marL="0" indent="0" algn="l" defTabSz="914349" rtl="0" eaLnBrk="1" latinLnBrk="0" hangingPunct="1">
+              <a:lnSpc>
+                <a:spcPct val="90000"/>
+              </a:lnSpc>
+              <a:spcBef>
+                <a:spcPts val="1000"/>
+              </a:spcBef>
+              <a:buClr>
+                <a:srgbClr val="0078D1"/>
+              </a:buClr>
+              <a:buFont typeface="Wingdings" panose="05000000000000000000" pitchFamily="2" charset="2"/>
+              <a:buNone/>
+              <a:defRPr sz="2400" b="1" kern="1200">
+                <a:solidFill>
+                  <a:schemeClr val="tx1"/>
+                </a:solidFill>
+                <a:latin typeface="Garet Book" pitchFamily="2" charset="0"/>
+                <a:ea typeface="+mn-ea"/>
+                <a:cs typeface="+mn-cs"/>
+              </a:defRPr>
+            </a:lvl1pPr>
+            <a:lvl2pPr marL="457175" indent="0" algn="l" defTabSz="914349" rtl="0" eaLnBrk="1" latinLnBrk="0" hangingPunct="1">
+              <a:lnSpc>
+                <a:spcPct val="90000"/>
+              </a:lnSpc>
+              <a:spcBef>
+                <a:spcPts val="500"/>
+              </a:spcBef>
+              <a:buClr>
+                <a:schemeClr val="tx2"/>
+              </a:buClr>
+              <a:buFont typeface="Wingdings" panose="05000000000000000000" pitchFamily="2" charset="2"/>
+              <a:buNone/>
+              <a:defRPr sz="2000" b="1" kern="1200">
+                <a:solidFill>
+                  <a:schemeClr val="tx1"/>
+                </a:solidFill>
+                <a:latin typeface="Garet Book" pitchFamily="2" charset="0"/>
+                <a:ea typeface="+mn-ea"/>
+                <a:cs typeface="+mn-cs"/>
+              </a:defRPr>
+            </a:lvl2pPr>
+            <a:lvl3pPr marL="914349" indent="0" algn="l" defTabSz="914349" rtl="0" eaLnBrk="1" latinLnBrk="0" hangingPunct="1">
+              <a:lnSpc>
+                <a:spcPct val="90000"/>
+              </a:lnSpc>
+              <a:spcBef>
+                <a:spcPts val="500"/>
+              </a:spcBef>
+              <a:buClr>
+                <a:schemeClr val="tx2"/>
+              </a:buClr>
+              <a:buFont typeface="Wingdings" panose="05000000000000000000" pitchFamily="2" charset="2"/>
+              <a:buNone/>
+              <a:defRPr sz="1799" b="1" kern="1200">
+                <a:solidFill>
+                  <a:schemeClr val="tx1"/>
+                </a:solidFill>
+                <a:latin typeface="Garet Book" pitchFamily="2" charset="0"/>
+                <a:ea typeface="+mn-ea"/>
+                <a:cs typeface="+mn-cs"/>
+              </a:defRPr>
+            </a:lvl3pPr>
+            <a:lvl4pPr marL="1371524" indent="0" algn="l" defTabSz="914349" rtl="0" eaLnBrk="1" latinLnBrk="0" hangingPunct="1">
+              <a:lnSpc>
+                <a:spcPct val="90000"/>
+              </a:lnSpc>
+              <a:spcBef>
+                <a:spcPts val="500"/>
+              </a:spcBef>
+              <a:buClr>
+                <a:schemeClr val="tx2"/>
+              </a:buClr>
+              <a:buFont typeface="Wingdings" panose="05000000000000000000" pitchFamily="2" charset="2"/>
+              <a:buNone/>
+              <a:defRPr sz="1600" b="1" kern="1200">
+                <a:solidFill>
+                  <a:schemeClr val="tx1"/>
+                </a:solidFill>
+                <a:latin typeface="Garet Book" pitchFamily="2" charset="0"/>
+                <a:ea typeface="+mn-ea"/>
+                <a:cs typeface="+mn-cs"/>
+              </a:defRPr>
+            </a:lvl4pPr>
+            <a:lvl5pPr marL="1828698" indent="0" algn="l" defTabSz="914349" rtl="0" eaLnBrk="1" latinLnBrk="0" hangingPunct="1">
+              <a:lnSpc>
+                <a:spcPct val="90000"/>
+              </a:lnSpc>
+              <a:spcBef>
+                <a:spcPts val="500"/>
+              </a:spcBef>
+              <a:buClr>
+                <a:schemeClr val="tx2"/>
+              </a:buClr>
+              <a:buFont typeface="Wingdings" panose="05000000000000000000" pitchFamily="2" charset="2"/>
+              <a:buNone/>
+              <a:defRPr sz="1600" b="1" kern="1200">
+                <a:solidFill>
+                  <a:schemeClr val="tx1"/>
+                </a:solidFill>
+                <a:latin typeface="Garet Book" pitchFamily="2" charset="0"/>
+                <a:ea typeface="+mn-ea"/>
+                <a:cs typeface="+mn-cs"/>
+              </a:defRPr>
+            </a:lvl5pPr>
+            <a:lvl6pPr marL="2285872" indent="0" algn="l" defTabSz="914349" rtl="0" eaLnBrk="1" latinLnBrk="0" hangingPunct="1">
+              <a:lnSpc>
+                <a:spcPct val="90000"/>
+              </a:lnSpc>
+              <a:spcBef>
+                <a:spcPts val="500"/>
+              </a:spcBef>
+              <a:buFont typeface="Arial" panose="020B0604020202020204" pitchFamily="34" charset="0"/>
+              <a:buNone/>
+              <a:defRPr sz="1600" b="1" kern="1200">
+                <a:solidFill>
+                  <a:schemeClr val="tx1"/>
+                </a:solidFill>
+                <a:latin typeface="+mn-lt"/>
+                <a:ea typeface="+mn-ea"/>
+                <a:cs typeface="+mn-cs"/>
+              </a:defRPr>
+            </a:lvl6pPr>
+            <a:lvl7pPr marL="2743047" indent="0" algn="l" defTabSz="914349" rtl="0" eaLnBrk="1" latinLnBrk="0" hangingPunct="1">
+              <a:lnSpc>
+                <a:spcPct val="90000"/>
+              </a:lnSpc>
+              <a:spcBef>
+                <a:spcPts val="500"/>
+              </a:spcBef>
+              <a:buFont typeface="Arial" panose="020B0604020202020204" pitchFamily="34" charset="0"/>
+              <a:buNone/>
+              <a:defRPr sz="1600" b="1" kern="1200">
+                <a:solidFill>
+                  <a:schemeClr val="tx1"/>
+                </a:solidFill>
+                <a:latin typeface="+mn-lt"/>
+                <a:ea typeface="+mn-ea"/>
+                <a:cs typeface="+mn-cs"/>
+              </a:defRPr>
+            </a:lvl7pPr>
+            <a:lvl8pPr marL="3200222" indent="0" algn="l" defTabSz="914349" rtl="0" eaLnBrk="1" latinLnBrk="0" hangingPunct="1">
+              <a:lnSpc>
+                <a:spcPct val="90000"/>
+              </a:lnSpc>
+              <a:spcBef>
+                <a:spcPts val="500"/>
+              </a:spcBef>
+              <a:buFont typeface="Arial" panose="020B0604020202020204" pitchFamily="34" charset="0"/>
+              <a:buNone/>
+              <a:defRPr sz="1600" b="1" kern="1200">
+                <a:solidFill>
+                  <a:schemeClr val="tx1"/>
+                </a:solidFill>
+                <a:latin typeface="+mn-lt"/>
+                <a:ea typeface="+mn-ea"/>
+                <a:cs typeface="+mn-cs"/>
+              </a:defRPr>
+            </a:lvl8pPr>
+            <a:lvl9pPr marL="3657396" indent="0" algn="l" defTabSz="914349" rtl="0" eaLnBrk="1" latinLnBrk="0" hangingPunct="1">
+              <a:lnSpc>
+                <a:spcPct val="90000"/>
+              </a:lnSpc>
+              <a:spcBef>
+                <a:spcPts val="500"/>
+              </a:spcBef>
+              <a:buFont typeface="Arial" panose="020B0604020202020204" pitchFamily="34" charset="0"/>
+              <a:buNone/>
+              <a:defRPr sz="1600" b="1" kern="1200">
+                <a:solidFill>
+                  <a:schemeClr val="tx1"/>
+                </a:solidFill>
+                <a:latin typeface="+mn-lt"/>
+                <a:ea typeface="+mn-ea"/>
+                <a:cs typeface="+mn-cs"/>
+              </a:defRPr>
+            </a:lvl9pPr>
+          </a:lstStyle>
+          <a:p>
+            <a:pPr algn="ctr"/>
+            <a:r>
+              <a:rPr lang="de-DE" sz="1200">
+                <a:solidFill>
+                  <a:schemeClr val="bg1"/>
+                </a:solidFill>
+              </a:rPr>
+              <a:t>Dependencies Changed</a:t>
+            </a:r>
+          </a:p>
+        </p:txBody>
+      </p:sp>
+      <p:sp>
+        <p:nvSpPr>
+          <p:cNvPr id="39" name="Rectangle: Rounded Corners 38">
+            <a:extLst>
+              <a:ext uri="{FF2B5EF4-FFF2-40B4-BE49-F238E27FC236}">
+                <a16:creationId xmlns:a16="http://schemas.microsoft.com/office/drawing/2014/main" id="{0DF9A7F4-CC63-1AD8-76F5-301600A79D8E}"/>
+              </a:ext>
+            </a:extLst>
+          </p:cNvPr>
+          <p:cNvSpPr/>
+          <p:nvPr/>
+        </p:nvSpPr>
+        <p:spPr>
+          <a:xfrm>
+            <a:off x="6718997" y="5561638"/>
+            <a:ext cx="1612203" cy="350884"/>
+          </a:xfrm>
+          <a:prstGeom prst="roundRect">
+            <a:avLst/>
+          </a:prstGeom>
+          <a:solidFill>
+            <a:schemeClr val="bg2"/>
+          </a:solidFill>
+          <a:ln>
+            <a:solidFill>
+              <a:schemeClr val="tx1"/>
+            </a:solidFill>
+          </a:ln>
+        </p:spPr>
+        <p:style>
+          <a:lnRef idx="2">
+            <a:schemeClr val="dk1">
+              <a:shade val="15000"/>
+            </a:schemeClr>
+          </a:lnRef>
+          <a:fillRef idx="1">
+            <a:schemeClr val="dk1"/>
+          </a:fillRef>
+          <a:effectRef idx="0">
+            <a:schemeClr val="dk1"/>
+          </a:effectRef>
+          <a:fontRef idx="minor">
+            <a:schemeClr val="lt1"/>
+          </a:fontRef>
+        </p:style>
+        <p:txBody>
+          <a:bodyPr rtlCol="0" anchor="ctr"/>
+          <a:lstStyle/>
+          <a:p>
+            <a:pPr algn="ctr"/>
+            <a:r>
+              <a:rPr lang="de-DE" sz="1200">
+                <a:solidFill>
+                  <a:schemeClr val="bg1"/>
+                </a:solidFill>
+              </a:rPr>
+              <a:t>Use Cached</a:t>
+            </a:r>
+            <a:endParaRPr lang="de-DE" sz="1200"/>
+          </a:p>
+        </p:txBody>
+      </p:sp>
+      <p:sp>
+        <p:nvSpPr>
+          <p:cNvPr id="41" name="Rectangle: Rounded Corners 40">
+            <a:extLst>
+              <a:ext uri="{FF2B5EF4-FFF2-40B4-BE49-F238E27FC236}">
+                <a16:creationId xmlns:a16="http://schemas.microsoft.com/office/drawing/2014/main" id="{5A34F188-4960-5093-C3DA-222CE556A356}"/>
+              </a:ext>
+            </a:extLst>
+          </p:cNvPr>
+          <p:cNvSpPr/>
+          <p:nvPr/>
+        </p:nvSpPr>
+        <p:spPr>
+          <a:xfrm>
+            <a:off x="6718997" y="4352691"/>
+            <a:ext cx="1612203" cy="440981"/>
+          </a:xfrm>
+          <a:prstGeom prst="roundRect">
+            <a:avLst/>
+          </a:prstGeom>
+          <a:solidFill>
+            <a:schemeClr val="bg2"/>
+          </a:solidFill>
+          <a:ln>
+            <a:solidFill>
+              <a:schemeClr val="tx1"/>
+            </a:solidFill>
+          </a:ln>
+        </p:spPr>
+        <p:style>
+          <a:lnRef idx="2">
+            <a:schemeClr val="dk1">
+              <a:shade val="15000"/>
+            </a:schemeClr>
+          </a:lnRef>
+          <a:fillRef idx="1">
+            <a:schemeClr val="dk1"/>
+          </a:fillRef>
+          <a:effectRef idx="0">
+            <a:schemeClr val="dk1"/>
+          </a:effectRef>
+          <a:fontRef idx="minor">
+            <a:schemeClr val="lt1"/>
+          </a:fontRef>
+        </p:style>
+        <p:txBody>
+          <a:bodyPr rtlCol="0" anchor="ctr"/>
+          <a:lstStyle/>
+          <a:p>
+            <a:pPr algn="ctr"/>
+            <a:r>
+              <a:rPr lang="de-DE" sz="1200">
+                <a:solidFill>
+                  <a:schemeClr val="bg1"/>
+                </a:solidFill>
+              </a:rPr>
+              <a:t>Recompute &amp; Update Cache</a:t>
+            </a:r>
+            <a:endParaRPr lang="de-DE" sz="1200"/>
+          </a:p>
+        </p:txBody>
+      </p:sp>
+      <p:sp>
+        <p:nvSpPr>
+          <p:cNvPr id="42" name="Arrow: Right 41">
+            <a:extLst>
+              <a:ext uri="{FF2B5EF4-FFF2-40B4-BE49-F238E27FC236}">
+                <a16:creationId xmlns:a16="http://schemas.microsoft.com/office/drawing/2014/main" id="{267FE103-E7C1-0EF6-B263-0641603C5C4B}"/>
+              </a:ext>
+            </a:extLst>
+          </p:cNvPr>
+          <p:cNvSpPr/>
+          <p:nvPr/>
+        </p:nvSpPr>
+        <p:spPr>
+          <a:xfrm rot="900000">
+            <a:off x="5343490" y="5351742"/>
+            <a:ext cx="1256838" cy="455093"/>
+          </a:xfrm>
+          <a:prstGeom prst="rightArrow">
+            <a:avLst/>
+          </a:prstGeom>
+          <a:solidFill>
+            <a:schemeClr val="bg2"/>
+          </a:solidFill>
+          <a:ln>
+            <a:solidFill>
+              <a:schemeClr val="tx1"/>
+            </a:solidFill>
+          </a:ln>
+        </p:spPr>
+        <p:style>
+          <a:lnRef idx="2">
+            <a:schemeClr val="accent1">
+              <a:shade val="15000"/>
+            </a:schemeClr>
+          </a:lnRef>
+          <a:fillRef idx="1">
+            <a:schemeClr val="accent1"/>
+          </a:fillRef>
+          <a:effectRef idx="0">
+            <a:schemeClr val="accent1"/>
+          </a:effectRef>
+          <a:fontRef idx="minor">
+            <a:schemeClr val="lt1"/>
+          </a:fontRef>
+        </p:style>
+        <p:txBody>
+          <a:bodyPr rtlCol="0" anchor="ctr"/>
+          <a:lstStyle/>
+          <a:p>
+            <a:pPr algn="ctr"/>
+            <a:r>
+              <a:rPr lang="de-DE" sz="1200">
+                <a:solidFill>
+                  <a:schemeClr val="bg1"/>
+                </a:solidFill>
+              </a:rPr>
+              <a:t>no</a:t>
+            </a:r>
+          </a:p>
+        </p:txBody>
+      </p:sp>
+      <p:sp>
+        <p:nvSpPr>
+          <p:cNvPr id="44" name="Arrow: Right 43">
+            <a:extLst>
+              <a:ext uri="{FF2B5EF4-FFF2-40B4-BE49-F238E27FC236}">
+                <a16:creationId xmlns:a16="http://schemas.microsoft.com/office/drawing/2014/main" id="{9A87560B-6768-AEA8-5C4D-5C1F0763137A}"/>
+              </a:ext>
+            </a:extLst>
+          </p:cNvPr>
+          <p:cNvSpPr/>
+          <p:nvPr/>
+        </p:nvSpPr>
+        <p:spPr>
+          <a:xfrm rot="20700000">
+            <a:off x="5343490" y="4476030"/>
+            <a:ext cx="1256838" cy="455093"/>
+          </a:xfrm>
+          <a:prstGeom prst="rightArrow">
+            <a:avLst/>
+          </a:prstGeom>
+          <a:solidFill>
+            <a:schemeClr val="bg2"/>
+          </a:solidFill>
+          <a:ln>
+            <a:solidFill>
+              <a:schemeClr val="tx1"/>
+            </a:solidFill>
+          </a:ln>
+        </p:spPr>
+        <p:style>
+          <a:lnRef idx="2">
+            <a:schemeClr val="accent1">
+              <a:shade val="15000"/>
+            </a:schemeClr>
+          </a:lnRef>
+          <a:fillRef idx="1">
+            <a:schemeClr val="accent1"/>
+          </a:fillRef>
+          <a:effectRef idx="0">
+            <a:schemeClr val="accent1"/>
+          </a:effectRef>
+          <a:fontRef idx="minor">
+            <a:schemeClr val="lt1"/>
+          </a:fontRef>
+        </p:style>
+        <p:txBody>
+          <a:bodyPr rtlCol="0" anchor="ctr"/>
+          <a:lstStyle/>
+          <a:p>
+            <a:pPr algn="ctr"/>
+            <a:r>
+              <a:rPr lang="de-DE" sz="1200">
+                <a:solidFill>
+                  <a:schemeClr val="bg1"/>
+                </a:solidFill>
+              </a:rPr>
+              <a:t>yes</a:t>
+            </a:r>
+          </a:p>
+        </p:txBody>
+      </p:sp>
+      <p:sp>
+        <p:nvSpPr>
+          <p:cNvPr id="45" name="Rectangle: Rounded Corners 44">
+            <a:extLst>
+              <a:ext uri="{FF2B5EF4-FFF2-40B4-BE49-F238E27FC236}">
+                <a16:creationId xmlns:a16="http://schemas.microsoft.com/office/drawing/2014/main" id="{08369661-E651-600B-93EF-1B08740CBB9C}"/>
+              </a:ext>
+            </a:extLst>
+          </p:cNvPr>
+          <p:cNvSpPr/>
+          <p:nvPr/>
+        </p:nvSpPr>
+        <p:spPr>
+          <a:xfrm>
+            <a:off x="2049787" y="4954444"/>
+            <a:ext cx="1504733" cy="350884"/>
+          </a:xfrm>
+          <a:prstGeom prst="roundRect">
+            <a:avLst/>
+          </a:prstGeom>
+          <a:solidFill>
+            <a:schemeClr val="bg2"/>
+          </a:solidFill>
+          <a:ln>
+            <a:solidFill>
+              <a:schemeClr val="tx1"/>
+            </a:solidFill>
+          </a:ln>
+        </p:spPr>
+        <p:style>
+          <a:lnRef idx="2">
+            <a:schemeClr val="dk1">
+              <a:shade val="15000"/>
+            </a:schemeClr>
+          </a:lnRef>
+          <a:fillRef idx="1">
+            <a:schemeClr val="dk1"/>
+          </a:fillRef>
+          <a:effectRef idx="0">
+            <a:schemeClr val="dk1"/>
+          </a:effectRef>
+          <a:fontRef idx="minor">
+            <a:schemeClr val="lt1"/>
+          </a:fontRef>
+        </p:style>
+        <p:txBody>
+          <a:bodyPr rtlCol="0" anchor="ctr"/>
+          <a:lstStyle/>
+          <a:p>
+            <a:pPr algn="ctr"/>
+            <a:r>
+              <a:rPr lang="de-DE" sz="1200"/>
+              <a:t>useMemo()</a:t>
+            </a:r>
+          </a:p>
+        </p:txBody>
+      </p:sp>
+      <p:sp>
+        <p:nvSpPr>
+          <p:cNvPr id="46" name="Arrow: Right 45">
+            <a:extLst>
+              <a:ext uri="{FF2B5EF4-FFF2-40B4-BE49-F238E27FC236}">
+                <a16:creationId xmlns:a16="http://schemas.microsoft.com/office/drawing/2014/main" id="{F7A72B4F-CAA4-52C2-4B03-1F7BC8A7B5ED}"/>
+              </a:ext>
+            </a:extLst>
+          </p:cNvPr>
+          <p:cNvSpPr/>
+          <p:nvPr/>
+        </p:nvSpPr>
+        <p:spPr>
+          <a:xfrm>
+            <a:off x="8516470" y="5545322"/>
+            <a:ext cx="1152755" cy="455093"/>
+          </a:xfrm>
+          <a:prstGeom prst="rightArrow">
+            <a:avLst/>
+          </a:prstGeom>
+          <a:solidFill>
+            <a:schemeClr val="bg2"/>
+          </a:solidFill>
+          <a:ln>
+            <a:solidFill>
+              <a:schemeClr val="tx1"/>
+            </a:solidFill>
+          </a:ln>
+        </p:spPr>
+        <p:style>
+          <a:lnRef idx="2">
+            <a:schemeClr val="accent1">
+              <a:shade val="15000"/>
+            </a:schemeClr>
+          </a:lnRef>
+          <a:fillRef idx="1">
+            <a:schemeClr val="accent1"/>
+          </a:fillRef>
+          <a:effectRef idx="0">
+            <a:schemeClr val="accent1"/>
+          </a:effectRef>
+          <a:fontRef idx="minor">
+            <a:schemeClr val="lt1"/>
+          </a:fontRef>
+        </p:style>
+        <p:txBody>
+          <a:bodyPr rtlCol="0" anchor="ctr"/>
+          <a:lstStyle/>
+          <a:p>
+            <a:pPr algn="ctr"/>
+            <a:endParaRPr lang="de-DE" sz="1200">
+              <a:solidFill>
+                <a:schemeClr val="bg1"/>
+              </a:solidFill>
+            </a:endParaRPr>
+          </a:p>
+        </p:txBody>
+      </p:sp>
+      <p:sp>
+        <p:nvSpPr>
+          <p:cNvPr id="48" name="Rectangle: Rounded Corners 47">
+            <a:extLst>
+              <a:ext uri="{FF2B5EF4-FFF2-40B4-BE49-F238E27FC236}">
+                <a16:creationId xmlns:a16="http://schemas.microsoft.com/office/drawing/2014/main" id="{848EE5C0-6A9C-A583-D9C4-C578A879B00B}"/>
+              </a:ext>
+            </a:extLst>
+          </p:cNvPr>
+          <p:cNvSpPr/>
+          <p:nvPr/>
+        </p:nvSpPr>
+        <p:spPr>
+          <a:xfrm>
+            <a:off x="9800804" y="5597426"/>
+            <a:ext cx="1504733" cy="350884"/>
+          </a:xfrm>
+          <a:prstGeom prst="roundRect">
+            <a:avLst/>
+          </a:prstGeom>
+          <a:solidFill>
+            <a:schemeClr val="bg2"/>
+          </a:solidFill>
+          <a:ln>
+            <a:solidFill>
+              <a:schemeClr val="tx1"/>
+            </a:solidFill>
+          </a:ln>
+        </p:spPr>
+        <p:style>
+          <a:lnRef idx="2">
+            <a:schemeClr val="dk1">
+              <a:shade val="15000"/>
+            </a:schemeClr>
+          </a:lnRef>
+          <a:fillRef idx="1">
+            <a:schemeClr val="dk1"/>
+          </a:fillRef>
+          <a:effectRef idx="0">
+            <a:schemeClr val="dk1"/>
+          </a:effectRef>
+          <a:fontRef idx="minor">
+            <a:schemeClr val="lt1"/>
+          </a:fontRef>
+        </p:style>
+        <p:txBody>
+          <a:bodyPr rtlCol="0" anchor="ctr"/>
+          <a:lstStyle/>
+          <a:p>
+            <a:pPr algn="ctr"/>
+            <a:r>
+              <a:rPr lang="de-DE" sz="1200"/>
+              <a:t>Cached Components</a:t>
+            </a:r>
+          </a:p>
+        </p:txBody>
+      </p:sp>
+      <p:sp>
+        <p:nvSpPr>
+          <p:cNvPr id="2" name="Arrow: Right 1">
+            <a:extLst>
+              <a:ext uri="{FF2B5EF4-FFF2-40B4-BE49-F238E27FC236}">
+                <a16:creationId xmlns:a16="http://schemas.microsoft.com/office/drawing/2014/main" id="{EBE1640B-E217-1080-9ED8-59E2D1976E15}"/>
+              </a:ext>
+            </a:extLst>
+          </p:cNvPr>
+          <p:cNvSpPr/>
+          <p:nvPr/>
+        </p:nvSpPr>
+        <p:spPr>
+          <a:xfrm rot="5400000">
+            <a:off x="7254882" y="4930262"/>
+            <a:ext cx="540430" cy="455093"/>
+          </a:xfrm>
+          <a:prstGeom prst="rightArrow">
+            <a:avLst/>
+          </a:prstGeom>
+          <a:solidFill>
+            <a:schemeClr val="bg2"/>
+          </a:solidFill>
+          <a:ln>
+            <a:solidFill>
+              <a:schemeClr val="tx1"/>
+            </a:solidFill>
+          </a:ln>
+        </p:spPr>
+        <p:style>
+          <a:lnRef idx="2">
+            <a:schemeClr val="accent1">
+              <a:shade val="15000"/>
+            </a:schemeClr>
+          </a:lnRef>
+          <a:fillRef idx="1">
+            <a:schemeClr val="accent1"/>
+          </a:fillRef>
+          <a:effectRef idx="0">
+            <a:schemeClr val="accent1"/>
+          </a:effectRef>
+          <a:fontRef idx="minor">
+            <a:schemeClr val="lt1"/>
+          </a:fontRef>
+        </p:style>
+        <p:txBody>
+          <a:bodyPr rtlCol="0" anchor="ctr"/>
+          <a:lstStyle/>
+          <a:p>
+            <a:pPr algn="ctr"/>
+            <a:endParaRPr lang="de-DE" sz="1200">
+              <a:solidFill>
+                <a:schemeClr val="bg1"/>
+              </a:solidFill>
+            </a:endParaRPr>
+          </a:p>
+        </p:txBody>
+      </p:sp>
+    </p:spTree>
+    <p:extLst>
+      <p:ext uri="{BB962C8B-B14F-4D97-AF65-F5344CB8AC3E}">
+        <p14:creationId xmlns:p14="http://schemas.microsoft.com/office/powerpoint/2010/main" val="850149778"/>
       </p:ext>
     </p:extLst>
   </p:cSld>
@@ -13681,17 +14692,17 @@
           <a:p>
             <a:r>
               <a:rPr lang="de-DE"/>
-              <a:t>React Hooks</a:t>
+              <a:t>Rendering 1000 Pokemon</a:t>
             </a:r>
           </a:p>
         </p:txBody>
       </p:sp>
       <p:sp>
         <p:nvSpPr>
-          <p:cNvPr id="7" name="Text Placeholder 2">
+          <p:cNvPr id="24" name="Content Placeholder 3">
             <a:extLst>
               <a:ext uri="{FF2B5EF4-FFF2-40B4-BE49-F238E27FC236}">
-                <a16:creationId xmlns:a16="http://schemas.microsoft.com/office/drawing/2014/main" id="{AD7F0BC1-64B4-C22D-D688-A43A681D5B26}"/>
+                <a16:creationId xmlns:a16="http://schemas.microsoft.com/office/drawing/2014/main" id="{1D3228B4-EBAC-CCC4-E102-6A4237F848F8}"/>
               </a:ext>
             </a:extLst>
           </p:cNvPr>
@@ -13702,8 +14713,1372 @@
         </p:nvSpPr>
         <p:spPr>
           <a:xfrm>
-            <a:off x="839789" y="1908428"/>
-            <a:ext cx="5157787" cy="823912"/>
+            <a:off x="8421398" y="2028188"/>
+            <a:ext cx="2523691" cy="437098"/>
+          </a:xfrm>
+          <a:prstGeom prst="rect">
+            <a:avLst/>
+          </a:prstGeom>
+        </p:spPr>
+        <p:txBody>
+          <a:bodyPr vert="horz" lIns="91440" tIns="45720" rIns="91440" bIns="45720" rtlCol="0" anchor="ctr">
+            <a:noAutofit/>
+          </a:bodyPr>
+          <a:lstStyle>
+            <a:lvl1pPr marL="0" indent="0" algn="l" defTabSz="914349" rtl="0" eaLnBrk="1" latinLnBrk="0" hangingPunct="1">
+              <a:lnSpc>
+                <a:spcPct val="90000"/>
+              </a:lnSpc>
+              <a:spcBef>
+                <a:spcPts val="1000"/>
+              </a:spcBef>
+              <a:buClr>
+                <a:srgbClr val="0078D1"/>
+              </a:buClr>
+              <a:buFont typeface="Wingdings" panose="05000000000000000000" pitchFamily="2" charset="2"/>
+              <a:buNone/>
+              <a:defRPr sz="2800" kern="1200">
+                <a:solidFill>
+                  <a:schemeClr val="tx1"/>
+                </a:solidFill>
+                <a:latin typeface="Garet Book" pitchFamily="2" charset="0"/>
+                <a:ea typeface="+mn-ea"/>
+                <a:cs typeface="+mn-cs"/>
+              </a:defRPr>
+            </a:lvl1pPr>
+            <a:lvl2pPr marL="359980" indent="-228587" algn="l" defTabSz="914349" rtl="0" eaLnBrk="1" latinLnBrk="0" hangingPunct="1">
+              <a:lnSpc>
+                <a:spcPct val="90000"/>
+              </a:lnSpc>
+              <a:spcBef>
+                <a:spcPts val="500"/>
+              </a:spcBef>
+              <a:buClr>
+                <a:schemeClr val="tx2"/>
+              </a:buClr>
+              <a:buFont typeface="Wingdings" panose="05000000000000000000" pitchFamily="2" charset="2"/>
+              <a:buChar char="§"/>
+              <a:defRPr sz="2400" kern="1200">
+                <a:solidFill>
+                  <a:schemeClr val="tx1"/>
+                </a:solidFill>
+                <a:latin typeface="Garet Book" pitchFamily="2" charset="0"/>
+                <a:ea typeface="+mn-ea"/>
+                <a:cs typeface="+mn-cs"/>
+              </a:defRPr>
+            </a:lvl2pPr>
+            <a:lvl3pPr marL="611965" indent="-228587" algn="l" defTabSz="914349" rtl="0" eaLnBrk="1" latinLnBrk="0" hangingPunct="1">
+              <a:lnSpc>
+                <a:spcPct val="90000"/>
+              </a:lnSpc>
+              <a:spcBef>
+                <a:spcPts val="500"/>
+              </a:spcBef>
+              <a:buClr>
+                <a:schemeClr val="tx2"/>
+              </a:buClr>
+              <a:buFont typeface="Wingdings" panose="05000000000000000000" pitchFamily="2" charset="2"/>
+              <a:buChar char="§"/>
+              <a:defRPr sz="2000" kern="1200">
+                <a:solidFill>
+                  <a:schemeClr val="tx1"/>
+                </a:solidFill>
+                <a:latin typeface="Garet Book" pitchFamily="2" charset="0"/>
+                <a:ea typeface="+mn-ea"/>
+                <a:cs typeface="+mn-cs"/>
+              </a:defRPr>
+            </a:lvl3pPr>
+            <a:lvl4pPr marL="899950" indent="-228587" algn="l" defTabSz="914349" rtl="0" eaLnBrk="1" latinLnBrk="0" hangingPunct="1">
+              <a:lnSpc>
+                <a:spcPct val="90000"/>
+              </a:lnSpc>
+              <a:spcBef>
+                <a:spcPts val="500"/>
+              </a:spcBef>
+              <a:buClr>
+                <a:schemeClr val="tx2"/>
+              </a:buClr>
+              <a:buFont typeface="Wingdings" panose="05000000000000000000" pitchFamily="2" charset="2"/>
+              <a:buChar char="§"/>
+              <a:defRPr sz="1799" kern="1200">
+                <a:solidFill>
+                  <a:schemeClr val="tx1"/>
+                </a:solidFill>
+                <a:latin typeface="Garet Book" pitchFamily="2" charset="0"/>
+                <a:ea typeface="+mn-ea"/>
+                <a:cs typeface="+mn-cs"/>
+              </a:defRPr>
+            </a:lvl4pPr>
+            <a:lvl5pPr marL="1187934" indent="-228587" algn="l" defTabSz="914349" rtl="0" eaLnBrk="1" latinLnBrk="0" hangingPunct="1">
+              <a:lnSpc>
+                <a:spcPct val="90000"/>
+              </a:lnSpc>
+              <a:spcBef>
+                <a:spcPts val="500"/>
+              </a:spcBef>
+              <a:buClr>
+                <a:schemeClr val="tx2"/>
+              </a:buClr>
+              <a:buFont typeface="Wingdings" panose="05000000000000000000" pitchFamily="2" charset="2"/>
+              <a:buChar char="§"/>
+              <a:defRPr sz="1799" kern="1200">
+                <a:solidFill>
+                  <a:schemeClr val="tx1"/>
+                </a:solidFill>
+                <a:latin typeface="Garet Book" pitchFamily="2" charset="0"/>
+                <a:ea typeface="+mn-ea"/>
+                <a:cs typeface="+mn-cs"/>
+              </a:defRPr>
+            </a:lvl5pPr>
+            <a:lvl6pPr marL="2514460" indent="-228587" algn="l" defTabSz="914349" rtl="0" eaLnBrk="1" latinLnBrk="0" hangingPunct="1">
+              <a:lnSpc>
+                <a:spcPct val="90000"/>
+              </a:lnSpc>
+              <a:spcBef>
+                <a:spcPts val="500"/>
+              </a:spcBef>
+              <a:buFont typeface="Arial" panose="020B0604020202020204" pitchFamily="34" charset="0"/>
+              <a:buChar char="•"/>
+              <a:defRPr sz="1799" kern="1200">
+                <a:solidFill>
+                  <a:schemeClr val="tx1"/>
+                </a:solidFill>
+                <a:latin typeface="+mn-lt"/>
+                <a:ea typeface="+mn-ea"/>
+                <a:cs typeface="+mn-cs"/>
+              </a:defRPr>
+            </a:lvl6pPr>
+            <a:lvl7pPr marL="2971634" indent="-228587" algn="l" defTabSz="914349" rtl="0" eaLnBrk="1" latinLnBrk="0" hangingPunct="1">
+              <a:lnSpc>
+                <a:spcPct val="90000"/>
+              </a:lnSpc>
+              <a:spcBef>
+                <a:spcPts val="500"/>
+              </a:spcBef>
+              <a:buFont typeface="Arial" panose="020B0604020202020204" pitchFamily="34" charset="0"/>
+              <a:buChar char="•"/>
+              <a:defRPr sz="1799" kern="1200">
+                <a:solidFill>
+                  <a:schemeClr val="tx1"/>
+                </a:solidFill>
+                <a:latin typeface="+mn-lt"/>
+                <a:ea typeface="+mn-ea"/>
+                <a:cs typeface="+mn-cs"/>
+              </a:defRPr>
+            </a:lvl7pPr>
+            <a:lvl8pPr marL="3428808" indent="-228587" algn="l" defTabSz="914349" rtl="0" eaLnBrk="1" latinLnBrk="0" hangingPunct="1">
+              <a:lnSpc>
+                <a:spcPct val="90000"/>
+              </a:lnSpc>
+              <a:spcBef>
+                <a:spcPts val="500"/>
+              </a:spcBef>
+              <a:buFont typeface="Arial" panose="020B0604020202020204" pitchFamily="34" charset="0"/>
+              <a:buChar char="•"/>
+              <a:defRPr sz="1799" kern="1200">
+                <a:solidFill>
+                  <a:schemeClr val="tx1"/>
+                </a:solidFill>
+                <a:latin typeface="+mn-lt"/>
+                <a:ea typeface="+mn-ea"/>
+                <a:cs typeface="+mn-cs"/>
+              </a:defRPr>
+            </a:lvl8pPr>
+            <a:lvl9pPr marL="3885983" indent="-228587" algn="l" defTabSz="914349" rtl="0" eaLnBrk="1" latinLnBrk="0" hangingPunct="1">
+              <a:lnSpc>
+                <a:spcPct val="90000"/>
+              </a:lnSpc>
+              <a:spcBef>
+                <a:spcPts val="500"/>
+              </a:spcBef>
+              <a:buFont typeface="Arial" panose="020B0604020202020204" pitchFamily="34" charset="0"/>
+              <a:buChar char="•"/>
+              <a:defRPr sz="1799" kern="1200">
+                <a:solidFill>
+                  <a:schemeClr val="tx1"/>
+                </a:solidFill>
+                <a:latin typeface="+mn-lt"/>
+                <a:ea typeface="+mn-ea"/>
+                <a:cs typeface="+mn-cs"/>
+              </a:defRPr>
+            </a:lvl9pPr>
+          </a:lstStyle>
+          <a:p>
+            <a:r>
+              <a:rPr lang="en-US" sz="1600" b="1"/>
+              <a:t>1.  Render: 1473 ms</a:t>
+            </a:r>
+            <a:endParaRPr lang="de-DE" sz="1600" b="1"/>
+          </a:p>
+        </p:txBody>
+      </p:sp>
+      <p:sp>
+        <p:nvSpPr>
+          <p:cNvPr id="26" name="TextBox 25">
+            <a:extLst>
+              <a:ext uri="{FF2B5EF4-FFF2-40B4-BE49-F238E27FC236}">
+                <a16:creationId xmlns:a16="http://schemas.microsoft.com/office/drawing/2014/main" id="{3F130BA9-F944-57F2-1702-1E616F9A938D}"/>
+              </a:ext>
+            </a:extLst>
+          </p:cNvPr>
+          <p:cNvSpPr txBox="1"/>
+          <p:nvPr/>
+        </p:nvSpPr>
+        <p:spPr>
+          <a:xfrm>
+            <a:off x="838345" y="4417531"/>
+            <a:ext cx="7428200" cy="923330"/>
+          </a:xfrm>
+          <a:prstGeom prst="rect">
+            <a:avLst/>
+          </a:prstGeom>
+          <a:solidFill>
+            <a:schemeClr val="tx1"/>
+          </a:solidFill>
+        </p:spPr>
+        <p:txBody>
+          <a:bodyPr wrap="square">
+            <a:spAutoFit/>
+          </a:bodyPr>
+          <a:lstStyle/>
+          <a:p>
+            <a:r>
+              <a:rPr lang="en-US">
+                <a:solidFill>
+                  <a:srgbClr val="CC7832"/>
+                </a:solidFill>
+                <a:effectLst/>
+                <a:latin typeface="JetBrains Mono"/>
+              </a:rPr>
+              <a:t>const </a:t>
+            </a:r>
+            <a:r>
+              <a:rPr lang="en-US">
+                <a:solidFill>
+                  <a:srgbClr val="A9B7C6"/>
+                </a:solidFill>
+                <a:effectLst/>
+                <a:latin typeface="JetBrains Mono"/>
+              </a:rPr>
+              <a:t>cachedPokemonItems = </a:t>
+            </a:r>
+            <a:r>
+              <a:rPr lang="en-US">
+                <a:solidFill>
+                  <a:srgbClr val="FFC66D"/>
+                </a:solidFill>
+                <a:effectLst/>
+                <a:latin typeface="JetBrains Mono"/>
+              </a:rPr>
+              <a:t>useMemo</a:t>
+            </a:r>
+            <a:r>
+              <a:rPr lang="en-US">
+                <a:solidFill>
+                  <a:srgbClr val="A9B7C6"/>
+                </a:solidFill>
+                <a:effectLst/>
+                <a:latin typeface="JetBrains Mono"/>
+              </a:rPr>
+              <a:t>(() =&gt; pokemons.</a:t>
+            </a:r>
+            <a:r>
+              <a:rPr lang="en-US">
+                <a:solidFill>
+                  <a:srgbClr val="FFC66D"/>
+                </a:solidFill>
+                <a:effectLst/>
+                <a:latin typeface="JetBrains Mono"/>
+              </a:rPr>
+              <a:t>map</a:t>
+            </a:r>
+            <a:r>
+              <a:rPr lang="en-US">
+                <a:solidFill>
+                  <a:srgbClr val="A9B7C6"/>
+                </a:solidFill>
+                <a:effectLst/>
+                <a:latin typeface="JetBrains Mono"/>
+              </a:rPr>
+              <a:t>((pokemon) =&gt; (</a:t>
+            </a:r>
+            <a:br>
+              <a:rPr lang="en-US">
+                <a:solidFill>
+                  <a:srgbClr val="A9B7C6"/>
+                </a:solidFill>
+                <a:effectLst/>
+                <a:latin typeface="JetBrains Mono"/>
+              </a:rPr>
+            </a:br>
+            <a:r>
+              <a:rPr lang="en-US">
+                <a:solidFill>
+                  <a:srgbClr val="A9B7C6"/>
+                </a:solidFill>
+                <a:effectLst/>
+                <a:latin typeface="JetBrains Mono"/>
+              </a:rPr>
+              <a:t>  </a:t>
+            </a:r>
+            <a:r>
+              <a:rPr lang="en-US">
+                <a:solidFill>
+                  <a:srgbClr val="E8BF6A"/>
+                </a:solidFill>
+                <a:effectLst/>
+                <a:latin typeface="JetBrains Mono"/>
+              </a:rPr>
+              <a:t>&lt;ListItem </a:t>
+            </a:r>
+            <a:r>
+              <a:rPr lang="en-US">
+                <a:solidFill>
+                  <a:srgbClr val="BABABA"/>
+                </a:solidFill>
+                <a:effectLst/>
+                <a:latin typeface="JetBrains Mono"/>
+              </a:rPr>
+              <a:t>key</a:t>
+            </a:r>
+            <a:r>
+              <a:rPr lang="en-US">
+                <a:solidFill>
+                  <a:srgbClr val="6A8759"/>
+                </a:solidFill>
+                <a:effectLst/>
+                <a:latin typeface="JetBrains Mono"/>
+              </a:rPr>
+              <a:t>=</a:t>
+            </a:r>
+            <a:r>
+              <a:rPr lang="en-US">
+                <a:solidFill>
+                  <a:srgbClr val="A9B7C6"/>
+                </a:solidFill>
+                <a:effectLst/>
+                <a:latin typeface="JetBrains Mono"/>
+              </a:rPr>
+              <a:t>{pokemon.id}</a:t>
+            </a:r>
+            <a:r>
+              <a:rPr lang="en-US">
+                <a:solidFill>
+                  <a:srgbClr val="E8BF6A"/>
+                </a:solidFill>
+                <a:effectLst/>
+                <a:latin typeface="JetBrains Mono"/>
+              </a:rPr>
+              <a:t>&gt;</a:t>
+            </a:r>
+            <a:r>
+              <a:rPr lang="en-US">
+                <a:solidFill>
+                  <a:srgbClr val="A9B7C6"/>
+                </a:solidFill>
+                <a:effectLst/>
+                <a:latin typeface="JetBrains Mono"/>
+              </a:rPr>
+              <a:t>{ </a:t>
+            </a:r>
+            <a:r>
+              <a:rPr lang="en-US">
+                <a:solidFill>
+                  <a:srgbClr val="808080"/>
+                </a:solidFill>
+                <a:effectLst/>
+                <a:latin typeface="JetBrains Mono"/>
+              </a:rPr>
+              <a:t>/* Any Component */</a:t>
+            </a:r>
+            <a:r>
+              <a:rPr lang="en-US">
+                <a:solidFill>
+                  <a:srgbClr val="A9B7C6"/>
+                </a:solidFill>
+                <a:effectLst/>
+                <a:latin typeface="JetBrains Mono"/>
+              </a:rPr>
+              <a:t>}</a:t>
+            </a:r>
+            <a:r>
+              <a:rPr lang="en-US">
+                <a:solidFill>
+                  <a:srgbClr val="E8BF6A"/>
+                </a:solidFill>
+                <a:effectLst/>
+                <a:latin typeface="JetBrains Mono"/>
+              </a:rPr>
+              <a:t>&lt;/ListItem&gt;</a:t>
+            </a:r>
+            <a:br>
+              <a:rPr lang="en-US">
+                <a:solidFill>
+                  <a:srgbClr val="E8BF6A"/>
+                </a:solidFill>
+                <a:effectLst/>
+                <a:latin typeface="JetBrains Mono"/>
+              </a:rPr>
+            </a:br>
+            <a:r>
+              <a:rPr lang="en-US">
+                <a:solidFill>
+                  <a:srgbClr val="A9B7C6"/>
+                </a:solidFill>
+                <a:effectLst/>
+                <a:latin typeface="JetBrains Mono"/>
+              </a:rPr>
+              <a:t>))</a:t>
+            </a:r>
+            <a:r>
+              <a:rPr lang="en-US">
+                <a:solidFill>
+                  <a:srgbClr val="CC7832"/>
+                </a:solidFill>
+                <a:effectLst/>
+                <a:latin typeface="JetBrains Mono"/>
+              </a:rPr>
+              <a:t>, </a:t>
+            </a:r>
+            <a:r>
+              <a:rPr lang="en-US">
+                <a:solidFill>
+                  <a:srgbClr val="A9B7C6"/>
+                </a:solidFill>
+                <a:effectLst/>
+                <a:latin typeface="JetBrains Mono"/>
+              </a:rPr>
+              <a:t>[pokemons])</a:t>
+            </a:r>
+            <a:r>
+              <a:rPr lang="en-US">
+                <a:solidFill>
+                  <a:srgbClr val="CC7832"/>
+                </a:solidFill>
+                <a:effectLst/>
+                <a:latin typeface="JetBrains Mono"/>
+              </a:rPr>
+              <a:t>;</a:t>
+            </a:r>
+            <a:endParaRPr lang="en-US">
+              <a:solidFill>
+                <a:srgbClr val="A9B7C6"/>
+              </a:solidFill>
+              <a:effectLst/>
+              <a:latin typeface="JetBrains Mono"/>
+            </a:endParaRPr>
+          </a:p>
+        </p:txBody>
+      </p:sp>
+      <p:sp>
+        <p:nvSpPr>
+          <p:cNvPr id="28" name="TextBox 27">
+            <a:extLst>
+              <a:ext uri="{FF2B5EF4-FFF2-40B4-BE49-F238E27FC236}">
+                <a16:creationId xmlns:a16="http://schemas.microsoft.com/office/drawing/2014/main" id="{9C3518CD-0C87-5288-614F-CD76E8E8C7BC}"/>
+              </a:ext>
+            </a:extLst>
+          </p:cNvPr>
+          <p:cNvSpPr txBox="1"/>
+          <p:nvPr/>
+        </p:nvSpPr>
+        <p:spPr>
+          <a:xfrm>
+            <a:off x="838345" y="2028188"/>
+            <a:ext cx="7428199" cy="923330"/>
+          </a:xfrm>
+          <a:prstGeom prst="rect">
+            <a:avLst/>
+          </a:prstGeom>
+          <a:solidFill>
+            <a:schemeClr val="tx1"/>
+          </a:solidFill>
+        </p:spPr>
+        <p:txBody>
+          <a:bodyPr wrap="square">
+            <a:spAutoFit/>
+          </a:bodyPr>
+          <a:lstStyle/>
+          <a:p>
+            <a:r>
+              <a:rPr lang="en-US">
+                <a:solidFill>
+                  <a:srgbClr val="CC7832"/>
+                </a:solidFill>
+                <a:effectLst/>
+                <a:latin typeface="JetBrains Mono"/>
+              </a:rPr>
+              <a:t>const </a:t>
+            </a:r>
+            <a:r>
+              <a:rPr lang="en-US">
+                <a:solidFill>
+                  <a:srgbClr val="A9B7C6"/>
+                </a:solidFill>
+                <a:effectLst/>
+                <a:latin typeface="JetBrains Mono"/>
+              </a:rPr>
+              <a:t>pokemonItems = pokemons.</a:t>
+            </a:r>
+            <a:r>
+              <a:rPr lang="en-US">
+                <a:solidFill>
+                  <a:srgbClr val="FFC66D"/>
+                </a:solidFill>
+                <a:effectLst/>
+                <a:latin typeface="JetBrains Mono"/>
+              </a:rPr>
+              <a:t>map</a:t>
+            </a:r>
+            <a:r>
+              <a:rPr lang="en-US">
+                <a:solidFill>
+                  <a:srgbClr val="A9B7C6"/>
+                </a:solidFill>
+                <a:effectLst/>
+                <a:latin typeface="JetBrains Mono"/>
+              </a:rPr>
+              <a:t>((pokemon) =&gt; (</a:t>
+            </a:r>
+            <a:br>
+              <a:rPr lang="en-US">
+                <a:solidFill>
+                  <a:srgbClr val="A9B7C6"/>
+                </a:solidFill>
+                <a:effectLst/>
+                <a:latin typeface="JetBrains Mono"/>
+              </a:rPr>
+            </a:br>
+            <a:r>
+              <a:rPr lang="en-US">
+                <a:solidFill>
+                  <a:srgbClr val="A9B7C6"/>
+                </a:solidFill>
+                <a:effectLst/>
+                <a:latin typeface="JetBrains Mono"/>
+              </a:rPr>
+              <a:t>  </a:t>
+            </a:r>
+            <a:r>
+              <a:rPr lang="en-US">
+                <a:solidFill>
+                  <a:srgbClr val="E8BF6A"/>
+                </a:solidFill>
+                <a:effectLst/>
+                <a:latin typeface="JetBrains Mono"/>
+              </a:rPr>
+              <a:t>&lt;ListItem </a:t>
+            </a:r>
+            <a:r>
+              <a:rPr lang="en-US">
+                <a:solidFill>
+                  <a:srgbClr val="BABABA"/>
+                </a:solidFill>
+                <a:effectLst/>
+                <a:latin typeface="JetBrains Mono"/>
+              </a:rPr>
+              <a:t>key</a:t>
+            </a:r>
+            <a:r>
+              <a:rPr lang="en-US">
+                <a:solidFill>
+                  <a:srgbClr val="6A8759"/>
+                </a:solidFill>
+                <a:effectLst/>
+                <a:latin typeface="JetBrains Mono"/>
+              </a:rPr>
+              <a:t>=</a:t>
+            </a:r>
+            <a:r>
+              <a:rPr lang="en-US">
+                <a:solidFill>
+                  <a:srgbClr val="A9B7C6"/>
+                </a:solidFill>
+                <a:effectLst/>
+                <a:latin typeface="JetBrains Mono"/>
+              </a:rPr>
+              <a:t>{pokemon.id}</a:t>
+            </a:r>
+            <a:r>
+              <a:rPr lang="en-US">
+                <a:solidFill>
+                  <a:srgbClr val="E8BF6A"/>
+                </a:solidFill>
+                <a:effectLst/>
+                <a:latin typeface="JetBrains Mono"/>
+              </a:rPr>
+              <a:t>&gt;</a:t>
+            </a:r>
+            <a:r>
+              <a:rPr lang="en-US">
+                <a:solidFill>
+                  <a:srgbClr val="A9B7C6"/>
+                </a:solidFill>
+                <a:effectLst/>
+                <a:latin typeface="JetBrains Mono"/>
+              </a:rPr>
+              <a:t>{ </a:t>
+            </a:r>
+            <a:r>
+              <a:rPr lang="en-US">
+                <a:solidFill>
+                  <a:srgbClr val="808080"/>
+                </a:solidFill>
+                <a:effectLst/>
+                <a:latin typeface="JetBrains Mono"/>
+              </a:rPr>
+              <a:t>/* Any Component */</a:t>
+            </a:r>
+            <a:r>
+              <a:rPr lang="en-US">
+                <a:solidFill>
+                  <a:srgbClr val="A9B7C6"/>
+                </a:solidFill>
+                <a:effectLst/>
+                <a:latin typeface="JetBrains Mono"/>
+              </a:rPr>
+              <a:t>}</a:t>
+            </a:r>
+            <a:r>
+              <a:rPr lang="en-US">
+                <a:solidFill>
+                  <a:srgbClr val="E8BF6A"/>
+                </a:solidFill>
+                <a:effectLst/>
+                <a:latin typeface="JetBrains Mono"/>
+              </a:rPr>
+              <a:t>&lt;/ListItem&gt;</a:t>
+            </a:r>
+            <a:br>
+              <a:rPr lang="en-US">
+                <a:solidFill>
+                  <a:srgbClr val="E8BF6A"/>
+                </a:solidFill>
+                <a:effectLst/>
+                <a:latin typeface="JetBrains Mono"/>
+              </a:rPr>
+            </a:br>
+            <a:r>
+              <a:rPr lang="en-US">
+                <a:solidFill>
+                  <a:srgbClr val="A9B7C6"/>
+                </a:solidFill>
+                <a:effectLst/>
+                <a:latin typeface="JetBrains Mono"/>
+              </a:rPr>
+              <a:t>)</a:t>
+            </a:r>
+            <a:r>
+              <a:rPr lang="en-US">
+                <a:solidFill>
+                  <a:srgbClr val="CC7832"/>
+                </a:solidFill>
+                <a:effectLst/>
+                <a:latin typeface="JetBrains Mono"/>
+              </a:rPr>
+              <a:t> ;</a:t>
+            </a:r>
+            <a:endParaRPr lang="en-US">
+              <a:solidFill>
+                <a:srgbClr val="A9B7C6"/>
+              </a:solidFill>
+              <a:effectLst/>
+              <a:latin typeface="JetBrains Mono"/>
+            </a:endParaRPr>
+          </a:p>
+        </p:txBody>
+      </p:sp>
+      <p:sp>
+        <p:nvSpPr>
+          <p:cNvPr id="6" name="Content Placeholder 3">
+            <a:extLst>
+              <a:ext uri="{FF2B5EF4-FFF2-40B4-BE49-F238E27FC236}">
+                <a16:creationId xmlns:a16="http://schemas.microsoft.com/office/drawing/2014/main" id="{E2DA99F4-5DB5-4F1E-7056-5E34D28594FE}"/>
+              </a:ext>
+            </a:extLst>
+          </p:cNvPr>
+          <p:cNvSpPr txBox="1">
+            <a:spLocks/>
+          </p:cNvSpPr>
+          <p:nvPr/>
+        </p:nvSpPr>
+        <p:spPr>
+          <a:xfrm>
+            <a:off x="8421397" y="2516549"/>
+            <a:ext cx="2523692" cy="437098"/>
+          </a:xfrm>
+          <a:prstGeom prst="rect">
+            <a:avLst/>
+          </a:prstGeom>
+        </p:spPr>
+        <p:txBody>
+          <a:bodyPr vert="horz" lIns="91440" tIns="45720" rIns="91440" bIns="45720" rtlCol="0" anchor="ctr">
+            <a:noAutofit/>
+          </a:bodyPr>
+          <a:lstStyle>
+            <a:lvl1pPr marL="0" indent="0" algn="l" defTabSz="914349" rtl="0" eaLnBrk="1" latinLnBrk="0" hangingPunct="1">
+              <a:lnSpc>
+                <a:spcPct val="90000"/>
+              </a:lnSpc>
+              <a:spcBef>
+                <a:spcPts val="1000"/>
+              </a:spcBef>
+              <a:buClr>
+                <a:srgbClr val="0078D1"/>
+              </a:buClr>
+              <a:buFont typeface="Wingdings" panose="05000000000000000000" pitchFamily="2" charset="2"/>
+              <a:buNone/>
+              <a:defRPr sz="2800" kern="1200">
+                <a:solidFill>
+                  <a:schemeClr val="tx1"/>
+                </a:solidFill>
+                <a:latin typeface="Garet Book" pitchFamily="2" charset="0"/>
+                <a:ea typeface="+mn-ea"/>
+                <a:cs typeface="+mn-cs"/>
+              </a:defRPr>
+            </a:lvl1pPr>
+            <a:lvl2pPr marL="359980" indent="-228587" algn="l" defTabSz="914349" rtl="0" eaLnBrk="1" latinLnBrk="0" hangingPunct="1">
+              <a:lnSpc>
+                <a:spcPct val="90000"/>
+              </a:lnSpc>
+              <a:spcBef>
+                <a:spcPts val="500"/>
+              </a:spcBef>
+              <a:buClr>
+                <a:schemeClr val="tx2"/>
+              </a:buClr>
+              <a:buFont typeface="Wingdings" panose="05000000000000000000" pitchFamily="2" charset="2"/>
+              <a:buChar char="§"/>
+              <a:defRPr sz="2400" kern="1200">
+                <a:solidFill>
+                  <a:schemeClr val="tx1"/>
+                </a:solidFill>
+                <a:latin typeface="Garet Book" pitchFamily="2" charset="0"/>
+                <a:ea typeface="+mn-ea"/>
+                <a:cs typeface="+mn-cs"/>
+              </a:defRPr>
+            </a:lvl2pPr>
+            <a:lvl3pPr marL="611965" indent="-228587" algn="l" defTabSz="914349" rtl="0" eaLnBrk="1" latinLnBrk="0" hangingPunct="1">
+              <a:lnSpc>
+                <a:spcPct val="90000"/>
+              </a:lnSpc>
+              <a:spcBef>
+                <a:spcPts val="500"/>
+              </a:spcBef>
+              <a:buClr>
+                <a:schemeClr val="tx2"/>
+              </a:buClr>
+              <a:buFont typeface="Wingdings" panose="05000000000000000000" pitchFamily="2" charset="2"/>
+              <a:buChar char="§"/>
+              <a:defRPr sz="2000" kern="1200">
+                <a:solidFill>
+                  <a:schemeClr val="tx1"/>
+                </a:solidFill>
+                <a:latin typeface="Garet Book" pitchFamily="2" charset="0"/>
+                <a:ea typeface="+mn-ea"/>
+                <a:cs typeface="+mn-cs"/>
+              </a:defRPr>
+            </a:lvl3pPr>
+            <a:lvl4pPr marL="899950" indent="-228587" algn="l" defTabSz="914349" rtl="0" eaLnBrk="1" latinLnBrk="0" hangingPunct="1">
+              <a:lnSpc>
+                <a:spcPct val="90000"/>
+              </a:lnSpc>
+              <a:spcBef>
+                <a:spcPts val="500"/>
+              </a:spcBef>
+              <a:buClr>
+                <a:schemeClr val="tx2"/>
+              </a:buClr>
+              <a:buFont typeface="Wingdings" panose="05000000000000000000" pitchFamily="2" charset="2"/>
+              <a:buChar char="§"/>
+              <a:defRPr sz="1799" kern="1200">
+                <a:solidFill>
+                  <a:schemeClr val="tx1"/>
+                </a:solidFill>
+                <a:latin typeface="Garet Book" pitchFamily="2" charset="0"/>
+                <a:ea typeface="+mn-ea"/>
+                <a:cs typeface="+mn-cs"/>
+              </a:defRPr>
+            </a:lvl4pPr>
+            <a:lvl5pPr marL="1187934" indent="-228587" algn="l" defTabSz="914349" rtl="0" eaLnBrk="1" latinLnBrk="0" hangingPunct="1">
+              <a:lnSpc>
+                <a:spcPct val="90000"/>
+              </a:lnSpc>
+              <a:spcBef>
+                <a:spcPts val="500"/>
+              </a:spcBef>
+              <a:buClr>
+                <a:schemeClr val="tx2"/>
+              </a:buClr>
+              <a:buFont typeface="Wingdings" panose="05000000000000000000" pitchFamily="2" charset="2"/>
+              <a:buChar char="§"/>
+              <a:defRPr sz="1799" kern="1200">
+                <a:solidFill>
+                  <a:schemeClr val="tx1"/>
+                </a:solidFill>
+                <a:latin typeface="Garet Book" pitchFamily="2" charset="0"/>
+                <a:ea typeface="+mn-ea"/>
+                <a:cs typeface="+mn-cs"/>
+              </a:defRPr>
+            </a:lvl5pPr>
+            <a:lvl6pPr marL="2514460" indent="-228587" algn="l" defTabSz="914349" rtl="0" eaLnBrk="1" latinLnBrk="0" hangingPunct="1">
+              <a:lnSpc>
+                <a:spcPct val="90000"/>
+              </a:lnSpc>
+              <a:spcBef>
+                <a:spcPts val="500"/>
+              </a:spcBef>
+              <a:buFont typeface="Arial" panose="020B0604020202020204" pitchFamily="34" charset="0"/>
+              <a:buChar char="•"/>
+              <a:defRPr sz="1799" kern="1200">
+                <a:solidFill>
+                  <a:schemeClr val="tx1"/>
+                </a:solidFill>
+                <a:latin typeface="+mn-lt"/>
+                <a:ea typeface="+mn-ea"/>
+                <a:cs typeface="+mn-cs"/>
+              </a:defRPr>
+            </a:lvl6pPr>
+            <a:lvl7pPr marL="2971634" indent="-228587" algn="l" defTabSz="914349" rtl="0" eaLnBrk="1" latinLnBrk="0" hangingPunct="1">
+              <a:lnSpc>
+                <a:spcPct val="90000"/>
+              </a:lnSpc>
+              <a:spcBef>
+                <a:spcPts val="500"/>
+              </a:spcBef>
+              <a:buFont typeface="Arial" panose="020B0604020202020204" pitchFamily="34" charset="0"/>
+              <a:buChar char="•"/>
+              <a:defRPr sz="1799" kern="1200">
+                <a:solidFill>
+                  <a:schemeClr val="tx1"/>
+                </a:solidFill>
+                <a:latin typeface="+mn-lt"/>
+                <a:ea typeface="+mn-ea"/>
+                <a:cs typeface="+mn-cs"/>
+              </a:defRPr>
+            </a:lvl7pPr>
+            <a:lvl8pPr marL="3428808" indent="-228587" algn="l" defTabSz="914349" rtl="0" eaLnBrk="1" latinLnBrk="0" hangingPunct="1">
+              <a:lnSpc>
+                <a:spcPct val="90000"/>
+              </a:lnSpc>
+              <a:spcBef>
+                <a:spcPts val="500"/>
+              </a:spcBef>
+              <a:buFont typeface="Arial" panose="020B0604020202020204" pitchFamily="34" charset="0"/>
+              <a:buChar char="•"/>
+              <a:defRPr sz="1799" kern="1200">
+                <a:solidFill>
+                  <a:schemeClr val="tx1"/>
+                </a:solidFill>
+                <a:latin typeface="+mn-lt"/>
+                <a:ea typeface="+mn-ea"/>
+                <a:cs typeface="+mn-cs"/>
+              </a:defRPr>
+            </a:lvl8pPr>
+            <a:lvl9pPr marL="3885983" indent="-228587" algn="l" defTabSz="914349" rtl="0" eaLnBrk="1" latinLnBrk="0" hangingPunct="1">
+              <a:lnSpc>
+                <a:spcPct val="90000"/>
+              </a:lnSpc>
+              <a:spcBef>
+                <a:spcPts val="500"/>
+              </a:spcBef>
+              <a:buFont typeface="Arial" panose="020B0604020202020204" pitchFamily="34" charset="0"/>
+              <a:buChar char="•"/>
+              <a:defRPr sz="1799" kern="1200">
+                <a:solidFill>
+                  <a:schemeClr val="tx1"/>
+                </a:solidFill>
+                <a:latin typeface="+mn-lt"/>
+                <a:ea typeface="+mn-ea"/>
+                <a:cs typeface="+mn-cs"/>
+              </a:defRPr>
+            </a:lvl9pPr>
+          </a:lstStyle>
+          <a:p>
+            <a:r>
+              <a:rPr lang="en-US" sz="1600" b="1"/>
+              <a:t>2. Render: </a:t>
+            </a:r>
+            <a:r>
+              <a:rPr lang="en-US" sz="1600" b="1">
+                <a:solidFill>
+                  <a:schemeClr val="bg2">
+                    <a:lumMod val="50000"/>
+                  </a:schemeClr>
+                </a:solidFill>
+              </a:rPr>
+              <a:t>1473 ms</a:t>
+            </a:r>
+            <a:endParaRPr lang="de-DE" sz="1600" b="1">
+              <a:solidFill>
+                <a:schemeClr val="bg2">
+                  <a:lumMod val="50000"/>
+                </a:schemeClr>
+              </a:solidFill>
+            </a:endParaRPr>
+          </a:p>
+        </p:txBody>
+      </p:sp>
+      <p:sp>
+        <p:nvSpPr>
+          <p:cNvPr id="19" name="Content Placeholder 3">
+            <a:extLst>
+              <a:ext uri="{FF2B5EF4-FFF2-40B4-BE49-F238E27FC236}">
+                <a16:creationId xmlns:a16="http://schemas.microsoft.com/office/drawing/2014/main" id="{983D0E26-3504-7CEB-4510-BD9A755A84DE}"/>
+              </a:ext>
+            </a:extLst>
+          </p:cNvPr>
+          <p:cNvSpPr txBox="1">
+            <a:spLocks/>
+          </p:cNvSpPr>
+          <p:nvPr/>
+        </p:nvSpPr>
+        <p:spPr>
+          <a:xfrm>
+            <a:off x="8421398" y="4415402"/>
+            <a:ext cx="2523691" cy="437098"/>
+          </a:xfrm>
+          <a:prstGeom prst="rect">
+            <a:avLst/>
+          </a:prstGeom>
+        </p:spPr>
+        <p:txBody>
+          <a:bodyPr vert="horz" lIns="91440" tIns="45720" rIns="91440" bIns="45720" rtlCol="0" anchor="ctr">
+            <a:noAutofit/>
+          </a:bodyPr>
+          <a:lstStyle>
+            <a:lvl1pPr marL="0" indent="0" algn="l" defTabSz="914349" rtl="0" eaLnBrk="1" latinLnBrk="0" hangingPunct="1">
+              <a:lnSpc>
+                <a:spcPct val="90000"/>
+              </a:lnSpc>
+              <a:spcBef>
+                <a:spcPts val="1000"/>
+              </a:spcBef>
+              <a:buClr>
+                <a:srgbClr val="0078D1"/>
+              </a:buClr>
+              <a:buFont typeface="Wingdings" panose="05000000000000000000" pitchFamily="2" charset="2"/>
+              <a:buNone/>
+              <a:defRPr sz="2800" kern="1200">
+                <a:solidFill>
+                  <a:schemeClr val="tx1"/>
+                </a:solidFill>
+                <a:latin typeface="Garet Book" pitchFamily="2" charset="0"/>
+                <a:ea typeface="+mn-ea"/>
+                <a:cs typeface="+mn-cs"/>
+              </a:defRPr>
+            </a:lvl1pPr>
+            <a:lvl2pPr marL="359980" indent="-228587" algn="l" defTabSz="914349" rtl="0" eaLnBrk="1" latinLnBrk="0" hangingPunct="1">
+              <a:lnSpc>
+                <a:spcPct val="90000"/>
+              </a:lnSpc>
+              <a:spcBef>
+                <a:spcPts val="500"/>
+              </a:spcBef>
+              <a:buClr>
+                <a:schemeClr val="tx2"/>
+              </a:buClr>
+              <a:buFont typeface="Wingdings" panose="05000000000000000000" pitchFamily="2" charset="2"/>
+              <a:buChar char="§"/>
+              <a:defRPr sz="2400" kern="1200">
+                <a:solidFill>
+                  <a:schemeClr val="tx1"/>
+                </a:solidFill>
+                <a:latin typeface="Garet Book" pitchFamily="2" charset="0"/>
+                <a:ea typeface="+mn-ea"/>
+                <a:cs typeface="+mn-cs"/>
+              </a:defRPr>
+            </a:lvl2pPr>
+            <a:lvl3pPr marL="611965" indent="-228587" algn="l" defTabSz="914349" rtl="0" eaLnBrk="1" latinLnBrk="0" hangingPunct="1">
+              <a:lnSpc>
+                <a:spcPct val="90000"/>
+              </a:lnSpc>
+              <a:spcBef>
+                <a:spcPts val="500"/>
+              </a:spcBef>
+              <a:buClr>
+                <a:schemeClr val="tx2"/>
+              </a:buClr>
+              <a:buFont typeface="Wingdings" panose="05000000000000000000" pitchFamily="2" charset="2"/>
+              <a:buChar char="§"/>
+              <a:defRPr sz="2000" kern="1200">
+                <a:solidFill>
+                  <a:schemeClr val="tx1"/>
+                </a:solidFill>
+                <a:latin typeface="Garet Book" pitchFamily="2" charset="0"/>
+                <a:ea typeface="+mn-ea"/>
+                <a:cs typeface="+mn-cs"/>
+              </a:defRPr>
+            </a:lvl3pPr>
+            <a:lvl4pPr marL="899950" indent="-228587" algn="l" defTabSz="914349" rtl="0" eaLnBrk="1" latinLnBrk="0" hangingPunct="1">
+              <a:lnSpc>
+                <a:spcPct val="90000"/>
+              </a:lnSpc>
+              <a:spcBef>
+                <a:spcPts val="500"/>
+              </a:spcBef>
+              <a:buClr>
+                <a:schemeClr val="tx2"/>
+              </a:buClr>
+              <a:buFont typeface="Wingdings" panose="05000000000000000000" pitchFamily="2" charset="2"/>
+              <a:buChar char="§"/>
+              <a:defRPr sz="1799" kern="1200">
+                <a:solidFill>
+                  <a:schemeClr val="tx1"/>
+                </a:solidFill>
+                <a:latin typeface="Garet Book" pitchFamily="2" charset="0"/>
+                <a:ea typeface="+mn-ea"/>
+                <a:cs typeface="+mn-cs"/>
+              </a:defRPr>
+            </a:lvl4pPr>
+            <a:lvl5pPr marL="1187934" indent="-228587" algn="l" defTabSz="914349" rtl="0" eaLnBrk="1" latinLnBrk="0" hangingPunct="1">
+              <a:lnSpc>
+                <a:spcPct val="90000"/>
+              </a:lnSpc>
+              <a:spcBef>
+                <a:spcPts val="500"/>
+              </a:spcBef>
+              <a:buClr>
+                <a:schemeClr val="tx2"/>
+              </a:buClr>
+              <a:buFont typeface="Wingdings" panose="05000000000000000000" pitchFamily="2" charset="2"/>
+              <a:buChar char="§"/>
+              <a:defRPr sz="1799" kern="1200">
+                <a:solidFill>
+                  <a:schemeClr val="tx1"/>
+                </a:solidFill>
+                <a:latin typeface="Garet Book" pitchFamily="2" charset="0"/>
+                <a:ea typeface="+mn-ea"/>
+                <a:cs typeface="+mn-cs"/>
+              </a:defRPr>
+            </a:lvl5pPr>
+            <a:lvl6pPr marL="2514460" indent="-228587" algn="l" defTabSz="914349" rtl="0" eaLnBrk="1" latinLnBrk="0" hangingPunct="1">
+              <a:lnSpc>
+                <a:spcPct val="90000"/>
+              </a:lnSpc>
+              <a:spcBef>
+                <a:spcPts val="500"/>
+              </a:spcBef>
+              <a:buFont typeface="Arial" panose="020B0604020202020204" pitchFamily="34" charset="0"/>
+              <a:buChar char="•"/>
+              <a:defRPr sz="1799" kern="1200">
+                <a:solidFill>
+                  <a:schemeClr val="tx1"/>
+                </a:solidFill>
+                <a:latin typeface="+mn-lt"/>
+                <a:ea typeface="+mn-ea"/>
+                <a:cs typeface="+mn-cs"/>
+              </a:defRPr>
+            </a:lvl6pPr>
+            <a:lvl7pPr marL="2971634" indent="-228587" algn="l" defTabSz="914349" rtl="0" eaLnBrk="1" latinLnBrk="0" hangingPunct="1">
+              <a:lnSpc>
+                <a:spcPct val="90000"/>
+              </a:lnSpc>
+              <a:spcBef>
+                <a:spcPts val="500"/>
+              </a:spcBef>
+              <a:buFont typeface="Arial" panose="020B0604020202020204" pitchFamily="34" charset="0"/>
+              <a:buChar char="•"/>
+              <a:defRPr sz="1799" kern="1200">
+                <a:solidFill>
+                  <a:schemeClr val="tx1"/>
+                </a:solidFill>
+                <a:latin typeface="+mn-lt"/>
+                <a:ea typeface="+mn-ea"/>
+                <a:cs typeface="+mn-cs"/>
+              </a:defRPr>
+            </a:lvl7pPr>
+            <a:lvl8pPr marL="3428808" indent="-228587" algn="l" defTabSz="914349" rtl="0" eaLnBrk="1" latinLnBrk="0" hangingPunct="1">
+              <a:lnSpc>
+                <a:spcPct val="90000"/>
+              </a:lnSpc>
+              <a:spcBef>
+                <a:spcPts val="500"/>
+              </a:spcBef>
+              <a:buFont typeface="Arial" panose="020B0604020202020204" pitchFamily="34" charset="0"/>
+              <a:buChar char="•"/>
+              <a:defRPr sz="1799" kern="1200">
+                <a:solidFill>
+                  <a:schemeClr val="tx1"/>
+                </a:solidFill>
+                <a:latin typeface="+mn-lt"/>
+                <a:ea typeface="+mn-ea"/>
+                <a:cs typeface="+mn-cs"/>
+              </a:defRPr>
+            </a:lvl8pPr>
+            <a:lvl9pPr marL="3885983" indent="-228587" algn="l" defTabSz="914349" rtl="0" eaLnBrk="1" latinLnBrk="0" hangingPunct="1">
+              <a:lnSpc>
+                <a:spcPct val="90000"/>
+              </a:lnSpc>
+              <a:spcBef>
+                <a:spcPts val="500"/>
+              </a:spcBef>
+              <a:buFont typeface="Arial" panose="020B0604020202020204" pitchFamily="34" charset="0"/>
+              <a:buChar char="•"/>
+              <a:defRPr sz="1799" kern="1200">
+                <a:solidFill>
+                  <a:schemeClr val="tx1"/>
+                </a:solidFill>
+                <a:latin typeface="+mn-lt"/>
+                <a:ea typeface="+mn-ea"/>
+                <a:cs typeface="+mn-cs"/>
+              </a:defRPr>
+            </a:lvl9pPr>
+          </a:lstStyle>
+          <a:p>
+            <a:r>
+              <a:rPr lang="en-US" sz="1600" b="1"/>
+              <a:t>1.  Render: 1473 ms</a:t>
+            </a:r>
+            <a:endParaRPr lang="de-DE" sz="1600" b="1"/>
+          </a:p>
+        </p:txBody>
+      </p:sp>
+      <p:sp>
+        <p:nvSpPr>
+          <p:cNvPr id="20" name="Content Placeholder 3">
+            <a:extLst>
+              <a:ext uri="{FF2B5EF4-FFF2-40B4-BE49-F238E27FC236}">
+                <a16:creationId xmlns:a16="http://schemas.microsoft.com/office/drawing/2014/main" id="{CBC9AE5D-1BE1-5140-0296-36094B061083}"/>
+              </a:ext>
+            </a:extLst>
+          </p:cNvPr>
+          <p:cNvSpPr txBox="1">
+            <a:spLocks/>
+          </p:cNvSpPr>
+          <p:nvPr/>
+        </p:nvSpPr>
+        <p:spPr>
+          <a:xfrm>
+            <a:off x="8421397" y="4903763"/>
+            <a:ext cx="2523692" cy="437098"/>
+          </a:xfrm>
+          <a:prstGeom prst="rect">
+            <a:avLst/>
+          </a:prstGeom>
+        </p:spPr>
+        <p:txBody>
+          <a:bodyPr vert="horz" lIns="91440" tIns="45720" rIns="91440" bIns="45720" rtlCol="0" anchor="ctr">
+            <a:noAutofit/>
+          </a:bodyPr>
+          <a:lstStyle>
+            <a:lvl1pPr marL="0" indent="0" algn="l" defTabSz="914349" rtl="0" eaLnBrk="1" latinLnBrk="0" hangingPunct="1">
+              <a:lnSpc>
+                <a:spcPct val="90000"/>
+              </a:lnSpc>
+              <a:spcBef>
+                <a:spcPts val="1000"/>
+              </a:spcBef>
+              <a:buClr>
+                <a:srgbClr val="0078D1"/>
+              </a:buClr>
+              <a:buFont typeface="Wingdings" panose="05000000000000000000" pitchFamily="2" charset="2"/>
+              <a:buNone/>
+              <a:defRPr sz="2800" kern="1200">
+                <a:solidFill>
+                  <a:schemeClr val="tx1"/>
+                </a:solidFill>
+                <a:latin typeface="Garet Book" pitchFamily="2" charset="0"/>
+                <a:ea typeface="+mn-ea"/>
+                <a:cs typeface="+mn-cs"/>
+              </a:defRPr>
+            </a:lvl1pPr>
+            <a:lvl2pPr marL="359980" indent="-228587" algn="l" defTabSz="914349" rtl="0" eaLnBrk="1" latinLnBrk="0" hangingPunct="1">
+              <a:lnSpc>
+                <a:spcPct val="90000"/>
+              </a:lnSpc>
+              <a:spcBef>
+                <a:spcPts val="500"/>
+              </a:spcBef>
+              <a:buClr>
+                <a:schemeClr val="tx2"/>
+              </a:buClr>
+              <a:buFont typeface="Wingdings" panose="05000000000000000000" pitchFamily="2" charset="2"/>
+              <a:buChar char="§"/>
+              <a:defRPr sz="2400" kern="1200">
+                <a:solidFill>
+                  <a:schemeClr val="tx1"/>
+                </a:solidFill>
+                <a:latin typeface="Garet Book" pitchFamily="2" charset="0"/>
+                <a:ea typeface="+mn-ea"/>
+                <a:cs typeface="+mn-cs"/>
+              </a:defRPr>
+            </a:lvl2pPr>
+            <a:lvl3pPr marL="611965" indent="-228587" algn="l" defTabSz="914349" rtl="0" eaLnBrk="1" latinLnBrk="0" hangingPunct="1">
+              <a:lnSpc>
+                <a:spcPct val="90000"/>
+              </a:lnSpc>
+              <a:spcBef>
+                <a:spcPts val="500"/>
+              </a:spcBef>
+              <a:buClr>
+                <a:schemeClr val="tx2"/>
+              </a:buClr>
+              <a:buFont typeface="Wingdings" panose="05000000000000000000" pitchFamily="2" charset="2"/>
+              <a:buChar char="§"/>
+              <a:defRPr sz="2000" kern="1200">
+                <a:solidFill>
+                  <a:schemeClr val="tx1"/>
+                </a:solidFill>
+                <a:latin typeface="Garet Book" pitchFamily="2" charset="0"/>
+                <a:ea typeface="+mn-ea"/>
+                <a:cs typeface="+mn-cs"/>
+              </a:defRPr>
+            </a:lvl3pPr>
+            <a:lvl4pPr marL="899950" indent="-228587" algn="l" defTabSz="914349" rtl="0" eaLnBrk="1" latinLnBrk="0" hangingPunct="1">
+              <a:lnSpc>
+                <a:spcPct val="90000"/>
+              </a:lnSpc>
+              <a:spcBef>
+                <a:spcPts val="500"/>
+              </a:spcBef>
+              <a:buClr>
+                <a:schemeClr val="tx2"/>
+              </a:buClr>
+              <a:buFont typeface="Wingdings" panose="05000000000000000000" pitchFamily="2" charset="2"/>
+              <a:buChar char="§"/>
+              <a:defRPr sz="1799" kern="1200">
+                <a:solidFill>
+                  <a:schemeClr val="tx1"/>
+                </a:solidFill>
+                <a:latin typeface="Garet Book" pitchFamily="2" charset="0"/>
+                <a:ea typeface="+mn-ea"/>
+                <a:cs typeface="+mn-cs"/>
+              </a:defRPr>
+            </a:lvl4pPr>
+            <a:lvl5pPr marL="1187934" indent="-228587" algn="l" defTabSz="914349" rtl="0" eaLnBrk="1" latinLnBrk="0" hangingPunct="1">
+              <a:lnSpc>
+                <a:spcPct val="90000"/>
+              </a:lnSpc>
+              <a:spcBef>
+                <a:spcPts val="500"/>
+              </a:spcBef>
+              <a:buClr>
+                <a:schemeClr val="tx2"/>
+              </a:buClr>
+              <a:buFont typeface="Wingdings" panose="05000000000000000000" pitchFamily="2" charset="2"/>
+              <a:buChar char="§"/>
+              <a:defRPr sz="1799" kern="1200">
+                <a:solidFill>
+                  <a:schemeClr val="tx1"/>
+                </a:solidFill>
+                <a:latin typeface="Garet Book" pitchFamily="2" charset="0"/>
+                <a:ea typeface="+mn-ea"/>
+                <a:cs typeface="+mn-cs"/>
+              </a:defRPr>
+            </a:lvl5pPr>
+            <a:lvl6pPr marL="2514460" indent="-228587" algn="l" defTabSz="914349" rtl="0" eaLnBrk="1" latinLnBrk="0" hangingPunct="1">
+              <a:lnSpc>
+                <a:spcPct val="90000"/>
+              </a:lnSpc>
+              <a:spcBef>
+                <a:spcPts val="500"/>
+              </a:spcBef>
+              <a:buFont typeface="Arial" panose="020B0604020202020204" pitchFamily="34" charset="0"/>
+              <a:buChar char="•"/>
+              <a:defRPr sz="1799" kern="1200">
+                <a:solidFill>
+                  <a:schemeClr val="tx1"/>
+                </a:solidFill>
+                <a:latin typeface="+mn-lt"/>
+                <a:ea typeface="+mn-ea"/>
+                <a:cs typeface="+mn-cs"/>
+              </a:defRPr>
+            </a:lvl6pPr>
+            <a:lvl7pPr marL="2971634" indent="-228587" algn="l" defTabSz="914349" rtl="0" eaLnBrk="1" latinLnBrk="0" hangingPunct="1">
+              <a:lnSpc>
+                <a:spcPct val="90000"/>
+              </a:lnSpc>
+              <a:spcBef>
+                <a:spcPts val="500"/>
+              </a:spcBef>
+              <a:buFont typeface="Arial" panose="020B0604020202020204" pitchFamily="34" charset="0"/>
+              <a:buChar char="•"/>
+              <a:defRPr sz="1799" kern="1200">
+                <a:solidFill>
+                  <a:schemeClr val="tx1"/>
+                </a:solidFill>
+                <a:latin typeface="+mn-lt"/>
+                <a:ea typeface="+mn-ea"/>
+                <a:cs typeface="+mn-cs"/>
+              </a:defRPr>
+            </a:lvl7pPr>
+            <a:lvl8pPr marL="3428808" indent="-228587" algn="l" defTabSz="914349" rtl="0" eaLnBrk="1" latinLnBrk="0" hangingPunct="1">
+              <a:lnSpc>
+                <a:spcPct val="90000"/>
+              </a:lnSpc>
+              <a:spcBef>
+                <a:spcPts val="500"/>
+              </a:spcBef>
+              <a:buFont typeface="Arial" panose="020B0604020202020204" pitchFamily="34" charset="0"/>
+              <a:buChar char="•"/>
+              <a:defRPr sz="1799" kern="1200">
+                <a:solidFill>
+                  <a:schemeClr val="tx1"/>
+                </a:solidFill>
+                <a:latin typeface="+mn-lt"/>
+                <a:ea typeface="+mn-ea"/>
+                <a:cs typeface="+mn-cs"/>
+              </a:defRPr>
+            </a:lvl8pPr>
+            <a:lvl9pPr marL="3885983" indent="-228587" algn="l" defTabSz="914349" rtl="0" eaLnBrk="1" latinLnBrk="0" hangingPunct="1">
+              <a:lnSpc>
+                <a:spcPct val="90000"/>
+              </a:lnSpc>
+              <a:spcBef>
+                <a:spcPts val="500"/>
+              </a:spcBef>
+              <a:buFont typeface="Arial" panose="020B0604020202020204" pitchFamily="34" charset="0"/>
+              <a:buChar char="•"/>
+              <a:defRPr sz="1799" kern="1200">
+                <a:solidFill>
+                  <a:schemeClr val="tx1"/>
+                </a:solidFill>
+                <a:latin typeface="+mn-lt"/>
+                <a:ea typeface="+mn-ea"/>
+                <a:cs typeface="+mn-cs"/>
+              </a:defRPr>
+            </a:lvl9pPr>
+          </a:lstStyle>
+          <a:p>
+            <a:r>
+              <a:rPr lang="en-US" sz="1600" b="1"/>
+              <a:t>2. Render: </a:t>
+            </a:r>
+            <a:r>
+              <a:rPr lang="en-US" sz="1600" b="1">
+                <a:solidFill>
+                  <a:srgbClr val="92D050"/>
+                </a:solidFill>
+              </a:rPr>
+              <a:t>~ 1 ms</a:t>
+            </a:r>
+            <a:endParaRPr lang="de-DE" sz="1600" b="1">
+              <a:solidFill>
+                <a:srgbClr val="92D050"/>
+              </a:solidFill>
+            </a:endParaRPr>
+          </a:p>
+        </p:txBody>
+      </p:sp>
+      <p:sp>
+        <p:nvSpPr>
+          <p:cNvPr id="25" name="Text Placeholder 2">
+            <a:extLst>
+              <a:ext uri="{FF2B5EF4-FFF2-40B4-BE49-F238E27FC236}">
+                <a16:creationId xmlns:a16="http://schemas.microsoft.com/office/drawing/2014/main" id="{4DF4CB98-3468-00B7-D3BB-3386D6DB74CF}"/>
+              </a:ext>
+            </a:extLst>
+          </p:cNvPr>
+          <p:cNvSpPr txBox="1">
+            <a:spLocks/>
+          </p:cNvSpPr>
+          <p:nvPr/>
+        </p:nvSpPr>
+        <p:spPr>
+          <a:xfrm>
+            <a:off x="838345" y="4003446"/>
+            <a:ext cx="2089582" cy="411956"/>
           </a:xfrm>
           <a:prstGeom prst="rect">
             <a:avLst/>
@@ -13895,125 +16270,17 @@
           <a:p>
             <a:r>
               <a:rPr lang="de-DE" sz="2000"/>
-              <a:t>useMemo:</a:t>
+              <a:t>Mit useMemo:</a:t>
             </a:r>
           </a:p>
         </p:txBody>
       </p:sp>
       <p:sp>
         <p:nvSpPr>
-          <p:cNvPr id="8" name="Content Placeholder 3">
+          <p:cNvPr id="29" name="Arrow: Right 28">
             <a:extLst>
               <a:ext uri="{FF2B5EF4-FFF2-40B4-BE49-F238E27FC236}">
-                <a16:creationId xmlns:a16="http://schemas.microsoft.com/office/drawing/2014/main" id="{E30A0B3B-5E33-DCBD-D65F-4E85373AEA27}"/>
-              </a:ext>
-            </a:extLst>
-          </p:cNvPr>
-          <p:cNvSpPr>
-            <a:spLocks noGrp="1"/>
-          </p:cNvSpPr>
-          <p:nvPr>
-            <p:ph sz="half" idx="2"/>
-          </p:nvPr>
-        </p:nvSpPr>
-        <p:spPr>
-          <a:xfrm>
-            <a:off x="839789" y="2343531"/>
-            <a:ext cx="5256211" cy="1626493"/>
-          </a:xfrm>
-        </p:spPr>
-        <p:txBody>
-          <a:bodyPr>
-            <a:noAutofit/>
-          </a:bodyPr>
-          <a:lstStyle/>
-          <a:p>
-            <a:pPr marL="457200" marR="0" lvl="0" indent="-457200" algn="l" defTabSz="914400" rtl="0" eaLnBrk="1" fontAlgn="auto" latinLnBrk="0" hangingPunct="1">
-              <a:lnSpc>
-                <a:spcPct val="90000"/>
-              </a:lnSpc>
-              <a:spcBef>
-                <a:spcPts val="500"/>
-              </a:spcBef>
-              <a:spcAft>
-                <a:spcPts val="0"/>
-              </a:spcAft>
-              <a:buClr>
-                <a:srgbClr val="5E42F5"/>
-              </a:buClr>
-              <a:buSzTx/>
-              <a:buFont typeface="Wingdings" panose="05000000000000000000" pitchFamily="2" charset="2"/>
-              <a:buChar char="§"/>
-              <a:tabLst/>
-              <a:defRPr/>
-            </a:pPr>
-            <a:r>
-              <a:rPr lang="en-DE" sz="1800"/>
-              <a:t>kapselt eine Funktion, die einen memoisierten Wert zurückgibt</a:t>
-            </a:r>
-          </a:p>
-          <a:p>
-            <a:pPr marL="457200" marR="0" lvl="0" indent="-457200" algn="l" defTabSz="914400" rtl="0" eaLnBrk="1" fontAlgn="auto" latinLnBrk="0" hangingPunct="1">
-              <a:lnSpc>
-                <a:spcPct val="90000"/>
-              </a:lnSpc>
-              <a:spcBef>
-                <a:spcPts val="500"/>
-              </a:spcBef>
-              <a:spcAft>
-                <a:spcPts val="0"/>
-              </a:spcAft>
-              <a:buClr>
-                <a:srgbClr val="5E42F5"/>
-              </a:buClr>
-              <a:buSzTx/>
-              <a:buFont typeface="Wingdings" panose="05000000000000000000" pitchFamily="2" charset="2"/>
-              <a:buChar char="§"/>
-              <a:tabLst/>
-              <a:defRPr/>
-            </a:pPr>
-            <a:r>
-              <a:rPr lang="en-DE" sz="1800"/>
-              <a:t>Ähnlich </a:t>
-            </a:r>
-            <a:r>
-              <a:rPr kumimoji="0" lang="en-DE" sz="1800" i="0" u="none" strike="noStrike" kern="1200" cap="none" spc="0" normalizeH="0" baseline="0" noProof="0">
-                <a:ln>
-                  <a:noFill/>
-                </a:ln>
-                <a:effectLst/>
-                <a:uLnTx/>
-                <a:uFillTx/>
-                <a:latin typeface="Garet Book" pitchFamily="2" charset="0"/>
-                <a:ea typeface="+mn-ea"/>
-                <a:cs typeface="+mn-cs"/>
-              </a:rPr>
-              <a:t>zu </a:t>
-            </a:r>
-            <a:r>
-              <a:rPr lang="en-DE" sz="1800"/>
-              <a:t>useEffect durch abhängige States gesteuert, wann der Wert neu berechnet wird</a:t>
-            </a:r>
-            <a:endParaRPr kumimoji="0" lang="en-DE" sz="1800" i="0" u="none" strike="noStrike" kern="1200" cap="none" spc="0" normalizeH="0" baseline="0" noProof="0">
-              <a:ln>
-                <a:noFill/>
-              </a:ln>
-              <a:effectLst/>
-              <a:uLnTx/>
-              <a:uFillTx/>
-              <a:latin typeface="Garet Book" pitchFamily="2" charset="0"/>
-              <a:ea typeface="+mn-ea"/>
-              <a:cs typeface="+mn-cs"/>
-            </a:endParaRPr>
-          </a:p>
-        </p:txBody>
-      </p:sp>
-      <p:sp>
-        <p:nvSpPr>
-          <p:cNvPr id="33" name="Arrow: Right 32">
-            <a:extLst>
-              <a:ext uri="{FF2B5EF4-FFF2-40B4-BE49-F238E27FC236}">
-                <a16:creationId xmlns:a16="http://schemas.microsoft.com/office/drawing/2014/main" id="{EEECCED3-0447-6EFB-9802-A6967B5426D3}"/>
+                <a16:creationId xmlns:a16="http://schemas.microsoft.com/office/drawing/2014/main" id="{DBA5B03F-2498-1CDA-3BFC-E3FD32A44585}"/>
               </a:ext>
             </a:extLst>
           </p:cNvPr>
@@ -14021,9 +16288,9 @@
           <p:nvPr/>
         </p:nvSpPr>
         <p:spPr>
-          <a:xfrm>
-            <a:off x="903000" y="4902340"/>
-            <a:ext cx="981219" cy="455093"/>
+          <a:xfrm rot="16200000">
+            <a:off x="1404592" y="5402871"/>
+            <a:ext cx="501995" cy="455093"/>
           </a:xfrm>
           <a:prstGeom prst="rightArrow">
             <a:avLst/>
@@ -14031,11 +16298,6 @@
           <a:solidFill>
             <a:schemeClr val="bg2"/>
           </a:solidFill>
-          <a:ln>
-            <a:solidFill>
-              <a:schemeClr val="tx1"/>
-            </a:solidFill>
-          </a:ln>
         </p:spPr>
         <p:style>
           <a:lnRef idx="2">
@@ -14058,69 +16320,20 @@
           <a:lstStyle/>
           <a:p>
             <a:pPr algn="ctr"/>
-            <a:r>
-              <a:rPr lang="de-DE" sz="1200">
-                <a:solidFill>
-                  <a:schemeClr val="bg1"/>
-                </a:solidFill>
-              </a:rPr>
-              <a:t>Render</a:t>
-            </a:r>
+            <a:endParaRPr lang="de-DE" sz="1200">
+              <a:solidFill>
+                <a:schemeClr val="bg1"/>
+              </a:solidFill>
+            </a:endParaRPr>
           </a:p>
         </p:txBody>
       </p:sp>
       <p:sp>
         <p:nvSpPr>
-          <p:cNvPr id="37" name="Diamond 36">
+          <p:cNvPr id="32" name="Content Placeholder 3">
             <a:extLst>
               <a:ext uri="{FF2B5EF4-FFF2-40B4-BE49-F238E27FC236}">
-                <a16:creationId xmlns:a16="http://schemas.microsoft.com/office/drawing/2014/main" id="{626B7858-50A5-14C1-D4F7-5338A98AFB49}"/>
-              </a:ext>
-            </a:extLst>
-          </p:cNvPr>
-          <p:cNvSpPr/>
-          <p:nvPr/>
-        </p:nvSpPr>
-        <p:spPr>
-          <a:xfrm>
-            <a:off x="3720088" y="4282452"/>
-            <a:ext cx="1717963" cy="1717963"/>
-          </a:xfrm>
-          <a:prstGeom prst="diamond">
-            <a:avLst/>
-          </a:prstGeom>
-        </p:spPr>
-        <p:style>
-          <a:lnRef idx="2">
-            <a:schemeClr val="accent2">
-              <a:shade val="15000"/>
-            </a:schemeClr>
-          </a:lnRef>
-          <a:fillRef idx="1">
-            <a:schemeClr val="accent2"/>
-          </a:fillRef>
-          <a:effectRef idx="0">
-            <a:schemeClr val="accent2"/>
-          </a:effectRef>
-          <a:fontRef idx="minor">
-            <a:schemeClr val="lt1"/>
-          </a:fontRef>
-        </p:style>
-        <p:txBody>
-          <a:bodyPr rtlCol="0" anchor="ctr"/>
-          <a:lstStyle/>
-          <a:p>
-            <a:pPr algn="ctr"/>
-            <a:endParaRPr lang="de-DE" sz="1200"/>
-          </a:p>
-        </p:txBody>
-      </p:sp>
-      <p:sp>
-        <p:nvSpPr>
-          <p:cNvPr id="38" name="Text Placeholder 2">
-            <a:extLst>
-              <a:ext uri="{FF2B5EF4-FFF2-40B4-BE49-F238E27FC236}">
-                <a16:creationId xmlns:a16="http://schemas.microsoft.com/office/drawing/2014/main" id="{0E24A600-1FB6-6C37-7D74-14FEDA5DF1F0}"/>
+                <a16:creationId xmlns:a16="http://schemas.microsoft.com/office/drawing/2014/main" id="{09928B2E-67D8-EEED-D7C6-58D70A3FE4B1}"/>
               </a:ext>
             </a:extLst>
           </p:cNvPr>
@@ -14131,18 +16344,15 @@
         </p:nvSpPr>
         <p:spPr>
           <a:xfrm>
-            <a:off x="3720088" y="5011676"/>
-            <a:ext cx="1717963" cy="416347"/>
+            <a:off x="719325" y="5919974"/>
+            <a:ext cx="1872528" cy="437098"/>
           </a:xfrm>
           <a:prstGeom prst="rect">
             <a:avLst/>
           </a:prstGeom>
-          <a:ln>
-            <a:noFill/>
-          </a:ln>
         </p:spPr>
         <p:txBody>
-          <a:bodyPr vert="horz" lIns="91440" tIns="45720" rIns="91440" bIns="45720" rtlCol="0" anchor="b">
+          <a:bodyPr vert="horz" lIns="91440" tIns="45720" rIns="91440" bIns="45720" rtlCol="0" anchor="ctr">
             <a:noAutofit/>
           </a:bodyPr>
           <a:lstStyle>
@@ -14158,7 +16368,7 @@
               </a:buClr>
               <a:buFont typeface="Wingdings" panose="05000000000000000000" pitchFamily="2" charset="2"/>
               <a:buNone/>
-              <a:defRPr sz="2400" b="1" kern="1200">
+              <a:defRPr sz="2800" kern="1200">
                 <a:solidFill>
                   <a:schemeClr val="tx1"/>
                 </a:solidFill>
@@ -14167,7 +16377,7 @@
                 <a:cs typeface="+mn-cs"/>
               </a:defRPr>
             </a:lvl1pPr>
-            <a:lvl2pPr marL="457175" indent="0" algn="l" defTabSz="914349" rtl="0" eaLnBrk="1" latinLnBrk="0" hangingPunct="1">
+            <a:lvl2pPr marL="359980" indent="-228587" algn="l" defTabSz="914349" rtl="0" eaLnBrk="1" latinLnBrk="0" hangingPunct="1">
               <a:lnSpc>
                 <a:spcPct val="90000"/>
               </a:lnSpc>
@@ -14178,8 +16388,8 @@
                 <a:schemeClr val="tx2"/>
               </a:buClr>
               <a:buFont typeface="Wingdings" panose="05000000000000000000" pitchFamily="2" charset="2"/>
-              <a:buNone/>
-              <a:defRPr sz="2000" b="1" kern="1200">
+              <a:buChar char="§"/>
+              <a:defRPr sz="2400" kern="1200">
                 <a:solidFill>
                   <a:schemeClr val="tx1"/>
                 </a:solidFill>
@@ -14188,7 +16398,7 @@
                 <a:cs typeface="+mn-cs"/>
               </a:defRPr>
             </a:lvl2pPr>
-            <a:lvl3pPr marL="914349" indent="0" algn="l" defTabSz="914349" rtl="0" eaLnBrk="1" latinLnBrk="0" hangingPunct="1">
+            <a:lvl3pPr marL="611965" indent="-228587" algn="l" defTabSz="914349" rtl="0" eaLnBrk="1" latinLnBrk="0" hangingPunct="1">
               <a:lnSpc>
                 <a:spcPct val="90000"/>
               </a:lnSpc>
@@ -14199,8 +16409,8 @@
                 <a:schemeClr val="tx2"/>
               </a:buClr>
               <a:buFont typeface="Wingdings" panose="05000000000000000000" pitchFamily="2" charset="2"/>
-              <a:buNone/>
-              <a:defRPr sz="1799" b="1" kern="1200">
+              <a:buChar char="§"/>
+              <a:defRPr sz="2000" kern="1200">
                 <a:solidFill>
                   <a:schemeClr val="tx1"/>
                 </a:solidFill>
@@ -14209,7 +16419,7 @@
                 <a:cs typeface="+mn-cs"/>
               </a:defRPr>
             </a:lvl3pPr>
-            <a:lvl4pPr marL="1371524" indent="0" algn="l" defTabSz="914349" rtl="0" eaLnBrk="1" latinLnBrk="0" hangingPunct="1">
+            <a:lvl4pPr marL="899950" indent="-228587" algn="l" defTabSz="914349" rtl="0" eaLnBrk="1" latinLnBrk="0" hangingPunct="1">
               <a:lnSpc>
                 <a:spcPct val="90000"/>
               </a:lnSpc>
@@ -14220,8 +16430,8 @@
                 <a:schemeClr val="tx2"/>
               </a:buClr>
               <a:buFont typeface="Wingdings" panose="05000000000000000000" pitchFamily="2" charset="2"/>
-              <a:buNone/>
-              <a:defRPr sz="1600" b="1" kern="1200">
+              <a:buChar char="§"/>
+              <a:defRPr sz="1799" kern="1200">
                 <a:solidFill>
                   <a:schemeClr val="tx1"/>
                 </a:solidFill>
@@ -14230,7 +16440,7 @@
                 <a:cs typeface="+mn-cs"/>
               </a:defRPr>
             </a:lvl4pPr>
-            <a:lvl5pPr marL="1828698" indent="0" algn="l" defTabSz="914349" rtl="0" eaLnBrk="1" latinLnBrk="0" hangingPunct="1">
+            <a:lvl5pPr marL="1187934" indent="-228587" algn="l" defTabSz="914349" rtl="0" eaLnBrk="1" latinLnBrk="0" hangingPunct="1">
               <a:lnSpc>
                 <a:spcPct val="90000"/>
               </a:lnSpc>
@@ -14241,8 +16451,8 @@
                 <a:schemeClr val="tx2"/>
               </a:buClr>
               <a:buFont typeface="Wingdings" panose="05000000000000000000" pitchFamily="2" charset="2"/>
-              <a:buNone/>
-              <a:defRPr sz="1600" b="1" kern="1200">
+              <a:buChar char="§"/>
+              <a:defRPr sz="1799" kern="1200">
                 <a:solidFill>
                   <a:schemeClr val="tx1"/>
                 </a:solidFill>
@@ -14251,7 +16461,7 @@
                 <a:cs typeface="+mn-cs"/>
               </a:defRPr>
             </a:lvl5pPr>
-            <a:lvl6pPr marL="2285872" indent="0" algn="l" defTabSz="914349" rtl="0" eaLnBrk="1" latinLnBrk="0" hangingPunct="1">
+            <a:lvl6pPr marL="2514460" indent="-228587" algn="l" defTabSz="914349" rtl="0" eaLnBrk="1" latinLnBrk="0" hangingPunct="1">
               <a:lnSpc>
                 <a:spcPct val="90000"/>
               </a:lnSpc>
@@ -14259,8 +16469,8 @@
                 <a:spcPts val="500"/>
               </a:spcBef>
               <a:buFont typeface="Arial" panose="020B0604020202020204" pitchFamily="34" charset="0"/>
-              <a:buNone/>
-              <a:defRPr sz="1600" b="1" kern="1200">
+              <a:buChar char="•"/>
+              <a:defRPr sz="1799" kern="1200">
                 <a:solidFill>
                   <a:schemeClr val="tx1"/>
                 </a:solidFill>
@@ -14269,7 +16479,7 @@
                 <a:cs typeface="+mn-cs"/>
               </a:defRPr>
             </a:lvl6pPr>
-            <a:lvl7pPr marL="2743047" indent="0" algn="l" defTabSz="914349" rtl="0" eaLnBrk="1" latinLnBrk="0" hangingPunct="1">
+            <a:lvl7pPr marL="2971634" indent="-228587" algn="l" defTabSz="914349" rtl="0" eaLnBrk="1" latinLnBrk="0" hangingPunct="1">
               <a:lnSpc>
                 <a:spcPct val="90000"/>
               </a:lnSpc>
@@ -14277,8 +16487,8 @@
                 <a:spcPts val="500"/>
               </a:spcBef>
               <a:buFont typeface="Arial" panose="020B0604020202020204" pitchFamily="34" charset="0"/>
-              <a:buNone/>
-              <a:defRPr sz="1600" b="1" kern="1200">
+              <a:buChar char="•"/>
+              <a:defRPr sz="1799" kern="1200">
                 <a:solidFill>
                   <a:schemeClr val="tx1"/>
                 </a:solidFill>
@@ -14287,7 +16497,7 @@
                 <a:cs typeface="+mn-cs"/>
               </a:defRPr>
             </a:lvl7pPr>
-            <a:lvl8pPr marL="3200222" indent="0" algn="l" defTabSz="914349" rtl="0" eaLnBrk="1" latinLnBrk="0" hangingPunct="1">
+            <a:lvl8pPr marL="3428808" indent="-228587" algn="l" defTabSz="914349" rtl="0" eaLnBrk="1" latinLnBrk="0" hangingPunct="1">
               <a:lnSpc>
                 <a:spcPct val="90000"/>
               </a:lnSpc>
@@ -14295,8 +16505,8 @@
                 <a:spcPts val="500"/>
               </a:spcBef>
               <a:buFont typeface="Arial" panose="020B0604020202020204" pitchFamily="34" charset="0"/>
-              <a:buNone/>
-              <a:defRPr sz="1600" b="1" kern="1200">
+              <a:buChar char="•"/>
+              <a:defRPr sz="1799" kern="1200">
                 <a:solidFill>
                   <a:schemeClr val="tx1"/>
                 </a:solidFill>
@@ -14305,7 +16515,7 @@
                 <a:cs typeface="+mn-cs"/>
               </a:defRPr>
             </a:lvl8pPr>
-            <a:lvl9pPr marL="3657396" indent="0" algn="l" defTabSz="914349" rtl="0" eaLnBrk="1" latinLnBrk="0" hangingPunct="1">
+            <a:lvl9pPr marL="3885983" indent="-228587" algn="l" defTabSz="914349" rtl="0" eaLnBrk="1" latinLnBrk="0" hangingPunct="1">
               <a:lnSpc>
                 <a:spcPct val="90000"/>
               </a:lnSpc>
@@ -14313,8 +16523,8 @@
                 <a:spcPts val="500"/>
               </a:spcBef>
               <a:buFont typeface="Arial" panose="020B0604020202020204" pitchFamily="34" charset="0"/>
-              <a:buNone/>
-              <a:defRPr sz="1600" b="1" kern="1200">
+              <a:buChar char="•"/>
+              <a:defRPr sz="1799" kern="1200">
                 <a:solidFill>
                   <a:schemeClr val="tx1"/>
                 </a:solidFill>
@@ -14325,498 +16535,18 @@
             </a:lvl9pPr>
           </a:lstStyle>
           <a:p>
-            <a:pPr algn="ctr"/>
-            <a:r>
-              <a:rPr lang="de-DE" sz="1200">
-                <a:solidFill>
-                  <a:schemeClr val="bg1"/>
-                </a:solidFill>
-              </a:rPr>
-              <a:t>Dependencies Changed</a:t>
-            </a:r>
-          </a:p>
-        </p:txBody>
-      </p:sp>
-      <p:sp>
-        <p:nvSpPr>
-          <p:cNvPr id="39" name="Rectangle: Rounded Corners 38">
-            <a:extLst>
-              <a:ext uri="{FF2B5EF4-FFF2-40B4-BE49-F238E27FC236}">
-                <a16:creationId xmlns:a16="http://schemas.microsoft.com/office/drawing/2014/main" id="{0DF9A7F4-CC63-1AD8-76F5-301600A79D8E}"/>
-              </a:ext>
-            </a:extLst>
-          </p:cNvPr>
-          <p:cNvSpPr/>
-          <p:nvPr/>
-        </p:nvSpPr>
-        <p:spPr>
-          <a:xfrm>
-            <a:off x="6718997" y="5561638"/>
-            <a:ext cx="1612203" cy="350884"/>
-          </a:xfrm>
-          <a:prstGeom prst="roundRect">
-            <a:avLst/>
-          </a:prstGeom>
-          <a:solidFill>
-            <a:schemeClr val="bg2"/>
-          </a:solidFill>
-          <a:ln>
-            <a:solidFill>
-              <a:schemeClr val="tx1"/>
-            </a:solidFill>
-          </a:ln>
-        </p:spPr>
-        <p:style>
-          <a:lnRef idx="2">
-            <a:schemeClr val="dk1">
-              <a:shade val="15000"/>
-            </a:schemeClr>
-          </a:lnRef>
-          <a:fillRef idx="1">
-            <a:schemeClr val="dk1"/>
-          </a:fillRef>
-          <a:effectRef idx="0">
-            <a:schemeClr val="dk1"/>
-          </a:effectRef>
-          <a:fontRef idx="minor">
-            <a:schemeClr val="lt1"/>
-          </a:fontRef>
-        </p:style>
-        <p:txBody>
-          <a:bodyPr rtlCol="0" anchor="ctr"/>
-          <a:lstStyle/>
-          <a:p>
-            <a:pPr algn="ctr"/>
-            <a:r>
-              <a:rPr lang="de-DE" sz="1200">
-                <a:solidFill>
-                  <a:schemeClr val="bg1"/>
-                </a:solidFill>
-              </a:rPr>
-              <a:t>Use Cached</a:t>
-            </a:r>
-            <a:endParaRPr lang="de-DE" sz="1200"/>
-          </a:p>
-        </p:txBody>
-      </p:sp>
-      <p:sp>
-        <p:nvSpPr>
-          <p:cNvPr id="41" name="Rectangle: Rounded Corners 40">
-            <a:extLst>
-              <a:ext uri="{FF2B5EF4-FFF2-40B4-BE49-F238E27FC236}">
-                <a16:creationId xmlns:a16="http://schemas.microsoft.com/office/drawing/2014/main" id="{5A34F188-4960-5093-C3DA-222CE556A356}"/>
-              </a:ext>
-            </a:extLst>
-          </p:cNvPr>
-          <p:cNvSpPr/>
-          <p:nvPr/>
-        </p:nvSpPr>
-        <p:spPr>
-          <a:xfrm>
-            <a:off x="6718997" y="4352691"/>
-            <a:ext cx="1612203" cy="440981"/>
-          </a:xfrm>
-          <a:prstGeom prst="roundRect">
-            <a:avLst/>
-          </a:prstGeom>
-          <a:solidFill>
-            <a:schemeClr val="bg2"/>
-          </a:solidFill>
-          <a:ln>
-            <a:solidFill>
-              <a:schemeClr val="tx1"/>
-            </a:solidFill>
-          </a:ln>
-        </p:spPr>
-        <p:style>
-          <a:lnRef idx="2">
-            <a:schemeClr val="dk1">
-              <a:shade val="15000"/>
-            </a:schemeClr>
-          </a:lnRef>
-          <a:fillRef idx="1">
-            <a:schemeClr val="dk1"/>
-          </a:fillRef>
-          <a:effectRef idx="0">
-            <a:schemeClr val="dk1"/>
-          </a:effectRef>
-          <a:fontRef idx="minor">
-            <a:schemeClr val="lt1"/>
-          </a:fontRef>
-        </p:style>
-        <p:txBody>
-          <a:bodyPr rtlCol="0" anchor="ctr"/>
-          <a:lstStyle/>
-          <a:p>
-            <a:pPr algn="ctr"/>
-            <a:r>
-              <a:rPr lang="de-DE" sz="1200">
-                <a:solidFill>
-                  <a:schemeClr val="bg1"/>
-                </a:solidFill>
-              </a:rPr>
-              <a:t>Recompute &amp; Update Cache</a:t>
-            </a:r>
-            <a:endParaRPr lang="de-DE" sz="1200"/>
-          </a:p>
-        </p:txBody>
-      </p:sp>
-      <p:sp>
-        <p:nvSpPr>
-          <p:cNvPr id="42" name="Arrow: Right 41">
-            <a:extLst>
-              <a:ext uri="{FF2B5EF4-FFF2-40B4-BE49-F238E27FC236}">
-                <a16:creationId xmlns:a16="http://schemas.microsoft.com/office/drawing/2014/main" id="{267FE103-E7C1-0EF6-B263-0641603C5C4B}"/>
-              </a:ext>
-            </a:extLst>
-          </p:cNvPr>
-          <p:cNvSpPr/>
-          <p:nvPr/>
-        </p:nvSpPr>
-        <p:spPr>
-          <a:xfrm rot="900000">
-            <a:off x="5343490" y="5351742"/>
-            <a:ext cx="1256838" cy="455093"/>
-          </a:xfrm>
-          <a:prstGeom prst="rightArrow">
-            <a:avLst/>
-          </a:prstGeom>
-          <a:solidFill>
-            <a:schemeClr val="bg2"/>
-          </a:solidFill>
-          <a:ln>
-            <a:solidFill>
-              <a:schemeClr val="tx1"/>
-            </a:solidFill>
-          </a:ln>
-        </p:spPr>
-        <p:style>
-          <a:lnRef idx="2">
-            <a:schemeClr val="accent1">
-              <a:shade val="15000"/>
-            </a:schemeClr>
-          </a:lnRef>
-          <a:fillRef idx="1">
-            <a:schemeClr val="accent1"/>
-          </a:fillRef>
-          <a:effectRef idx="0">
-            <a:schemeClr val="accent1"/>
-          </a:effectRef>
-          <a:fontRef idx="minor">
-            <a:schemeClr val="lt1"/>
-          </a:fontRef>
-        </p:style>
-        <p:txBody>
-          <a:bodyPr rtlCol="0" anchor="ctr"/>
-          <a:lstStyle/>
-          <a:p>
-            <a:pPr algn="ctr"/>
-            <a:r>
-              <a:rPr lang="de-DE" sz="1200">
-                <a:solidFill>
-                  <a:schemeClr val="bg1"/>
-                </a:solidFill>
-              </a:rPr>
-              <a:t>no</a:t>
-            </a:r>
-          </a:p>
-        </p:txBody>
-      </p:sp>
-      <p:sp>
-        <p:nvSpPr>
-          <p:cNvPr id="44" name="Arrow: Right 43">
-            <a:extLst>
-              <a:ext uri="{FF2B5EF4-FFF2-40B4-BE49-F238E27FC236}">
-                <a16:creationId xmlns:a16="http://schemas.microsoft.com/office/drawing/2014/main" id="{9A87560B-6768-AEA8-5C4D-5C1F0763137A}"/>
-              </a:ext>
-            </a:extLst>
-          </p:cNvPr>
-          <p:cNvSpPr/>
-          <p:nvPr/>
-        </p:nvSpPr>
-        <p:spPr>
-          <a:xfrm rot="20700000">
-            <a:off x="5343490" y="4476030"/>
-            <a:ext cx="1256838" cy="455093"/>
-          </a:xfrm>
-          <a:prstGeom prst="rightArrow">
-            <a:avLst/>
-          </a:prstGeom>
-          <a:solidFill>
-            <a:schemeClr val="bg2"/>
-          </a:solidFill>
-          <a:ln>
-            <a:solidFill>
-              <a:schemeClr val="tx1"/>
-            </a:solidFill>
-          </a:ln>
-        </p:spPr>
-        <p:style>
-          <a:lnRef idx="2">
-            <a:schemeClr val="accent1">
-              <a:shade val="15000"/>
-            </a:schemeClr>
-          </a:lnRef>
-          <a:fillRef idx="1">
-            <a:schemeClr val="accent1"/>
-          </a:fillRef>
-          <a:effectRef idx="0">
-            <a:schemeClr val="accent1"/>
-          </a:effectRef>
-          <a:fontRef idx="minor">
-            <a:schemeClr val="lt1"/>
-          </a:fontRef>
-        </p:style>
-        <p:txBody>
-          <a:bodyPr rtlCol="0" anchor="ctr"/>
-          <a:lstStyle/>
-          <a:p>
-            <a:pPr algn="ctr"/>
-            <a:r>
-              <a:rPr lang="de-DE" sz="1200">
-                <a:solidFill>
-                  <a:schemeClr val="bg1"/>
-                </a:solidFill>
-              </a:rPr>
-              <a:t>yes</a:t>
-            </a:r>
-          </a:p>
-        </p:txBody>
-      </p:sp>
-      <p:sp>
-        <p:nvSpPr>
-          <p:cNvPr id="45" name="Rectangle: Rounded Corners 44">
-            <a:extLst>
-              <a:ext uri="{FF2B5EF4-FFF2-40B4-BE49-F238E27FC236}">
-                <a16:creationId xmlns:a16="http://schemas.microsoft.com/office/drawing/2014/main" id="{08369661-E651-600B-93EF-1B08740CBB9C}"/>
-              </a:ext>
-            </a:extLst>
-          </p:cNvPr>
-          <p:cNvSpPr/>
-          <p:nvPr/>
-        </p:nvSpPr>
-        <p:spPr>
-          <a:xfrm>
-            <a:off x="2049787" y="4954444"/>
-            <a:ext cx="1504733" cy="350884"/>
-          </a:xfrm>
-          <a:prstGeom prst="roundRect">
-            <a:avLst/>
-          </a:prstGeom>
-          <a:solidFill>
-            <a:schemeClr val="bg2"/>
-          </a:solidFill>
-          <a:ln>
-            <a:solidFill>
-              <a:schemeClr val="tx1"/>
-            </a:solidFill>
-          </a:ln>
-        </p:spPr>
-        <p:style>
-          <a:lnRef idx="2">
-            <a:schemeClr val="dk1">
-              <a:shade val="15000"/>
-            </a:schemeClr>
-          </a:lnRef>
-          <a:fillRef idx="1">
-            <a:schemeClr val="dk1"/>
-          </a:fillRef>
-          <a:effectRef idx="0">
-            <a:schemeClr val="dk1"/>
-          </a:effectRef>
-          <a:fontRef idx="minor">
-            <a:schemeClr val="lt1"/>
-          </a:fontRef>
-        </p:style>
-        <p:txBody>
-          <a:bodyPr rtlCol="0" anchor="ctr"/>
-          <a:lstStyle/>
-          <a:p>
-            <a:pPr algn="ctr"/>
-            <a:r>
-              <a:rPr lang="de-DE" sz="1200"/>
-              <a:t>useMemo()</a:t>
-            </a:r>
-          </a:p>
-        </p:txBody>
-      </p:sp>
-      <p:sp>
-        <p:nvSpPr>
-          <p:cNvPr id="46" name="Arrow: Right 45">
-            <a:extLst>
-              <a:ext uri="{FF2B5EF4-FFF2-40B4-BE49-F238E27FC236}">
-                <a16:creationId xmlns:a16="http://schemas.microsoft.com/office/drawing/2014/main" id="{F7A72B4F-CAA4-52C2-4B03-1F7BC8A7B5ED}"/>
-              </a:ext>
-            </a:extLst>
-          </p:cNvPr>
-          <p:cNvSpPr/>
-          <p:nvPr/>
-        </p:nvSpPr>
-        <p:spPr>
-          <a:xfrm>
-            <a:off x="8516470" y="5545322"/>
-            <a:ext cx="1152755" cy="455093"/>
-          </a:xfrm>
-          <a:prstGeom prst="rightArrow">
-            <a:avLst/>
-          </a:prstGeom>
-          <a:solidFill>
-            <a:schemeClr val="bg2"/>
-          </a:solidFill>
-          <a:ln>
-            <a:solidFill>
-              <a:schemeClr val="tx1"/>
-            </a:solidFill>
-          </a:ln>
-        </p:spPr>
-        <p:style>
-          <a:lnRef idx="2">
-            <a:schemeClr val="accent1">
-              <a:shade val="15000"/>
-            </a:schemeClr>
-          </a:lnRef>
-          <a:fillRef idx="1">
-            <a:schemeClr val="accent1"/>
-          </a:fillRef>
-          <a:effectRef idx="0">
-            <a:schemeClr val="accent1"/>
-          </a:effectRef>
-          <a:fontRef idx="minor">
-            <a:schemeClr val="lt1"/>
-          </a:fontRef>
-        </p:style>
-        <p:txBody>
-          <a:bodyPr rtlCol="0" anchor="ctr"/>
-          <a:lstStyle/>
-          <a:p>
-            <a:pPr algn="ctr"/>
-            <a:endParaRPr lang="de-DE" sz="1200">
-              <a:solidFill>
-                <a:schemeClr val="bg1"/>
-              </a:solidFill>
-            </a:endParaRPr>
-          </a:p>
-        </p:txBody>
-      </p:sp>
-      <p:sp>
-        <p:nvSpPr>
-          <p:cNvPr id="48" name="Rectangle: Rounded Corners 47">
-            <a:extLst>
-              <a:ext uri="{FF2B5EF4-FFF2-40B4-BE49-F238E27FC236}">
-                <a16:creationId xmlns:a16="http://schemas.microsoft.com/office/drawing/2014/main" id="{848EE5C0-6A9C-A583-D9C4-C578A879B00B}"/>
-              </a:ext>
-            </a:extLst>
-          </p:cNvPr>
-          <p:cNvSpPr/>
-          <p:nvPr/>
-        </p:nvSpPr>
-        <p:spPr>
-          <a:xfrm>
-            <a:off x="9800804" y="5597426"/>
-            <a:ext cx="1504733" cy="350884"/>
-          </a:xfrm>
-          <a:prstGeom prst="roundRect">
-            <a:avLst/>
-          </a:prstGeom>
-          <a:solidFill>
-            <a:schemeClr val="bg2"/>
-          </a:solidFill>
-          <a:ln>
-            <a:solidFill>
-              <a:schemeClr val="tx1"/>
-            </a:solidFill>
-          </a:ln>
-        </p:spPr>
-        <p:style>
-          <a:lnRef idx="2">
-            <a:schemeClr val="dk1">
-              <a:shade val="15000"/>
-            </a:schemeClr>
-          </a:lnRef>
-          <a:fillRef idx="1">
-            <a:schemeClr val="dk1"/>
-          </a:fillRef>
-          <a:effectRef idx="0">
-            <a:schemeClr val="dk1"/>
-          </a:effectRef>
-          <a:fontRef idx="minor">
-            <a:schemeClr val="lt1"/>
-          </a:fontRef>
-        </p:style>
-        <p:txBody>
-          <a:bodyPr rtlCol="0" anchor="ctr"/>
-          <a:lstStyle/>
-          <a:p>
-            <a:pPr algn="ctr"/>
-            <a:r>
-              <a:rPr lang="de-DE" sz="1200"/>
-              <a:t>Cached Components</a:t>
-            </a:r>
-          </a:p>
-        </p:txBody>
-      </p:sp>
-      <p:sp>
-        <p:nvSpPr>
-          <p:cNvPr id="2" name="Arrow: Right 1">
-            <a:extLst>
-              <a:ext uri="{FF2B5EF4-FFF2-40B4-BE49-F238E27FC236}">
-                <a16:creationId xmlns:a16="http://schemas.microsoft.com/office/drawing/2014/main" id="{EBE1640B-E217-1080-9ED8-59E2D1976E15}"/>
-              </a:ext>
-            </a:extLst>
-          </p:cNvPr>
-          <p:cNvSpPr/>
-          <p:nvPr/>
-        </p:nvSpPr>
-        <p:spPr>
-          <a:xfrm rot="5400000">
-            <a:off x="7254882" y="4930262"/>
-            <a:ext cx="540430" cy="455093"/>
-          </a:xfrm>
-          <a:prstGeom prst="rightArrow">
-            <a:avLst/>
-          </a:prstGeom>
-          <a:solidFill>
-            <a:schemeClr val="bg2"/>
-          </a:solidFill>
-          <a:ln>
-            <a:solidFill>
-              <a:schemeClr val="tx1"/>
-            </a:solidFill>
-          </a:ln>
-        </p:spPr>
-        <p:style>
-          <a:lnRef idx="2">
-            <a:schemeClr val="accent1">
-              <a:shade val="15000"/>
-            </a:schemeClr>
-          </a:lnRef>
-          <a:fillRef idx="1">
-            <a:schemeClr val="accent1"/>
-          </a:fillRef>
-          <a:effectRef idx="0">
-            <a:schemeClr val="accent1"/>
-          </a:effectRef>
-          <a:fontRef idx="minor">
-            <a:schemeClr val="lt1"/>
-          </a:fontRef>
-        </p:style>
-        <p:txBody>
-          <a:bodyPr rtlCol="0" anchor="ctr"/>
-          <a:lstStyle/>
-          <a:p>
-            <a:pPr algn="ctr"/>
-            <a:endParaRPr lang="de-DE" sz="1200">
-              <a:solidFill>
-                <a:schemeClr val="bg1"/>
-              </a:solidFill>
-            </a:endParaRPr>
+            <a:r>
+              <a:rPr lang="en-US" sz="1600" b="1"/>
+              <a:t>Dependencies</a:t>
+            </a:r>
+            <a:endParaRPr lang="de-DE" sz="1600" b="1"/>
           </a:p>
         </p:txBody>
       </p:sp>
     </p:spTree>
     <p:extLst>
       <p:ext uri="{BB962C8B-B14F-4D97-AF65-F5344CB8AC3E}">
-        <p14:creationId xmlns:p14="http://schemas.microsoft.com/office/powerpoint/2010/main" val="850149778"/>
+        <p14:creationId xmlns:p14="http://schemas.microsoft.com/office/powerpoint/2010/main" val="1313307678"/>
       </p:ext>
     </p:extLst>
   </p:cSld>
@@ -14873,17 +16603,17 @@
           <a:p>
             <a:r>
               <a:rPr lang="de-DE"/>
-              <a:t>Rendering 1000 Pokemon</a:t>
+              <a:t>useMemo</a:t>
             </a:r>
           </a:p>
         </p:txBody>
       </p:sp>
       <p:sp>
         <p:nvSpPr>
-          <p:cNvPr id="24" name="Content Placeholder 3">
+          <p:cNvPr id="8" name="Content Placeholder 3">
             <a:extLst>
               <a:ext uri="{FF2B5EF4-FFF2-40B4-BE49-F238E27FC236}">
-                <a16:creationId xmlns:a16="http://schemas.microsoft.com/office/drawing/2014/main" id="{1D3228B4-EBAC-CCC4-E102-6A4237F848F8}"/>
+                <a16:creationId xmlns:a16="http://schemas.microsoft.com/office/drawing/2014/main" id="{F8067D0B-1FD0-FDF7-1568-B35177DD2661}"/>
               </a:ext>
             </a:extLst>
           </p:cNvPr>
@@ -14894,1372 +16624,8 @@
         </p:nvSpPr>
         <p:spPr>
           <a:xfrm>
-            <a:off x="8421398" y="2028188"/>
-            <a:ext cx="2523691" cy="437098"/>
-          </a:xfrm>
-          <a:prstGeom prst="rect">
-            <a:avLst/>
-          </a:prstGeom>
-        </p:spPr>
-        <p:txBody>
-          <a:bodyPr vert="horz" lIns="91440" tIns="45720" rIns="91440" bIns="45720" rtlCol="0" anchor="ctr">
-            <a:noAutofit/>
-          </a:bodyPr>
-          <a:lstStyle>
-            <a:lvl1pPr marL="0" indent="0" algn="l" defTabSz="914349" rtl="0" eaLnBrk="1" latinLnBrk="0" hangingPunct="1">
-              <a:lnSpc>
-                <a:spcPct val="90000"/>
-              </a:lnSpc>
-              <a:spcBef>
-                <a:spcPts val="1000"/>
-              </a:spcBef>
-              <a:buClr>
-                <a:srgbClr val="0078D1"/>
-              </a:buClr>
-              <a:buFont typeface="Wingdings" panose="05000000000000000000" pitchFamily="2" charset="2"/>
-              <a:buNone/>
-              <a:defRPr sz="2800" kern="1200">
-                <a:solidFill>
-                  <a:schemeClr val="tx1"/>
-                </a:solidFill>
-                <a:latin typeface="Garet Book" pitchFamily="2" charset="0"/>
-                <a:ea typeface="+mn-ea"/>
-                <a:cs typeface="+mn-cs"/>
-              </a:defRPr>
-            </a:lvl1pPr>
-            <a:lvl2pPr marL="359980" indent="-228587" algn="l" defTabSz="914349" rtl="0" eaLnBrk="1" latinLnBrk="0" hangingPunct="1">
-              <a:lnSpc>
-                <a:spcPct val="90000"/>
-              </a:lnSpc>
-              <a:spcBef>
-                <a:spcPts val="500"/>
-              </a:spcBef>
-              <a:buClr>
-                <a:schemeClr val="tx2"/>
-              </a:buClr>
-              <a:buFont typeface="Wingdings" panose="05000000000000000000" pitchFamily="2" charset="2"/>
-              <a:buChar char="§"/>
-              <a:defRPr sz="2400" kern="1200">
-                <a:solidFill>
-                  <a:schemeClr val="tx1"/>
-                </a:solidFill>
-                <a:latin typeface="Garet Book" pitchFamily="2" charset="0"/>
-                <a:ea typeface="+mn-ea"/>
-                <a:cs typeface="+mn-cs"/>
-              </a:defRPr>
-            </a:lvl2pPr>
-            <a:lvl3pPr marL="611965" indent="-228587" algn="l" defTabSz="914349" rtl="0" eaLnBrk="1" latinLnBrk="0" hangingPunct="1">
-              <a:lnSpc>
-                <a:spcPct val="90000"/>
-              </a:lnSpc>
-              <a:spcBef>
-                <a:spcPts val="500"/>
-              </a:spcBef>
-              <a:buClr>
-                <a:schemeClr val="tx2"/>
-              </a:buClr>
-              <a:buFont typeface="Wingdings" panose="05000000000000000000" pitchFamily="2" charset="2"/>
-              <a:buChar char="§"/>
-              <a:defRPr sz="2000" kern="1200">
-                <a:solidFill>
-                  <a:schemeClr val="tx1"/>
-                </a:solidFill>
-                <a:latin typeface="Garet Book" pitchFamily="2" charset="0"/>
-                <a:ea typeface="+mn-ea"/>
-                <a:cs typeface="+mn-cs"/>
-              </a:defRPr>
-            </a:lvl3pPr>
-            <a:lvl4pPr marL="899950" indent="-228587" algn="l" defTabSz="914349" rtl="0" eaLnBrk="1" latinLnBrk="0" hangingPunct="1">
-              <a:lnSpc>
-                <a:spcPct val="90000"/>
-              </a:lnSpc>
-              <a:spcBef>
-                <a:spcPts val="500"/>
-              </a:spcBef>
-              <a:buClr>
-                <a:schemeClr val="tx2"/>
-              </a:buClr>
-              <a:buFont typeface="Wingdings" panose="05000000000000000000" pitchFamily="2" charset="2"/>
-              <a:buChar char="§"/>
-              <a:defRPr sz="1799" kern="1200">
-                <a:solidFill>
-                  <a:schemeClr val="tx1"/>
-                </a:solidFill>
-                <a:latin typeface="Garet Book" pitchFamily="2" charset="0"/>
-                <a:ea typeface="+mn-ea"/>
-                <a:cs typeface="+mn-cs"/>
-              </a:defRPr>
-            </a:lvl4pPr>
-            <a:lvl5pPr marL="1187934" indent="-228587" algn="l" defTabSz="914349" rtl="0" eaLnBrk="1" latinLnBrk="0" hangingPunct="1">
-              <a:lnSpc>
-                <a:spcPct val="90000"/>
-              </a:lnSpc>
-              <a:spcBef>
-                <a:spcPts val="500"/>
-              </a:spcBef>
-              <a:buClr>
-                <a:schemeClr val="tx2"/>
-              </a:buClr>
-              <a:buFont typeface="Wingdings" panose="05000000000000000000" pitchFamily="2" charset="2"/>
-              <a:buChar char="§"/>
-              <a:defRPr sz="1799" kern="1200">
-                <a:solidFill>
-                  <a:schemeClr val="tx1"/>
-                </a:solidFill>
-                <a:latin typeface="Garet Book" pitchFamily="2" charset="0"/>
-                <a:ea typeface="+mn-ea"/>
-                <a:cs typeface="+mn-cs"/>
-              </a:defRPr>
-            </a:lvl5pPr>
-            <a:lvl6pPr marL="2514460" indent="-228587" algn="l" defTabSz="914349" rtl="0" eaLnBrk="1" latinLnBrk="0" hangingPunct="1">
-              <a:lnSpc>
-                <a:spcPct val="90000"/>
-              </a:lnSpc>
-              <a:spcBef>
-                <a:spcPts val="500"/>
-              </a:spcBef>
-              <a:buFont typeface="Arial" panose="020B0604020202020204" pitchFamily="34" charset="0"/>
-              <a:buChar char="•"/>
-              <a:defRPr sz="1799" kern="1200">
-                <a:solidFill>
-                  <a:schemeClr val="tx1"/>
-                </a:solidFill>
-                <a:latin typeface="+mn-lt"/>
-                <a:ea typeface="+mn-ea"/>
-                <a:cs typeface="+mn-cs"/>
-              </a:defRPr>
-            </a:lvl6pPr>
-            <a:lvl7pPr marL="2971634" indent="-228587" algn="l" defTabSz="914349" rtl="0" eaLnBrk="1" latinLnBrk="0" hangingPunct="1">
-              <a:lnSpc>
-                <a:spcPct val="90000"/>
-              </a:lnSpc>
-              <a:spcBef>
-                <a:spcPts val="500"/>
-              </a:spcBef>
-              <a:buFont typeface="Arial" panose="020B0604020202020204" pitchFamily="34" charset="0"/>
-              <a:buChar char="•"/>
-              <a:defRPr sz="1799" kern="1200">
-                <a:solidFill>
-                  <a:schemeClr val="tx1"/>
-                </a:solidFill>
-                <a:latin typeface="+mn-lt"/>
-                <a:ea typeface="+mn-ea"/>
-                <a:cs typeface="+mn-cs"/>
-              </a:defRPr>
-            </a:lvl7pPr>
-            <a:lvl8pPr marL="3428808" indent="-228587" algn="l" defTabSz="914349" rtl="0" eaLnBrk="1" latinLnBrk="0" hangingPunct="1">
-              <a:lnSpc>
-                <a:spcPct val="90000"/>
-              </a:lnSpc>
-              <a:spcBef>
-                <a:spcPts val="500"/>
-              </a:spcBef>
-              <a:buFont typeface="Arial" panose="020B0604020202020204" pitchFamily="34" charset="0"/>
-              <a:buChar char="•"/>
-              <a:defRPr sz="1799" kern="1200">
-                <a:solidFill>
-                  <a:schemeClr val="tx1"/>
-                </a:solidFill>
-                <a:latin typeface="+mn-lt"/>
-                <a:ea typeface="+mn-ea"/>
-                <a:cs typeface="+mn-cs"/>
-              </a:defRPr>
-            </a:lvl8pPr>
-            <a:lvl9pPr marL="3885983" indent="-228587" algn="l" defTabSz="914349" rtl="0" eaLnBrk="1" latinLnBrk="0" hangingPunct="1">
-              <a:lnSpc>
-                <a:spcPct val="90000"/>
-              </a:lnSpc>
-              <a:spcBef>
-                <a:spcPts val="500"/>
-              </a:spcBef>
-              <a:buFont typeface="Arial" panose="020B0604020202020204" pitchFamily="34" charset="0"/>
-              <a:buChar char="•"/>
-              <a:defRPr sz="1799" kern="1200">
-                <a:solidFill>
-                  <a:schemeClr val="tx1"/>
-                </a:solidFill>
-                <a:latin typeface="+mn-lt"/>
-                <a:ea typeface="+mn-ea"/>
-                <a:cs typeface="+mn-cs"/>
-              </a:defRPr>
-            </a:lvl9pPr>
-          </a:lstStyle>
-          <a:p>
-            <a:r>
-              <a:rPr lang="en-US" sz="1600" b="1"/>
-              <a:t>1.  Render: 1473 ms</a:t>
-            </a:r>
-            <a:endParaRPr lang="de-DE" sz="1600" b="1"/>
-          </a:p>
-        </p:txBody>
-      </p:sp>
-      <p:sp>
-        <p:nvSpPr>
-          <p:cNvPr id="26" name="TextBox 25">
-            <a:extLst>
-              <a:ext uri="{FF2B5EF4-FFF2-40B4-BE49-F238E27FC236}">
-                <a16:creationId xmlns:a16="http://schemas.microsoft.com/office/drawing/2014/main" id="{3F130BA9-F944-57F2-1702-1E616F9A938D}"/>
-              </a:ext>
-            </a:extLst>
-          </p:cNvPr>
-          <p:cNvSpPr txBox="1"/>
-          <p:nvPr/>
-        </p:nvSpPr>
-        <p:spPr>
-          <a:xfrm>
-            <a:off x="838345" y="4417531"/>
-            <a:ext cx="7428200" cy="923330"/>
-          </a:xfrm>
-          <a:prstGeom prst="rect">
-            <a:avLst/>
-          </a:prstGeom>
-          <a:solidFill>
-            <a:schemeClr val="tx1"/>
-          </a:solidFill>
-        </p:spPr>
-        <p:txBody>
-          <a:bodyPr wrap="square">
-            <a:spAutoFit/>
-          </a:bodyPr>
-          <a:lstStyle/>
-          <a:p>
-            <a:r>
-              <a:rPr lang="en-US">
-                <a:solidFill>
-                  <a:srgbClr val="CC7832"/>
-                </a:solidFill>
-                <a:effectLst/>
-                <a:latin typeface="JetBrains Mono"/>
-              </a:rPr>
-              <a:t>const </a:t>
-            </a:r>
-            <a:r>
-              <a:rPr lang="en-US">
-                <a:solidFill>
-                  <a:srgbClr val="A9B7C6"/>
-                </a:solidFill>
-                <a:effectLst/>
-                <a:latin typeface="JetBrains Mono"/>
-              </a:rPr>
-              <a:t>cachedPokemonItems = </a:t>
-            </a:r>
-            <a:r>
-              <a:rPr lang="en-US">
-                <a:solidFill>
-                  <a:srgbClr val="FFC66D"/>
-                </a:solidFill>
-                <a:effectLst/>
-                <a:latin typeface="JetBrains Mono"/>
-              </a:rPr>
-              <a:t>useMemo</a:t>
-            </a:r>
-            <a:r>
-              <a:rPr lang="en-US">
-                <a:solidFill>
-                  <a:srgbClr val="A9B7C6"/>
-                </a:solidFill>
-                <a:effectLst/>
-                <a:latin typeface="JetBrains Mono"/>
-              </a:rPr>
-              <a:t>(() =&gt; pokemons.</a:t>
-            </a:r>
-            <a:r>
-              <a:rPr lang="en-US">
-                <a:solidFill>
-                  <a:srgbClr val="FFC66D"/>
-                </a:solidFill>
-                <a:effectLst/>
-                <a:latin typeface="JetBrains Mono"/>
-              </a:rPr>
-              <a:t>map</a:t>
-            </a:r>
-            <a:r>
-              <a:rPr lang="en-US">
-                <a:solidFill>
-                  <a:srgbClr val="A9B7C6"/>
-                </a:solidFill>
-                <a:effectLst/>
-                <a:latin typeface="JetBrains Mono"/>
-              </a:rPr>
-              <a:t>((pokemon) =&gt; (</a:t>
-            </a:r>
-            <a:br>
-              <a:rPr lang="en-US">
-                <a:solidFill>
-                  <a:srgbClr val="A9B7C6"/>
-                </a:solidFill>
-                <a:effectLst/>
-                <a:latin typeface="JetBrains Mono"/>
-              </a:rPr>
-            </a:br>
-            <a:r>
-              <a:rPr lang="en-US">
-                <a:solidFill>
-                  <a:srgbClr val="A9B7C6"/>
-                </a:solidFill>
-                <a:effectLst/>
-                <a:latin typeface="JetBrains Mono"/>
-              </a:rPr>
-              <a:t>  </a:t>
-            </a:r>
-            <a:r>
-              <a:rPr lang="en-US">
-                <a:solidFill>
-                  <a:srgbClr val="E8BF6A"/>
-                </a:solidFill>
-                <a:effectLst/>
-                <a:latin typeface="JetBrains Mono"/>
-              </a:rPr>
-              <a:t>&lt;ListItem </a:t>
-            </a:r>
-            <a:r>
-              <a:rPr lang="en-US">
-                <a:solidFill>
-                  <a:srgbClr val="BABABA"/>
-                </a:solidFill>
-                <a:effectLst/>
-                <a:latin typeface="JetBrains Mono"/>
-              </a:rPr>
-              <a:t>key</a:t>
-            </a:r>
-            <a:r>
-              <a:rPr lang="en-US">
-                <a:solidFill>
-                  <a:srgbClr val="6A8759"/>
-                </a:solidFill>
-                <a:effectLst/>
-                <a:latin typeface="JetBrains Mono"/>
-              </a:rPr>
-              <a:t>=</a:t>
-            </a:r>
-            <a:r>
-              <a:rPr lang="en-US">
-                <a:solidFill>
-                  <a:srgbClr val="A9B7C6"/>
-                </a:solidFill>
-                <a:effectLst/>
-                <a:latin typeface="JetBrains Mono"/>
-              </a:rPr>
-              <a:t>{pokemon.id}</a:t>
-            </a:r>
-            <a:r>
-              <a:rPr lang="en-US">
-                <a:solidFill>
-                  <a:srgbClr val="E8BF6A"/>
-                </a:solidFill>
-                <a:effectLst/>
-                <a:latin typeface="JetBrains Mono"/>
-              </a:rPr>
-              <a:t>&gt;</a:t>
-            </a:r>
-            <a:r>
-              <a:rPr lang="en-US">
-                <a:solidFill>
-                  <a:srgbClr val="A9B7C6"/>
-                </a:solidFill>
-                <a:effectLst/>
-                <a:latin typeface="JetBrains Mono"/>
-              </a:rPr>
-              <a:t>{ </a:t>
-            </a:r>
-            <a:r>
-              <a:rPr lang="en-US">
-                <a:solidFill>
-                  <a:srgbClr val="808080"/>
-                </a:solidFill>
-                <a:effectLst/>
-                <a:latin typeface="JetBrains Mono"/>
-              </a:rPr>
-              <a:t>/* Any Component */</a:t>
-            </a:r>
-            <a:r>
-              <a:rPr lang="en-US">
-                <a:solidFill>
-                  <a:srgbClr val="A9B7C6"/>
-                </a:solidFill>
-                <a:effectLst/>
-                <a:latin typeface="JetBrains Mono"/>
-              </a:rPr>
-              <a:t>}</a:t>
-            </a:r>
-            <a:r>
-              <a:rPr lang="en-US">
-                <a:solidFill>
-                  <a:srgbClr val="E8BF6A"/>
-                </a:solidFill>
-                <a:effectLst/>
-                <a:latin typeface="JetBrains Mono"/>
-              </a:rPr>
-              <a:t>&lt;/ListItem&gt;</a:t>
-            </a:r>
-            <a:br>
-              <a:rPr lang="en-US">
-                <a:solidFill>
-                  <a:srgbClr val="E8BF6A"/>
-                </a:solidFill>
-                <a:effectLst/>
-                <a:latin typeface="JetBrains Mono"/>
-              </a:rPr>
-            </a:br>
-            <a:r>
-              <a:rPr lang="en-US">
-                <a:solidFill>
-                  <a:srgbClr val="A9B7C6"/>
-                </a:solidFill>
-                <a:effectLst/>
-                <a:latin typeface="JetBrains Mono"/>
-              </a:rPr>
-              <a:t>))</a:t>
-            </a:r>
-            <a:r>
-              <a:rPr lang="en-US">
-                <a:solidFill>
-                  <a:srgbClr val="CC7832"/>
-                </a:solidFill>
-                <a:effectLst/>
-                <a:latin typeface="JetBrains Mono"/>
-              </a:rPr>
-              <a:t>, </a:t>
-            </a:r>
-            <a:r>
-              <a:rPr lang="en-US">
-                <a:solidFill>
-                  <a:srgbClr val="A9B7C6"/>
-                </a:solidFill>
-                <a:effectLst/>
-                <a:latin typeface="JetBrains Mono"/>
-              </a:rPr>
-              <a:t>[pokemons])</a:t>
-            </a:r>
-            <a:r>
-              <a:rPr lang="en-US">
-                <a:solidFill>
-                  <a:srgbClr val="CC7832"/>
-                </a:solidFill>
-                <a:effectLst/>
-                <a:latin typeface="JetBrains Mono"/>
-              </a:rPr>
-              <a:t>;</a:t>
-            </a:r>
-            <a:endParaRPr lang="en-US">
-              <a:solidFill>
-                <a:srgbClr val="A9B7C6"/>
-              </a:solidFill>
-              <a:effectLst/>
-              <a:latin typeface="JetBrains Mono"/>
-            </a:endParaRPr>
-          </a:p>
-        </p:txBody>
-      </p:sp>
-      <p:sp>
-        <p:nvSpPr>
-          <p:cNvPr id="28" name="TextBox 27">
-            <a:extLst>
-              <a:ext uri="{FF2B5EF4-FFF2-40B4-BE49-F238E27FC236}">
-                <a16:creationId xmlns:a16="http://schemas.microsoft.com/office/drawing/2014/main" id="{9C3518CD-0C87-5288-614F-CD76E8E8C7BC}"/>
-              </a:ext>
-            </a:extLst>
-          </p:cNvPr>
-          <p:cNvSpPr txBox="1"/>
-          <p:nvPr/>
-        </p:nvSpPr>
-        <p:spPr>
-          <a:xfrm>
-            <a:off x="838345" y="2028188"/>
-            <a:ext cx="7428199" cy="923330"/>
-          </a:xfrm>
-          <a:prstGeom prst="rect">
-            <a:avLst/>
-          </a:prstGeom>
-          <a:solidFill>
-            <a:schemeClr val="tx1"/>
-          </a:solidFill>
-        </p:spPr>
-        <p:txBody>
-          <a:bodyPr wrap="square">
-            <a:spAutoFit/>
-          </a:bodyPr>
-          <a:lstStyle/>
-          <a:p>
-            <a:r>
-              <a:rPr lang="en-US">
-                <a:solidFill>
-                  <a:srgbClr val="CC7832"/>
-                </a:solidFill>
-                <a:effectLst/>
-                <a:latin typeface="JetBrains Mono"/>
-              </a:rPr>
-              <a:t>const </a:t>
-            </a:r>
-            <a:r>
-              <a:rPr lang="en-US">
-                <a:solidFill>
-                  <a:srgbClr val="A9B7C6"/>
-                </a:solidFill>
-                <a:effectLst/>
-                <a:latin typeface="JetBrains Mono"/>
-              </a:rPr>
-              <a:t>pokemonItems = pokemons.</a:t>
-            </a:r>
-            <a:r>
-              <a:rPr lang="en-US">
-                <a:solidFill>
-                  <a:srgbClr val="FFC66D"/>
-                </a:solidFill>
-                <a:effectLst/>
-                <a:latin typeface="JetBrains Mono"/>
-              </a:rPr>
-              <a:t>map</a:t>
-            </a:r>
-            <a:r>
-              <a:rPr lang="en-US">
-                <a:solidFill>
-                  <a:srgbClr val="A9B7C6"/>
-                </a:solidFill>
-                <a:effectLst/>
-                <a:latin typeface="JetBrains Mono"/>
-              </a:rPr>
-              <a:t>((pokemon) =&gt; (</a:t>
-            </a:r>
-            <a:br>
-              <a:rPr lang="en-US">
-                <a:solidFill>
-                  <a:srgbClr val="A9B7C6"/>
-                </a:solidFill>
-                <a:effectLst/>
-                <a:latin typeface="JetBrains Mono"/>
-              </a:rPr>
-            </a:br>
-            <a:r>
-              <a:rPr lang="en-US">
-                <a:solidFill>
-                  <a:srgbClr val="A9B7C6"/>
-                </a:solidFill>
-                <a:effectLst/>
-                <a:latin typeface="JetBrains Mono"/>
-              </a:rPr>
-              <a:t>  </a:t>
-            </a:r>
-            <a:r>
-              <a:rPr lang="en-US">
-                <a:solidFill>
-                  <a:srgbClr val="E8BF6A"/>
-                </a:solidFill>
-                <a:effectLst/>
-                <a:latin typeface="JetBrains Mono"/>
-              </a:rPr>
-              <a:t>&lt;ListItem </a:t>
-            </a:r>
-            <a:r>
-              <a:rPr lang="en-US">
-                <a:solidFill>
-                  <a:srgbClr val="BABABA"/>
-                </a:solidFill>
-                <a:effectLst/>
-                <a:latin typeface="JetBrains Mono"/>
-              </a:rPr>
-              <a:t>key</a:t>
-            </a:r>
-            <a:r>
-              <a:rPr lang="en-US">
-                <a:solidFill>
-                  <a:srgbClr val="6A8759"/>
-                </a:solidFill>
-                <a:effectLst/>
-                <a:latin typeface="JetBrains Mono"/>
-              </a:rPr>
-              <a:t>=</a:t>
-            </a:r>
-            <a:r>
-              <a:rPr lang="en-US">
-                <a:solidFill>
-                  <a:srgbClr val="A9B7C6"/>
-                </a:solidFill>
-                <a:effectLst/>
-                <a:latin typeface="JetBrains Mono"/>
-              </a:rPr>
-              <a:t>{pokemon.id}</a:t>
-            </a:r>
-            <a:r>
-              <a:rPr lang="en-US">
-                <a:solidFill>
-                  <a:srgbClr val="E8BF6A"/>
-                </a:solidFill>
-                <a:effectLst/>
-                <a:latin typeface="JetBrains Mono"/>
-              </a:rPr>
-              <a:t>&gt;</a:t>
-            </a:r>
-            <a:r>
-              <a:rPr lang="en-US">
-                <a:solidFill>
-                  <a:srgbClr val="A9B7C6"/>
-                </a:solidFill>
-                <a:effectLst/>
-                <a:latin typeface="JetBrains Mono"/>
-              </a:rPr>
-              <a:t>{ </a:t>
-            </a:r>
-            <a:r>
-              <a:rPr lang="en-US">
-                <a:solidFill>
-                  <a:srgbClr val="808080"/>
-                </a:solidFill>
-                <a:effectLst/>
-                <a:latin typeface="JetBrains Mono"/>
-              </a:rPr>
-              <a:t>/* Any Component */</a:t>
-            </a:r>
-            <a:r>
-              <a:rPr lang="en-US">
-                <a:solidFill>
-                  <a:srgbClr val="A9B7C6"/>
-                </a:solidFill>
-                <a:effectLst/>
-                <a:latin typeface="JetBrains Mono"/>
-              </a:rPr>
-              <a:t>}</a:t>
-            </a:r>
-            <a:r>
-              <a:rPr lang="en-US">
-                <a:solidFill>
-                  <a:srgbClr val="E8BF6A"/>
-                </a:solidFill>
-                <a:effectLst/>
-                <a:latin typeface="JetBrains Mono"/>
-              </a:rPr>
-              <a:t>&lt;/ListItem&gt;</a:t>
-            </a:r>
-            <a:br>
-              <a:rPr lang="en-US">
-                <a:solidFill>
-                  <a:srgbClr val="E8BF6A"/>
-                </a:solidFill>
-                <a:effectLst/>
-                <a:latin typeface="JetBrains Mono"/>
-              </a:rPr>
-            </a:br>
-            <a:r>
-              <a:rPr lang="en-US">
-                <a:solidFill>
-                  <a:srgbClr val="A9B7C6"/>
-                </a:solidFill>
-                <a:effectLst/>
-                <a:latin typeface="JetBrains Mono"/>
-              </a:rPr>
-              <a:t>)</a:t>
-            </a:r>
-            <a:r>
-              <a:rPr lang="en-US">
-                <a:solidFill>
-                  <a:srgbClr val="CC7832"/>
-                </a:solidFill>
-                <a:effectLst/>
-                <a:latin typeface="JetBrains Mono"/>
-              </a:rPr>
-              <a:t> ;</a:t>
-            </a:r>
-            <a:endParaRPr lang="en-US">
-              <a:solidFill>
-                <a:srgbClr val="A9B7C6"/>
-              </a:solidFill>
-              <a:effectLst/>
-              <a:latin typeface="JetBrains Mono"/>
-            </a:endParaRPr>
-          </a:p>
-        </p:txBody>
-      </p:sp>
-      <p:sp>
-        <p:nvSpPr>
-          <p:cNvPr id="6" name="Content Placeholder 3">
-            <a:extLst>
-              <a:ext uri="{FF2B5EF4-FFF2-40B4-BE49-F238E27FC236}">
-                <a16:creationId xmlns:a16="http://schemas.microsoft.com/office/drawing/2014/main" id="{E2DA99F4-5DB5-4F1E-7056-5E34D28594FE}"/>
-              </a:ext>
-            </a:extLst>
-          </p:cNvPr>
-          <p:cNvSpPr txBox="1">
-            <a:spLocks/>
-          </p:cNvSpPr>
-          <p:nvPr/>
-        </p:nvSpPr>
-        <p:spPr>
-          <a:xfrm>
-            <a:off x="8421397" y="2516549"/>
-            <a:ext cx="2523692" cy="437098"/>
-          </a:xfrm>
-          <a:prstGeom prst="rect">
-            <a:avLst/>
-          </a:prstGeom>
-        </p:spPr>
-        <p:txBody>
-          <a:bodyPr vert="horz" lIns="91440" tIns="45720" rIns="91440" bIns="45720" rtlCol="0" anchor="ctr">
-            <a:noAutofit/>
-          </a:bodyPr>
-          <a:lstStyle>
-            <a:lvl1pPr marL="0" indent="0" algn="l" defTabSz="914349" rtl="0" eaLnBrk="1" latinLnBrk="0" hangingPunct="1">
-              <a:lnSpc>
-                <a:spcPct val="90000"/>
-              </a:lnSpc>
-              <a:spcBef>
-                <a:spcPts val="1000"/>
-              </a:spcBef>
-              <a:buClr>
-                <a:srgbClr val="0078D1"/>
-              </a:buClr>
-              <a:buFont typeface="Wingdings" panose="05000000000000000000" pitchFamily="2" charset="2"/>
-              <a:buNone/>
-              <a:defRPr sz="2800" kern="1200">
-                <a:solidFill>
-                  <a:schemeClr val="tx1"/>
-                </a:solidFill>
-                <a:latin typeface="Garet Book" pitchFamily="2" charset="0"/>
-                <a:ea typeface="+mn-ea"/>
-                <a:cs typeface="+mn-cs"/>
-              </a:defRPr>
-            </a:lvl1pPr>
-            <a:lvl2pPr marL="359980" indent="-228587" algn="l" defTabSz="914349" rtl="0" eaLnBrk="1" latinLnBrk="0" hangingPunct="1">
-              <a:lnSpc>
-                <a:spcPct val="90000"/>
-              </a:lnSpc>
-              <a:spcBef>
-                <a:spcPts val="500"/>
-              </a:spcBef>
-              <a:buClr>
-                <a:schemeClr val="tx2"/>
-              </a:buClr>
-              <a:buFont typeface="Wingdings" panose="05000000000000000000" pitchFamily="2" charset="2"/>
-              <a:buChar char="§"/>
-              <a:defRPr sz="2400" kern="1200">
-                <a:solidFill>
-                  <a:schemeClr val="tx1"/>
-                </a:solidFill>
-                <a:latin typeface="Garet Book" pitchFamily="2" charset="0"/>
-                <a:ea typeface="+mn-ea"/>
-                <a:cs typeface="+mn-cs"/>
-              </a:defRPr>
-            </a:lvl2pPr>
-            <a:lvl3pPr marL="611965" indent="-228587" algn="l" defTabSz="914349" rtl="0" eaLnBrk="1" latinLnBrk="0" hangingPunct="1">
-              <a:lnSpc>
-                <a:spcPct val="90000"/>
-              </a:lnSpc>
-              <a:spcBef>
-                <a:spcPts val="500"/>
-              </a:spcBef>
-              <a:buClr>
-                <a:schemeClr val="tx2"/>
-              </a:buClr>
-              <a:buFont typeface="Wingdings" panose="05000000000000000000" pitchFamily="2" charset="2"/>
-              <a:buChar char="§"/>
-              <a:defRPr sz="2000" kern="1200">
-                <a:solidFill>
-                  <a:schemeClr val="tx1"/>
-                </a:solidFill>
-                <a:latin typeface="Garet Book" pitchFamily="2" charset="0"/>
-                <a:ea typeface="+mn-ea"/>
-                <a:cs typeface="+mn-cs"/>
-              </a:defRPr>
-            </a:lvl3pPr>
-            <a:lvl4pPr marL="899950" indent="-228587" algn="l" defTabSz="914349" rtl="0" eaLnBrk="1" latinLnBrk="0" hangingPunct="1">
-              <a:lnSpc>
-                <a:spcPct val="90000"/>
-              </a:lnSpc>
-              <a:spcBef>
-                <a:spcPts val="500"/>
-              </a:spcBef>
-              <a:buClr>
-                <a:schemeClr val="tx2"/>
-              </a:buClr>
-              <a:buFont typeface="Wingdings" panose="05000000000000000000" pitchFamily="2" charset="2"/>
-              <a:buChar char="§"/>
-              <a:defRPr sz="1799" kern="1200">
-                <a:solidFill>
-                  <a:schemeClr val="tx1"/>
-                </a:solidFill>
-                <a:latin typeface="Garet Book" pitchFamily="2" charset="0"/>
-                <a:ea typeface="+mn-ea"/>
-                <a:cs typeface="+mn-cs"/>
-              </a:defRPr>
-            </a:lvl4pPr>
-            <a:lvl5pPr marL="1187934" indent="-228587" algn="l" defTabSz="914349" rtl="0" eaLnBrk="1" latinLnBrk="0" hangingPunct="1">
-              <a:lnSpc>
-                <a:spcPct val="90000"/>
-              </a:lnSpc>
-              <a:spcBef>
-                <a:spcPts val="500"/>
-              </a:spcBef>
-              <a:buClr>
-                <a:schemeClr val="tx2"/>
-              </a:buClr>
-              <a:buFont typeface="Wingdings" panose="05000000000000000000" pitchFamily="2" charset="2"/>
-              <a:buChar char="§"/>
-              <a:defRPr sz="1799" kern="1200">
-                <a:solidFill>
-                  <a:schemeClr val="tx1"/>
-                </a:solidFill>
-                <a:latin typeface="Garet Book" pitchFamily="2" charset="0"/>
-                <a:ea typeface="+mn-ea"/>
-                <a:cs typeface="+mn-cs"/>
-              </a:defRPr>
-            </a:lvl5pPr>
-            <a:lvl6pPr marL="2514460" indent="-228587" algn="l" defTabSz="914349" rtl="0" eaLnBrk="1" latinLnBrk="0" hangingPunct="1">
-              <a:lnSpc>
-                <a:spcPct val="90000"/>
-              </a:lnSpc>
-              <a:spcBef>
-                <a:spcPts val="500"/>
-              </a:spcBef>
-              <a:buFont typeface="Arial" panose="020B0604020202020204" pitchFamily="34" charset="0"/>
-              <a:buChar char="•"/>
-              <a:defRPr sz="1799" kern="1200">
-                <a:solidFill>
-                  <a:schemeClr val="tx1"/>
-                </a:solidFill>
-                <a:latin typeface="+mn-lt"/>
-                <a:ea typeface="+mn-ea"/>
-                <a:cs typeface="+mn-cs"/>
-              </a:defRPr>
-            </a:lvl6pPr>
-            <a:lvl7pPr marL="2971634" indent="-228587" algn="l" defTabSz="914349" rtl="0" eaLnBrk="1" latinLnBrk="0" hangingPunct="1">
-              <a:lnSpc>
-                <a:spcPct val="90000"/>
-              </a:lnSpc>
-              <a:spcBef>
-                <a:spcPts val="500"/>
-              </a:spcBef>
-              <a:buFont typeface="Arial" panose="020B0604020202020204" pitchFamily="34" charset="0"/>
-              <a:buChar char="•"/>
-              <a:defRPr sz="1799" kern="1200">
-                <a:solidFill>
-                  <a:schemeClr val="tx1"/>
-                </a:solidFill>
-                <a:latin typeface="+mn-lt"/>
-                <a:ea typeface="+mn-ea"/>
-                <a:cs typeface="+mn-cs"/>
-              </a:defRPr>
-            </a:lvl7pPr>
-            <a:lvl8pPr marL="3428808" indent="-228587" algn="l" defTabSz="914349" rtl="0" eaLnBrk="1" latinLnBrk="0" hangingPunct="1">
-              <a:lnSpc>
-                <a:spcPct val="90000"/>
-              </a:lnSpc>
-              <a:spcBef>
-                <a:spcPts val="500"/>
-              </a:spcBef>
-              <a:buFont typeface="Arial" panose="020B0604020202020204" pitchFamily="34" charset="0"/>
-              <a:buChar char="•"/>
-              <a:defRPr sz="1799" kern="1200">
-                <a:solidFill>
-                  <a:schemeClr val="tx1"/>
-                </a:solidFill>
-                <a:latin typeface="+mn-lt"/>
-                <a:ea typeface="+mn-ea"/>
-                <a:cs typeface="+mn-cs"/>
-              </a:defRPr>
-            </a:lvl8pPr>
-            <a:lvl9pPr marL="3885983" indent="-228587" algn="l" defTabSz="914349" rtl="0" eaLnBrk="1" latinLnBrk="0" hangingPunct="1">
-              <a:lnSpc>
-                <a:spcPct val="90000"/>
-              </a:lnSpc>
-              <a:spcBef>
-                <a:spcPts val="500"/>
-              </a:spcBef>
-              <a:buFont typeface="Arial" panose="020B0604020202020204" pitchFamily="34" charset="0"/>
-              <a:buChar char="•"/>
-              <a:defRPr sz="1799" kern="1200">
-                <a:solidFill>
-                  <a:schemeClr val="tx1"/>
-                </a:solidFill>
-                <a:latin typeface="+mn-lt"/>
-                <a:ea typeface="+mn-ea"/>
-                <a:cs typeface="+mn-cs"/>
-              </a:defRPr>
-            </a:lvl9pPr>
-          </a:lstStyle>
-          <a:p>
-            <a:r>
-              <a:rPr lang="en-US" sz="1600" b="1"/>
-              <a:t>2. Render: </a:t>
-            </a:r>
-            <a:r>
-              <a:rPr lang="en-US" sz="1600" b="1">
-                <a:solidFill>
-                  <a:schemeClr val="bg2">
-                    <a:lumMod val="50000"/>
-                  </a:schemeClr>
-                </a:solidFill>
-              </a:rPr>
-              <a:t>1473 ms</a:t>
-            </a:r>
-            <a:endParaRPr lang="de-DE" sz="1600" b="1">
-              <a:solidFill>
-                <a:schemeClr val="bg2">
-                  <a:lumMod val="50000"/>
-                </a:schemeClr>
-              </a:solidFill>
-            </a:endParaRPr>
-          </a:p>
-        </p:txBody>
-      </p:sp>
-      <p:sp>
-        <p:nvSpPr>
-          <p:cNvPr id="19" name="Content Placeholder 3">
-            <a:extLst>
-              <a:ext uri="{FF2B5EF4-FFF2-40B4-BE49-F238E27FC236}">
-                <a16:creationId xmlns:a16="http://schemas.microsoft.com/office/drawing/2014/main" id="{983D0E26-3504-7CEB-4510-BD9A755A84DE}"/>
-              </a:ext>
-            </a:extLst>
-          </p:cNvPr>
-          <p:cNvSpPr txBox="1">
-            <a:spLocks/>
-          </p:cNvSpPr>
-          <p:nvPr/>
-        </p:nvSpPr>
-        <p:spPr>
-          <a:xfrm>
-            <a:off x="8421398" y="4415402"/>
-            <a:ext cx="2523691" cy="437098"/>
-          </a:xfrm>
-          <a:prstGeom prst="rect">
-            <a:avLst/>
-          </a:prstGeom>
-        </p:spPr>
-        <p:txBody>
-          <a:bodyPr vert="horz" lIns="91440" tIns="45720" rIns="91440" bIns="45720" rtlCol="0" anchor="ctr">
-            <a:noAutofit/>
-          </a:bodyPr>
-          <a:lstStyle>
-            <a:lvl1pPr marL="0" indent="0" algn="l" defTabSz="914349" rtl="0" eaLnBrk="1" latinLnBrk="0" hangingPunct="1">
-              <a:lnSpc>
-                <a:spcPct val="90000"/>
-              </a:lnSpc>
-              <a:spcBef>
-                <a:spcPts val="1000"/>
-              </a:spcBef>
-              <a:buClr>
-                <a:srgbClr val="0078D1"/>
-              </a:buClr>
-              <a:buFont typeface="Wingdings" panose="05000000000000000000" pitchFamily="2" charset="2"/>
-              <a:buNone/>
-              <a:defRPr sz="2800" kern="1200">
-                <a:solidFill>
-                  <a:schemeClr val="tx1"/>
-                </a:solidFill>
-                <a:latin typeface="Garet Book" pitchFamily="2" charset="0"/>
-                <a:ea typeface="+mn-ea"/>
-                <a:cs typeface="+mn-cs"/>
-              </a:defRPr>
-            </a:lvl1pPr>
-            <a:lvl2pPr marL="359980" indent="-228587" algn="l" defTabSz="914349" rtl="0" eaLnBrk="1" latinLnBrk="0" hangingPunct="1">
-              <a:lnSpc>
-                <a:spcPct val="90000"/>
-              </a:lnSpc>
-              <a:spcBef>
-                <a:spcPts val="500"/>
-              </a:spcBef>
-              <a:buClr>
-                <a:schemeClr val="tx2"/>
-              </a:buClr>
-              <a:buFont typeface="Wingdings" panose="05000000000000000000" pitchFamily="2" charset="2"/>
-              <a:buChar char="§"/>
-              <a:defRPr sz="2400" kern="1200">
-                <a:solidFill>
-                  <a:schemeClr val="tx1"/>
-                </a:solidFill>
-                <a:latin typeface="Garet Book" pitchFamily="2" charset="0"/>
-                <a:ea typeface="+mn-ea"/>
-                <a:cs typeface="+mn-cs"/>
-              </a:defRPr>
-            </a:lvl2pPr>
-            <a:lvl3pPr marL="611965" indent="-228587" algn="l" defTabSz="914349" rtl="0" eaLnBrk="1" latinLnBrk="0" hangingPunct="1">
-              <a:lnSpc>
-                <a:spcPct val="90000"/>
-              </a:lnSpc>
-              <a:spcBef>
-                <a:spcPts val="500"/>
-              </a:spcBef>
-              <a:buClr>
-                <a:schemeClr val="tx2"/>
-              </a:buClr>
-              <a:buFont typeface="Wingdings" panose="05000000000000000000" pitchFamily="2" charset="2"/>
-              <a:buChar char="§"/>
-              <a:defRPr sz="2000" kern="1200">
-                <a:solidFill>
-                  <a:schemeClr val="tx1"/>
-                </a:solidFill>
-                <a:latin typeface="Garet Book" pitchFamily="2" charset="0"/>
-                <a:ea typeface="+mn-ea"/>
-                <a:cs typeface="+mn-cs"/>
-              </a:defRPr>
-            </a:lvl3pPr>
-            <a:lvl4pPr marL="899950" indent="-228587" algn="l" defTabSz="914349" rtl="0" eaLnBrk="1" latinLnBrk="0" hangingPunct="1">
-              <a:lnSpc>
-                <a:spcPct val="90000"/>
-              </a:lnSpc>
-              <a:spcBef>
-                <a:spcPts val="500"/>
-              </a:spcBef>
-              <a:buClr>
-                <a:schemeClr val="tx2"/>
-              </a:buClr>
-              <a:buFont typeface="Wingdings" panose="05000000000000000000" pitchFamily="2" charset="2"/>
-              <a:buChar char="§"/>
-              <a:defRPr sz="1799" kern="1200">
-                <a:solidFill>
-                  <a:schemeClr val="tx1"/>
-                </a:solidFill>
-                <a:latin typeface="Garet Book" pitchFamily="2" charset="0"/>
-                <a:ea typeface="+mn-ea"/>
-                <a:cs typeface="+mn-cs"/>
-              </a:defRPr>
-            </a:lvl4pPr>
-            <a:lvl5pPr marL="1187934" indent="-228587" algn="l" defTabSz="914349" rtl="0" eaLnBrk="1" latinLnBrk="0" hangingPunct="1">
-              <a:lnSpc>
-                <a:spcPct val="90000"/>
-              </a:lnSpc>
-              <a:spcBef>
-                <a:spcPts val="500"/>
-              </a:spcBef>
-              <a:buClr>
-                <a:schemeClr val="tx2"/>
-              </a:buClr>
-              <a:buFont typeface="Wingdings" panose="05000000000000000000" pitchFamily="2" charset="2"/>
-              <a:buChar char="§"/>
-              <a:defRPr sz="1799" kern="1200">
-                <a:solidFill>
-                  <a:schemeClr val="tx1"/>
-                </a:solidFill>
-                <a:latin typeface="Garet Book" pitchFamily="2" charset="0"/>
-                <a:ea typeface="+mn-ea"/>
-                <a:cs typeface="+mn-cs"/>
-              </a:defRPr>
-            </a:lvl5pPr>
-            <a:lvl6pPr marL="2514460" indent="-228587" algn="l" defTabSz="914349" rtl="0" eaLnBrk="1" latinLnBrk="0" hangingPunct="1">
-              <a:lnSpc>
-                <a:spcPct val="90000"/>
-              </a:lnSpc>
-              <a:spcBef>
-                <a:spcPts val="500"/>
-              </a:spcBef>
-              <a:buFont typeface="Arial" panose="020B0604020202020204" pitchFamily="34" charset="0"/>
-              <a:buChar char="•"/>
-              <a:defRPr sz="1799" kern="1200">
-                <a:solidFill>
-                  <a:schemeClr val="tx1"/>
-                </a:solidFill>
-                <a:latin typeface="+mn-lt"/>
-                <a:ea typeface="+mn-ea"/>
-                <a:cs typeface="+mn-cs"/>
-              </a:defRPr>
-            </a:lvl6pPr>
-            <a:lvl7pPr marL="2971634" indent="-228587" algn="l" defTabSz="914349" rtl="0" eaLnBrk="1" latinLnBrk="0" hangingPunct="1">
-              <a:lnSpc>
-                <a:spcPct val="90000"/>
-              </a:lnSpc>
-              <a:spcBef>
-                <a:spcPts val="500"/>
-              </a:spcBef>
-              <a:buFont typeface="Arial" panose="020B0604020202020204" pitchFamily="34" charset="0"/>
-              <a:buChar char="•"/>
-              <a:defRPr sz="1799" kern="1200">
-                <a:solidFill>
-                  <a:schemeClr val="tx1"/>
-                </a:solidFill>
-                <a:latin typeface="+mn-lt"/>
-                <a:ea typeface="+mn-ea"/>
-                <a:cs typeface="+mn-cs"/>
-              </a:defRPr>
-            </a:lvl7pPr>
-            <a:lvl8pPr marL="3428808" indent="-228587" algn="l" defTabSz="914349" rtl="0" eaLnBrk="1" latinLnBrk="0" hangingPunct="1">
-              <a:lnSpc>
-                <a:spcPct val="90000"/>
-              </a:lnSpc>
-              <a:spcBef>
-                <a:spcPts val="500"/>
-              </a:spcBef>
-              <a:buFont typeface="Arial" panose="020B0604020202020204" pitchFamily="34" charset="0"/>
-              <a:buChar char="•"/>
-              <a:defRPr sz="1799" kern="1200">
-                <a:solidFill>
-                  <a:schemeClr val="tx1"/>
-                </a:solidFill>
-                <a:latin typeface="+mn-lt"/>
-                <a:ea typeface="+mn-ea"/>
-                <a:cs typeface="+mn-cs"/>
-              </a:defRPr>
-            </a:lvl8pPr>
-            <a:lvl9pPr marL="3885983" indent="-228587" algn="l" defTabSz="914349" rtl="0" eaLnBrk="1" latinLnBrk="0" hangingPunct="1">
-              <a:lnSpc>
-                <a:spcPct val="90000"/>
-              </a:lnSpc>
-              <a:spcBef>
-                <a:spcPts val="500"/>
-              </a:spcBef>
-              <a:buFont typeface="Arial" panose="020B0604020202020204" pitchFamily="34" charset="0"/>
-              <a:buChar char="•"/>
-              <a:defRPr sz="1799" kern="1200">
-                <a:solidFill>
-                  <a:schemeClr val="tx1"/>
-                </a:solidFill>
-                <a:latin typeface="+mn-lt"/>
-                <a:ea typeface="+mn-ea"/>
-                <a:cs typeface="+mn-cs"/>
-              </a:defRPr>
-            </a:lvl9pPr>
-          </a:lstStyle>
-          <a:p>
-            <a:r>
-              <a:rPr lang="en-US" sz="1600" b="1"/>
-              <a:t>1.  Render: 1473 ms</a:t>
-            </a:r>
-            <a:endParaRPr lang="de-DE" sz="1600" b="1"/>
-          </a:p>
-        </p:txBody>
-      </p:sp>
-      <p:sp>
-        <p:nvSpPr>
-          <p:cNvPr id="20" name="Content Placeholder 3">
-            <a:extLst>
-              <a:ext uri="{FF2B5EF4-FFF2-40B4-BE49-F238E27FC236}">
-                <a16:creationId xmlns:a16="http://schemas.microsoft.com/office/drawing/2014/main" id="{CBC9AE5D-1BE1-5140-0296-36094B061083}"/>
-              </a:ext>
-            </a:extLst>
-          </p:cNvPr>
-          <p:cNvSpPr txBox="1">
-            <a:spLocks/>
-          </p:cNvSpPr>
-          <p:nvPr/>
-        </p:nvSpPr>
-        <p:spPr>
-          <a:xfrm>
-            <a:off x="8421397" y="4903763"/>
-            <a:ext cx="2523692" cy="437098"/>
-          </a:xfrm>
-          <a:prstGeom prst="rect">
-            <a:avLst/>
-          </a:prstGeom>
-        </p:spPr>
-        <p:txBody>
-          <a:bodyPr vert="horz" lIns="91440" tIns="45720" rIns="91440" bIns="45720" rtlCol="0" anchor="ctr">
-            <a:noAutofit/>
-          </a:bodyPr>
-          <a:lstStyle>
-            <a:lvl1pPr marL="0" indent="0" algn="l" defTabSz="914349" rtl="0" eaLnBrk="1" latinLnBrk="0" hangingPunct="1">
-              <a:lnSpc>
-                <a:spcPct val="90000"/>
-              </a:lnSpc>
-              <a:spcBef>
-                <a:spcPts val="1000"/>
-              </a:spcBef>
-              <a:buClr>
-                <a:srgbClr val="0078D1"/>
-              </a:buClr>
-              <a:buFont typeface="Wingdings" panose="05000000000000000000" pitchFamily="2" charset="2"/>
-              <a:buNone/>
-              <a:defRPr sz="2800" kern="1200">
-                <a:solidFill>
-                  <a:schemeClr val="tx1"/>
-                </a:solidFill>
-                <a:latin typeface="Garet Book" pitchFamily="2" charset="0"/>
-                <a:ea typeface="+mn-ea"/>
-                <a:cs typeface="+mn-cs"/>
-              </a:defRPr>
-            </a:lvl1pPr>
-            <a:lvl2pPr marL="359980" indent="-228587" algn="l" defTabSz="914349" rtl="0" eaLnBrk="1" latinLnBrk="0" hangingPunct="1">
-              <a:lnSpc>
-                <a:spcPct val="90000"/>
-              </a:lnSpc>
-              <a:spcBef>
-                <a:spcPts val="500"/>
-              </a:spcBef>
-              <a:buClr>
-                <a:schemeClr val="tx2"/>
-              </a:buClr>
-              <a:buFont typeface="Wingdings" panose="05000000000000000000" pitchFamily="2" charset="2"/>
-              <a:buChar char="§"/>
-              <a:defRPr sz="2400" kern="1200">
-                <a:solidFill>
-                  <a:schemeClr val="tx1"/>
-                </a:solidFill>
-                <a:latin typeface="Garet Book" pitchFamily="2" charset="0"/>
-                <a:ea typeface="+mn-ea"/>
-                <a:cs typeface="+mn-cs"/>
-              </a:defRPr>
-            </a:lvl2pPr>
-            <a:lvl3pPr marL="611965" indent="-228587" algn="l" defTabSz="914349" rtl="0" eaLnBrk="1" latinLnBrk="0" hangingPunct="1">
-              <a:lnSpc>
-                <a:spcPct val="90000"/>
-              </a:lnSpc>
-              <a:spcBef>
-                <a:spcPts val="500"/>
-              </a:spcBef>
-              <a:buClr>
-                <a:schemeClr val="tx2"/>
-              </a:buClr>
-              <a:buFont typeface="Wingdings" panose="05000000000000000000" pitchFamily="2" charset="2"/>
-              <a:buChar char="§"/>
-              <a:defRPr sz="2000" kern="1200">
-                <a:solidFill>
-                  <a:schemeClr val="tx1"/>
-                </a:solidFill>
-                <a:latin typeface="Garet Book" pitchFamily="2" charset="0"/>
-                <a:ea typeface="+mn-ea"/>
-                <a:cs typeface="+mn-cs"/>
-              </a:defRPr>
-            </a:lvl3pPr>
-            <a:lvl4pPr marL="899950" indent="-228587" algn="l" defTabSz="914349" rtl="0" eaLnBrk="1" latinLnBrk="0" hangingPunct="1">
-              <a:lnSpc>
-                <a:spcPct val="90000"/>
-              </a:lnSpc>
-              <a:spcBef>
-                <a:spcPts val="500"/>
-              </a:spcBef>
-              <a:buClr>
-                <a:schemeClr val="tx2"/>
-              </a:buClr>
-              <a:buFont typeface="Wingdings" panose="05000000000000000000" pitchFamily="2" charset="2"/>
-              <a:buChar char="§"/>
-              <a:defRPr sz="1799" kern="1200">
-                <a:solidFill>
-                  <a:schemeClr val="tx1"/>
-                </a:solidFill>
-                <a:latin typeface="Garet Book" pitchFamily="2" charset="0"/>
-                <a:ea typeface="+mn-ea"/>
-                <a:cs typeface="+mn-cs"/>
-              </a:defRPr>
-            </a:lvl4pPr>
-            <a:lvl5pPr marL="1187934" indent="-228587" algn="l" defTabSz="914349" rtl="0" eaLnBrk="1" latinLnBrk="0" hangingPunct="1">
-              <a:lnSpc>
-                <a:spcPct val="90000"/>
-              </a:lnSpc>
-              <a:spcBef>
-                <a:spcPts val="500"/>
-              </a:spcBef>
-              <a:buClr>
-                <a:schemeClr val="tx2"/>
-              </a:buClr>
-              <a:buFont typeface="Wingdings" panose="05000000000000000000" pitchFamily="2" charset="2"/>
-              <a:buChar char="§"/>
-              <a:defRPr sz="1799" kern="1200">
-                <a:solidFill>
-                  <a:schemeClr val="tx1"/>
-                </a:solidFill>
-                <a:latin typeface="Garet Book" pitchFamily="2" charset="0"/>
-                <a:ea typeface="+mn-ea"/>
-                <a:cs typeface="+mn-cs"/>
-              </a:defRPr>
-            </a:lvl5pPr>
-            <a:lvl6pPr marL="2514460" indent="-228587" algn="l" defTabSz="914349" rtl="0" eaLnBrk="1" latinLnBrk="0" hangingPunct="1">
-              <a:lnSpc>
-                <a:spcPct val="90000"/>
-              </a:lnSpc>
-              <a:spcBef>
-                <a:spcPts val="500"/>
-              </a:spcBef>
-              <a:buFont typeface="Arial" panose="020B0604020202020204" pitchFamily="34" charset="0"/>
-              <a:buChar char="•"/>
-              <a:defRPr sz="1799" kern="1200">
-                <a:solidFill>
-                  <a:schemeClr val="tx1"/>
-                </a:solidFill>
-                <a:latin typeface="+mn-lt"/>
-                <a:ea typeface="+mn-ea"/>
-                <a:cs typeface="+mn-cs"/>
-              </a:defRPr>
-            </a:lvl6pPr>
-            <a:lvl7pPr marL="2971634" indent="-228587" algn="l" defTabSz="914349" rtl="0" eaLnBrk="1" latinLnBrk="0" hangingPunct="1">
-              <a:lnSpc>
-                <a:spcPct val="90000"/>
-              </a:lnSpc>
-              <a:spcBef>
-                <a:spcPts val="500"/>
-              </a:spcBef>
-              <a:buFont typeface="Arial" panose="020B0604020202020204" pitchFamily="34" charset="0"/>
-              <a:buChar char="•"/>
-              <a:defRPr sz="1799" kern="1200">
-                <a:solidFill>
-                  <a:schemeClr val="tx1"/>
-                </a:solidFill>
-                <a:latin typeface="+mn-lt"/>
-                <a:ea typeface="+mn-ea"/>
-                <a:cs typeface="+mn-cs"/>
-              </a:defRPr>
-            </a:lvl7pPr>
-            <a:lvl8pPr marL="3428808" indent="-228587" algn="l" defTabSz="914349" rtl="0" eaLnBrk="1" latinLnBrk="0" hangingPunct="1">
-              <a:lnSpc>
-                <a:spcPct val="90000"/>
-              </a:lnSpc>
-              <a:spcBef>
-                <a:spcPts val="500"/>
-              </a:spcBef>
-              <a:buFont typeface="Arial" panose="020B0604020202020204" pitchFamily="34" charset="0"/>
-              <a:buChar char="•"/>
-              <a:defRPr sz="1799" kern="1200">
-                <a:solidFill>
-                  <a:schemeClr val="tx1"/>
-                </a:solidFill>
-                <a:latin typeface="+mn-lt"/>
-                <a:ea typeface="+mn-ea"/>
-                <a:cs typeface="+mn-cs"/>
-              </a:defRPr>
-            </a:lvl8pPr>
-            <a:lvl9pPr marL="3885983" indent="-228587" algn="l" defTabSz="914349" rtl="0" eaLnBrk="1" latinLnBrk="0" hangingPunct="1">
-              <a:lnSpc>
-                <a:spcPct val="90000"/>
-              </a:lnSpc>
-              <a:spcBef>
-                <a:spcPts val="500"/>
-              </a:spcBef>
-              <a:buFont typeface="Arial" panose="020B0604020202020204" pitchFamily="34" charset="0"/>
-              <a:buChar char="•"/>
-              <a:defRPr sz="1799" kern="1200">
-                <a:solidFill>
-                  <a:schemeClr val="tx1"/>
-                </a:solidFill>
-                <a:latin typeface="+mn-lt"/>
-                <a:ea typeface="+mn-ea"/>
-                <a:cs typeface="+mn-cs"/>
-              </a:defRPr>
-            </a:lvl9pPr>
-          </a:lstStyle>
-          <a:p>
-            <a:r>
-              <a:rPr lang="en-US" sz="1600" b="1"/>
-              <a:t>2. Render: </a:t>
-            </a:r>
-            <a:r>
-              <a:rPr lang="en-US" sz="1600" b="1">
-                <a:solidFill>
-                  <a:srgbClr val="92D050"/>
-                </a:solidFill>
-              </a:rPr>
-              <a:t>~ 1 ms</a:t>
-            </a:r>
-            <a:endParaRPr lang="de-DE" sz="1600" b="1">
-              <a:solidFill>
-                <a:srgbClr val="92D050"/>
-              </a:solidFill>
-            </a:endParaRPr>
-          </a:p>
-        </p:txBody>
-      </p:sp>
-      <p:sp>
-        <p:nvSpPr>
-          <p:cNvPr id="25" name="Text Placeholder 2">
-            <a:extLst>
-              <a:ext uri="{FF2B5EF4-FFF2-40B4-BE49-F238E27FC236}">
-                <a16:creationId xmlns:a16="http://schemas.microsoft.com/office/drawing/2014/main" id="{4DF4CB98-3468-00B7-D3BB-3386D6DB74CF}"/>
-              </a:ext>
-            </a:extLst>
-          </p:cNvPr>
-          <p:cNvSpPr txBox="1">
-            <a:spLocks/>
-          </p:cNvSpPr>
-          <p:nvPr/>
-        </p:nvSpPr>
-        <p:spPr>
-          <a:xfrm>
-            <a:off x="838345" y="4003446"/>
-            <a:ext cx="2089582" cy="411956"/>
+            <a:off x="839789" y="2310953"/>
+            <a:ext cx="7147764" cy="1626493"/>
           </a:xfrm>
           <a:prstGeom prst="rect">
             <a:avLst/>
@@ -16267,273 +16633,6 @@
         </p:spPr>
         <p:txBody>
           <a:bodyPr vert="horz" lIns="91440" tIns="45720" rIns="91440" bIns="45720" rtlCol="0">
-            <a:normAutofit/>
-          </a:bodyPr>
-          <a:lstStyle>
-            <a:lvl1pPr marL="0" indent="0" algn="l" defTabSz="914349" rtl="0" eaLnBrk="1" latinLnBrk="0" hangingPunct="1">
-              <a:lnSpc>
-                <a:spcPct val="90000"/>
-              </a:lnSpc>
-              <a:spcBef>
-                <a:spcPts val="1000"/>
-              </a:spcBef>
-              <a:buClr>
-                <a:srgbClr val="0078D1"/>
-              </a:buClr>
-              <a:buFont typeface="Wingdings" panose="05000000000000000000" pitchFamily="2" charset="2"/>
-              <a:buNone/>
-              <a:defRPr sz="2800" kern="1200">
-                <a:solidFill>
-                  <a:schemeClr val="tx1"/>
-                </a:solidFill>
-                <a:latin typeface="Garet Book" pitchFamily="2" charset="0"/>
-                <a:ea typeface="+mn-ea"/>
-                <a:cs typeface="+mn-cs"/>
-              </a:defRPr>
-            </a:lvl1pPr>
-            <a:lvl2pPr marL="359980" indent="-228587" algn="l" defTabSz="914349" rtl="0" eaLnBrk="1" latinLnBrk="0" hangingPunct="1">
-              <a:lnSpc>
-                <a:spcPct val="90000"/>
-              </a:lnSpc>
-              <a:spcBef>
-                <a:spcPts val="500"/>
-              </a:spcBef>
-              <a:buClr>
-                <a:schemeClr val="tx2"/>
-              </a:buClr>
-              <a:buFont typeface="Wingdings" panose="05000000000000000000" pitchFamily="2" charset="2"/>
-              <a:buChar char="§"/>
-              <a:defRPr sz="2400" kern="1200">
-                <a:solidFill>
-                  <a:schemeClr val="tx1"/>
-                </a:solidFill>
-                <a:latin typeface="Garet Book" pitchFamily="2" charset="0"/>
-                <a:ea typeface="+mn-ea"/>
-                <a:cs typeface="+mn-cs"/>
-              </a:defRPr>
-            </a:lvl2pPr>
-            <a:lvl3pPr marL="611965" indent="-228587" algn="l" defTabSz="914349" rtl="0" eaLnBrk="1" latinLnBrk="0" hangingPunct="1">
-              <a:lnSpc>
-                <a:spcPct val="90000"/>
-              </a:lnSpc>
-              <a:spcBef>
-                <a:spcPts val="500"/>
-              </a:spcBef>
-              <a:buClr>
-                <a:schemeClr val="tx2"/>
-              </a:buClr>
-              <a:buFont typeface="Wingdings" panose="05000000000000000000" pitchFamily="2" charset="2"/>
-              <a:buChar char="§"/>
-              <a:defRPr sz="2000" kern="1200">
-                <a:solidFill>
-                  <a:schemeClr val="tx1"/>
-                </a:solidFill>
-                <a:latin typeface="Garet Book" pitchFamily="2" charset="0"/>
-                <a:ea typeface="+mn-ea"/>
-                <a:cs typeface="+mn-cs"/>
-              </a:defRPr>
-            </a:lvl3pPr>
-            <a:lvl4pPr marL="899950" indent="-228587" algn="l" defTabSz="914349" rtl="0" eaLnBrk="1" latinLnBrk="0" hangingPunct="1">
-              <a:lnSpc>
-                <a:spcPct val="90000"/>
-              </a:lnSpc>
-              <a:spcBef>
-                <a:spcPts val="500"/>
-              </a:spcBef>
-              <a:buClr>
-                <a:schemeClr val="tx2"/>
-              </a:buClr>
-              <a:buFont typeface="Wingdings" panose="05000000000000000000" pitchFamily="2" charset="2"/>
-              <a:buChar char="§"/>
-              <a:defRPr sz="1799" kern="1200">
-                <a:solidFill>
-                  <a:schemeClr val="tx1"/>
-                </a:solidFill>
-                <a:latin typeface="Garet Book" pitchFamily="2" charset="0"/>
-                <a:ea typeface="+mn-ea"/>
-                <a:cs typeface="+mn-cs"/>
-              </a:defRPr>
-            </a:lvl4pPr>
-            <a:lvl5pPr marL="1187934" indent="-228587" algn="l" defTabSz="914349" rtl="0" eaLnBrk="1" latinLnBrk="0" hangingPunct="1">
-              <a:lnSpc>
-                <a:spcPct val="90000"/>
-              </a:lnSpc>
-              <a:spcBef>
-                <a:spcPts val="500"/>
-              </a:spcBef>
-              <a:buClr>
-                <a:schemeClr val="tx2"/>
-              </a:buClr>
-              <a:buFont typeface="Wingdings" panose="05000000000000000000" pitchFamily="2" charset="2"/>
-              <a:buChar char="§"/>
-              <a:defRPr sz="1799" kern="1200">
-                <a:solidFill>
-                  <a:schemeClr val="tx1"/>
-                </a:solidFill>
-                <a:latin typeface="Garet Book" pitchFamily="2" charset="0"/>
-                <a:ea typeface="+mn-ea"/>
-                <a:cs typeface="+mn-cs"/>
-              </a:defRPr>
-            </a:lvl5pPr>
-            <a:lvl6pPr marL="2514460" indent="-228587" algn="l" defTabSz="914349" rtl="0" eaLnBrk="1" latinLnBrk="0" hangingPunct="1">
-              <a:lnSpc>
-                <a:spcPct val="90000"/>
-              </a:lnSpc>
-              <a:spcBef>
-                <a:spcPts val="500"/>
-              </a:spcBef>
-              <a:buFont typeface="Arial" panose="020B0604020202020204" pitchFamily="34" charset="0"/>
-              <a:buChar char="•"/>
-              <a:defRPr sz="1799" kern="1200">
-                <a:solidFill>
-                  <a:schemeClr val="tx1"/>
-                </a:solidFill>
-                <a:latin typeface="+mn-lt"/>
-                <a:ea typeface="+mn-ea"/>
-                <a:cs typeface="+mn-cs"/>
-              </a:defRPr>
-            </a:lvl6pPr>
-            <a:lvl7pPr marL="2971634" indent="-228587" algn="l" defTabSz="914349" rtl="0" eaLnBrk="1" latinLnBrk="0" hangingPunct="1">
-              <a:lnSpc>
-                <a:spcPct val="90000"/>
-              </a:lnSpc>
-              <a:spcBef>
-                <a:spcPts val="500"/>
-              </a:spcBef>
-              <a:buFont typeface="Arial" panose="020B0604020202020204" pitchFamily="34" charset="0"/>
-              <a:buChar char="•"/>
-              <a:defRPr sz="1799" kern="1200">
-                <a:solidFill>
-                  <a:schemeClr val="tx1"/>
-                </a:solidFill>
-                <a:latin typeface="+mn-lt"/>
-                <a:ea typeface="+mn-ea"/>
-                <a:cs typeface="+mn-cs"/>
-              </a:defRPr>
-            </a:lvl7pPr>
-            <a:lvl8pPr marL="3428808" indent="-228587" algn="l" defTabSz="914349" rtl="0" eaLnBrk="1" latinLnBrk="0" hangingPunct="1">
-              <a:lnSpc>
-                <a:spcPct val="90000"/>
-              </a:lnSpc>
-              <a:spcBef>
-                <a:spcPts val="500"/>
-              </a:spcBef>
-              <a:buFont typeface="Arial" panose="020B0604020202020204" pitchFamily="34" charset="0"/>
-              <a:buChar char="•"/>
-              <a:defRPr sz="1799" kern="1200">
-                <a:solidFill>
-                  <a:schemeClr val="tx1"/>
-                </a:solidFill>
-                <a:latin typeface="+mn-lt"/>
-                <a:ea typeface="+mn-ea"/>
-                <a:cs typeface="+mn-cs"/>
-              </a:defRPr>
-            </a:lvl8pPr>
-            <a:lvl9pPr marL="3885983" indent="-228587" algn="l" defTabSz="914349" rtl="0" eaLnBrk="1" latinLnBrk="0" hangingPunct="1">
-              <a:lnSpc>
-                <a:spcPct val="90000"/>
-              </a:lnSpc>
-              <a:spcBef>
-                <a:spcPts val="500"/>
-              </a:spcBef>
-              <a:buFont typeface="Arial" panose="020B0604020202020204" pitchFamily="34" charset="0"/>
-              <a:buChar char="•"/>
-              <a:defRPr sz="1799" kern="1200">
-                <a:solidFill>
-                  <a:schemeClr val="tx1"/>
-                </a:solidFill>
-                <a:latin typeface="+mn-lt"/>
-                <a:ea typeface="+mn-ea"/>
-                <a:cs typeface="+mn-cs"/>
-              </a:defRPr>
-            </a:lvl9pPr>
-          </a:lstStyle>
-          <a:p>
-            <a:r>
-              <a:rPr lang="de-DE" sz="2000"/>
-              <a:t>Mit useMemo:</a:t>
-            </a:r>
-          </a:p>
-        </p:txBody>
-      </p:sp>
-      <p:sp>
-        <p:nvSpPr>
-          <p:cNvPr id="29" name="Arrow: Right 28">
-            <a:extLst>
-              <a:ext uri="{FF2B5EF4-FFF2-40B4-BE49-F238E27FC236}">
-                <a16:creationId xmlns:a16="http://schemas.microsoft.com/office/drawing/2014/main" id="{DBA5B03F-2498-1CDA-3BFC-E3FD32A44585}"/>
-              </a:ext>
-            </a:extLst>
-          </p:cNvPr>
-          <p:cNvSpPr/>
-          <p:nvPr/>
-        </p:nvSpPr>
-        <p:spPr>
-          <a:xfrm rot="16200000">
-            <a:off x="1404592" y="5402871"/>
-            <a:ext cx="501995" cy="455093"/>
-          </a:xfrm>
-          <a:prstGeom prst="rightArrow">
-            <a:avLst/>
-          </a:prstGeom>
-          <a:solidFill>
-            <a:schemeClr val="bg2"/>
-          </a:solidFill>
-        </p:spPr>
-        <p:style>
-          <a:lnRef idx="2">
-            <a:schemeClr val="accent1">
-              <a:shade val="15000"/>
-            </a:schemeClr>
-          </a:lnRef>
-          <a:fillRef idx="1">
-            <a:schemeClr val="accent1"/>
-          </a:fillRef>
-          <a:effectRef idx="0">
-            <a:schemeClr val="accent1"/>
-          </a:effectRef>
-          <a:fontRef idx="minor">
-            <a:schemeClr val="lt1"/>
-          </a:fontRef>
-        </p:style>
-        <p:txBody>
-          <a:bodyPr rtlCol="0" anchor="ctr"/>
-          <a:lstStyle/>
-          <a:p>
-            <a:pPr algn="ctr"/>
-            <a:endParaRPr lang="de-DE" sz="1200">
-              <a:solidFill>
-                <a:schemeClr val="bg1"/>
-              </a:solidFill>
-            </a:endParaRPr>
-          </a:p>
-        </p:txBody>
-      </p:sp>
-      <p:sp>
-        <p:nvSpPr>
-          <p:cNvPr id="32" name="Content Placeholder 3">
-            <a:extLst>
-              <a:ext uri="{FF2B5EF4-FFF2-40B4-BE49-F238E27FC236}">
-                <a16:creationId xmlns:a16="http://schemas.microsoft.com/office/drawing/2014/main" id="{09928B2E-67D8-EEED-D7C6-58D70A3FE4B1}"/>
-              </a:ext>
-            </a:extLst>
-          </p:cNvPr>
-          <p:cNvSpPr txBox="1">
-            <a:spLocks/>
-          </p:cNvSpPr>
-          <p:nvPr/>
-        </p:nvSpPr>
-        <p:spPr>
-          <a:xfrm>
-            <a:off x="719325" y="5919974"/>
-            <a:ext cx="1872528" cy="437098"/>
-          </a:xfrm>
-          <a:prstGeom prst="rect">
-            <a:avLst/>
-          </a:prstGeom>
-        </p:spPr>
-        <p:txBody>
-          <a:bodyPr vert="horz" lIns="91440" tIns="45720" rIns="91440" bIns="45720" rtlCol="0" anchor="ctr">
             <a:noAutofit/>
           </a:bodyPr>
           <a:lstStyle>
@@ -16716,18 +16815,40 @@
             </a:lvl9pPr>
           </a:lstStyle>
           <a:p>
-            <a:r>
-              <a:rPr lang="en-US" sz="1600" b="1"/>
-              <a:t>Dependencies</a:t>
-            </a:r>
-            <a:endParaRPr lang="de-DE" sz="1600" b="1"/>
+            <a:pPr marL="457200" indent="-457200" defTabSz="914400">
+              <a:spcBef>
+                <a:spcPts val="500"/>
+              </a:spcBef>
+              <a:buClr>
+                <a:srgbClr val="5E42F5"/>
+              </a:buClr>
+              <a:buFont typeface="Wingdings" panose="05000000000000000000" pitchFamily="2" charset="2"/>
+              <a:buChar char="§"/>
+              <a:defRPr/>
+            </a:pPr>
+            <a:r>
+              <a:rPr lang="en-US" sz="1800"/>
+              <a:t>ToDo 3.1: 	use useMemo on pokemons</a:t>
+            </a:r>
+          </a:p>
+          <a:p>
+            <a:pPr marL="817180" lvl="1" indent="-457200" defTabSz="914400">
+              <a:buClr>
+                <a:srgbClr val="5E42F5"/>
+              </a:buClr>
+              <a:defRPr/>
+            </a:pPr>
+            <a:r>
+              <a:rPr lang="en-US" sz="1400"/>
+              <a:t>PokemonTabContent.tsx</a:t>
+            </a:r>
           </a:p>
         </p:txBody>
       </p:sp>
     </p:spTree>
     <p:extLst>
       <p:ext uri="{BB962C8B-B14F-4D97-AF65-F5344CB8AC3E}">
-        <p14:creationId xmlns:p14="http://schemas.microsoft.com/office/powerpoint/2010/main" val="1313307678"/>
+        <p14:creationId xmlns:p14="http://schemas.microsoft.com/office/powerpoint/2010/main" val="3213854785"/>
       </p:ext>
     </p:extLst>
   </p:cSld>
@@ -16784,17 +16905,17 @@
           <a:p>
             <a:r>
               <a:rPr lang="de-DE"/>
-              <a:t>useMemo</a:t>
+              <a:t>React Hooks</a:t>
             </a:r>
           </a:p>
         </p:txBody>
       </p:sp>
       <p:sp>
         <p:nvSpPr>
-          <p:cNvPr id="8" name="Content Placeholder 3">
+          <p:cNvPr id="7" name="Text Placeholder 2">
             <a:extLst>
               <a:ext uri="{FF2B5EF4-FFF2-40B4-BE49-F238E27FC236}">
-                <a16:creationId xmlns:a16="http://schemas.microsoft.com/office/drawing/2014/main" id="{F8067D0B-1FD0-FDF7-1568-B35177DD2661}"/>
+                <a16:creationId xmlns:a16="http://schemas.microsoft.com/office/drawing/2014/main" id="{AD7F0BC1-64B4-C22D-D688-A43A681D5B26}"/>
               </a:ext>
             </a:extLst>
           </p:cNvPr>
@@ -16805,8 +16926,8 @@
         </p:nvSpPr>
         <p:spPr>
           <a:xfrm>
-            <a:off x="839789" y="2310953"/>
-            <a:ext cx="7147764" cy="1626493"/>
+            <a:off x="839789" y="1908428"/>
+            <a:ext cx="5157787" cy="823912"/>
           </a:xfrm>
           <a:prstGeom prst="rect">
             <a:avLst/>
@@ -16814,7 +16935,7 @@
         </p:spPr>
         <p:txBody>
           <a:bodyPr vert="horz" lIns="91440" tIns="45720" rIns="91440" bIns="45720" rtlCol="0">
-            <a:noAutofit/>
+            <a:normAutofit/>
           </a:bodyPr>
           <a:lstStyle>
             <a:lvl1pPr marL="0" indent="0" algn="l" defTabSz="914349" rtl="0" eaLnBrk="1" latinLnBrk="0" hangingPunct="1">
@@ -16996,40 +17117,404 @@
             </a:lvl9pPr>
           </a:lstStyle>
           <a:p>
-            <a:pPr marL="457200" indent="-457200" defTabSz="914400">
-              <a:spcBef>
-                <a:spcPts val="500"/>
-              </a:spcBef>
+            <a:r>
+              <a:rPr lang="de-DE" sz="2000"/>
+              <a:t>useRef:</a:t>
+            </a:r>
+          </a:p>
+        </p:txBody>
+      </p:sp>
+      <p:sp>
+        <p:nvSpPr>
+          <p:cNvPr id="8" name="Content Placeholder 3">
+            <a:extLst>
+              <a:ext uri="{FF2B5EF4-FFF2-40B4-BE49-F238E27FC236}">
+                <a16:creationId xmlns:a16="http://schemas.microsoft.com/office/drawing/2014/main" id="{E30A0B3B-5E33-DCBD-D65F-4E85373AEA27}"/>
+              </a:ext>
+            </a:extLst>
+          </p:cNvPr>
+          <p:cNvSpPr>
+            <a:spLocks noGrp="1"/>
+          </p:cNvSpPr>
+          <p:nvPr>
+            <p:ph sz="half" idx="2"/>
+          </p:nvPr>
+        </p:nvSpPr>
+        <p:spPr>
+          <a:xfrm>
+            <a:off x="839789" y="2343531"/>
+            <a:ext cx="5256211" cy="935953"/>
+          </a:xfrm>
+        </p:spPr>
+        <p:txBody>
+          <a:bodyPr>
+            <a:noAutofit/>
+          </a:bodyPr>
+          <a:lstStyle/>
+          <a:p>
+            <a:pPr marL="457200" marR="0" lvl="0" indent="-457200" algn="l" defTabSz="914400" rtl="0" eaLnBrk="1" fontAlgn="auto" latinLnBrk="0" hangingPunct="1">
+              <a:lnSpc>
+                <a:spcPct val="90000"/>
+              </a:lnSpc>
+              <a:spcBef>
+                <a:spcPts val="500"/>
+              </a:spcBef>
+              <a:spcAft>
+                <a:spcPts val="0"/>
+              </a:spcAft>
               <a:buClr>
                 <a:srgbClr val="5E42F5"/>
               </a:buClr>
+              <a:buSzTx/>
               <a:buFont typeface="Wingdings" panose="05000000000000000000" pitchFamily="2" charset="2"/>
               <a:buChar char="§"/>
+              <a:tabLst/>
               <a:defRPr/>
             </a:pPr>
             <a:r>
               <a:rPr lang="en-US" sz="1800"/>
-              <a:t>ToDo 3.1: 	use useMemo on pokemons</a:t>
-            </a:r>
-          </a:p>
-          <a:p>
-            <a:pPr marL="817180" lvl="1" indent="-457200" defTabSz="914400">
+              <a:t>Persistiert Werte zwischen Renderings</a:t>
+            </a:r>
+            <a:endParaRPr lang="en-DE" sz="1800"/>
+          </a:p>
+          <a:p>
+            <a:pPr marL="457200" marR="0" lvl="0" indent="-457200" algn="l" defTabSz="914400" rtl="0" eaLnBrk="1" fontAlgn="auto" latinLnBrk="0" hangingPunct="1">
+              <a:lnSpc>
+                <a:spcPct val="90000"/>
+              </a:lnSpc>
+              <a:spcBef>
+                <a:spcPts val="500"/>
+              </a:spcBef>
+              <a:spcAft>
+                <a:spcPts val="0"/>
+              </a:spcAft>
               <a:buClr>
                 <a:srgbClr val="5E42F5"/>
               </a:buClr>
+              <a:buSzTx/>
+              <a:buFont typeface="Wingdings" panose="05000000000000000000" pitchFamily="2" charset="2"/>
+              <a:buChar char="§"/>
+              <a:tabLst/>
               <a:defRPr/>
             </a:pPr>
             <a:r>
-              <a:rPr lang="en-US" sz="1400"/>
-              <a:t>PokemonTabContent.tsx</a:t>
-            </a:r>
+              <a:rPr lang="en-DE" sz="1800"/>
+              <a:t>Ähnlich </a:t>
+            </a:r>
+            <a:r>
+              <a:rPr kumimoji="0" lang="en-DE" sz="1800" i="0" u="none" strike="noStrike" kern="1200" cap="none" spc="0" normalizeH="0" baseline="0" noProof="0">
+                <a:ln>
+                  <a:noFill/>
+                </a:ln>
+                <a:effectLst/>
+                <a:uLnTx/>
+                <a:uFillTx/>
+                <a:latin typeface="Garet Book" pitchFamily="2" charset="0"/>
+                <a:ea typeface="+mn-ea"/>
+                <a:cs typeface="+mn-cs"/>
+              </a:rPr>
+              <a:t>zu </a:t>
+            </a:r>
+            <a:r>
+              <a:rPr lang="en-US" sz="1800"/>
+              <a:t>useState aber löst keine Renderings aus</a:t>
+            </a:r>
+            <a:endParaRPr kumimoji="0" lang="en-DE" sz="1800" i="0" u="none" strike="noStrike" kern="1200" cap="none" spc="0" normalizeH="0" baseline="0" noProof="0">
+              <a:ln>
+                <a:noFill/>
+              </a:ln>
+              <a:effectLst/>
+              <a:uLnTx/>
+              <a:uFillTx/>
+              <a:latin typeface="Garet Book" pitchFamily="2" charset="0"/>
+              <a:ea typeface="+mn-ea"/>
+              <a:cs typeface="+mn-cs"/>
+            </a:endParaRPr>
+          </a:p>
+        </p:txBody>
+      </p:sp>
+      <p:sp>
+        <p:nvSpPr>
+          <p:cNvPr id="4" name="TextBox 3">
+            <a:extLst>
+              <a:ext uri="{FF2B5EF4-FFF2-40B4-BE49-F238E27FC236}">
+                <a16:creationId xmlns:a16="http://schemas.microsoft.com/office/drawing/2014/main" id="{A96AED08-E0BD-D20C-FB85-598D1CEE7FE6}"/>
+              </a:ext>
+            </a:extLst>
+          </p:cNvPr>
+          <p:cNvSpPr txBox="1"/>
+          <p:nvPr/>
+        </p:nvSpPr>
+        <p:spPr>
+          <a:xfrm>
+            <a:off x="838345" y="4380562"/>
+            <a:ext cx="6869546" cy="369332"/>
+          </a:xfrm>
+          <a:prstGeom prst="rect">
+            <a:avLst/>
+          </a:prstGeom>
+          <a:solidFill>
+            <a:schemeClr val="tx1"/>
+          </a:solidFill>
+        </p:spPr>
+        <p:txBody>
+          <a:bodyPr wrap="square">
+            <a:spAutoFit/>
+          </a:bodyPr>
+          <a:lstStyle/>
+          <a:p>
+            <a:r>
+              <a:rPr lang="en-US">
+                <a:solidFill>
+                  <a:srgbClr val="CC7832"/>
+                </a:solidFill>
+                <a:effectLst/>
+                <a:latin typeface="JetBrains Mono"/>
+              </a:rPr>
+              <a:t>const </a:t>
+            </a:r>
+            <a:r>
+              <a:rPr lang="en-US">
+                <a:solidFill>
+                  <a:srgbClr val="A9B7C6"/>
+                </a:solidFill>
+                <a:effectLst/>
+                <a:latin typeface="JetBrains Mono"/>
+              </a:rPr>
+              <a:t>editedPokemonsMap = </a:t>
+            </a:r>
+            <a:r>
+              <a:rPr lang="en-US">
+                <a:solidFill>
+                  <a:srgbClr val="FFC66D"/>
+                </a:solidFill>
+                <a:effectLst/>
+                <a:latin typeface="JetBrains Mono"/>
+              </a:rPr>
+              <a:t>useRef</a:t>
+            </a:r>
+            <a:r>
+              <a:rPr lang="en-US">
+                <a:solidFill>
+                  <a:srgbClr val="A9B7C6"/>
+                </a:solidFill>
+                <a:effectLst/>
+                <a:latin typeface="JetBrains Mono"/>
+              </a:rPr>
+              <a:t>&lt;Record&lt;</a:t>
+            </a:r>
+            <a:r>
+              <a:rPr lang="en-US">
+                <a:solidFill>
+                  <a:srgbClr val="CC7832"/>
+                </a:solidFill>
+                <a:effectLst/>
+                <a:latin typeface="JetBrains Mono"/>
+              </a:rPr>
+              <a:t>number, </a:t>
+            </a:r>
+            <a:r>
+              <a:rPr lang="en-US">
+                <a:solidFill>
+                  <a:srgbClr val="A9B7C6"/>
+                </a:solidFill>
+                <a:effectLst/>
+                <a:latin typeface="JetBrains Mono"/>
+              </a:rPr>
+              <a:t>IPokemon&gt;&gt;({})</a:t>
+            </a:r>
+            <a:r>
+              <a:rPr lang="en-US">
+                <a:solidFill>
+                  <a:srgbClr val="CC7832"/>
+                </a:solidFill>
+                <a:effectLst/>
+                <a:latin typeface="JetBrains Mono"/>
+              </a:rPr>
+              <a:t>;</a:t>
+            </a:r>
+            <a:endParaRPr lang="en-US">
+              <a:solidFill>
+                <a:srgbClr val="A9B7C6"/>
+              </a:solidFill>
+              <a:effectLst/>
+              <a:latin typeface="JetBrains Mono"/>
+            </a:endParaRPr>
+          </a:p>
+        </p:txBody>
+      </p:sp>
+      <p:sp>
+        <p:nvSpPr>
+          <p:cNvPr id="6" name="TextBox 5">
+            <a:extLst>
+              <a:ext uri="{FF2B5EF4-FFF2-40B4-BE49-F238E27FC236}">
+                <a16:creationId xmlns:a16="http://schemas.microsoft.com/office/drawing/2014/main" id="{BB9D836E-CB7B-4172-BE6C-EAD6566765E8}"/>
+              </a:ext>
+            </a:extLst>
+          </p:cNvPr>
+          <p:cNvSpPr txBox="1"/>
+          <p:nvPr/>
+        </p:nvSpPr>
+        <p:spPr>
+          <a:xfrm>
+            <a:off x="838344" y="4955250"/>
+            <a:ext cx="6869545" cy="923330"/>
+          </a:xfrm>
+          <a:prstGeom prst="rect">
+            <a:avLst/>
+          </a:prstGeom>
+          <a:solidFill>
+            <a:schemeClr val="tx1"/>
+          </a:solidFill>
+        </p:spPr>
+        <p:txBody>
+          <a:bodyPr wrap="square">
+            <a:spAutoFit/>
+          </a:bodyPr>
+          <a:lstStyle/>
+          <a:p>
+            <a:r>
+              <a:rPr lang="en-US">
+                <a:solidFill>
+                  <a:srgbClr val="CC7832"/>
+                </a:solidFill>
+                <a:effectLst/>
+                <a:latin typeface="JetBrains Mono"/>
+              </a:rPr>
+              <a:t>const </a:t>
+            </a:r>
+            <a:r>
+              <a:rPr lang="en-US">
+                <a:solidFill>
+                  <a:srgbClr val="FFC66D"/>
+                </a:solidFill>
+                <a:effectLst/>
+                <a:latin typeface="JetBrains Mono"/>
+              </a:rPr>
+              <a:t>handleUpdatePokemon </a:t>
+            </a:r>
+            <a:r>
+              <a:rPr lang="en-US">
+                <a:solidFill>
+                  <a:srgbClr val="A9B7C6"/>
+                </a:solidFill>
+                <a:effectLst/>
+                <a:latin typeface="JetBrains Mono"/>
+              </a:rPr>
+              <a:t>= (pokemon: IPokemon) =&gt; {</a:t>
+            </a:r>
+            <a:br>
+              <a:rPr lang="en-US">
+                <a:solidFill>
+                  <a:srgbClr val="A9B7C6"/>
+                </a:solidFill>
+                <a:effectLst/>
+                <a:latin typeface="JetBrains Mono"/>
+              </a:rPr>
+            </a:br>
+            <a:r>
+              <a:rPr lang="en-US">
+                <a:solidFill>
+                  <a:srgbClr val="A9B7C6"/>
+                </a:solidFill>
+                <a:effectLst/>
+                <a:latin typeface="JetBrains Mono"/>
+              </a:rPr>
+              <a:t>  editedPokemonsMap.</a:t>
+            </a:r>
+            <a:r>
+              <a:rPr lang="en-US">
+                <a:solidFill>
+                  <a:srgbClr val="9876AA"/>
+                </a:solidFill>
+                <a:effectLst/>
+                <a:latin typeface="JetBrains Mono"/>
+              </a:rPr>
+              <a:t>current</a:t>
+            </a:r>
+            <a:r>
+              <a:rPr lang="en-US">
+                <a:solidFill>
+                  <a:srgbClr val="A9B7C6"/>
+                </a:solidFill>
+                <a:effectLst/>
+                <a:latin typeface="JetBrains Mono"/>
+              </a:rPr>
+              <a:t>[pokemon.</a:t>
+            </a:r>
+            <a:r>
+              <a:rPr lang="en-US">
+                <a:solidFill>
+                  <a:srgbClr val="9876AA"/>
+                </a:solidFill>
+                <a:effectLst/>
+                <a:latin typeface="JetBrains Mono"/>
+              </a:rPr>
+              <a:t>id</a:t>
+            </a:r>
+            <a:r>
+              <a:rPr lang="en-US">
+                <a:solidFill>
+                  <a:srgbClr val="A9B7C6"/>
+                </a:solidFill>
+                <a:effectLst/>
+                <a:latin typeface="JetBrains Mono"/>
+              </a:rPr>
+              <a:t>] = pokemon</a:t>
+            </a:r>
+            <a:r>
+              <a:rPr lang="en-US">
+                <a:solidFill>
+                  <a:srgbClr val="CC7832"/>
+                </a:solidFill>
+                <a:effectLst/>
+                <a:latin typeface="JetBrains Mono"/>
+              </a:rPr>
+              <a:t>;</a:t>
+            </a:r>
+            <a:br>
+              <a:rPr lang="en-US">
+                <a:solidFill>
+                  <a:srgbClr val="CC7832"/>
+                </a:solidFill>
+                <a:effectLst/>
+                <a:latin typeface="JetBrains Mono"/>
+              </a:rPr>
+            </a:br>
+            <a:r>
+              <a:rPr lang="en-US">
+                <a:solidFill>
+                  <a:srgbClr val="A9B7C6"/>
+                </a:solidFill>
+                <a:effectLst/>
+                <a:latin typeface="JetBrains Mono"/>
+              </a:rPr>
+              <a:t>}</a:t>
+            </a:r>
+            <a:r>
+              <a:rPr lang="en-US">
+                <a:solidFill>
+                  <a:srgbClr val="CC7832"/>
+                </a:solidFill>
+                <a:effectLst/>
+                <a:latin typeface="JetBrains Mono"/>
+              </a:rPr>
+              <a:t>;</a:t>
+            </a:r>
+            <a:endParaRPr lang="en-US">
+              <a:solidFill>
+                <a:srgbClr val="A9B7C6"/>
+              </a:solidFill>
+              <a:effectLst/>
+              <a:latin typeface="JetBrains Mono"/>
+            </a:endParaRPr>
           </a:p>
         </p:txBody>
       </p:sp>
     </p:spTree>
     <p:extLst>
       <p:ext uri="{BB962C8B-B14F-4D97-AF65-F5344CB8AC3E}">
-        <p14:creationId xmlns:p14="http://schemas.microsoft.com/office/powerpoint/2010/main" val="3213854785"/>
+        <p14:creationId xmlns:p14="http://schemas.microsoft.com/office/powerpoint/2010/main" val="901182665"/>
       </p:ext>
     </p:extLst>
   </p:cSld>
@@ -17093,10 +17578,10 @@
       </p:sp>
       <p:sp>
         <p:nvSpPr>
-          <p:cNvPr id="7" name="Text Placeholder 2">
+          <p:cNvPr id="2" name="Content Placeholder 3">
             <a:extLst>
               <a:ext uri="{FF2B5EF4-FFF2-40B4-BE49-F238E27FC236}">
-                <a16:creationId xmlns:a16="http://schemas.microsoft.com/office/drawing/2014/main" id="{AD7F0BC1-64B4-C22D-D688-A43A681D5B26}"/>
+                <a16:creationId xmlns:a16="http://schemas.microsoft.com/office/drawing/2014/main" id="{09450BBC-F585-421E-D4EE-FDA9DC21182A}"/>
               </a:ext>
             </a:extLst>
           </p:cNvPr>
@@ -17107,8 +17592,8 @@
         </p:nvSpPr>
         <p:spPr>
           <a:xfrm>
-            <a:off x="839789" y="1908428"/>
-            <a:ext cx="5157787" cy="823912"/>
+            <a:off x="839788" y="2310953"/>
+            <a:ext cx="8707623" cy="2861682"/>
           </a:xfrm>
           <a:prstGeom prst="rect">
             <a:avLst/>
@@ -17116,7 +17601,7 @@
         </p:spPr>
         <p:txBody>
           <a:bodyPr vert="horz" lIns="91440" tIns="45720" rIns="91440" bIns="45720" rtlCol="0">
-            <a:normAutofit/>
+            <a:noAutofit/>
           </a:bodyPr>
           <a:lstStyle>
             <a:lvl1pPr marL="0" indent="0" algn="l" defTabSz="914349" rtl="0" eaLnBrk="1" latinLnBrk="0" hangingPunct="1">
@@ -17298,404 +17783,98 @@
             </a:lvl9pPr>
           </a:lstStyle>
           <a:p>
-            <a:r>
-              <a:rPr lang="de-DE" sz="2000"/>
-              <a:t>useRef:</a:t>
-            </a:r>
-          </a:p>
-        </p:txBody>
-      </p:sp>
-      <p:sp>
-        <p:nvSpPr>
-          <p:cNvPr id="8" name="Content Placeholder 3">
-            <a:extLst>
-              <a:ext uri="{FF2B5EF4-FFF2-40B4-BE49-F238E27FC236}">
-                <a16:creationId xmlns:a16="http://schemas.microsoft.com/office/drawing/2014/main" id="{E30A0B3B-5E33-DCBD-D65F-4E85373AEA27}"/>
-              </a:ext>
-            </a:extLst>
-          </p:cNvPr>
-          <p:cNvSpPr>
-            <a:spLocks noGrp="1"/>
-          </p:cNvSpPr>
-          <p:nvPr>
-            <p:ph sz="half" idx="2"/>
-          </p:nvPr>
-        </p:nvSpPr>
-        <p:spPr>
-          <a:xfrm>
-            <a:off x="839789" y="2343531"/>
-            <a:ext cx="5256211" cy="935953"/>
-          </a:xfrm>
-        </p:spPr>
-        <p:txBody>
-          <a:bodyPr>
-            <a:noAutofit/>
-          </a:bodyPr>
-          <a:lstStyle/>
-          <a:p>
-            <a:pPr marL="457200" marR="0" lvl="0" indent="-457200" algn="l" defTabSz="914400" rtl="0" eaLnBrk="1" fontAlgn="auto" latinLnBrk="0" hangingPunct="1">
-              <a:lnSpc>
-                <a:spcPct val="90000"/>
-              </a:lnSpc>
-              <a:spcBef>
-                <a:spcPts val="500"/>
-              </a:spcBef>
-              <a:spcAft>
-                <a:spcPts val="0"/>
-              </a:spcAft>
+            <a:pPr marL="457200" indent="-457200" defTabSz="914400">
+              <a:spcBef>
+                <a:spcPts val="500"/>
+              </a:spcBef>
               <a:buClr>
                 <a:srgbClr val="5E42F5"/>
               </a:buClr>
-              <a:buSzTx/>
               <a:buFont typeface="Wingdings" panose="05000000000000000000" pitchFamily="2" charset="2"/>
               <a:buChar char="§"/>
-              <a:tabLst/>
               <a:defRPr/>
             </a:pPr>
             <a:r>
               <a:rPr lang="en-US" sz="1800"/>
-              <a:t>Persistiert Werte zwischen Renderings</a:t>
-            </a:r>
-            <a:endParaRPr lang="en-DE" sz="1800"/>
-          </a:p>
-          <a:p>
-            <a:pPr marL="457200" marR="0" lvl="0" indent="-457200" algn="l" defTabSz="914400" rtl="0" eaLnBrk="1" fontAlgn="auto" latinLnBrk="0" hangingPunct="1">
-              <a:lnSpc>
-                <a:spcPct val="90000"/>
-              </a:lnSpc>
-              <a:spcBef>
-                <a:spcPts val="500"/>
-              </a:spcBef>
-              <a:spcAft>
-                <a:spcPts val="0"/>
-              </a:spcAft>
+              <a:t>ToDo 3.2: 	use useRef to store edited pokemons</a:t>
+            </a:r>
+          </a:p>
+          <a:p>
+            <a:pPr marL="817180" lvl="1" indent="-457200" defTabSz="914400">
               <a:buClr>
                 <a:srgbClr val="5E42F5"/>
               </a:buClr>
-              <a:buSzTx/>
-              <a:buFont typeface="Wingdings" panose="05000000000000000000" pitchFamily="2" charset="2"/>
-              <a:buChar char="§"/>
-              <a:tabLst/>
               <a:defRPr/>
             </a:pPr>
             <a:r>
-              <a:rPr lang="en-DE" sz="1800"/>
-              <a:t>Ähnlich </a:t>
-            </a:r>
-            <a:r>
-              <a:rPr kumimoji="0" lang="en-DE" sz="1800" i="0" u="none" strike="noStrike" kern="1200" cap="none" spc="0" normalizeH="0" baseline="0" noProof="0">
-                <a:ln>
-                  <a:noFill/>
-                </a:ln>
-                <a:effectLst/>
-                <a:uLnTx/>
-                <a:uFillTx/>
-                <a:latin typeface="Garet Book" pitchFamily="2" charset="0"/>
-                <a:ea typeface="+mn-ea"/>
-                <a:cs typeface="+mn-cs"/>
-              </a:rPr>
-              <a:t>zu </a:t>
-            </a:r>
+              <a:rPr lang="en-US" sz="1400"/>
+              <a:t>PokemonTabContent.tsx</a:t>
+            </a:r>
+          </a:p>
+          <a:p>
+            <a:pPr marL="457200" indent="-457200" defTabSz="914400">
+              <a:spcBef>
+                <a:spcPts val="500"/>
+              </a:spcBef>
+              <a:buClr>
+                <a:srgbClr val="5E42F5"/>
+              </a:buClr>
+              <a:buFont typeface="Wingdings" panose="05000000000000000000" pitchFamily="2" charset="2"/>
+              <a:buChar char="§"/>
+              <a:defRPr/>
+            </a:pPr>
             <a:r>
               <a:rPr lang="en-US" sz="1800"/>
-              <a:t>useState aber löst keine Renderings aus</a:t>
-            </a:r>
-            <a:endParaRPr kumimoji="0" lang="en-DE" sz="1800" i="0" u="none" strike="noStrike" kern="1200" cap="none" spc="0" normalizeH="0" baseline="0" noProof="0">
-              <a:ln>
-                <a:noFill/>
-              </a:ln>
-              <a:effectLst/>
-              <a:uLnTx/>
-              <a:uFillTx/>
-              <a:latin typeface="Garet Book" pitchFamily="2" charset="0"/>
-              <a:ea typeface="+mn-ea"/>
-              <a:cs typeface="+mn-cs"/>
-            </a:endParaRPr>
-          </a:p>
-        </p:txBody>
-      </p:sp>
-      <p:sp>
-        <p:nvSpPr>
-          <p:cNvPr id="4" name="TextBox 3">
-            <a:extLst>
-              <a:ext uri="{FF2B5EF4-FFF2-40B4-BE49-F238E27FC236}">
-                <a16:creationId xmlns:a16="http://schemas.microsoft.com/office/drawing/2014/main" id="{A96AED08-E0BD-D20C-FB85-598D1CEE7FE6}"/>
-              </a:ext>
-            </a:extLst>
-          </p:cNvPr>
-          <p:cNvSpPr txBox="1"/>
-          <p:nvPr/>
-        </p:nvSpPr>
-        <p:spPr>
-          <a:xfrm>
-            <a:off x="838345" y="4380562"/>
-            <a:ext cx="6869546" cy="369332"/>
-          </a:xfrm>
-          <a:prstGeom prst="rect">
-            <a:avLst/>
-          </a:prstGeom>
-          <a:solidFill>
-            <a:schemeClr val="tx1"/>
-          </a:solidFill>
-        </p:spPr>
-        <p:txBody>
-          <a:bodyPr wrap="square">
-            <a:spAutoFit/>
-          </a:bodyPr>
-          <a:lstStyle/>
-          <a:p>
-            <a:r>
-              <a:rPr lang="en-US">
-                <a:solidFill>
-                  <a:srgbClr val="CC7832"/>
-                </a:solidFill>
-                <a:effectLst/>
-                <a:latin typeface="JetBrains Mono"/>
-              </a:rPr>
-              <a:t>const </a:t>
-            </a:r>
-            <a:r>
-              <a:rPr lang="en-US">
-                <a:solidFill>
-                  <a:srgbClr val="A9B7C6"/>
-                </a:solidFill>
-                <a:effectLst/>
-                <a:latin typeface="JetBrains Mono"/>
-              </a:rPr>
-              <a:t>editedPokemonsMap = </a:t>
-            </a:r>
-            <a:r>
-              <a:rPr lang="en-US">
-                <a:solidFill>
-                  <a:srgbClr val="FFC66D"/>
-                </a:solidFill>
-                <a:effectLst/>
-                <a:latin typeface="JetBrains Mono"/>
-              </a:rPr>
-              <a:t>useRef</a:t>
-            </a:r>
-            <a:r>
-              <a:rPr lang="en-US">
-                <a:solidFill>
-                  <a:srgbClr val="A9B7C6"/>
-                </a:solidFill>
-                <a:effectLst/>
-                <a:latin typeface="JetBrains Mono"/>
-              </a:rPr>
-              <a:t>&lt;Record&lt;</a:t>
-            </a:r>
-            <a:r>
-              <a:rPr lang="en-US">
-                <a:solidFill>
-                  <a:srgbClr val="CC7832"/>
-                </a:solidFill>
-                <a:effectLst/>
-                <a:latin typeface="JetBrains Mono"/>
-              </a:rPr>
-              <a:t>number, </a:t>
-            </a:r>
-            <a:r>
-              <a:rPr lang="en-US">
-                <a:solidFill>
-                  <a:srgbClr val="A9B7C6"/>
-                </a:solidFill>
-                <a:effectLst/>
-                <a:latin typeface="JetBrains Mono"/>
-              </a:rPr>
-              <a:t>IPokemon&gt;&gt;({})</a:t>
-            </a:r>
-            <a:r>
-              <a:rPr lang="en-US">
-                <a:solidFill>
-                  <a:srgbClr val="CC7832"/>
-                </a:solidFill>
-                <a:effectLst/>
-                <a:latin typeface="JetBrains Mono"/>
-              </a:rPr>
-              <a:t>;</a:t>
-            </a:r>
-            <a:endParaRPr lang="en-US">
-              <a:solidFill>
-                <a:srgbClr val="A9B7C6"/>
-              </a:solidFill>
-              <a:effectLst/>
-              <a:latin typeface="JetBrains Mono"/>
-            </a:endParaRPr>
-          </a:p>
-        </p:txBody>
-      </p:sp>
-      <p:sp>
-        <p:nvSpPr>
-          <p:cNvPr id="6" name="TextBox 5">
-            <a:extLst>
-              <a:ext uri="{FF2B5EF4-FFF2-40B4-BE49-F238E27FC236}">
-                <a16:creationId xmlns:a16="http://schemas.microsoft.com/office/drawing/2014/main" id="{BB9D836E-CB7B-4172-BE6C-EAD6566765E8}"/>
-              </a:ext>
-            </a:extLst>
-          </p:cNvPr>
-          <p:cNvSpPr txBox="1"/>
-          <p:nvPr/>
-        </p:nvSpPr>
-        <p:spPr>
-          <a:xfrm>
-            <a:off x="838344" y="4955250"/>
-            <a:ext cx="6869545" cy="923330"/>
-          </a:xfrm>
-          <a:prstGeom prst="rect">
-            <a:avLst/>
-          </a:prstGeom>
-          <a:solidFill>
-            <a:schemeClr val="tx1"/>
-          </a:solidFill>
-        </p:spPr>
-        <p:txBody>
-          <a:bodyPr wrap="square">
-            <a:spAutoFit/>
-          </a:bodyPr>
-          <a:lstStyle/>
-          <a:p>
-            <a:r>
-              <a:rPr lang="en-US">
-                <a:solidFill>
-                  <a:srgbClr val="CC7832"/>
-                </a:solidFill>
-                <a:effectLst/>
-                <a:latin typeface="JetBrains Mono"/>
-              </a:rPr>
-              <a:t>const </a:t>
-            </a:r>
-            <a:r>
-              <a:rPr lang="en-US">
-                <a:solidFill>
-                  <a:srgbClr val="FFC66D"/>
-                </a:solidFill>
-                <a:effectLst/>
-                <a:latin typeface="JetBrains Mono"/>
-              </a:rPr>
-              <a:t>handleUpdatePokemon </a:t>
-            </a:r>
-            <a:r>
-              <a:rPr lang="en-US">
-                <a:solidFill>
-                  <a:srgbClr val="A9B7C6"/>
-                </a:solidFill>
-                <a:effectLst/>
-                <a:latin typeface="JetBrains Mono"/>
-              </a:rPr>
-              <a:t>= (pokemon: IPokemon) =&gt; {</a:t>
-            </a:r>
-            <a:br>
-              <a:rPr lang="en-US">
-                <a:solidFill>
-                  <a:srgbClr val="A9B7C6"/>
-                </a:solidFill>
-                <a:effectLst/>
-                <a:latin typeface="JetBrains Mono"/>
-              </a:rPr>
-            </a:br>
-            <a:r>
-              <a:rPr lang="en-US">
-                <a:solidFill>
-                  <a:srgbClr val="A9B7C6"/>
-                </a:solidFill>
-                <a:effectLst/>
-                <a:latin typeface="JetBrains Mono"/>
-              </a:rPr>
-              <a:t>  editedPokemonsMap.</a:t>
-            </a:r>
-            <a:r>
-              <a:rPr lang="en-US">
-                <a:solidFill>
-                  <a:srgbClr val="9876AA"/>
-                </a:solidFill>
-                <a:effectLst/>
-                <a:latin typeface="JetBrains Mono"/>
-              </a:rPr>
-              <a:t>current</a:t>
-            </a:r>
-            <a:r>
-              <a:rPr lang="en-US">
-                <a:solidFill>
-                  <a:srgbClr val="A9B7C6"/>
-                </a:solidFill>
-                <a:effectLst/>
-                <a:latin typeface="JetBrains Mono"/>
-              </a:rPr>
-              <a:t>[pokemon.</a:t>
-            </a:r>
-            <a:r>
-              <a:rPr lang="en-US">
-                <a:solidFill>
-                  <a:srgbClr val="9876AA"/>
-                </a:solidFill>
-                <a:effectLst/>
-                <a:latin typeface="JetBrains Mono"/>
-              </a:rPr>
-              <a:t>id</a:t>
-            </a:r>
-            <a:r>
-              <a:rPr lang="en-US">
-                <a:solidFill>
-                  <a:srgbClr val="A9B7C6"/>
-                </a:solidFill>
-                <a:effectLst/>
-                <a:latin typeface="JetBrains Mono"/>
-              </a:rPr>
-              <a:t>] = pokemon</a:t>
-            </a:r>
-            <a:r>
-              <a:rPr lang="en-US">
-                <a:solidFill>
-                  <a:srgbClr val="CC7832"/>
-                </a:solidFill>
-                <a:effectLst/>
-                <a:latin typeface="JetBrains Mono"/>
-              </a:rPr>
-              <a:t>;</a:t>
-            </a:r>
-            <a:br>
-              <a:rPr lang="en-US">
-                <a:solidFill>
-                  <a:srgbClr val="CC7832"/>
-                </a:solidFill>
-                <a:effectLst/>
-                <a:latin typeface="JetBrains Mono"/>
-              </a:rPr>
-            </a:br>
-            <a:r>
-              <a:rPr lang="en-US">
-                <a:solidFill>
-                  <a:srgbClr val="A9B7C6"/>
-                </a:solidFill>
-                <a:effectLst/>
-                <a:latin typeface="JetBrains Mono"/>
-              </a:rPr>
-              <a:t>}</a:t>
-            </a:r>
-            <a:r>
-              <a:rPr lang="en-US">
-                <a:solidFill>
-                  <a:srgbClr val="CC7832"/>
-                </a:solidFill>
-                <a:effectLst/>
-                <a:latin typeface="JetBrains Mono"/>
-              </a:rPr>
-              <a:t>;</a:t>
-            </a:r>
-            <a:endParaRPr lang="en-US">
-              <a:solidFill>
-                <a:srgbClr val="A9B7C6"/>
-              </a:solidFill>
-              <a:effectLst/>
-              <a:latin typeface="JetBrains Mono"/>
-            </a:endParaRPr>
+              <a:t>ToDo 3.3: 	use useState to enable/disable buttons (reset/submit)</a:t>
+            </a:r>
+          </a:p>
+          <a:p>
+            <a:pPr marL="817180" lvl="1" indent="-457200" defTabSz="914400">
+              <a:buClr>
+                <a:srgbClr val="5E42F5"/>
+              </a:buClr>
+              <a:defRPr/>
+            </a:pPr>
+            <a:r>
+              <a:rPr lang="en-US" sz="1400"/>
+              <a:t>PokemonTabContent.tsx</a:t>
+            </a:r>
+          </a:p>
+          <a:p>
+            <a:pPr marL="457200" indent="-457200" defTabSz="914400">
+              <a:spcBef>
+                <a:spcPts val="500"/>
+              </a:spcBef>
+              <a:buClr>
+                <a:srgbClr val="5E42F5"/>
+              </a:buClr>
+              <a:buFont typeface="Wingdings" panose="05000000000000000000" pitchFamily="2" charset="2"/>
+              <a:buChar char="§"/>
+              <a:defRPr/>
+            </a:pPr>
+            <a:r>
+              <a:rPr lang="en-US" sz="1800"/>
+              <a:t>ToDo 3.4:	use useRef store reset Callbacks of EditableTextField</a:t>
+            </a:r>
+          </a:p>
+          <a:p>
+            <a:pPr marL="817180" lvl="1" indent="-457200" defTabSz="914400">
+              <a:buClr>
+                <a:srgbClr val="5E42F5"/>
+              </a:buClr>
+              <a:defRPr/>
+            </a:pPr>
+            <a:r>
+              <a:rPr lang="en-US" sz="1400"/>
+              <a:t>PokemonTabContent.tsx</a:t>
+            </a:r>
           </a:p>
         </p:txBody>
       </p:sp>
     </p:spTree>
     <p:extLst>
       <p:ext uri="{BB962C8B-B14F-4D97-AF65-F5344CB8AC3E}">
-        <p14:creationId xmlns:p14="http://schemas.microsoft.com/office/powerpoint/2010/main" val="901182665"/>
+        <p14:creationId xmlns:p14="http://schemas.microsoft.com/office/powerpoint/2010/main" val="2709556530"/>
       </p:ext>
     </p:extLst>
   </p:cSld>
@@ -17724,10 +17903,10 @@
       </p:grpSpPr>
       <p:sp>
         <p:nvSpPr>
-          <p:cNvPr id="3" name="Titel 2">
+          <p:cNvPr id="2" name="Title 1">
             <a:extLst>
               <a:ext uri="{FF2B5EF4-FFF2-40B4-BE49-F238E27FC236}">
-                <a16:creationId xmlns:a16="http://schemas.microsoft.com/office/drawing/2014/main" id="{F15C4302-1904-95F5-7E7B-E687AE6F4386}"/>
+                <a16:creationId xmlns:a16="http://schemas.microsoft.com/office/drawing/2014/main" id="{7CA98F98-950E-FD15-8A08-D998C8B0A61F}"/>
               </a:ext>
             </a:extLst>
           </p:cNvPr>
@@ -17738,31 +17917,956 @@
             <p:ph type="title"/>
           </p:nvPr>
         </p:nvSpPr>
+        <p:spPr/>
+        <p:txBody>
+          <a:bodyPr/>
+          <a:lstStyle/>
+          <a:p>
+            <a:r>
+              <a:rPr lang="de-DE"/>
+              <a:t>Invalidation Tags</a:t>
+            </a:r>
+          </a:p>
+        </p:txBody>
+      </p:sp>
+      <p:pic>
+        <p:nvPicPr>
+          <p:cNvPr id="4098" name="Picture 2" descr="GitHub - rtk-incubator/rtk-query-codegen">
+            <a:extLst>
+              <a:ext uri="{FF2B5EF4-FFF2-40B4-BE49-F238E27FC236}">
+                <a16:creationId xmlns:a16="http://schemas.microsoft.com/office/drawing/2014/main" id="{B10D5D3C-4CC3-432C-4609-DE2AED6464DE}"/>
+              </a:ext>
+            </a:extLst>
+          </p:cNvPr>
+          <p:cNvPicPr>
+            <a:picLocks noChangeAspect="1" noChangeArrowheads="1"/>
+          </p:cNvPicPr>
+          <p:nvPr/>
+        </p:nvPicPr>
+        <p:blipFill>
+          <a:blip r:embed="rId2">
+            <a:extLst>
+              <a:ext uri="{28A0092B-C50C-407E-A947-70E740481C1C}">
+                <a14:useLocalDpi xmlns:a14="http://schemas.microsoft.com/office/drawing/2010/main" val="0"/>
+              </a:ext>
+            </a:extLst>
+          </a:blip>
+          <a:srcRect/>
+          <a:stretch>
+            <a:fillRect/>
+          </a:stretch>
+        </p:blipFill>
+        <p:spPr bwMode="auto">
+          <a:xfrm>
+            <a:off x="6050677" y="648826"/>
+            <a:ext cx="2708339" cy="731984"/>
+          </a:xfrm>
+          <a:prstGeom prst="rect">
+            <a:avLst/>
+          </a:prstGeom>
+          <a:noFill/>
+          <a:extLst>
+            <a:ext uri="{909E8E84-426E-40DD-AFC4-6F175D3DCCD1}">
+              <a14:hiddenFill xmlns:a14="http://schemas.microsoft.com/office/drawing/2010/main">
+                <a:solidFill>
+                  <a:srgbClr val="FFFFFF"/>
+                </a:solidFill>
+              </a14:hiddenFill>
+            </a:ext>
+          </a:extLst>
+        </p:spPr>
+      </p:pic>
+      <p:sp>
+        <p:nvSpPr>
+          <p:cNvPr id="7" name="TextBox 6">
+            <a:extLst>
+              <a:ext uri="{FF2B5EF4-FFF2-40B4-BE49-F238E27FC236}">
+                <a16:creationId xmlns:a16="http://schemas.microsoft.com/office/drawing/2014/main" id="{DC731B66-C82F-FA49-2512-8B4A0789DBEC}"/>
+              </a:ext>
+            </a:extLst>
+          </p:cNvPr>
+          <p:cNvSpPr txBox="1"/>
+          <p:nvPr/>
+        </p:nvSpPr>
         <p:spPr>
           <a:xfrm>
-            <a:off x="838345" y="365125"/>
-            <a:ext cx="10515311" cy="1325563"/>
+            <a:off x="699079" y="3429000"/>
+            <a:ext cx="5645931" cy="369332"/>
           </a:xfrm>
+          <a:prstGeom prst="rect">
+            <a:avLst/>
+          </a:prstGeom>
+          <a:solidFill>
+            <a:schemeClr val="tx1"/>
+          </a:solidFill>
         </p:spPr>
         <p:txBody>
-          <a:bodyPr anchor="ctr">
-            <a:normAutofit/>
+          <a:bodyPr wrap="square">
+            <a:spAutoFit/>
           </a:bodyPr>
           <a:lstStyle/>
           <a:p>
             <a:r>
-              <a:rPr lang="de-DE"/>
-              <a:t>React Hooks</a:t>
-            </a:r>
+              <a:rPr lang="en-US">
+                <a:solidFill>
+                  <a:srgbClr val="CC7832"/>
+                </a:solidFill>
+                <a:effectLst/>
+                <a:latin typeface="JetBrains Mono"/>
+              </a:rPr>
+              <a:t>const </a:t>
+            </a:r>
+            <a:r>
+              <a:rPr lang="en-US">
+                <a:solidFill>
+                  <a:srgbClr val="A9B7C6"/>
+                </a:solidFill>
+                <a:effectLst/>
+                <a:latin typeface="JetBrains Mono"/>
+              </a:rPr>
+              <a:t>{ </a:t>
+            </a:r>
+            <a:r>
+              <a:rPr lang="en-US">
+                <a:solidFill>
+                  <a:srgbClr val="9876AA"/>
+                </a:solidFill>
+                <a:effectLst/>
+                <a:latin typeface="JetBrains Mono"/>
+              </a:rPr>
+              <a:t>data</a:t>
+            </a:r>
+            <a:r>
+              <a:rPr lang="en-US">
+                <a:solidFill>
+                  <a:srgbClr val="A9B7C6"/>
+                </a:solidFill>
+                <a:effectLst/>
+                <a:latin typeface="JetBrains Mono"/>
+              </a:rPr>
+              <a:t>: getPokemonData} = </a:t>
+            </a:r>
+            <a:r>
+              <a:rPr lang="en-US" b="1" i="1">
+                <a:solidFill>
+                  <a:srgbClr val="9876AA"/>
+                </a:solidFill>
+                <a:effectLst/>
+                <a:latin typeface="JetBrains Mono"/>
+              </a:rPr>
+              <a:t>useGetPokemonQuery</a:t>
+            </a:r>
+            <a:r>
+              <a:rPr lang="en-US">
+                <a:solidFill>
+                  <a:srgbClr val="A9B7C6"/>
+                </a:solidFill>
+                <a:effectLst/>
+                <a:latin typeface="JetBrains Mono"/>
+              </a:rPr>
+              <a:t>()</a:t>
+            </a:r>
+            <a:r>
+              <a:rPr lang="en-US">
+                <a:solidFill>
+                  <a:srgbClr val="CC7832"/>
+                </a:solidFill>
+                <a:effectLst/>
+                <a:latin typeface="JetBrains Mono"/>
+              </a:rPr>
+              <a:t>;</a:t>
+            </a:r>
+            <a:endParaRPr lang="en-US">
+              <a:solidFill>
+                <a:srgbClr val="A9B7C6"/>
+              </a:solidFill>
+              <a:effectLst/>
+              <a:latin typeface="JetBrains Mono"/>
+            </a:endParaRPr>
           </a:p>
         </p:txBody>
       </p:sp>
       <p:sp>
         <p:nvSpPr>
-          <p:cNvPr id="2" name="Content Placeholder 3">
+          <p:cNvPr id="19" name="TextBox 18">
             <a:extLst>
               <a:ext uri="{FF2B5EF4-FFF2-40B4-BE49-F238E27FC236}">
-                <a16:creationId xmlns:a16="http://schemas.microsoft.com/office/drawing/2014/main" id="{09450BBC-F585-421E-D4EE-FDA9DC21182A}"/>
+                <a16:creationId xmlns:a16="http://schemas.microsoft.com/office/drawing/2014/main" id="{FD1694D4-A2F1-4C6E-FA96-7A3D767C9869}"/>
+              </a:ext>
+            </a:extLst>
+          </p:cNvPr>
+          <p:cNvSpPr txBox="1"/>
+          <p:nvPr/>
+        </p:nvSpPr>
+        <p:spPr>
+          <a:xfrm>
+            <a:off x="699080" y="4303678"/>
+            <a:ext cx="5645931" cy="1477328"/>
+          </a:xfrm>
+          <a:prstGeom prst="rect">
+            <a:avLst/>
+          </a:prstGeom>
+          <a:solidFill>
+            <a:schemeClr val="tx1"/>
+          </a:solidFill>
+        </p:spPr>
+        <p:txBody>
+          <a:bodyPr wrap="square">
+            <a:spAutoFit/>
+          </a:bodyPr>
+          <a:lstStyle/>
+          <a:p>
+            <a:r>
+              <a:rPr lang="en-US">
+                <a:solidFill>
+                  <a:srgbClr val="CC7832"/>
+                </a:solidFill>
+                <a:effectLst/>
+                <a:latin typeface="JetBrains Mono"/>
+              </a:rPr>
+              <a:t>const </a:t>
+            </a:r>
+            <a:r>
+              <a:rPr lang="en-US">
+                <a:solidFill>
+                  <a:srgbClr val="A9B7C6"/>
+                </a:solidFill>
+                <a:effectLst/>
+                <a:latin typeface="JetBrains Mono"/>
+              </a:rPr>
+              <a:t>[postPokemonData] = </a:t>
+            </a:r>
+            <a:r>
+              <a:rPr lang="en-US" b="1" i="1">
+                <a:solidFill>
+                  <a:srgbClr val="9876AA"/>
+                </a:solidFill>
+                <a:effectLst/>
+                <a:latin typeface="JetBrains Mono"/>
+              </a:rPr>
+              <a:t>usePostPokemonMutation</a:t>
+            </a:r>
+            <a:r>
+              <a:rPr lang="en-US">
+                <a:solidFill>
+                  <a:srgbClr val="A9B7C6"/>
+                </a:solidFill>
+                <a:effectLst/>
+                <a:latin typeface="JetBrains Mono"/>
+              </a:rPr>
+              <a:t>()</a:t>
+            </a:r>
+            <a:r>
+              <a:rPr lang="en-US">
+                <a:solidFill>
+                  <a:srgbClr val="CC7832"/>
+                </a:solidFill>
+                <a:effectLst/>
+                <a:latin typeface="JetBrains Mono"/>
+              </a:rPr>
+              <a:t>;</a:t>
+            </a:r>
+            <a:endParaRPr lang="en-US">
+              <a:solidFill>
+                <a:srgbClr val="A9B7C6"/>
+              </a:solidFill>
+              <a:latin typeface="JetBrains Mono"/>
+            </a:endParaRPr>
+          </a:p>
+          <a:p>
+            <a:endParaRPr lang="en-US">
+              <a:solidFill>
+                <a:srgbClr val="CC7832"/>
+              </a:solidFill>
+              <a:effectLst/>
+              <a:latin typeface="JetBrains Mono"/>
+            </a:endParaRPr>
+          </a:p>
+          <a:p>
+            <a:r>
+              <a:rPr lang="en-US">
+                <a:solidFill>
+                  <a:srgbClr val="CC7832"/>
+                </a:solidFill>
+                <a:effectLst/>
+                <a:latin typeface="JetBrains Mono"/>
+              </a:rPr>
+              <a:t>const </a:t>
+            </a:r>
+            <a:r>
+              <a:rPr lang="en-US">
+                <a:solidFill>
+                  <a:srgbClr val="FFC66D"/>
+                </a:solidFill>
+                <a:effectLst/>
+                <a:latin typeface="JetBrains Mono"/>
+              </a:rPr>
+              <a:t>handleSubmit </a:t>
+            </a:r>
+            <a:r>
+              <a:rPr lang="en-US">
+                <a:solidFill>
+                  <a:srgbClr val="A9B7C6"/>
+                </a:solidFill>
+                <a:effectLst/>
+                <a:latin typeface="JetBrains Mono"/>
+              </a:rPr>
+              <a:t>= () =&gt; {</a:t>
+            </a:r>
+            <a:br>
+              <a:rPr lang="en-US">
+                <a:solidFill>
+                  <a:srgbClr val="A9B7C6"/>
+                </a:solidFill>
+                <a:effectLst/>
+                <a:latin typeface="JetBrains Mono"/>
+              </a:rPr>
+            </a:br>
+            <a:r>
+              <a:rPr lang="en-US">
+                <a:solidFill>
+                  <a:srgbClr val="A9B7C6"/>
+                </a:solidFill>
+                <a:effectLst/>
+                <a:latin typeface="JetBrains Mono"/>
+              </a:rPr>
+              <a:t>  postPokemonData({ </a:t>
+            </a:r>
+            <a:r>
+              <a:rPr lang="en-US">
+                <a:solidFill>
+                  <a:srgbClr val="9876AA"/>
+                </a:solidFill>
+                <a:effectLst/>
+                <a:latin typeface="JetBrains Mono"/>
+              </a:rPr>
+              <a:t>body</a:t>
+            </a:r>
+            <a:r>
+              <a:rPr lang="en-US">
+                <a:solidFill>
+                  <a:srgbClr val="A9B7C6"/>
+                </a:solidFill>
+                <a:effectLst/>
+                <a:latin typeface="JetBrains Mono"/>
+              </a:rPr>
+              <a:t>: updatedPokemonData })</a:t>
+            </a:r>
+            <a:r>
+              <a:rPr lang="en-US">
+                <a:solidFill>
+                  <a:srgbClr val="CC7832"/>
+                </a:solidFill>
+                <a:effectLst/>
+                <a:latin typeface="JetBrains Mono"/>
+              </a:rPr>
+              <a:t>;</a:t>
+            </a:r>
+            <a:br>
+              <a:rPr lang="en-US">
+                <a:solidFill>
+                  <a:srgbClr val="CC7832"/>
+                </a:solidFill>
+                <a:effectLst/>
+                <a:latin typeface="JetBrains Mono"/>
+              </a:rPr>
+            </a:br>
+            <a:r>
+              <a:rPr lang="en-US">
+                <a:solidFill>
+                  <a:srgbClr val="A9B7C6"/>
+                </a:solidFill>
+                <a:effectLst/>
+                <a:latin typeface="JetBrains Mono"/>
+              </a:rPr>
+              <a:t>}</a:t>
+            </a:r>
+            <a:r>
+              <a:rPr lang="en-US">
+                <a:solidFill>
+                  <a:srgbClr val="CC7832"/>
+                </a:solidFill>
+                <a:effectLst/>
+                <a:latin typeface="JetBrains Mono"/>
+              </a:rPr>
+              <a:t>;</a:t>
+            </a:r>
+            <a:endParaRPr lang="en-US">
+              <a:solidFill>
+                <a:srgbClr val="A9B7C6"/>
+              </a:solidFill>
+              <a:effectLst/>
+              <a:latin typeface="JetBrains Mono"/>
+            </a:endParaRPr>
+          </a:p>
+        </p:txBody>
+      </p:sp>
+      <p:sp>
+        <p:nvSpPr>
+          <p:cNvPr id="21" name="TextBox 20">
+            <a:extLst>
+              <a:ext uri="{FF2B5EF4-FFF2-40B4-BE49-F238E27FC236}">
+                <a16:creationId xmlns:a16="http://schemas.microsoft.com/office/drawing/2014/main" id="{C1C4B26E-C3C6-F55C-5AAD-86AEC005380E}"/>
+              </a:ext>
+            </a:extLst>
+          </p:cNvPr>
+          <p:cNvSpPr txBox="1"/>
+          <p:nvPr/>
+        </p:nvSpPr>
+        <p:spPr>
+          <a:xfrm>
+            <a:off x="7531982" y="2364686"/>
+            <a:ext cx="3502959" cy="3416320"/>
+          </a:xfrm>
+          <a:prstGeom prst="rect">
+            <a:avLst/>
+          </a:prstGeom>
+          <a:solidFill>
+            <a:schemeClr val="tx1"/>
+          </a:solidFill>
+        </p:spPr>
+        <p:txBody>
+          <a:bodyPr wrap="square">
+            <a:spAutoFit/>
+          </a:bodyPr>
+          <a:lstStyle/>
+          <a:p>
+            <a:r>
+              <a:rPr lang="en-US">
+                <a:solidFill>
+                  <a:srgbClr val="CC7832"/>
+                </a:solidFill>
+                <a:effectLst/>
+                <a:latin typeface="JetBrains Mono"/>
+              </a:rPr>
+              <a:t>const </a:t>
+            </a:r>
+            <a:r>
+              <a:rPr lang="en-US" b="1" i="1">
+                <a:solidFill>
+                  <a:srgbClr val="9876AA"/>
+                </a:solidFill>
+                <a:effectLst/>
+                <a:latin typeface="JetBrains Mono"/>
+              </a:rPr>
+              <a:t>enhancedPokemonApi </a:t>
+            </a:r>
+            <a:r>
+              <a:rPr lang="en-US">
+                <a:solidFill>
+                  <a:srgbClr val="A9B7C6"/>
+                </a:solidFill>
+                <a:effectLst/>
+                <a:latin typeface="JetBrains Mono"/>
+              </a:rPr>
+              <a:t>= pokemonApi.</a:t>
+            </a:r>
+            <a:r>
+              <a:rPr lang="en-US">
+                <a:solidFill>
+                  <a:srgbClr val="FFC66D"/>
+                </a:solidFill>
+                <a:effectLst/>
+                <a:latin typeface="JetBrains Mono"/>
+              </a:rPr>
+              <a:t>enhanceEndpoints</a:t>
+            </a:r>
+            <a:r>
+              <a:rPr lang="en-US">
+                <a:solidFill>
+                  <a:srgbClr val="A9B7C6"/>
+                </a:solidFill>
+                <a:effectLst/>
+                <a:latin typeface="JetBrains Mono"/>
+              </a:rPr>
+              <a:t>({</a:t>
+            </a:r>
+            <a:br>
+              <a:rPr lang="en-US">
+                <a:solidFill>
+                  <a:srgbClr val="A9B7C6"/>
+                </a:solidFill>
+                <a:effectLst/>
+                <a:latin typeface="JetBrains Mono"/>
+              </a:rPr>
+            </a:br>
+            <a:r>
+              <a:rPr lang="en-US">
+                <a:solidFill>
+                  <a:srgbClr val="A9B7C6"/>
+                </a:solidFill>
+                <a:effectLst/>
+                <a:latin typeface="JetBrains Mono"/>
+              </a:rPr>
+              <a:t>  </a:t>
+            </a:r>
+            <a:r>
+              <a:rPr lang="en-US">
+                <a:solidFill>
+                  <a:srgbClr val="9876AA"/>
+                </a:solidFill>
+                <a:effectLst/>
+                <a:latin typeface="JetBrains Mono"/>
+              </a:rPr>
+              <a:t>addTagTypes</a:t>
+            </a:r>
+            <a:r>
+              <a:rPr lang="en-US">
+                <a:solidFill>
+                  <a:srgbClr val="A9B7C6"/>
+                </a:solidFill>
+                <a:effectLst/>
+                <a:latin typeface="JetBrains Mono"/>
+              </a:rPr>
+              <a:t>: [</a:t>
+            </a:r>
+            <a:r>
+              <a:rPr lang="en-US">
+                <a:solidFill>
+                  <a:srgbClr val="6A8759"/>
+                </a:solidFill>
+                <a:effectLst/>
+                <a:latin typeface="JetBrains Mono"/>
+              </a:rPr>
+              <a:t>'Pokemon'</a:t>
+            </a:r>
+            <a:r>
+              <a:rPr lang="en-US">
+                <a:solidFill>
+                  <a:srgbClr val="A9B7C6"/>
+                </a:solidFill>
+                <a:effectLst/>
+                <a:latin typeface="JetBrains Mono"/>
+              </a:rPr>
+              <a:t>]</a:t>
+            </a:r>
+            <a:r>
+              <a:rPr lang="en-US">
+                <a:solidFill>
+                  <a:srgbClr val="CC7832"/>
+                </a:solidFill>
+                <a:effectLst/>
+                <a:latin typeface="JetBrains Mono"/>
+              </a:rPr>
+              <a:t>,</a:t>
+            </a:r>
+            <a:br>
+              <a:rPr lang="en-US">
+                <a:solidFill>
+                  <a:srgbClr val="CC7832"/>
+                </a:solidFill>
+                <a:effectLst/>
+                <a:latin typeface="JetBrains Mono"/>
+              </a:rPr>
+            </a:br>
+            <a:r>
+              <a:rPr lang="en-US">
+                <a:solidFill>
+                  <a:srgbClr val="CC7832"/>
+                </a:solidFill>
+                <a:effectLst/>
+                <a:latin typeface="JetBrains Mono"/>
+              </a:rPr>
+              <a:t>  </a:t>
+            </a:r>
+            <a:r>
+              <a:rPr lang="en-US">
+                <a:solidFill>
+                  <a:srgbClr val="9876AA"/>
+                </a:solidFill>
+                <a:effectLst/>
+                <a:latin typeface="JetBrains Mono"/>
+              </a:rPr>
+              <a:t>endpoints</a:t>
+            </a:r>
+            <a:r>
+              <a:rPr lang="en-US">
+                <a:solidFill>
+                  <a:srgbClr val="A9B7C6"/>
+                </a:solidFill>
+                <a:effectLst/>
+                <a:latin typeface="JetBrains Mono"/>
+              </a:rPr>
+              <a:t>: {</a:t>
+            </a:r>
+            <a:br>
+              <a:rPr lang="en-US">
+                <a:solidFill>
+                  <a:srgbClr val="A9B7C6"/>
+                </a:solidFill>
+                <a:effectLst/>
+                <a:latin typeface="JetBrains Mono"/>
+              </a:rPr>
+            </a:br>
+            <a:r>
+              <a:rPr lang="en-US">
+                <a:solidFill>
+                  <a:srgbClr val="A9B7C6"/>
+                </a:solidFill>
+                <a:effectLst/>
+                <a:latin typeface="JetBrains Mono"/>
+              </a:rPr>
+              <a:t>    </a:t>
+            </a:r>
+            <a:r>
+              <a:rPr lang="en-US">
+                <a:solidFill>
+                  <a:srgbClr val="9876AA"/>
+                </a:solidFill>
+                <a:effectLst/>
+                <a:latin typeface="JetBrains Mono"/>
+              </a:rPr>
+              <a:t>getPokemon</a:t>
+            </a:r>
+            <a:r>
+              <a:rPr lang="en-US">
+                <a:solidFill>
+                  <a:srgbClr val="A9B7C6"/>
+                </a:solidFill>
+                <a:effectLst/>
+                <a:latin typeface="JetBrains Mono"/>
+              </a:rPr>
+              <a:t>: {</a:t>
+            </a:r>
+            <a:br>
+              <a:rPr lang="en-US">
+                <a:solidFill>
+                  <a:srgbClr val="A9B7C6"/>
+                </a:solidFill>
+                <a:effectLst/>
+                <a:latin typeface="JetBrains Mono"/>
+              </a:rPr>
+            </a:br>
+            <a:r>
+              <a:rPr lang="en-US">
+                <a:solidFill>
+                  <a:srgbClr val="A9B7C6"/>
+                </a:solidFill>
+                <a:effectLst/>
+                <a:latin typeface="JetBrains Mono"/>
+              </a:rPr>
+              <a:t>      </a:t>
+            </a:r>
+            <a:r>
+              <a:rPr lang="en-US">
+                <a:solidFill>
+                  <a:srgbClr val="9876AA"/>
+                </a:solidFill>
+                <a:effectLst/>
+                <a:latin typeface="JetBrains Mono"/>
+              </a:rPr>
+              <a:t>providesTags</a:t>
+            </a:r>
+            <a:r>
+              <a:rPr lang="en-US">
+                <a:solidFill>
+                  <a:srgbClr val="A9B7C6"/>
+                </a:solidFill>
+                <a:effectLst/>
+                <a:latin typeface="JetBrains Mono"/>
+              </a:rPr>
+              <a:t>: [</a:t>
+            </a:r>
+            <a:r>
+              <a:rPr lang="en-US">
+                <a:solidFill>
+                  <a:srgbClr val="6A8759"/>
+                </a:solidFill>
+                <a:effectLst/>
+                <a:latin typeface="JetBrains Mono"/>
+              </a:rPr>
+              <a:t>'Pokemon'</a:t>
+            </a:r>
+            <a:r>
+              <a:rPr lang="en-US">
+                <a:solidFill>
+                  <a:srgbClr val="A9B7C6"/>
+                </a:solidFill>
+                <a:effectLst/>
+                <a:latin typeface="JetBrains Mono"/>
+              </a:rPr>
+              <a:t>]</a:t>
+            </a:r>
+            <a:r>
+              <a:rPr lang="en-US">
+                <a:solidFill>
+                  <a:srgbClr val="CC7832"/>
+                </a:solidFill>
+                <a:effectLst/>
+                <a:latin typeface="JetBrains Mono"/>
+              </a:rPr>
+              <a:t>,</a:t>
+            </a:r>
+            <a:br>
+              <a:rPr lang="en-US">
+                <a:solidFill>
+                  <a:srgbClr val="CC7832"/>
+                </a:solidFill>
+                <a:effectLst/>
+                <a:latin typeface="JetBrains Mono"/>
+              </a:rPr>
+            </a:br>
+            <a:r>
+              <a:rPr lang="en-US">
+                <a:solidFill>
+                  <a:srgbClr val="CC7832"/>
+                </a:solidFill>
+                <a:effectLst/>
+                <a:latin typeface="JetBrains Mono"/>
+              </a:rPr>
+              <a:t>    </a:t>
+            </a:r>
+            <a:r>
+              <a:rPr lang="en-US">
+                <a:solidFill>
+                  <a:srgbClr val="A9B7C6"/>
+                </a:solidFill>
+                <a:effectLst/>
+                <a:latin typeface="JetBrains Mono"/>
+              </a:rPr>
+              <a:t>}</a:t>
+            </a:r>
+            <a:r>
+              <a:rPr lang="en-US">
+                <a:solidFill>
+                  <a:srgbClr val="CC7832"/>
+                </a:solidFill>
+                <a:effectLst/>
+                <a:latin typeface="JetBrains Mono"/>
+              </a:rPr>
+              <a:t>,</a:t>
+            </a:r>
+            <a:br>
+              <a:rPr lang="en-US">
+                <a:solidFill>
+                  <a:srgbClr val="CC7832"/>
+                </a:solidFill>
+                <a:effectLst/>
+                <a:latin typeface="JetBrains Mono"/>
+              </a:rPr>
+            </a:br>
+            <a:r>
+              <a:rPr lang="en-US">
+                <a:solidFill>
+                  <a:srgbClr val="CC7832"/>
+                </a:solidFill>
+                <a:effectLst/>
+                <a:latin typeface="JetBrains Mono"/>
+              </a:rPr>
+              <a:t>    </a:t>
+            </a:r>
+            <a:r>
+              <a:rPr lang="en-US">
+                <a:solidFill>
+                  <a:srgbClr val="9876AA"/>
+                </a:solidFill>
+                <a:effectLst/>
+                <a:latin typeface="JetBrains Mono"/>
+              </a:rPr>
+              <a:t>postPokemon</a:t>
+            </a:r>
+            <a:r>
+              <a:rPr lang="en-US">
+                <a:solidFill>
+                  <a:srgbClr val="A9B7C6"/>
+                </a:solidFill>
+                <a:effectLst/>
+                <a:latin typeface="JetBrains Mono"/>
+              </a:rPr>
+              <a:t>: {</a:t>
+            </a:r>
+            <a:br>
+              <a:rPr lang="en-US">
+                <a:solidFill>
+                  <a:srgbClr val="A9B7C6"/>
+                </a:solidFill>
+                <a:effectLst/>
+                <a:latin typeface="JetBrains Mono"/>
+              </a:rPr>
+            </a:br>
+            <a:r>
+              <a:rPr lang="en-US">
+                <a:solidFill>
+                  <a:srgbClr val="A9B7C6"/>
+                </a:solidFill>
+                <a:effectLst/>
+                <a:latin typeface="JetBrains Mono"/>
+              </a:rPr>
+              <a:t>      </a:t>
+            </a:r>
+            <a:r>
+              <a:rPr lang="en-US">
+                <a:solidFill>
+                  <a:srgbClr val="9876AA"/>
+                </a:solidFill>
+                <a:effectLst/>
+                <a:latin typeface="JetBrains Mono"/>
+              </a:rPr>
+              <a:t>invalidatesTags</a:t>
+            </a:r>
+            <a:r>
+              <a:rPr lang="en-US">
+                <a:solidFill>
+                  <a:srgbClr val="A9B7C6"/>
+                </a:solidFill>
+                <a:effectLst/>
+                <a:latin typeface="JetBrains Mono"/>
+              </a:rPr>
+              <a:t>: [</a:t>
+            </a:r>
+            <a:r>
+              <a:rPr lang="en-US">
+                <a:solidFill>
+                  <a:srgbClr val="6A8759"/>
+                </a:solidFill>
+                <a:effectLst/>
+                <a:latin typeface="JetBrains Mono"/>
+              </a:rPr>
+              <a:t>'Pokemon'</a:t>
+            </a:r>
+            <a:r>
+              <a:rPr lang="en-US">
+                <a:solidFill>
+                  <a:srgbClr val="A9B7C6"/>
+                </a:solidFill>
+                <a:effectLst/>
+                <a:latin typeface="JetBrains Mono"/>
+              </a:rPr>
+              <a:t>]</a:t>
+            </a:r>
+            <a:r>
+              <a:rPr lang="en-US">
+                <a:solidFill>
+                  <a:srgbClr val="CC7832"/>
+                </a:solidFill>
+                <a:effectLst/>
+                <a:latin typeface="JetBrains Mono"/>
+              </a:rPr>
+              <a:t>,</a:t>
+            </a:r>
+            <a:br>
+              <a:rPr lang="en-US">
+                <a:solidFill>
+                  <a:srgbClr val="CC7832"/>
+                </a:solidFill>
+                <a:effectLst/>
+                <a:latin typeface="JetBrains Mono"/>
+              </a:rPr>
+            </a:br>
+            <a:r>
+              <a:rPr lang="en-US">
+                <a:solidFill>
+                  <a:srgbClr val="CC7832"/>
+                </a:solidFill>
+                <a:effectLst/>
+                <a:latin typeface="JetBrains Mono"/>
+              </a:rPr>
+              <a:t>    </a:t>
+            </a:r>
+            <a:r>
+              <a:rPr lang="en-US">
+                <a:solidFill>
+                  <a:srgbClr val="A9B7C6"/>
+                </a:solidFill>
+                <a:effectLst/>
+                <a:latin typeface="JetBrains Mono"/>
+              </a:rPr>
+              <a:t>}</a:t>
+            </a:r>
+            <a:r>
+              <a:rPr lang="en-US">
+                <a:solidFill>
+                  <a:srgbClr val="CC7832"/>
+                </a:solidFill>
+                <a:effectLst/>
+                <a:latin typeface="JetBrains Mono"/>
+              </a:rPr>
+              <a:t>,</a:t>
+            </a:r>
+            <a:br>
+              <a:rPr lang="en-US">
+                <a:solidFill>
+                  <a:srgbClr val="CC7832"/>
+                </a:solidFill>
+                <a:effectLst/>
+                <a:latin typeface="JetBrains Mono"/>
+              </a:rPr>
+            </a:br>
+            <a:r>
+              <a:rPr lang="en-US">
+                <a:solidFill>
+                  <a:srgbClr val="CC7832"/>
+                </a:solidFill>
+                <a:effectLst/>
+                <a:latin typeface="JetBrains Mono"/>
+              </a:rPr>
+              <a:t>  </a:t>
+            </a:r>
+            <a:r>
+              <a:rPr lang="en-US">
+                <a:solidFill>
+                  <a:srgbClr val="A9B7C6"/>
+                </a:solidFill>
+                <a:effectLst/>
+                <a:latin typeface="JetBrains Mono"/>
+              </a:rPr>
+              <a:t>}</a:t>
+            </a:r>
+            <a:r>
+              <a:rPr lang="en-US">
+                <a:solidFill>
+                  <a:srgbClr val="CC7832"/>
+                </a:solidFill>
+                <a:effectLst/>
+                <a:latin typeface="JetBrains Mono"/>
+              </a:rPr>
+              <a:t>,</a:t>
+            </a:r>
+            <a:br>
+              <a:rPr lang="en-US">
+                <a:solidFill>
+                  <a:srgbClr val="CC7832"/>
+                </a:solidFill>
+                <a:effectLst/>
+                <a:latin typeface="JetBrains Mono"/>
+              </a:rPr>
+            </a:br>
+            <a:r>
+              <a:rPr lang="en-US">
+                <a:solidFill>
+                  <a:srgbClr val="A9B7C6"/>
+                </a:solidFill>
+                <a:effectLst/>
+                <a:latin typeface="JetBrains Mono"/>
+              </a:rPr>
+              <a:t>})</a:t>
+            </a:r>
+            <a:r>
+              <a:rPr lang="en-US">
+                <a:solidFill>
+                  <a:srgbClr val="CC7832"/>
+                </a:solidFill>
+                <a:effectLst/>
+                <a:latin typeface="JetBrains Mono"/>
+              </a:rPr>
+              <a:t>;</a:t>
+            </a:r>
+            <a:endParaRPr lang="en-US">
+              <a:solidFill>
+                <a:srgbClr val="A9B7C6"/>
+              </a:solidFill>
+              <a:effectLst/>
+              <a:latin typeface="JetBrains Mono"/>
+            </a:endParaRPr>
+          </a:p>
+        </p:txBody>
+      </p:sp>
+      <p:sp>
+        <p:nvSpPr>
+          <p:cNvPr id="26" name="Content Placeholder 2">
+            <a:extLst>
+              <a:ext uri="{FF2B5EF4-FFF2-40B4-BE49-F238E27FC236}">
+                <a16:creationId xmlns:a16="http://schemas.microsoft.com/office/drawing/2014/main" id="{04E80CED-13FA-5BBE-89AC-C5B0C42A0DA7}"/>
               </a:ext>
             </a:extLst>
           </p:cNvPr>
@@ -17773,8 +18877,837 @@
         </p:nvSpPr>
         <p:spPr>
           <a:xfrm>
-            <a:off x="839788" y="2310953"/>
-            <a:ext cx="8707623" cy="1929353"/>
+            <a:off x="8996981" y="5521768"/>
+            <a:ext cx="1995055" cy="263353"/>
+          </a:xfrm>
+          <a:prstGeom prst="rect">
+            <a:avLst/>
+          </a:prstGeom>
+        </p:spPr>
+        <p:txBody>
+          <a:bodyPr vert="horz" lIns="91440" tIns="45720" rIns="91440" bIns="45720" rtlCol="0">
+            <a:normAutofit fontScale="70000" lnSpcReduction="20000"/>
+          </a:bodyPr>
+          <a:lstStyle>
+            <a:lvl1pPr marL="0" indent="0" algn="l" defTabSz="914349" rtl="0" eaLnBrk="1" latinLnBrk="0" hangingPunct="1">
+              <a:lnSpc>
+                <a:spcPct val="90000"/>
+              </a:lnSpc>
+              <a:spcBef>
+                <a:spcPts val="1000"/>
+              </a:spcBef>
+              <a:buClr>
+                <a:srgbClr val="0078D1"/>
+              </a:buClr>
+              <a:buFont typeface="Wingdings" panose="05000000000000000000" pitchFamily="2" charset="2"/>
+              <a:buNone/>
+              <a:defRPr sz="2800" kern="1200">
+                <a:solidFill>
+                  <a:schemeClr val="tx1"/>
+                </a:solidFill>
+                <a:latin typeface="Garet Book" pitchFamily="2" charset="0"/>
+                <a:ea typeface="+mn-ea"/>
+                <a:cs typeface="+mn-cs"/>
+              </a:defRPr>
+            </a:lvl1pPr>
+            <a:lvl2pPr marL="359980" indent="-228587" algn="l" defTabSz="914349" rtl="0" eaLnBrk="1" latinLnBrk="0" hangingPunct="1">
+              <a:lnSpc>
+                <a:spcPct val="90000"/>
+              </a:lnSpc>
+              <a:spcBef>
+                <a:spcPts val="500"/>
+              </a:spcBef>
+              <a:buClr>
+                <a:schemeClr val="tx2"/>
+              </a:buClr>
+              <a:buFont typeface="Wingdings" panose="05000000000000000000" pitchFamily="2" charset="2"/>
+              <a:buChar char="§"/>
+              <a:defRPr sz="2400" kern="1200">
+                <a:solidFill>
+                  <a:schemeClr val="tx1"/>
+                </a:solidFill>
+                <a:latin typeface="Garet Book" pitchFamily="2" charset="0"/>
+                <a:ea typeface="+mn-ea"/>
+                <a:cs typeface="+mn-cs"/>
+              </a:defRPr>
+            </a:lvl2pPr>
+            <a:lvl3pPr marL="611965" indent="-228587" algn="l" defTabSz="914349" rtl="0" eaLnBrk="1" latinLnBrk="0" hangingPunct="1">
+              <a:lnSpc>
+                <a:spcPct val="90000"/>
+              </a:lnSpc>
+              <a:spcBef>
+                <a:spcPts val="500"/>
+              </a:spcBef>
+              <a:buClr>
+                <a:schemeClr val="tx2"/>
+              </a:buClr>
+              <a:buFont typeface="Wingdings" panose="05000000000000000000" pitchFamily="2" charset="2"/>
+              <a:buChar char="§"/>
+              <a:defRPr sz="2000" kern="1200">
+                <a:solidFill>
+                  <a:schemeClr val="tx1"/>
+                </a:solidFill>
+                <a:latin typeface="Garet Book" pitchFamily="2" charset="0"/>
+                <a:ea typeface="+mn-ea"/>
+                <a:cs typeface="+mn-cs"/>
+              </a:defRPr>
+            </a:lvl3pPr>
+            <a:lvl4pPr marL="899950" indent="-228587" algn="l" defTabSz="914349" rtl="0" eaLnBrk="1" latinLnBrk="0" hangingPunct="1">
+              <a:lnSpc>
+                <a:spcPct val="90000"/>
+              </a:lnSpc>
+              <a:spcBef>
+                <a:spcPts val="500"/>
+              </a:spcBef>
+              <a:buClr>
+                <a:schemeClr val="tx2"/>
+              </a:buClr>
+              <a:buFont typeface="Wingdings" panose="05000000000000000000" pitchFamily="2" charset="2"/>
+              <a:buChar char="§"/>
+              <a:defRPr sz="1799" kern="1200">
+                <a:solidFill>
+                  <a:schemeClr val="tx1"/>
+                </a:solidFill>
+                <a:latin typeface="Garet Book" pitchFamily="2" charset="0"/>
+                <a:ea typeface="+mn-ea"/>
+                <a:cs typeface="+mn-cs"/>
+              </a:defRPr>
+            </a:lvl4pPr>
+            <a:lvl5pPr marL="1187934" indent="-228587" algn="l" defTabSz="914349" rtl="0" eaLnBrk="1" latinLnBrk="0" hangingPunct="1">
+              <a:lnSpc>
+                <a:spcPct val="90000"/>
+              </a:lnSpc>
+              <a:spcBef>
+                <a:spcPts val="500"/>
+              </a:spcBef>
+              <a:buClr>
+                <a:schemeClr val="tx2"/>
+              </a:buClr>
+              <a:buFont typeface="Wingdings" panose="05000000000000000000" pitchFamily="2" charset="2"/>
+              <a:buChar char="§"/>
+              <a:defRPr sz="1799" kern="1200">
+                <a:solidFill>
+                  <a:schemeClr val="tx1"/>
+                </a:solidFill>
+                <a:latin typeface="Garet Book" pitchFamily="2" charset="0"/>
+                <a:ea typeface="+mn-ea"/>
+                <a:cs typeface="+mn-cs"/>
+              </a:defRPr>
+            </a:lvl5pPr>
+            <a:lvl6pPr marL="2514460" indent="-228587" algn="l" defTabSz="914349" rtl="0" eaLnBrk="1" latinLnBrk="0" hangingPunct="1">
+              <a:lnSpc>
+                <a:spcPct val="90000"/>
+              </a:lnSpc>
+              <a:spcBef>
+                <a:spcPts val="500"/>
+              </a:spcBef>
+              <a:buFont typeface="Arial" panose="020B0604020202020204" pitchFamily="34" charset="0"/>
+              <a:buChar char="•"/>
+              <a:defRPr sz="1799" kern="1200">
+                <a:solidFill>
+                  <a:schemeClr val="tx1"/>
+                </a:solidFill>
+                <a:latin typeface="+mn-lt"/>
+                <a:ea typeface="+mn-ea"/>
+                <a:cs typeface="+mn-cs"/>
+              </a:defRPr>
+            </a:lvl6pPr>
+            <a:lvl7pPr marL="2971634" indent="-228587" algn="l" defTabSz="914349" rtl="0" eaLnBrk="1" latinLnBrk="0" hangingPunct="1">
+              <a:lnSpc>
+                <a:spcPct val="90000"/>
+              </a:lnSpc>
+              <a:spcBef>
+                <a:spcPts val="500"/>
+              </a:spcBef>
+              <a:buFont typeface="Arial" panose="020B0604020202020204" pitchFamily="34" charset="0"/>
+              <a:buChar char="•"/>
+              <a:defRPr sz="1799" kern="1200">
+                <a:solidFill>
+                  <a:schemeClr val="tx1"/>
+                </a:solidFill>
+                <a:latin typeface="+mn-lt"/>
+                <a:ea typeface="+mn-ea"/>
+                <a:cs typeface="+mn-cs"/>
+              </a:defRPr>
+            </a:lvl7pPr>
+            <a:lvl8pPr marL="3428808" indent="-228587" algn="l" defTabSz="914349" rtl="0" eaLnBrk="1" latinLnBrk="0" hangingPunct="1">
+              <a:lnSpc>
+                <a:spcPct val="90000"/>
+              </a:lnSpc>
+              <a:spcBef>
+                <a:spcPts val="500"/>
+              </a:spcBef>
+              <a:buFont typeface="Arial" panose="020B0604020202020204" pitchFamily="34" charset="0"/>
+              <a:buChar char="•"/>
+              <a:defRPr sz="1799" kern="1200">
+                <a:solidFill>
+                  <a:schemeClr val="tx1"/>
+                </a:solidFill>
+                <a:latin typeface="+mn-lt"/>
+                <a:ea typeface="+mn-ea"/>
+                <a:cs typeface="+mn-cs"/>
+              </a:defRPr>
+            </a:lvl8pPr>
+            <a:lvl9pPr marL="3885983" indent="-228587" algn="l" defTabSz="914349" rtl="0" eaLnBrk="1" latinLnBrk="0" hangingPunct="1">
+              <a:lnSpc>
+                <a:spcPct val="90000"/>
+              </a:lnSpc>
+              <a:spcBef>
+                <a:spcPts val="500"/>
+              </a:spcBef>
+              <a:buFont typeface="Arial" panose="020B0604020202020204" pitchFamily="34" charset="0"/>
+              <a:buChar char="•"/>
+              <a:defRPr sz="1799" kern="1200">
+                <a:solidFill>
+                  <a:schemeClr val="tx1"/>
+                </a:solidFill>
+                <a:latin typeface="+mn-lt"/>
+                <a:ea typeface="+mn-ea"/>
+                <a:cs typeface="+mn-cs"/>
+              </a:defRPr>
+            </a:lvl9pPr>
+          </a:lstStyle>
+          <a:p>
+            <a:pPr algn="r"/>
+            <a:r>
+              <a:rPr lang="de-DE" sz="1400" b="1">
+                <a:solidFill>
+                  <a:schemeClr val="bg1">
+                    <a:lumMod val="65000"/>
+                  </a:schemeClr>
+                </a:solidFill>
+              </a:rPr>
+              <a:t>enhancedPokemonApi.ts</a:t>
+            </a:r>
+          </a:p>
+        </p:txBody>
+      </p:sp>
+      <p:sp>
+        <p:nvSpPr>
+          <p:cNvPr id="23" name="Arrow: U-Turn 22">
+            <a:extLst>
+              <a:ext uri="{FF2B5EF4-FFF2-40B4-BE49-F238E27FC236}">
+                <a16:creationId xmlns:a16="http://schemas.microsoft.com/office/drawing/2014/main" id="{9186A470-0D8F-DE1E-F627-E15F3344B46E}"/>
+              </a:ext>
+            </a:extLst>
+          </p:cNvPr>
+          <p:cNvSpPr/>
+          <p:nvPr/>
+        </p:nvSpPr>
+        <p:spPr>
+          <a:xfrm rot="16200000" flipV="1">
+            <a:off x="5832659" y="3900501"/>
+            <a:ext cx="2110923" cy="1033452"/>
+          </a:xfrm>
+          <a:prstGeom prst="uturnArrow">
+            <a:avLst>
+              <a:gd name="adj1" fmla="val 25000"/>
+              <a:gd name="adj2" fmla="val 25000"/>
+              <a:gd name="adj3" fmla="val 24133"/>
+              <a:gd name="adj4" fmla="val 15027"/>
+              <a:gd name="adj5" fmla="val 100000"/>
+            </a:avLst>
+          </a:prstGeom>
+          <a:solidFill>
+            <a:schemeClr val="bg2"/>
+          </a:solidFill>
+          <a:ln>
+            <a:solidFill>
+              <a:schemeClr val="tx1"/>
+            </a:solidFill>
+          </a:ln>
+        </p:spPr>
+        <p:style>
+          <a:lnRef idx="2">
+            <a:schemeClr val="accent1">
+              <a:shade val="15000"/>
+            </a:schemeClr>
+          </a:lnRef>
+          <a:fillRef idx="1">
+            <a:schemeClr val="accent1"/>
+          </a:fillRef>
+          <a:effectRef idx="0">
+            <a:schemeClr val="accent1"/>
+          </a:effectRef>
+          <a:fontRef idx="minor">
+            <a:schemeClr val="lt1"/>
+          </a:fontRef>
+        </p:style>
+        <p:txBody>
+          <a:bodyPr rtlCol="0" anchor="ctr"/>
+          <a:lstStyle/>
+          <a:p>
+            <a:pPr algn="ctr"/>
+            <a:endParaRPr lang="de-DE">
+              <a:solidFill>
+                <a:schemeClr val="tx1"/>
+              </a:solidFill>
+            </a:endParaRPr>
+          </a:p>
+        </p:txBody>
+      </p:sp>
+      <p:sp>
+        <p:nvSpPr>
+          <p:cNvPr id="25" name="Content Placeholder 2">
+            <a:extLst>
+              <a:ext uri="{FF2B5EF4-FFF2-40B4-BE49-F238E27FC236}">
+                <a16:creationId xmlns:a16="http://schemas.microsoft.com/office/drawing/2014/main" id="{0B37CB80-EE63-B63D-42F2-7CB9CA87C7F9}"/>
+              </a:ext>
+            </a:extLst>
+          </p:cNvPr>
+          <p:cNvSpPr txBox="1">
+            <a:spLocks/>
+          </p:cNvSpPr>
+          <p:nvPr/>
+        </p:nvSpPr>
+        <p:spPr>
+          <a:xfrm rot="5400000">
+            <a:off x="6432876" y="4207822"/>
+            <a:ext cx="1577898" cy="418811"/>
+          </a:xfrm>
+          <a:prstGeom prst="rect">
+            <a:avLst/>
+          </a:prstGeom>
+        </p:spPr>
+        <p:txBody>
+          <a:bodyPr vert="horz" lIns="91440" tIns="45720" rIns="91440" bIns="45720" rtlCol="0">
+            <a:normAutofit/>
+          </a:bodyPr>
+          <a:lstStyle>
+            <a:lvl1pPr marL="0" indent="0" algn="l" defTabSz="914349" rtl="0" eaLnBrk="1" latinLnBrk="0" hangingPunct="1">
+              <a:lnSpc>
+                <a:spcPct val="90000"/>
+              </a:lnSpc>
+              <a:spcBef>
+                <a:spcPts val="1000"/>
+              </a:spcBef>
+              <a:buClr>
+                <a:srgbClr val="0078D1"/>
+              </a:buClr>
+              <a:buFont typeface="Wingdings" panose="05000000000000000000" pitchFamily="2" charset="2"/>
+              <a:buNone/>
+              <a:defRPr sz="2800" kern="1200">
+                <a:solidFill>
+                  <a:schemeClr val="tx1"/>
+                </a:solidFill>
+                <a:latin typeface="Garet Book" pitchFamily="2" charset="0"/>
+                <a:ea typeface="+mn-ea"/>
+                <a:cs typeface="+mn-cs"/>
+              </a:defRPr>
+            </a:lvl1pPr>
+            <a:lvl2pPr marL="359980" indent="-228587" algn="l" defTabSz="914349" rtl="0" eaLnBrk="1" latinLnBrk="0" hangingPunct="1">
+              <a:lnSpc>
+                <a:spcPct val="90000"/>
+              </a:lnSpc>
+              <a:spcBef>
+                <a:spcPts val="500"/>
+              </a:spcBef>
+              <a:buClr>
+                <a:schemeClr val="tx2"/>
+              </a:buClr>
+              <a:buFont typeface="Wingdings" panose="05000000000000000000" pitchFamily="2" charset="2"/>
+              <a:buChar char="§"/>
+              <a:defRPr sz="2400" kern="1200">
+                <a:solidFill>
+                  <a:schemeClr val="tx1"/>
+                </a:solidFill>
+                <a:latin typeface="Garet Book" pitchFamily="2" charset="0"/>
+                <a:ea typeface="+mn-ea"/>
+                <a:cs typeface="+mn-cs"/>
+              </a:defRPr>
+            </a:lvl2pPr>
+            <a:lvl3pPr marL="611965" indent="-228587" algn="l" defTabSz="914349" rtl="0" eaLnBrk="1" latinLnBrk="0" hangingPunct="1">
+              <a:lnSpc>
+                <a:spcPct val="90000"/>
+              </a:lnSpc>
+              <a:spcBef>
+                <a:spcPts val="500"/>
+              </a:spcBef>
+              <a:buClr>
+                <a:schemeClr val="tx2"/>
+              </a:buClr>
+              <a:buFont typeface="Wingdings" panose="05000000000000000000" pitchFamily="2" charset="2"/>
+              <a:buChar char="§"/>
+              <a:defRPr sz="2000" kern="1200">
+                <a:solidFill>
+                  <a:schemeClr val="tx1"/>
+                </a:solidFill>
+                <a:latin typeface="Garet Book" pitchFamily="2" charset="0"/>
+                <a:ea typeface="+mn-ea"/>
+                <a:cs typeface="+mn-cs"/>
+              </a:defRPr>
+            </a:lvl3pPr>
+            <a:lvl4pPr marL="899950" indent="-228587" algn="l" defTabSz="914349" rtl="0" eaLnBrk="1" latinLnBrk="0" hangingPunct="1">
+              <a:lnSpc>
+                <a:spcPct val="90000"/>
+              </a:lnSpc>
+              <a:spcBef>
+                <a:spcPts val="500"/>
+              </a:spcBef>
+              <a:buClr>
+                <a:schemeClr val="tx2"/>
+              </a:buClr>
+              <a:buFont typeface="Wingdings" panose="05000000000000000000" pitchFamily="2" charset="2"/>
+              <a:buChar char="§"/>
+              <a:defRPr sz="1799" kern="1200">
+                <a:solidFill>
+                  <a:schemeClr val="tx1"/>
+                </a:solidFill>
+                <a:latin typeface="Garet Book" pitchFamily="2" charset="0"/>
+                <a:ea typeface="+mn-ea"/>
+                <a:cs typeface="+mn-cs"/>
+              </a:defRPr>
+            </a:lvl4pPr>
+            <a:lvl5pPr marL="1187934" indent="-228587" algn="l" defTabSz="914349" rtl="0" eaLnBrk="1" latinLnBrk="0" hangingPunct="1">
+              <a:lnSpc>
+                <a:spcPct val="90000"/>
+              </a:lnSpc>
+              <a:spcBef>
+                <a:spcPts val="500"/>
+              </a:spcBef>
+              <a:buClr>
+                <a:schemeClr val="tx2"/>
+              </a:buClr>
+              <a:buFont typeface="Wingdings" panose="05000000000000000000" pitchFamily="2" charset="2"/>
+              <a:buChar char="§"/>
+              <a:defRPr sz="1799" kern="1200">
+                <a:solidFill>
+                  <a:schemeClr val="tx1"/>
+                </a:solidFill>
+                <a:latin typeface="Garet Book" pitchFamily="2" charset="0"/>
+                <a:ea typeface="+mn-ea"/>
+                <a:cs typeface="+mn-cs"/>
+              </a:defRPr>
+            </a:lvl5pPr>
+            <a:lvl6pPr marL="2514460" indent="-228587" algn="l" defTabSz="914349" rtl="0" eaLnBrk="1" latinLnBrk="0" hangingPunct="1">
+              <a:lnSpc>
+                <a:spcPct val="90000"/>
+              </a:lnSpc>
+              <a:spcBef>
+                <a:spcPts val="500"/>
+              </a:spcBef>
+              <a:buFont typeface="Arial" panose="020B0604020202020204" pitchFamily="34" charset="0"/>
+              <a:buChar char="•"/>
+              <a:defRPr sz="1799" kern="1200">
+                <a:solidFill>
+                  <a:schemeClr val="tx1"/>
+                </a:solidFill>
+                <a:latin typeface="+mn-lt"/>
+                <a:ea typeface="+mn-ea"/>
+                <a:cs typeface="+mn-cs"/>
+              </a:defRPr>
+            </a:lvl6pPr>
+            <a:lvl7pPr marL="2971634" indent="-228587" algn="l" defTabSz="914349" rtl="0" eaLnBrk="1" latinLnBrk="0" hangingPunct="1">
+              <a:lnSpc>
+                <a:spcPct val="90000"/>
+              </a:lnSpc>
+              <a:spcBef>
+                <a:spcPts val="500"/>
+              </a:spcBef>
+              <a:buFont typeface="Arial" panose="020B0604020202020204" pitchFamily="34" charset="0"/>
+              <a:buChar char="•"/>
+              <a:defRPr sz="1799" kern="1200">
+                <a:solidFill>
+                  <a:schemeClr val="tx1"/>
+                </a:solidFill>
+                <a:latin typeface="+mn-lt"/>
+                <a:ea typeface="+mn-ea"/>
+                <a:cs typeface="+mn-cs"/>
+              </a:defRPr>
+            </a:lvl7pPr>
+            <a:lvl8pPr marL="3428808" indent="-228587" algn="l" defTabSz="914349" rtl="0" eaLnBrk="1" latinLnBrk="0" hangingPunct="1">
+              <a:lnSpc>
+                <a:spcPct val="90000"/>
+              </a:lnSpc>
+              <a:spcBef>
+                <a:spcPts val="500"/>
+              </a:spcBef>
+              <a:buFont typeface="Arial" panose="020B0604020202020204" pitchFamily="34" charset="0"/>
+              <a:buChar char="•"/>
+              <a:defRPr sz="1799" kern="1200">
+                <a:solidFill>
+                  <a:schemeClr val="tx1"/>
+                </a:solidFill>
+                <a:latin typeface="+mn-lt"/>
+                <a:ea typeface="+mn-ea"/>
+                <a:cs typeface="+mn-cs"/>
+              </a:defRPr>
+            </a:lvl8pPr>
+            <a:lvl9pPr marL="3885983" indent="-228587" algn="l" defTabSz="914349" rtl="0" eaLnBrk="1" latinLnBrk="0" hangingPunct="1">
+              <a:lnSpc>
+                <a:spcPct val="90000"/>
+              </a:lnSpc>
+              <a:spcBef>
+                <a:spcPts val="500"/>
+              </a:spcBef>
+              <a:buFont typeface="Arial" panose="020B0604020202020204" pitchFamily="34" charset="0"/>
+              <a:buChar char="•"/>
+              <a:defRPr sz="1799" kern="1200">
+                <a:solidFill>
+                  <a:schemeClr val="tx1"/>
+                </a:solidFill>
+                <a:latin typeface="+mn-lt"/>
+                <a:ea typeface="+mn-ea"/>
+                <a:cs typeface="+mn-cs"/>
+              </a:defRPr>
+            </a:lvl9pPr>
+          </a:lstStyle>
+          <a:p>
+            <a:pPr algn="ctr"/>
+            <a:r>
+              <a:rPr lang="de-DE" sz="1800" b="1">
+                <a:solidFill>
+                  <a:schemeClr val="bg1"/>
+                </a:solidFill>
+              </a:rPr>
+              <a:t>invalidate</a:t>
+            </a:r>
+          </a:p>
+        </p:txBody>
+      </p:sp>
+      <p:sp>
+        <p:nvSpPr>
+          <p:cNvPr id="27" name="Arrow: U-Turn 26">
+            <a:extLst>
+              <a:ext uri="{FF2B5EF4-FFF2-40B4-BE49-F238E27FC236}">
+                <a16:creationId xmlns:a16="http://schemas.microsoft.com/office/drawing/2014/main" id="{A62F3C9D-3B5F-6627-17A2-32A84A7BDBFF}"/>
+              </a:ext>
+            </a:extLst>
+          </p:cNvPr>
+          <p:cNvSpPr/>
+          <p:nvPr/>
+        </p:nvSpPr>
+        <p:spPr>
+          <a:xfrm rot="16200000" flipV="1">
+            <a:off x="10436598" y="3641318"/>
+            <a:ext cx="1502911" cy="1033452"/>
+          </a:xfrm>
+          <a:prstGeom prst="uturnArrow">
+            <a:avLst>
+              <a:gd name="adj1" fmla="val 25000"/>
+              <a:gd name="adj2" fmla="val 25000"/>
+              <a:gd name="adj3" fmla="val 24133"/>
+              <a:gd name="adj4" fmla="val 15027"/>
+              <a:gd name="adj5" fmla="val 100000"/>
+            </a:avLst>
+          </a:prstGeom>
+          <a:solidFill>
+            <a:schemeClr val="bg2"/>
+          </a:solidFill>
+          <a:ln>
+            <a:solidFill>
+              <a:schemeClr val="tx1"/>
+            </a:solidFill>
+          </a:ln>
+        </p:spPr>
+        <p:style>
+          <a:lnRef idx="2">
+            <a:schemeClr val="accent1">
+              <a:shade val="15000"/>
+            </a:schemeClr>
+          </a:lnRef>
+          <a:fillRef idx="1">
+            <a:schemeClr val="accent1"/>
+          </a:fillRef>
+          <a:effectRef idx="0">
+            <a:schemeClr val="accent1"/>
+          </a:effectRef>
+          <a:fontRef idx="minor">
+            <a:schemeClr val="lt1"/>
+          </a:fontRef>
+        </p:style>
+        <p:txBody>
+          <a:bodyPr rtlCol="0" anchor="ctr"/>
+          <a:lstStyle/>
+          <a:p>
+            <a:pPr algn="ctr"/>
+            <a:endParaRPr lang="de-DE">
+              <a:solidFill>
+                <a:schemeClr val="tx1"/>
+              </a:solidFill>
+            </a:endParaRPr>
+          </a:p>
+        </p:txBody>
+      </p:sp>
+      <p:sp>
+        <p:nvSpPr>
+          <p:cNvPr id="29" name="Content Placeholder 2">
+            <a:extLst>
+              <a:ext uri="{FF2B5EF4-FFF2-40B4-BE49-F238E27FC236}">
+                <a16:creationId xmlns:a16="http://schemas.microsoft.com/office/drawing/2014/main" id="{8A50E487-923D-601C-BD33-7038415B274F}"/>
+              </a:ext>
+            </a:extLst>
+          </p:cNvPr>
+          <p:cNvSpPr txBox="1">
+            <a:spLocks/>
+          </p:cNvSpPr>
+          <p:nvPr/>
+        </p:nvSpPr>
+        <p:spPr>
+          <a:xfrm rot="5400000">
+            <a:off x="10707549" y="4018728"/>
+            <a:ext cx="1628417" cy="418811"/>
+          </a:xfrm>
+          <a:prstGeom prst="rect">
+            <a:avLst/>
+          </a:prstGeom>
+        </p:spPr>
+        <p:txBody>
+          <a:bodyPr vert="horz" lIns="91440" tIns="45720" rIns="91440" bIns="45720" rtlCol="0">
+            <a:normAutofit/>
+          </a:bodyPr>
+          <a:lstStyle>
+            <a:lvl1pPr marL="0" indent="0" algn="l" defTabSz="914349" rtl="0" eaLnBrk="1" latinLnBrk="0" hangingPunct="1">
+              <a:lnSpc>
+                <a:spcPct val="90000"/>
+              </a:lnSpc>
+              <a:spcBef>
+                <a:spcPts val="1000"/>
+              </a:spcBef>
+              <a:buClr>
+                <a:srgbClr val="0078D1"/>
+              </a:buClr>
+              <a:buFont typeface="Wingdings" panose="05000000000000000000" pitchFamily="2" charset="2"/>
+              <a:buNone/>
+              <a:defRPr sz="2800" kern="1200">
+                <a:solidFill>
+                  <a:schemeClr val="tx1"/>
+                </a:solidFill>
+                <a:latin typeface="Garet Book" pitchFamily="2" charset="0"/>
+                <a:ea typeface="+mn-ea"/>
+                <a:cs typeface="+mn-cs"/>
+              </a:defRPr>
+            </a:lvl1pPr>
+            <a:lvl2pPr marL="359980" indent="-228587" algn="l" defTabSz="914349" rtl="0" eaLnBrk="1" latinLnBrk="0" hangingPunct="1">
+              <a:lnSpc>
+                <a:spcPct val="90000"/>
+              </a:lnSpc>
+              <a:spcBef>
+                <a:spcPts val="500"/>
+              </a:spcBef>
+              <a:buClr>
+                <a:schemeClr val="tx2"/>
+              </a:buClr>
+              <a:buFont typeface="Wingdings" panose="05000000000000000000" pitchFamily="2" charset="2"/>
+              <a:buChar char="§"/>
+              <a:defRPr sz="2400" kern="1200">
+                <a:solidFill>
+                  <a:schemeClr val="tx1"/>
+                </a:solidFill>
+                <a:latin typeface="Garet Book" pitchFamily="2" charset="0"/>
+                <a:ea typeface="+mn-ea"/>
+                <a:cs typeface="+mn-cs"/>
+              </a:defRPr>
+            </a:lvl2pPr>
+            <a:lvl3pPr marL="611965" indent="-228587" algn="l" defTabSz="914349" rtl="0" eaLnBrk="1" latinLnBrk="0" hangingPunct="1">
+              <a:lnSpc>
+                <a:spcPct val="90000"/>
+              </a:lnSpc>
+              <a:spcBef>
+                <a:spcPts val="500"/>
+              </a:spcBef>
+              <a:buClr>
+                <a:schemeClr val="tx2"/>
+              </a:buClr>
+              <a:buFont typeface="Wingdings" panose="05000000000000000000" pitchFamily="2" charset="2"/>
+              <a:buChar char="§"/>
+              <a:defRPr sz="2000" kern="1200">
+                <a:solidFill>
+                  <a:schemeClr val="tx1"/>
+                </a:solidFill>
+                <a:latin typeface="Garet Book" pitchFamily="2" charset="0"/>
+                <a:ea typeface="+mn-ea"/>
+                <a:cs typeface="+mn-cs"/>
+              </a:defRPr>
+            </a:lvl3pPr>
+            <a:lvl4pPr marL="899950" indent="-228587" algn="l" defTabSz="914349" rtl="0" eaLnBrk="1" latinLnBrk="0" hangingPunct="1">
+              <a:lnSpc>
+                <a:spcPct val="90000"/>
+              </a:lnSpc>
+              <a:spcBef>
+                <a:spcPts val="500"/>
+              </a:spcBef>
+              <a:buClr>
+                <a:schemeClr val="tx2"/>
+              </a:buClr>
+              <a:buFont typeface="Wingdings" panose="05000000000000000000" pitchFamily="2" charset="2"/>
+              <a:buChar char="§"/>
+              <a:defRPr sz="1799" kern="1200">
+                <a:solidFill>
+                  <a:schemeClr val="tx1"/>
+                </a:solidFill>
+                <a:latin typeface="Garet Book" pitchFamily="2" charset="0"/>
+                <a:ea typeface="+mn-ea"/>
+                <a:cs typeface="+mn-cs"/>
+              </a:defRPr>
+            </a:lvl4pPr>
+            <a:lvl5pPr marL="1187934" indent="-228587" algn="l" defTabSz="914349" rtl="0" eaLnBrk="1" latinLnBrk="0" hangingPunct="1">
+              <a:lnSpc>
+                <a:spcPct val="90000"/>
+              </a:lnSpc>
+              <a:spcBef>
+                <a:spcPts val="500"/>
+              </a:spcBef>
+              <a:buClr>
+                <a:schemeClr val="tx2"/>
+              </a:buClr>
+              <a:buFont typeface="Wingdings" panose="05000000000000000000" pitchFamily="2" charset="2"/>
+              <a:buChar char="§"/>
+              <a:defRPr sz="1799" kern="1200">
+                <a:solidFill>
+                  <a:schemeClr val="tx1"/>
+                </a:solidFill>
+                <a:latin typeface="Garet Book" pitchFamily="2" charset="0"/>
+                <a:ea typeface="+mn-ea"/>
+                <a:cs typeface="+mn-cs"/>
+              </a:defRPr>
+            </a:lvl5pPr>
+            <a:lvl6pPr marL="2514460" indent="-228587" algn="l" defTabSz="914349" rtl="0" eaLnBrk="1" latinLnBrk="0" hangingPunct="1">
+              <a:lnSpc>
+                <a:spcPct val="90000"/>
+              </a:lnSpc>
+              <a:spcBef>
+                <a:spcPts val="500"/>
+              </a:spcBef>
+              <a:buFont typeface="Arial" panose="020B0604020202020204" pitchFamily="34" charset="0"/>
+              <a:buChar char="•"/>
+              <a:defRPr sz="1799" kern="1200">
+                <a:solidFill>
+                  <a:schemeClr val="tx1"/>
+                </a:solidFill>
+                <a:latin typeface="+mn-lt"/>
+                <a:ea typeface="+mn-ea"/>
+                <a:cs typeface="+mn-cs"/>
+              </a:defRPr>
+            </a:lvl6pPr>
+            <a:lvl7pPr marL="2971634" indent="-228587" algn="l" defTabSz="914349" rtl="0" eaLnBrk="1" latinLnBrk="0" hangingPunct="1">
+              <a:lnSpc>
+                <a:spcPct val="90000"/>
+              </a:lnSpc>
+              <a:spcBef>
+                <a:spcPts val="500"/>
+              </a:spcBef>
+              <a:buFont typeface="Arial" panose="020B0604020202020204" pitchFamily="34" charset="0"/>
+              <a:buChar char="•"/>
+              <a:defRPr sz="1799" kern="1200">
+                <a:solidFill>
+                  <a:schemeClr val="tx1"/>
+                </a:solidFill>
+                <a:latin typeface="+mn-lt"/>
+                <a:ea typeface="+mn-ea"/>
+                <a:cs typeface="+mn-cs"/>
+              </a:defRPr>
+            </a:lvl7pPr>
+            <a:lvl8pPr marL="3428808" indent="-228587" algn="l" defTabSz="914349" rtl="0" eaLnBrk="1" latinLnBrk="0" hangingPunct="1">
+              <a:lnSpc>
+                <a:spcPct val="90000"/>
+              </a:lnSpc>
+              <a:spcBef>
+                <a:spcPts val="500"/>
+              </a:spcBef>
+              <a:buFont typeface="Arial" panose="020B0604020202020204" pitchFamily="34" charset="0"/>
+              <a:buChar char="•"/>
+              <a:defRPr sz="1799" kern="1200">
+                <a:solidFill>
+                  <a:schemeClr val="tx1"/>
+                </a:solidFill>
+                <a:latin typeface="+mn-lt"/>
+                <a:ea typeface="+mn-ea"/>
+                <a:cs typeface="+mn-cs"/>
+              </a:defRPr>
+            </a:lvl8pPr>
+            <a:lvl9pPr marL="3885983" indent="-228587" algn="l" defTabSz="914349" rtl="0" eaLnBrk="1" latinLnBrk="0" hangingPunct="1">
+              <a:lnSpc>
+                <a:spcPct val="90000"/>
+              </a:lnSpc>
+              <a:spcBef>
+                <a:spcPts val="500"/>
+              </a:spcBef>
+              <a:buFont typeface="Arial" panose="020B0604020202020204" pitchFamily="34" charset="0"/>
+              <a:buChar char="•"/>
+              <a:defRPr sz="1799" kern="1200">
+                <a:solidFill>
+                  <a:schemeClr val="tx1"/>
+                </a:solidFill>
+                <a:latin typeface="+mn-lt"/>
+                <a:ea typeface="+mn-ea"/>
+                <a:cs typeface="+mn-cs"/>
+              </a:defRPr>
+            </a:lvl9pPr>
+          </a:lstStyle>
+          <a:p>
+            <a:pPr algn="ctr"/>
+            <a:r>
+              <a:rPr lang="de-DE" sz="1800" b="1">
+                <a:solidFill>
+                  <a:schemeClr val="bg1"/>
+                </a:solidFill>
+              </a:rPr>
+              <a:t>invalidate</a:t>
+            </a:r>
+          </a:p>
+        </p:txBody>
+      </p:sp>
+      <p:sp>
+        <p:nvSpPr>
+          <p:cNvPr id="31" name="TextBox 30">
+            <a:extLst>
+              <a:ext uri="{FF2B5EF4-FFF2-40B4-BE49-F238E27FC236}">
+                <a16:creationId xmlns:a16="http://schemas.microsoft.com/office/drawing/2014/main" id="{4F982061-5190-6106-0931-5D4364475860}"/>
+              </a:ext>
+            </a:extLst>
+          </p:cNvPr>
+          <p:cNvSpPr txBox="1"/>
+          <p:nvPr/>
+        </p:nvSpPr>
+        <p:spPr>
+          <a:xfrm>
+            <a:off x="4428565" y="5536644"/>
+            <a:ext cx="1916445" cy="246221"/>
+          </a:xfrm>
+          <a:prstGeom prst="rect">
+            <a:avLst/>
+          </a:prstGeom>
+          <a:noFill/>
+        </p:spPr>
+        <p:txBody>
+          <a:bodyPr wrap="square">
+            <a:spAutoFit/>
+          </a:bodyPr>
+          <a:lstStyle/>
+          <a:p>
+            <a:pPr algn="r"/>
+            <a:r>
+              <a:rPr lang="de-DE" sz="1000" b="1">
+                <a:solidFill>
+                  <a:schemeClr val="bg1">
+                    <a:lumMod val="65000"/>
+                  </a:schemeClr>
+                </a:solidFill>
+              </a:rPr>
+              <a:t>PokemonTabContent.tsx</a:t>
+            </a:r>
+          </a:p>
+        </p:txBody>
+      </p:sp>
+      <p:sp>
+        <p:nvSpPr>
+          <p:cNvPr id="39" name="Content Placeholder 3">
+            <a:extLst>
+              <a:ext uri="{FF2B5EF4-FFF2-40B4-BE49-F238E27FC236}">
+                <a16:creationId xmlns:a16="http://schemas.microsoft.com/office/drawing/2014/main" id="{70305B88-EB59-D56C-30A7-82B1661827B0}"/>
+              </a:ext>
+            </a:extLst>
+          </p:cNvPr>
+          <p:cNvSpPr txBox="1">
+            <a:spLocks/>
+          </p:cNvSpPr>
+          <p:nvPr/>
+        </p:nvSpPr>
+        <p:spPr>
+          <a:xfrm>
+            <a:off x="839789" y="1780095"/>
+            <a:ext cx="5645931" cy="1626493"/>
           </a:xfrm>
           <a:prstGeom prst="rect">
             <a:avLst/>
@@ -17977,19 +19910,7 @@
             </a:pPr>
             <a:r>
               <a:rPr lang="en-US" sz="1800"/>
-              <a:t>ToDo 3.2: 	use useRef to store edited pokemons</a:t>
-            </a:r>
-          </a:p>
-          <a:p>
-            <a:pPr marL="817180" lvl="1" indent="-457200" defTabSz="914400">
-              <a:buClr>
-                <a:srgbClr val="5E42F5"/>
-              </a:buClr>
-              <a:defRPr/>
-            </a:pPr>
-            <a:r>
-              <a:rPr lang="en-US" sz="1400"/>
-              <a:t>PokemonTabContent.tsx</a:t>
+              <a:t>Query Caches können durch die Ausführung von Mutations invalidiert werden.</a:t>
             </a:r>
           </a:p>
           <a:p>
@@ -18006,56 +19927,16 @@
             </a:pPr>
             <a:r>
               <a:rPr lang="en-US" sz="1800"/>
-              <a:t>ToDo 3.3: 	use useState to enable/disable buttons (reset/submit)</a:t>
-            </a:r>
-          </a:p>
-          <a:p>
-            <a:pPr marL="817180" lvl="1" indent="-457200" defTabSz="914400">
-              <a:buClr>
-                <a:srgbClr val="5E42F5"/>
-              </a:buClr>
-              <a:defRPr/>
-            </a:pPr>
-            <a:r>
-              <a:rPr lang="en-US" sz="1400"/>
-              <a:t>PokemonTabContent.tsx</a:t>
-            </a:r>
-          </a:p>
-          <a:p>
-            <a:pPr marL="457200" indent="-457200" defTabSz="914400">
-              <a:spcBef>
-                <a:spcPts val="500"/>
-              </a:spcBef>
-              <a:buClr>
-                <a:srgbClr val="5E42F5"/>
-              </a:buClr>
-              <a:buFont typeface="Wingdings" panose="05000000000000000000" pitchFamily="2" charset="2"/>
-              <a:buChar char="§"/>
-              <a:defRPr/>
-            </a:pPr>
-            <a:r>
-              <a:rPr lang="en-US" sz="1800"/>
-              <a:t>ToDo 3.4:	use useRef store reset Callbacks of EditableTextField</a:t>
-            </a:r>
-          </a:p>
-          <a:p>
-            <a:pPr marL="817180" lvl="1" indent="-457200" defTabSz="914400">
-              <a:buClr>
-                <a:srgbClr val="5E42F5"/>
-              </a:buClr>
-              <a:defRPr/>
-            </a:pPr>
-            <a:r>
-              <a:rPr lang="en-US" sz="1400"/>
-              <a:t>PokemonTabContent.tsx</a:t>
-            </a:r>
+              <a:t>Hierzu werden Query &amp; Mutation mit dem Gleichen tag ‘Pokemon’ versehen.</a:t>
+            </a:r>
+            <a:endParaRPr lang="en-DE" sz="1800"/>
           </a:p>
         </p:txBody>
       </p:sp>
     </p:spTree>
     <p:extLst>
       <p:ext uri="{BB962C8B-B14F-4D97-AF65-F5344CB8AC3E}">
-        <p14:creationId xmlns:p14="http://schemas.microsoft.com/office/powerpoint/2010/main" val="2709556530"/>
+        <p14:creationId xmlns:p14="http://schemas.microsoft.com/office/powerpoint/2010/main" val="1251521245"/>
       </p:ext>
     </p:extLst>
   </p:cSld>
@@ -18528,108 +20409,6 @@
     <p:extLst>
       <p:ext uri="{BB962C8B-B14F-4D97-AF65-F5344CB8AC3E}">
         <p14:creationId xmlns:p14="http://schemas.microsoft.com/office/powerpoint/2010/main" val="3863607552"/>
-      </p:ext>
-    </p:extLst>
-  </p:cSld>
-  <p:clrMapOvr>
-    <a:masterClrMapping/>
-  </p:clrMapOvr>
-</p:sld>
-</file>
-
-<file path=ppt/slides/slide27.xml><?xml version="1.0" encoding="utf-8"?>
-<p:sld xmlns:a="http://schemas.openxmlformats.org/drawingml/2006/main" xmlns:r="http://schemas.openxmlformats.org/officeDocument/2006/relationships" xmlns:p="http://schemas.openxmlformats.org/presentationml/2006/main" show="0">
-  <p:cSld>
-    <p:spTree>
-      <p:nvGrpSpPr>
-        <p:cNvPr id="1" name=""/>
-        <p:cNvGrpSpPr/>
-        <p:nvPr/>
-      </p:nvGrpSpPr>
-      <p:grpSpPr>
-        <a:xfrm>
-          <a:off x="0" y="0"/>
-          <a:ext cx="0" cy="0"/>
-          <a:chOff x="0" y="0"/>
-          <a:chExt cx="0" cy="0"/>
-        </a:xfrm>
-      </p:grpSpPr>
-      <p:sp>
-        <p:nvSpPr>
-          <p:cNvPr id="2" name="Inhaltsplatzhalter 1">
-            <a:extLst>
-              <a:ext uri="{FF2B5EF4-FFF2-40B4-BE49-F238E27FC236}">
-                <a16:creationId xmlns:a16="http://schemas.microsoft.com/office/drawing/2014/main" id="{2D581CB6-5F44-C227-43C9-CD71BB70CF5D}"/>
-              </a:ext>
-            </a:extLst>
-          </p:cNvPr>
-          <p:cNvSpPr>
-            <a:spLocks noGrp="1"/>
-          </p:cNvSpPr>
-          <p:nvPr>
-            <p:ph idx="1"/>
-          </p:nvPr>
-        </p:nvSpPr>
-        <p:spPr/>
-        <p:txBody>
-          <a:bodyPr/>
-          <a:lstStyle/>
-          <a:p>
-            <a:pPr marL="954865" lvl="2" indent="-342900"/>
-            <a:r>
-              <a:rPr lang="de-DE"/>
-              <a:t>A</a:t>
-            </a:r>
-          </a:p>
-          <a:p>
-            <a:pPr marL="1242850" lvl="3" indent="-342900"/>
-            <a:r>
-              <a:rPr lang="de-DE"/>
-              <a:t>B</a:t>
-            </a:r>
-          </a:p>
-          <a:p>
-            <a:pPr marL="954865" lvl="2" indent="-342900"/>
-            <a:endParaRPr lang="de-DE"/>
-          </a:p>
-          <a:p>
-            <a:pPr marL="954865" lvl="2" indent="-342900"/>
-            <a:endParaRPr lang="de-DE"/>
-          </a:p>
-        </p:txBody>
-      </p:sp>
-      <p:sp>
-        <p:nvSpPr>
-          <p:cNvPr id="3" name="Titel 2">
-            <a:extLst>
-              <a:ext uri="{FF2B5EF4-FFF2-40B4-BE49-F238E27FC236}">
-                <a16:creationId xmlns:a16="http://schemas.microsoft.com/office/drawing/2014/main" id="{F0E8A23C-1334-8603-CFCC-33622E9FBF61}"/>
-              </a:ext>
-            </a:extLst>
-          </p:cNvPr>
-          <p:cNvSpPr>
-            <a:spLocks noGrp="1"/>
-          </p:cNvSpPr>
-          <p:nvPr>
-            <p:ph type="title"/>
-          </p:nvPr>
-        </p:nvSpPr>
-        <p:spPr/>
-        <p:txBody>
-          <a:bodyPr/>
-          <a:lstStyle/>
-          <a:p>
-            <a:r>
-              <a:rPr lang="de-DE"/>
-              <a:t>Ausblick</a:t>
-            </a:r>
-          </a:p>
-        </p:txBody>
-      </p:sp>
-    </p:spTree>
-    <p:extLst>
-      <p:ext uri="{BB962C8B-B14F-4D97-AF65-F5344CB8AC3E}">
-        <p14:creationId xmlns:p14="http://schemas.microsoft.com/office/powerpoint/2010/main" val="3087765676"/>
       </p:ext>
     </p:extLst>
   </p:cSld>

--- a/training_react_advanced.pptx
+++ b/training_react_advanced.pptx
@@ -5,7 +5,7 @@
     <p:sldMasterId id="2147483660" r:id="rId4"/>
   </p:sldMasterIdLst>
   <p:notesMasterIdLst>
-    <p:notesMasterId r:id="rId31"/>
+    <p:notesMasterId r:id="rId34"/>
   </p:notesMasterIdLst>
   <p:sldIdLst>
     <p:sldId id="257" r:id="rId5"/>
@@ -14,26 +14,29 @@
     <p:sldId id="492" r:id="rId8"/>
     <p:sldId id="494" r:id="rId9"/>
     <p:sldId id="493" r:id="rId10"/>
-    <p:sldId id="466" r:id="rId11"/>
-    <p:sldId id="454" r:id="rId12"/>
-    <p:sldId id="465" r:id="rId13"/>
-    <p:sldId id="470" r:id="rId14"/>
-    <p:sldId id="473" r:id="rId15"/>
-    <p:sldId id="472" r:id="rId16"/>
-    <p:sldId id="475" r:id="rId17"/>
-    <p:sldId id="474" r:id="rId18"/>
-    <p:sldId id="477" r:id="rId19"/>
-    <p:sldId id="467" r:id="rId20"/>
-    <p:sldId id="490" r:id="rId21"/>
-    <p:sldId id="468" r:id="rId22"/>
-    <p:sldId id="462" r:id="rId23"/>
-    <p:sldId id="486" r:id="rId24"/>
-    <p:sldId id="489" r:id="rId25"/>
-    <p:sldId id="488" r:id="rId26"/>
-    <p:sldId id="481" r:id="rId27"/>
-    <p:sldId id="495" r:id="rId28"/>
-    <p:sldId id="482" r:id="rId29"/>
-    <p:sldId id="469" r:id="rId30"/>
+    <p:sldId id="497" r:id="rId11"/>
+    <p:sldId id="466" r:id="rId12"/>
+    <p:sldId id="454" r:id="rId13"/>
+    <p:sldId id="465" r:id="rId14"/>
+    <p:sldId id="470" r:id="rId15"/>
+    <p:sldId id="473" r:id="rId16"/>
+    <p:sldId id="472" r:id="rId17"/>
+    <p:sldId id="475" r:id="rId18"/>
+    <p:sldId id="474" r:id="rId19"/>
+    <p:sldId id="477" r:id="rId20"/>
+    <p:sldId id="467" r:id="rId21"/>
+    <p:sldId id="498" r:id="rId22"/>
+    <p:sldId id="490" r:id="rId23"/>
+    <p:sldId id="496" r:id="rId24"/>
+    <p:sldId id="468" r:id="rId25"/>
+    <p:sldId id="462" r:id="rId26"/>
+    <p:sldId id="486" r:id="rId27"/>
+    <p:sldId id="489" r:id="rId28"/>
+    <p:sldId id="488" r:id="rId29"/>
+    <p:sldId id="481" r:id="rId30"/>
+    <p:sldId id="495" r:id="rId31"/>
+    <p:sldId id="482" r:id="rId32"/>
+    <p:sldId id="469" r:id="rId33"/>
   </p:sldIdLst>
   <p:sldSz cx="12192000" cy="6858000"/>
   <p:notesSz cx="6858000" cy="9144000"/>
@@ -731,7 +734,7 @@
           <a:p>
             <a:fld id="{BE27EB21-DCD7-43FA-8128-0AE77BB54778}" type="slidenum">
               <a:rPr lang="de-DE" smtClean="0"/>
-              <a:t>8</a:t>
+              <a:t>9</a:t>
             </a:fld>
             <a:endParaRPr lang="de-DE"/>
           </a:p>
@@ -815,7 +818,7 @@
           <a:p>
             <a:fld id="{BE27EB21-DCD7-43FA-8128-0AE77BB54778}" type="slidenum">
               <a:rPr lang="de-DE" smtClean="0"/>
-              <a:t>19</a:t>
+              <a:t>22</a:t>
             </a:fld>
             <a:endParaRPr lang="de-DE"/>
           </a:p>
@@ -899,7 +902,7 @@
           <a:p>
             <a:fld id="{BE27EB21-DCD7-43FA-8128-0AE77BB54778}" type="slidenum">
               <a:rPr lang="de-DE" smtClean="0"/>
-              <a:t>20</a:t>
+              <a:t>23</a:t>
             </a:fld>
             <a:endParaRPr lang="de-DE"/>
           </a:p>
@@ -983,7 +986,7 @@
           <a:p>
             <a:fld id="{BE27EB21-DCD7-43FA-8128-0AE77BB54778}" type="slidenum">
               <a:rPr lang="de-DE" smtClean="0"/>
-              <a:t>21</a:t>
+              <a:t>24</a:t>
             </a:fld>
             <a:endParaRPr lang="de-DE"/>
           </a:p>
@@ -1067,7 +1070,7 @@
           <a:p>
             <a:fld id="{BE27EB21-DCD7-43FA-8128-0AE77BB54778}" type="slidenum">
               <a:rPr lang="de-DE" smtClean="0"/>
-              <a:t>22</a:t>
+              <a:t>25</a:t>
             </a:fld>
             <a:endParaRPr lang="de-DE"/>
           </a:p>
@@ -1151,7 +1154,7 @@
           <a:p>
             <a:fld id="{BE27EB21-DCD7-43FA-8128-0AE77BB54778}" type="slidenum">
               <a:rPr lang="de-DE" smtClean="0"/>
-              <a:t>23</a:t>
+              <a:t>26</a:t>
             </a:fld>
             <a:endParaRPr lang="de-DE"/>
           </a:p>
@@ -1235,7 +1238,7 @@
           <a:p>
             <a:fld id="{BE27EB21-DCD7-43FA-8128-0AE77BB54778}" type="slidenum">
               <a:rPr lang="de-DE" smtClean="0"/>
-              <a:t>25</a:t>
+              <a:t>28</a:t>
             </a:fld>
             <a:endParaRPr lang="de-DE"/>
           </a:p>
@@ -3393,6 +3396,92 @@
           <p:cNvPr id="2" name="Title 1">
             <a:extLst>
               <a:ext uri="{FF2B5EF4-FFF2-40B4-BE49-F238E27FC236}">
+                <a16:creationId xmlns:a16="http://schemas.microsoft.com/office/drawing/2014/main" id="{C4A5FD65-7FDD-4D18-C678-836520144630}"/>
+              </a:ext>
+            </a:extLst>
+          </p:cNvPr>
+          <p:cNvSpPr>
+            <a:spLocks noGrp="1"/>
+          </p:cNvSpPr>
+          <p:nvPr>
+            <p:ph type="title"/>
+          </p:nvPr>
+        </p:nvSpPr>
+        <p:spPr/>
+        <p:txBody>
+          <a:bodyPr/>
+          <a:lstStyle/>
+          <a:p>
+            <a:r>
+              <a:rPr lang="de-DE"/>
+              <a:t>Api-Generierung</a:t>
+            </a:r>
+          </a:p>
+        </p:txBody>
+      </p:sp>
+      <p:sp>
+        <p:nvSpPr>
+          <p:cNvPr id="3" name="Text Placeholder 2">
+            <a:extLst>
+              <a:ext uri="{FF2B5EF4-FFF2-40B4-BE49-F238E27FC236}">
+                <a16:creationId xmlns:a16="http://schemas.microsoft.com/office/drawing/2014/main" id="{78AB5AD5-718A-E719-D22A-1AA46A1A87A3}"/>
+              </a:ext>
+            </a:extLst>
+          </p:cNvPr>
+          <p:cNvSpPr>
+            <a:spLocks noGrp="1"/>
+          </p:cNvSpPr>
+          <p:nvPr>
+            <p:ph type="body" idx="1"/>
+          </p:nvPr>
+        </p:nvSpPr>
+        <p:spPr/>
+        <p:txBody>
+          <a:bodyPr/>
+          <a:lstStyle/>
+          <a:p>
+            <a:r>
+              <a:rPr lang="de-DE"/>
+              <a:t>By Tim</a:t>
+            </a:r>
+          </a:p>
+        </p:txBody>
+      </p:sp>
+    </p:spTree>
+    <p:extLst>
+      <p:ext uri="{BB962C8B-B14F-4D97-AF65-F5344CB8AC3E}">
+        <p14:creationId xmlns:p14="http://schemas.microsoft.com/office/powerpoint/2010/main" val="2711599248"/>
+      </p:ext>
+    </p:extLst>
+  </p:cSld>
+  <p:clrMapOvr>
+    <a:masterClrMapping/>
+  </p:clrMapOvr>
+</p:sld>
+</file>
+
+<file path=ppt/slides/slide11.xml><?xml version="1.0" encoding="utf-8"?>
+<p:sld xmlns:a="http://schemas.openxmlformats.org/drawingml/2006/main" xmlns:r="http://schemas.openxmlformats.org/officeDocument/2006/relationships" xmlns:p="http://schemas.openxmlformats.org/presentationml/2006/main">
+  <p:cSld>
+    <p:spTree>
+      <p:nvGrpSpPr>
+        <p:cNvPr id="1" name=""/>
+        <p:cNvGrpSpPr/>
+        <p:nvPr/>
+      </p:nvGrpSpPr>
+      <p:grpSpPr>
+        <a:xfrm>
+          <a:off x="0" y="0"/>
+          <a:ext cx="0" cy="0"/>
+          <a:chOff x="0" y="0"/>
+          <a:chExt cx="0" cy="0"/>
+        </a:xfrm>
+      </p:grpSpPr>
+      <p:sp>
+        <p:nvSpPr>
+          <p:cNvPr id="2" name="Title 1">
+            <a:extLst>
+              <a:ext uri="{FF2B5EF4-FFF2-40B4-BE49-F238E27FC236}">
                 <a16:creationId xmlns:a16="http://schemas.microsoft.com/office/drawing/2014/main" id="{4DCE5045-4271-E9A1-11AA-CE6F102E8852}"/>
               </a:ext>
             </a:extLst>
@@ -4752,7 +4841,7 @@
 </p:sld>
 </file>
 
-<file path=ppt/slides/slide11.xml><?xml version="1.0" encoding="utf-8"?>
+<file path=ppt/slides/slide12.xml><?xml version="1.0" encoding="utf-8"?>
 <p:sld xmlns:a="http://schemas.openxmlformats.org/drawingml/2006/main" xmlns:r="http://schemas.openxmlformats.org/officeDocument/2006/relationships" xmlns:p="http://schemas.openxmlformats.org/presentationml/2006/main">
   <p:cSld>
     <p:spTree>
@@ -4920,7 +5009,7 @@
 </p:sld>
 </file>
 
-<file path=ppt/slides/slide12.xml><?xml version="1.0" encoding="utf-8"?>
+<file path=ppt/slides/slide13.xml><?xml version="1.0" encoding="utf-8"?>
 <p:sld xmlns:a="http://schemas.openxmlformats.org/drawingml/2006/main" xmlns:r="http://schemas.openxmlformats.org/officeDocument/2006/relationships" xmlns:p="http://schemas.openxmlformats.org/presentationml/2006/main">
   <p:cSld>
     <p:spTree>
@@ -7243,7 +7332,7 @@
 </p:sld>
 </file>
 
-<file path=ppt/slides/slide13.xml><?xml version="1.0" encoding="utf-8"?>
+<file path=ppt/slides/slide14.xml><?xml version="1.0" encoding="utf-8"?>
 <p:sld xmlns:a="http://schemas.openxmlformats.org/drawingml/2006/main" xmlns:r="http://schemas.openxmlformats.org/officeDocument/2006/relationships" xmlns:p="http://schemas.openxmlformats.org/presentationml/2006/main">
   <p:cSld>
     <p:spTree>
@@ -9160,7 +9249,7 @@
 </p:sld>
 </file>
 
-<file path=ppt/slides/slide14.xml><?xml version="1.0" encoding="utf-8"?>
+<file path=ppt/slides/slide15.xml><?xml version="1.0" encoding="utf-8"?>
 <p:sld xmlns:a="http://schemas.openxmlformats.org/drawingml/2006/main" xmlns:r="http://schemas.openxmlformats.org/officeDocument/2006/relationships" xmlns:p="http://schemas.openxmlformats.org/presentationml/2006/main">
   <p:cSld>
     <p:spTree>
@@ -12397,7 +12486,7 @@
 </p:sld>
 </file>
 
-<file path=ppt/slides/slide15.xml><?xml version="1.0" encoding="utf-8"?>
+<file path=ppt/slides/slide16.xml><?xml version="1.0" encoding="utf-8"?>
 <p:sld xmlns:a="http://schemas.openxmlformats.org/drawingml/2006/main" xmlns:r="http://schemas.openxmlformats.org/officeDocument/2006/relationships" xmlns:p="http://schemas.openxmlformats.org/presentationml/2006/main">
   <p:cSld>
     <p:spTree>
@@ -12768,7 +12857,7 @@
 </p:sld>
 </file>
 
-<file path=ppt/slides/slide16.xml><?xml version="1.0" encoding="utf-8"?>
+<file path=ppt/slides/slide17.xml><?xml version="1.0" encoding="utf-8"?>
 <p:sld xmlns:a="http://schemas.openxmlformats.org/drawingml/2006/main" xmlns:r="http://schemas.openxmlformats.org/officeDocument/2006/relationships" xmlns:p="http://schemas.openxmlformats.org/presentationml/2006/main">
   <p:cSld>
     <p:spTree>
@@ -12854,7 +12943,7 @@
 </p:sld>
 </file>
 
-<file path=ppt/slides/slide17.xml><?xml version="1.0" encoding="utf-8"?>
+<file path=ppt/slides/slide18.xml><?xml version="1.0" encoding="utf-8"?>
 <p:sld xmlns:a="http://schemas.openxmlformats.org/drawingml/2006/main" xmlns:r="http://schemas.openxmlformats.org/officeDocument/2006/relationships" xmlns:p="http://schemas.openxmlformats.org/presentationml/2006/main">
   <p:cSld>
     <p:spTree>
@@ -12894,6 +12983,100 @@
           <a:p>
             <a:r>
               <a:rPr lang="de-DE"/>
+              <a:t>Login Request &amp; Jwt Storage</a:t>
+            </a:r>
+          </a:p>
+        </p:txBody>
+      </p:sp>
+      <p:pic>
+        <p:nvPicPr>
+          <p:cNvPr id="4" name="Picture 3" descr="A diagram of a company&#10;&#10;Description automatically generated">
+            <a:extLst>
+              <a:ext uri="{FF2B5EF4-FFF2-40B4-BE49-F238E27FC236}">
+                <a16:creationId xmlns:a16="http://schemas.microsoft.com/office/drawing/2014/main" id="{76AB1F0E-F637-2601-3B70-0E56F179C3B1}"/>
+              </a:ext>
+            </a:extLst>
+          </p:cNvPr>
+          <p:cNvPicPr>
+            <a:picLocks noChangeAspect="1"/>
+          </p:cNvPicPr>
+          <p:nvPr/>
+        </p:nvPicPr>
+        <p:blipFill>
+          <a:blip r:embed="rId2">
+            <a:extLst>
+              <a:ext uri="{28A0092B-C50C-407E-A947-70E740481C1C}">
+                <a14:useLocalDpi xmlns:a14="http://schemas.microsoft.com/office/drawing/2010/main" val="0"/>
+              </a:ext>
+            </a:extLst>
+          </a:blip>
+          <a:stretch>
+            <a:fillRect/>
+          </a:stretch>
+        </p:blipFill>
+        <p:spPr>
+          <a:xfrm>
+            <a:off x="1233414" y="1690688"/>
+            <a:ext cx="10120386" cy="4371445"/>
+          </a:xfrm>
+          <a:prstGeom prst="rect">
+            <a:avLst/>
+          </a:prstGeom>
+        </p:spPr>
+      </p:pic>
+    </p:spTree>
+    <p:extLst>
+      <p:ext uri="{BB962C8B-B14F-4D97-AF65-F5344CB8AC3E}">
+        <p14:creationId xmlns:p14="http://schemas.microsoft.com/office/powerpoint/2010/main" val="1682073939"/>
+      </p:ext>
+    </p:extLst>
+  </p:cSld>
+  <p:clrMapOvr>
+    <a:masterClrMapping/>
+  </p:clrMapOvr>
+</p:sld>
+</file>
+
+<file path=ppt/slides/slide19.xml><?xml version="1.0" encoding="utf-8"?>
+<p:sld xmlns:a="http://schemas.openxmlformats.org/drawingml/2006/main" xmlns:r="http://schemas.openxmlformats.org/officeDocument/2006/relationships" xmlns:p="http://schemas.openxmlformats.org/presentationml/2006/main">
+  <p:cSld>
+    <p:spTree>
+      <p:nvGrpSpPr>
+        <p:cNvPr id="1" name=""/>
+        <p:cNvGrpSpPr/>
+        <p:nvPr/>
+      </p:nvGrpSpPr>
+      <p:grpSpPr>
+        <a:xfrm>
+          <a:off x="0" y="0"/>
+          <a:ext cx="0" cy="0"/>
+          <a:chOff x="0" y="0"/>
+          <a:chExt cx="0" cy="0"/>
+        </a:xfrm>
+      </p:grpSpPr>
+      <p:sp>
+        <p:nvSpPr>
+          <p:cNvPr id="2" name="Title 1">
+            <a:extLst>
+              <a:ext uri="{FF2B5EF4-FFF2-40B4-BE49-F238E27FC236}">
+                <a16:creationId xmlns:a16="http://schemas.microsoft.com/office/drawing/2014/main" id="{7CA98F98-950E-FD15-8A08-D998C8B0A61F}"/>
+              </a:ext>
+            </a:extLst>
+          </p:cNvPr>
+          <p:cNvSpPr>
+            <a:spLocks noGrp="1"/>
+          </p:cNvSpPr>
+          <p:nvPr>
+            <p:ph type="title"/>
+          </p:nvPr>
+        </p:nvSpPr>
+        <p:spPr/>
+        <p:txBody>
+          <a:bodyPr/>
+          <a:lstStyle/>
+          <a:p>
+            <a:r>
+              <a:rPr lang="de-DE"/>
               <a:t>Persisting State - Local Storage</a:t>
             </a:r>
           </a:p>
@@ -13245,1284 +13428,6 @@
     <p:extLst>
       <p:ext uri="{BB962C8B-B14F-4D97-AF65-F5344CB8AC3E}">
         <p14:creationId xmlns:p14="http://schemas.microsoft.com/office/powerpoint/2010/main" val="1325684322"/>
-      </p:ext>
-    </p:extLst>
-  </p:cSld>
-  <p:clrMapOvr>
-    <a:masterClrMapping/>
-  </p:clrMapOvr>
-</p:sld>
-</file>
-
-<file path=ppt/slides/slide18.xml><?xml version="1.0" encoding="utf-8"?>
-<p:sld xmlns:a="http://schemas.openxmlformats.org/drawingml/2006/main" xmlns:r="http://schemas.openxmlformats.org/officeDocument/2006/relationships" xmlns:p="http://schemas.openxmlformats.org/presentationml/2006/main">
-  <p:cSld>
-    <p:spTree>
-      <p:nvGrpSpPr>
-        <p:cNvPr id="1" name=""/>
-        <p:cNvGrpSpPr/>
-        <p:nvPr/>
-      </p:nvGrpSpPr>
-      <p:grpSpPr>
-        <a:xfrm>
-          <a:off x="0" y="0"/>
-          <a:ext cx="0" cy="0"/>
-          <a:chOff x="0" y="0"/>
-          <a:chExt cx="0" cy="0"/>
-        </a:xfrm>
-      </p:grpSpPr>
-      <p:sp>
-        <p:nvSpPr>
-          <p:cNvPr id="2" name="Title 1">
-            <a:extLst>
-              <a:ext uri="{FF2B5EF4-FFF2-40B4-BE49-F238E27FC236}">
-                <a16:creationId xmlns:a16="http://schemas.microsoft.com/office/drawing/2014/main" id="{C4A5FD65-7FDD-4D18-C678-836520144630}"/>
-              </a:ext>
-            </a:extLst>
-          </p:cNvPr>
-          <p:cNvSpPr>
-            <a:spLocks noGrp="1"/>
-          </p:cNvSpPr>
-          <p:nvPr>
-            <p:ph type="title"/>
-          </p:nvPr>
-        </p:nvSpPr>
-        <p:spPr/>
-        <p:txBody>
-          <a:bodyPr/>
-          <a:lstStyle/>
-          <a:p>
-            <a:r>
-              <a:rPr lang="de-DE"/>
-              <a:t>React Hooks</a:t>
-            </a:r>
-          </a:p>
-        </p:txBody>
-      </p:sp>
-      <p:sp>
-        <p:nvSpPr>
-          <p:cNvPr id="3" name="Text Placeholder 2">
-            <a:extLst>
-              <a:ext uri="{FF2B5EF4-FFF2-40B4-BE49-F238E27FC236}">
-                <a16:creationId xmlns:a16="http://schemas.microsoft.com/office/drawing/2014/main" id="{78AB5AD5-718A-E719-D22A-1AA46A1A87A3}"/>
-              </a:ext>
-            </a:extLst>
-          </p:cNvPr>
-          <p:cNvSpPr>
-            <a:spLocks noGrp="1"/>
-          </p:cNvSpPr>
-          <p:nvPr>
-            <p:ph type="body" idx="1"/>
-          </p:nvPr>
-        </p:nvSpPr>
-        <p:spPr/>
-        <p:txBody>
-          <a:bodyPr/>
-          <a:lstStyle/>
-          <a:p>
-            <a:r>
-              <a:rPr lang="de-DE"/>
-              <a:t>By Tim</a:t>
-            </a:r>
-          </a:p>
-        </p:txBody>
-      </p:sp>
-    </p:spTree>
-    <p:extLst>
-      <p:ext uri="{BB962C8B-B14F-4D97-AF65-F5344CB8AC3E}">
-        <p14:creationId xmlns:p14="http://schemas.microsoft.com/office/powerpoint/2010/main" val="2176160067"/>
-      </p:ext>
-    </p:extLst>
-  </p:cSld>
-  <p:clrMapOvr>
-    <a:masterClrMapping/>
-  </p:clrMapOvr>
-</p:sld>
-</file>
-
-<file path=ppt/slides/slide19.xml><?xml version="1.0" encoding="utf-8"?>
-<p:sld xmlns:a="http://schemas.openxmlformats.org/drawingml/2006/main" xmlns:r="http://schemas.openxmlformats.org/officeDocument/2006/relationships" xmlns:p="http://schemas.openxmlformats.org/presentationml/2006/main">
-  <p:cSld>
-    <p:spTree>
-      <p:nvGrpSpPr>
-        <p:cNvPr id="1" name=""/>
-        <p:cNvGrpSpPr/>
-        <p:nvPr/>
-      </p:nvGrpSpPr>
-      <p:grpSpPr>
-        <a:xfrm>
-          <a:off x="0" y="0"/>
-          <a:ext cx="0" cy="0"/>
-          <a:chOff x="0" y="0"/>
-          <a:chExt cx="0" cy="0"/>
-        </a:xfrm>
-      </p:grpSpPr>
-      <p:sp>
-        <p:nvSpPr>
-          <p:cNvPr id="3" name="Titel 2">
-            <a:extLst>
-              <a:ext uri="{FF2B5EF4-FFF2-40B4-BE49-F238E27FC236}">
-                <a16:creationId xmlns:a16="http://schemas.microsoft.com/office/drawing/2014/main" id="{F15C4302-1904-95F5-7E7B-E687AE6F4386}"/>
-              </a:ext>
-            </a:extLst>
-          </p:cNvPr>
-          <p:cNvSpPr>
-            <a:spLocks noGrp="1"/>
-          </p:cNvSpPr>
-          <p:nvPr>
-            <p:ph type="title"/>
-          </p:nvPr>
-        </p:nvSpPr>
-        <p:spPr>
-          <a:xfrm>
-            <a:off x="838345" y="365125"/>
-            <a:ext cx="10515311" cy="1325563"/>
-          </a:xfrm>
-        </p:spPr>
-        <p:txBody>
-          <a:bodyPr anchor="ctr">
-            <a:normAutofit/>
-          </a:bodyPr>
-          <a:lstStyle/>
-          <a:p>
-            <a:r>
-              <a:rPr lang="de-DE"/>
-              <a:t>React Hooks</a:t>
-            </a:r>
-          </a:p>
-        </p:txBody>
-      </p:sp>
-      <p:sp>
-        <p:nvSpPr>
-          <p:cNvPr id="7" name="Text Placeholder 2">
-            <a:extLst>
-              <a:ext uri="{FF2B5EF4-FFF2-40B4-BE49-F238E27FC236}">
-                <a16:creationId xmlns:a16="http://schemas.microsoft.com/office/drawing/2014/main" id="{AD7F0BC1-64B4-C22D-D688-A43A681D5B26}"/>
-              </a:ext>
-            </a:extLst>
-          </p:cNvPr>
-          <p:cNvSpPr txBox="1">
-            <a:spLocks/>
-          </p:cNvSpPr>
-          <p:nvPr/>
-        </p:nvSpPr>
-        <p:spPr>
-          <a:xfrm>
-            <a:off x="839789" y="1908428"/>
-            <a:ext cx="5157787" cy="823912"/>
-          </a:xfrm>
-          <a:prstGeom prst="rect">
-            <a:avLst/>
-          </a:prstGeom>
-        </p:spPr>
-        <p:txBody>
-          <a:bodyPr vert="horz" lIns="91440" tIns="45720" rIns="91440" bIns="45720" rtlCol="0">
-            <a:normAutofit/>
-          </a:bodyPr>
-          <a:lstStyle>
-            <a:lvl1pPr marL="0" indent="0" algn="l" defTabSz="914349" rtl="0" eaLnBrk="1" latinLnBrk="0" hangingPunct="1">
-              <a:lnSpc>
-                <a:spcPct val="90000"/>
-              </a:lnSpc>
-              <a:spcBef>
-                <a:spcPts val="1000"/>
-              </a:spcBef>
-              <a:buClr>
-                <a:srgbClr val="0078D1"/>
-              </a:buClr>
-              <a:buFont typeface="Wingdings" panose="05000000000000000000" pitchFamily="2" charset="2"/>
-              <a:buNone/>
-              <a:defRPr sz="2800" kern="1200">
-                <a:solidFill>
-                  <a:schemeClr val="tx1"/>
-                </a:solidFill>
-                <a:latin typeface="Garet Book" pitchFamily="2" charset="0"/>
-                <a:ea typeface="+mn-ea"/>
-                <a:cs typeface="+mn-cs"/>
-              </a:defRPr>
-            </a:lvl1pPr>
-            <a:lvl2pPr marL="359980" indent="-228587" algn="l" defTabSz="914349" rtl="0" eaLnBrk="1" latinLnBrk="0" hangingPunct="1">
-              <a:lnSpc>
-                <a:spcPct val="90000"/>
-              </a:lnSpc>
-              <a:spcBef>
-                <a:spcPts val="500"/>
-              </a:spcBef>
-              <a:buClr>
-                <a:schemeClr val="tx2"/>
-              </a:buClr>
-              <a:buFont typeface="Wingdings" panose="05000000000000000000" pitchFamily="2" charset="2"/>
-              <a:buChar char="§"/>
-              <a:defRPr sz="2400" kern="1200">
-                <a:solidFill>
-                  <a:schemeClr val="tx1"/>
-                </a:solidFill>
-                <a:latin typeface="Garet Book" pitchFamily="2" charset="0"/>
-                <a:ea typeface="+mn-ea"/>
-                <a:cs typeface="+mn-cs"/>
-              </a:defRPr>
-            </a:lvl2pPr>
-            <a:lvl3pPr marL="611965" indent="-228587" algn="l" defTabSz="914349" rtl="0" eaLnBrk="1" latinLnBrk="0" hangingPunct="1">
-              <a:lnSpc>
-                <a:spcPct val="90000"/>
-              </a:lnSpc>
-              <a:spcBef>
-                <a:spcPts val="500"/>
-              </a:spcBef>
-              <a:buClr>
-                <a:schemeClr val="tx2"/>
-              </a:buClr>
-              <a:buFont typeface="Wingdings" panose="05000000000000000000" pitchFamily="2" charset="2"/>
-              <a:buChar char="§"/>
-              <a:defRPr sz="2000" kern="1200">
-                <a:solidFill>
-                  <a:schemeClr val="tx1"/>
-                </a:solidFill>
-                <a:latin typeface="Garet Book" pitchFamily="2" charset="0"/>
-                <a:ea typeface="+mn-ea"/>
-                <a:cs typeface="+mn-cs"/>
-              </a:defRPr>
-            </a:lvl3pPr>
-            <a:lvl4pPr marL="899950" indent="-228587" algn="l" defTabSz="914349" rtl="0" eaLnBrk="1" latinLnBrk="0" hangingPunct="1">
-              <a:lnSpc>
-                <a:spcPct val="90000"/>
-              </a:lnSpc>
-              <a:spcBef>
-                <a:spcPts val="500"/>
-              </a:spcBef>
-              <a:buClr>
-                <a:schemeClr val="tx2"/>
-              </a:buClr>
-              <a:buFont typeface="Wingdings" panose="05000000000000000000" pitchFamily="2" charset="2"/>
-              <a:buChar char="§"/>
-              <a:defRPr sz="1799" kern="1200">
-                <a:solidFill>
-                  <a:schemeClr val="tx1"/>
-                </a:solidFill>
-                <a:latin typeface="Garet Book" pitchFamily="2" charset="0"/>
-                <a:ea typeface="+mn-ea"/>
-                <a:cs typeface="+mn-cs"/>
-              </a:defRPr>
-            </a:lvl4pPr>
-            <a:lvl5pPr marL="1187934" indent="-228587" algn="l" defTabSz="914349" rtl="0" eaLnBrk="1" latinLnBrk="0" hangingPunct="1">
-              <a:lnSpc>
-                <a:spcPct val="90000"/>
-              </a:lnSpc>
-              <a:spcBef>
-                <a:spcPts val="500"/>
-              </a:spcBef>
-              <a:buClr>
-                <a:schemeClr val="tx2"/>
-              </a:buClr>
-              <a:buFont typeface="Wingdings" panose="05000000000000000000" pitchFamily="2" charset="2"/>
-              <a:buChar char="§"/>
-              <a:defRPr sz="1799" kern="1200">
-                <a:solidFill>
-                  <a:schemeClr val="tx1"/>
-                </a:solidFill>
-                <a:latin typeface="Garet Book" pitchFamily="2" charset="0"/>
-                <a:ea typeface="+mn-ea"/>
-                <a:cs typeface="+mn-cs"/>
-              </a:defRPr>
-            </a:lvl5pPr>
-            <a:lvl6pPr marL="2514460" indent="-228587" algn="l" defTabSz="914349" rtl="0" eaLnBrk="1" latinLnBrk="0" hangingPunct="1">
-              <a:lnSpc>
-                <a:spcPct val="90000"/>
-              </a:lnSpc>
-              <a:spcBef>
-                <a:spcPts val="500"/>
-              </a:spcBef>
-              <a:buFont typeface="Arial" panose="020B0604020202020204" pitchFamily="34" charset="0"/>
-              <a:buChar char="•"/>
-              <a:defRPr sz="1799" kern="1200">
-                <a:solidFill>
-                  <a:schemeClr val="tx1"/>
-                </a:solidFill>
-                <a:latin typeface="+mn-lt"/>
-                <a:ea typeface="+mn-ea"/>
-                <a:cs typeface="+mn-cs"/>
-              </a:defRPr>
-            </a:lvl6pPr>
-            <a:lvl7pPr marL="2971634" indent="-228587" algn="l" defTabSz="914349" rtl="0" eaLnBrk="1" latinLnBrk="0" hangingPunct="1">
-              <a:lnSpc>
-                <a:spcPct val="90000"/>
-              </a:lnSpc>
-              <a:spcBef>
-                <a:spcPts val="500"/>
-              </a:spcBef>
-              <a:buFont typeface="Arial" panose="020B0604020202020204" pitchFamily="34" charset="0"/>
-              <a:buChar char="•"/>
-              <a:defRPr sz="1799" kern="1200">
-                <a:solidFill>
-                  <a:schemeClr val="tx1"/>
-                </a:solidFill>
-                <a:latin typeface="+mn-lt"/>
-                <a:ea typeface="+mn-ea"/>
-                <a:cs typeface="+mn-cs"/>
-              </a:defRPr>
-            </a:lvl7pPr>
-            <a:lvl8pPr marL="3428808" indent="-228587" algn="l" defTabSz="914349" rtl="0" eaLnBrk="1" latinLnBrk="0" hangingPunct="1">
-              <a:lnSpc>
-                <a:spcPct val="90000"/>
-              </a:lnSpc>
-              <a:spcBef>
-                <a:spcPts val="500"/>
-              </a:spcBef>
-              <a:buFont typeface="Arial" panose="020B0604020202020204" pitchFamily="34" charset="0"/>
-              <a:buChar char="•"/>
-              <a:defRPr sz="1799" kern="1200">
-                <a:solidFill>
-                  <a:schemeClr val="tx1"/>
-                </a:solidFill>
-                <a:latin typeface="+mn-lt"/>
-                <a:ea typeface="+mn-ea"/>
-                <a:cs typeface="+mn-cs"/>
-              </a:defRPr>
-            </a:lvl8pPr>
-            <a:lvl9pPr marL="3885983" indent="-228587" algn="l" defTabSz="914349" rtl="0" eaLnBrk="1" latinLnBrk="0" hangingPunct="1">
-              <a:lnSpc>
-                <a:spcPct val="90000"/>
-              </a:lnSpc>
-              <a:spcBef>
-                <a:spcPts val="500"/>
-              </a:spcBef>
-              <a:buFont typeface="Arial" panose="020B0604020202020204" pitchFamily="34" charset="0"/>
-              <a:buChar char="•"/>
-              <a:defRPr sz="1799" kern="1200">
-                <a:solidFill>
-                  <a:schemeClr val="tx1"/>
-                </a:solidFill>
-                <a:latin typeface="+mn-lt"/>
-                <a:ea typeface="+mn-ea"/>
-                <a:cs typeface="+mn-cs"/>
-              </a:defRPr>
-            </a:lvl9pPr>
-          </a:lstStyle>
-          <a:p>
-            <a:r>
-              <a:rPr lang="de-DE" sz="2000"/>
-              <a:t>useMemo:</a:t>
-            </a:r>
-          </a:p>
-        </p:txBody>
-      </p:sp>
-      <p:sp>
-        <p:nvSpPr>
-          <p:cNvPr id="8" name="Content Placeholder 3">
-            <a:extLst>
-              <a:ext uri="{FF2B5EF4-FFF2-40B4-BE49-F238E27FC236}">
-                <a16:creationId xmlns:a16="http://schemas.microsoft.com/office/drawing/2014/main" id="{E30A0B3B-5E33-DCBD-D65F-4E85373AEA27}"/>
-              </a:ext>
-            </a:extLst>
-          </p:cNvPr>
-          <p:cNvSpPr>
-            <a:spLocks noGrp="1"/>
-          </p:cNvSpPr>
-          <p:nvPr>
-            <p:ph sz="half" idx="2"/>
-          </p:nvPr>
-        </p:nvSpPr>
-        <p:spPr>
-          <a:xfrm>
-            <a:off x="839789" y="2343531"/>
-            <a:ext cx="5256211" cy="1626493"/>
-          </a:xfrm>
-        </p:spPr>
-        <p:txBody>
-          <a:bodyPr>
-            <a:noAutofit/>
-          </a:bodyPr>
-          <a:lstStyle/>
-          <a:p>
-            <a:pPr marL="457200" marR="0" lvl="0" indent="-457200" algn="l" defTabSz="914400" rtl="0" eaLnBrk="1" fontAlgn="auto" latinLnBrk="0" hangingPunct="1">
-              <a:lnSpc>
-                <a:spcPct val="90000"/>
-              </a:lnSpc>
-              <a:spcBef>
-                <a:spcPts val="500"/>
-              </a:spcBef>
-              <a:spcAft>
-                <a:spcPts val="0"/>
-              </a:spcAft>
-              <a:buClr>
-                <a:srgbClr val="5E42F5"/>
-              </a:buClr>
-              <a:buSzTx/>
-              <a:buFont typeface="Wingdings" panose="05000000000000000000" pitchFamily="2" charset="2"/>
-              <a:buChar char="§"/>
-              <a:tabLst/>
-              <a:defRPr/>
-            </a:pPr>
-            <a:r>
-              <a:rPr lang="en-DE" sz="1800"/>
-              <a:t>kapselt eine Funktion, die einen memoisierten Wert zurückgibt</a:t>
-            </a:r>
-          </a:p>
-          <a:p>
-            <a:pPr marL="457200" marR="0" lvl="0" indent="-457200" algn="l" defTabSz="914400" rtl="0" eaLnBrk="1" fontAlgn="auto" latinLnBrk="0" hangingPunct="1">
-              <a:lnSpc>
-                <a:spcPct val="90000"/>
-              </a:lnSpc>
-              <a:spcBef>
-                <a:spcPts val="500"/>
-              </a:spcBef>
-              <a:spcAft>
-                <a:spcPts val="0"/>
-              </a:spcAft>
-              <a:buClr>
-                <a:srgbClr val="5E42F5"/>
-              </a:buClr>
-              <a:buSzTx/>
-              <a:buFont typeface="Wingdings" panose="05000000000000000000" pitchFamily="2" charset="2"/>
-              <a:buChar char="§"/>
-              <a:tabLst/>
-              <a:defRPr/>
-            </a:pPr>
-            <a:r>
-              <a:rPr lang="en-DE" sz="1800"/>
-              <a:t>Ähnlich </a:t>
-            </a:r>
-            <a:r>
-              <a:rPr kumimoji="0" lang="en-DE" sz="1800" i="0" u="none" strike="noStrike" kern="1200" cap="none" spc="0" normalizeH="0" baseline="0" noProof="0">
-                <a:ln>
-                  <a:noFill/>
-                </a:ln>
-                <a:effectLst/>
-                <a:uLnTx/>
-                <a:uFillTx/>
-                <a:latin typeface="Garet Book" pitchFamily="2" charset="0"/>
-                <a:ea typeface="+mn-ea"/>
-                <a:cs typeface="+mn-cs"/>
-              </a:rPr>
-              <a:t>zu </a:t>
-            </a:r>
-            <a:r>
-              <a:rPr lang="en-DE" sz="1800"/>
-              <a:t>useEffect durch abhängige States gesteuert, wann der Wert neu berechnet wird</a:t>
-            </a:r>
-            <a:endParaRPr kumimoji="0" lang="en-DE" sz="1800" i="0" u="none" strike="noStrike" kern="1200" cap="none" spc="0" normalizeH="0" baseline="0" noProof="0">
-              <a:ln>
-                <a:noFill/>
-              </a:ln>
-              <a:effectLst/>
-              <a:uLnTx/>
-              <a:uFillTx/>
-              <a:latin typeface="Garet Book" pitchFamily="2" charset="0"/>
-              <a:ea typeface="+mn-ea"/>
-              <a:cs typeface="+mn-cs"/>
-            </a:endParaRPr>
-          </a:p>
-        </p:txBody>
-      </p:sp>
-      <p:sp>
-        <p:nvSpPr>
-          <p:cNvPr id="33" name="Arrow: Right 32">
-            <a:extLst>
-              <a:ext uri="{FF2B5EF4-FFF2-40B4-BE49-F238E27FC236}">
-                <a16:creationId xmlns:a16="http://schemas.microsoft.com/office/drawing/2014/main" id="{EEECCED3-0447-6EFB-9802-A6967B5426D3}"/>
-              </a:ext>
-            </a:extLst>
-          </p:cNvPr>
-          <p:cNvSpPr/>
-          <p:nvPr/>
-        </p:nvSpPr>
-        <p:spPr>
-          <a:xfrm>
-            <a:off x="903000" y="4902340"/>
-            <a:ext cx="981219" cy="455093"/>
-          </a:xfrm>
-          <a:prstGeom prst="rightArrow">
-            <a:avLst/>
-          </a:prstGeom>
-          <a:solidFill>
-            <a:schemeClr val="bg2"/>
-          </a:solidFill>
-          <a:ln>
-            <a:solidFill>
-              <a:schemeClr val="tx1"/>
-            </a:solidFill>
-          </a:ln>
-        </p:spPr>
-        <p:style>
-          <a:lnRef idx="2">
-            <a:schemeClr val="accent1">
-              <a:shade val="15000"/>
-            </a:schemeClr>
-          </a:lnRef>
-          <a:fillRef idx="1">
-            <a:schemeClr val="accent1"/>
-          </a:fillRef>
-          <a:effectRef idx="0">
-            <a:schemeClr val="accent1"/>
-          </a:effectRef>
-          <a:fontRef idx="minor">
-            <a:schemeClr val="lt1"/>
-          </a:fontRef>
-        </p:style>
-        <p:txBody>
-          <a:bodyPr rtlCol="0" anchor="ctr"/>
-          <a:lstStyle/>
-          <a:p>
-            <a:pPr algn="ctr"/>
-            <a:r>
-              <a:rPr lang="de-DE" sz="1200">
-                <a:solidFill>
-                  <a:schemeClr val="bg1"/>
-                </a:solidFill>
-              </a:rPr>
-              <a:t>Render</a:t>
-            </a:r>
-          </a:p>
-        </p:txBody>
-      </p:sp>
-      <p:sp>
-        <p:nvSpPr>
-          <p:cNvPr id="37" name="Diamond 36">
-            <a:extLst>
-              <a:ext uri="{FF2B5EF4-FFF2-40B4-BE49-F238E27FC236}">
-                <a16:creationId xmlns:a16="http://schemas.microsoft.com/office/drawing/2014/main" id="{626B7858-50A5-14C1-D4F7-5338A98AFB49}"/>
-              </a:ext>
-            </a:extLst>
-          </p:cNvPr>
-          <p:cNvSpPr/>
-          <p:nvPr/>
-        </p:nvSpPr>
-        <p:spPr>
-          <a:xfrm>
-            <a:off x="3720088" y="4282452"/>
-            <a:ext cx="1717963" cy="1717963"/>
-          </a:xfrm>
-          <a:prstGeom prst="diamond">
-            <a:avLst/>
-          </a:prstGeom>
-        </p:spPr>
-        <p:style>
-          <a:lnRef idx="2">
-            <a:schemeClr val="accent2">
-              <a:shade val="15000"/>
-            </a:schemeClr>
-          </a:lnRef>
-          <a:fillRef idx="1">
-            <a:schemeClr val="accent2"/>
-          </a:fillRef>
-          <a:effectRef idx="0">
-            <a:schemeClr val="accent2"/>
-          </a:effectRef>
-          <a:fontRef idx="minor">
-            <a:schemeClr val="lt1"/>
-          </a:fontRef>
-        </p:style>
-        <p:txBody>
-          <a:bodyPr rtlCol="0" anchor="ctr"/>
-          <a:lstStyle/>
-          <a:p>
-            <a:pPr algn="ctr"/>
-            <a:endParaRPr lang="de-DE" sz="1200"/>
-          </a:p>
-        </p:txBody>
-      </p:sp>
-      <p:sp>
-        <p:nvSpPr>
-          <p:cNvPr id="38" name="Text Placeholder 2">
-            <a:extLst>
-              <a:ext uri="{FF2B5EF4-FFF2-40B4-BE49-F238E27FC236}">
-                <a16:creationId xmlns:a16="http://schemas.microsoft.com/office/drawing/2014/main" id="{0E24A600-1FB6-6C37-7D74-14FEDA5DF1F0}"/>
-              </a:ext>
-            </a:extLst>
-          </p:cNvPr>
-          <p:cNvSpPr txBox="1">
-            <a:spLocks/>
-          </p:cNvSpPr>
-          <p:nvPr/>
-        </p:nvSpPr>
-        <p:spPr>
-          <a:xfrm>
-            <a:off x="3720088" y="5011676"/>
-            <a:ext cx="1717963" cy="416347"/>
-          </a:xfrm>
-          <a:prstGeom prst="rect">
-            <a:avLst/>
-          </a:prstGeom>
-          <a:ln>
-            <a:noFill/>
-          </a:ln>
-        </p:spPr>
-        <p:txBody>
-          <a:bodyPr vert="horz" lIns="91440" tIns="45720" rIns="91440" bIns="45720" rtlCol="0" anchor="b">
-            <a:noAutofit/>
-          </a:bodyPr>
-          <a:lstStyle>
-            <a:lvl1pPr marL="0" indent="0" algn="l" defTabSz="914349" rtl="0" eaLnBrk="1" latinLnBrk="0" hangingPunct="1">
-              <a:lnSpc>
-                <a:spcPct val="90000"/>
-              </a:lnSpc>
-              <a:spcBef>
-                <a:spcPts val="1000"/>
-              </a:spcBef>
-              <a:buClr>
-                <a:srgbClr val="0078D1"/>
-              </a:buClr>
-              <a:buFont typeface="Wingdings" panose="05000000000000000000" pitchFamily="2" charset="2"/>
-              <a:buNone/>
-              <a:defRPr sz="2400" b="1" kern="1200">
-                <a:solidFill>
-                  <a:schemeClr val="tx1"/>
-                </a:solidFill>
-                <a:latin typeface="Garet Book" pitchFamily="2" charset="0"/>
-                <a:ea typeface="+mn-ea"/>
-                <a:cs typeface="+mn-cs"/>
-              </a:defRPr>
-            </a:lvl1pPr>
-            <a:lvl2pPr marL="457175" indent="0" algn="l" defTabSz="914349" rtl="0" eaLnBrk="1" latinLnBrk="0" hangingPunct="1">
-              <a:lnSpc>
-                <a:spcPct val="90000"/>
-              </a:lnSpc>
-              <a:spcBef>
-                <a:spcPts val="500"/>
-              </a:spcBef>
-              <a:buClr>
-                <a:schemeClr val="tx2"/>
-              </a:buClr>
-              <a:buFont typeface="Wingdings" panose="05000000000000000000" pitchFamily="2" charset="2"/>
-              <a:buNone/>
-              <a:defRPr sz="2000" b="1" kern="1200">
-                <a:solidFill>
-                  <a:schemeClr val="tx1"/>
-                </a:solidFill>
-                <a:latin typeface="Garet Book" pitchFamily="2" charset="0"/>
-                <a:ea typeface="+mn-ea"/>
-                <a:cs typeface="+mn-cs"/>
-              </a:defRPr>
-            </a:lvl2pPr>
-            <a:lvl3pPr marL="914349" indent="0" algn="l" defTabSz="914349" rtl="0" eaLnBrk="1" latinLnBrk="0" hangingPunct="1">
-              <a:lnSpc>
-                <a:spcPct val="90000"/>
-              </a:lnSpc>
-              <a:spcBef>
-                <a:spcPts val="500"/>
-              </a:spcBef>
-              <a:buClr>
-                <a:schemeClr val="tx2"/>
-              </a:buClr>
-              <a:buFont typeface="Wingdings" panose="05000000000000000000" pitchFamily="2" charset="2"/>
-              <a:buNone/>
-              <a:defRPr sz="1799" b="1" kern="1200">
-                <a:solidFill>
-                  <a:schemeClr val="tx1"/>
-                </a:solidFill>
-                <a:latin typeface="Garet Book" pitchFamily="2" charset="0"/>
-                <a:ea typeface="+mn-ea"/>
-                <a:cs typeface="+mn-cs"/>
-              </a:defRPr>
-            </a:lvl3pPr>
-            <a:lvl4pPr marL="1371524" indent="0" algn="l" defTabSz="914349" rtl="0" eaLnBrk="1" latinLnBrk="0" hangingPunct="1">
-              <a:lnSpc>
-                <a:spcPct val="90000"/>
-              </a:lnSpc>
-              <a:spcBef>
-                <a:spcPts val="500"/>
-              </a:spcBef>
-              <a:buClr>
-                <a:schemeClr val="tx2"/>
-              </a:buClr>
-              <a:buFont typeface="Wingdings" panose="05000000000000000000" pitchFamily="2" charset="2"/>
-              <a:buNone/>
-              <a:defRPr sz="1600" b="1" kern="1200">
-                <a:solidFill>
-                  <a:schemeClr val="tx1"/>
-                </a:solidFill>
-                <a:latin typeface="Garet Book" pitchFamily="2" charset="0"/>
-                <a:ea typeface="+mn-ea"/>
-                <a:cs typeface="+mn-cs"/>
-              </a:defRPr>
-            </a:lvl4pPr>
-            <a:lvl5pPr marL="1828698" indent="0" algn="l" defTabSz="914349" rtl="0" eaLnBrk="1" latinLnBrk="0" hangingPunct="1">
-              <a:lnSpc>
-                <a:spcPct val="90000"/>
-              </a:lnSpc>
-              <a:spcBef>
-                <a:spcPts val="500"/>
-              </a:spcBef>
-              <a:buClr>
-                <a:schemeClr val="tx2"/>
-              </a:buClr>
-              <a:buFont typeface="Wingdings" panose="05000000000000000000" pitchFamily="2" charset="2"/>
-              <a:buNone/>
-              <a:defRPr sz="1600" b="1" kern="1200">
-                <a:solidFill>
-                  <a:schemeClr val="tx1"/>
-                </a:solidFill>
-                <a:latin typeface="Garet Book" pitchFamily="2" charset="0"/>
-                <a:ea typeface="+mn-ea"/>
-                <a:cs typeface="+mn-cs"/>
-              </a:defRPr>
-            </a:lvl5pPr>
-            <a:lvl6pPr marL="2285872" indent="0" algn="l" defTabSz="914349" rtl="0" eaLnBrk="1" latinLnBrk="0" hangingPunct="1">
-              <a:lnSpc>
-                <a:spcPct val="90000"/>
-              </a:lnSpc>
-              <a:spcBef>
-                <a:spcPts val="500"/>
-              </a:spcBef>
-              <a:buFont typeface="Arial" panose="020B0604020202020204" pitchFamily="34" charset="0"/>
-              <a:buNone/>
-              <a:defRPr sz="1600" b="1" kern="1200">
-                <a:solidFill>
-                  <a:schemeClr val="tx1"/>
-                </a:solidFill>
-                <a:latin typeface="+mn-lt"/>
-                <a:ea typeface="+mn-ea"/>
-                <a:cs typeface="+mn-cs"/>
-              </a:defRPr>
-            </a:lvl6pPr>
-            <a:lvl7pPr marL="2743047" indent="0" algn="l" defTabSz="914349" rtl="0" eaLnBrk="1" latinLnBrk="0" hangingPunct="1">
-              <a:lnSpc>
-                <a:spcPct val="90000"/>
-              </a:lnSpc>
-              <a:spcBef>
-                <a:spcPts val="500"/>
-              </a:spcBef>
-              <a:buFont typeface="Arial" panose="020B0604020202020204" pitchFamily="34" charset="0"/>
-              <a:buNone/>
-              <a:defRPr sz="1600" b="1" kern="1200">
-                <a:solidFill>
-                  <a:schemeClr val="tx1"/>
-                </a:solidFill>
-                <a:latin typeface="+mn-lt"/>
-                <a:ea typeface="+mn-ea"/>
-                <a:cs typeface="+mn-cs"/>
-              </a:defRPr>
-            </a:lvl7pPr>
-            <a:lvl8pPr marL="3200222" indent="0" algn="l" defTabSz="914349" rtl="0" eaLnBrk="1" latinLnBrk="0" hangingPunct="1">
-              <a:lnSpc>
-                <a:spcPct val="90000"/>
-              </a:lnSpc>
-              <a:spcBef>
-                <a:spcPts val="500"/>
-              </a:spcBef>
-              <a:buFont typeface="Arial" panose="020B0604020202020204" pitchFamily="34" charset="0"/>
-              <a:buNone/>
-              <a:defRPr sz="1600" b="1" kern="1200">
-                <a:solidFill>
-                  <a:schemeClr val="tx1"/>
-                </a:solidFill>
-                <a:latin typeface="+mn-lt"/>
-                <a:ea typeface="+mn-ea"/>
-                <a:cs typeface="+mn-cs"/>
-              </a:defRPr>
-            </a:lvl8pPr>
-            <a:lvl9pPr marL="3657396" indent="0" algn="l" defTabSz="914349" rtl="0" eaLnBrk="1" latinLnBrk="0" hangingPunct="1">
-              <a:lnSpc>
-                <a:spcPct val="90000"/>
-              </a:lnSpc>
-              <a:spcBef>
-                <a:spcPts val="500"/>
-              </a:spcBef>
-              <a:buFont typeface="Arial" panose="020B0604020202020204" pitchFamily="34" charset="0"/>
-              <a:buNone/>
-              <a:defRPr sz="1600" b="1" kern="1200">
-                <a:solidFill>
-                  <a:schemeClr val="tx1"/>
-                </a:solidFill>
-                <a:latin typeface="+mn-lt"/>
-                <a:ea typeface="+mn-ea"/>
-                <a:cs typeface="+mn-cs"/>
-              </a:defRPr>
-            </a:lvl9pPr>
-          </a:lstStyle>
-          <a:p>
-            <a:pPr algn="ctr"/>
-            <a:r>
-              <a:rPr lang="de-DE" sz="1200">
-                <a:solidFill>
-                  <a:schemeClr val="bg1"/>
-                </a:solidFill>
-              </a:rPr>
-              <a:t>Dependencies Changed</a:t>
-            </a:r>
-          </a:p>
-        </p:txBody>
-      </p:sp>
-      <p:sp>
-        <p:nvSpPr>
-          <p:cNvPr id="39" name="Rectangle: Rounded Corners 38">
-            <a:extLst>
-              <a:ext uri="{FF2B5EF4-FFF2-40B4-BE49-F238E27FC236}">
-                <a16:creationId xmlns:a16="http://schemas.microsoft.com/office/drawing/2014/main" id="{0DF9A7F4-CC63-1AD8-76F5-301600A79D8E}"/>
-              </a:ext>
-            </a:extLst>
-          </p:cNvPr>
-          <p:cNvSpPr/>
-          <p:nvPr/>
-        </p:nvSpPr>
-        <p:spPr>
-          <a:xfrm>
-            <a:off x="6718997" y="5561638"/>
-            <a:ext cx="1612203" cy="350884"/>
-          </a:xfrm>
-          <a:prstGeom prst="roundRect">
-            <a:avLst/>
-          </a:prstGeom>
-          <a:solidFill>
-            <a:schemeClr val="bg2"/>
-          </a:solidFill>
-          <a:ln>
-            <a:solidFill>
-              <a:schemeClr val="tx1"/>
-            </a:solidFill>
-          </a:ln>
-        </p:spPr>
-        <p:style>
-          <a:lnRef idx="2">
-            <a:schemeClr val="dk1">
-              <a:shade val="15000"/>
-            </a:schemeClr>
-          </a:lnRef>
-          <a:fillRef idx="1">
-            <a:schemeClr val="dk1"/>
-          </a:fillRef>
-          <a:effectRef idx="0">
-            <a:schemeClr val="dk1"/>
-          </a:effectRef>
-          <a:fontRef idx="minor">
-            <a:schemeClr val="lt1"/>
-          </a:fontRef>
-        </p:style>
-        <p:txBody>
-          <a:bodyPr rtlCol="0" anchor="ctr"/>
-          <a:lstStyle/>
-          <a:p>
-            <a:pPr algn="ctr"/>
-            <a:r>
-              <a:rPr lang="de-DE" sz="1200">
-                <a:solidFill>
-                  <a:schemeClr val="bg1"/>
-                </a:solidFill>
-              </a:rPr>
-              <a:t>Use Cached</a:t>
-            </a:r>
-            <a:endParaRPr lang="de-DE" sz="1200"/>
-          </a:p>
-        </p:txBody>
-      </p:sp>
-      <p:sp>
-        <p:nvSpPr>
-          <p:cNvPr id="41" name="Rectangle: Rounded Corners 40">
-            <a:extLst>
-              <a:ext uri="{FF2B5EF4-FFF2-40B4-BE49-F238E27FC236}">
-                <a16:creationId xmlns:a16="http://schemas.microsoft.com/office/drawing/2014/main" id="{5A34F188-4960-5093-C3DA-222CE556A356}"/>
-              </a:ext>
-            </a:extLst>
-          </p:cNvPr>
-          <p:cNvSpPr/>
-          <p:nvPr/>
-        </p:nvSpPr>
-        <p:spPr>
-          <a:xfrm>
-            <a:off x="6718997" y="4352691"/>
-            <a:ext cx="1612203" cy="440981"/>
-          </a:xfrm>
-          <a:prstGeom prst="roundRect">
-            <a:avLst/>
-          </a:prstGeom>
-          <a:solidFill>
-            <a:schemeClr val="bg2"/>
-          </a:solidFill>
-          <a:ln>
-            <a:solidFill>
-              <a:schemeClr val="tx1"/>
-            </a:solidFill>
-          </a:ln>
-        </p:spPr>
-        <p:style>
-          <a:lnRef idx="2">
-            <a:schemeClr val="dk1">
-              <a:shade val="15000"/>
-            </a:schemeClr>
-          </a:lnRef>
-          <a:fillRef idx="1">
-            <a:schemeClr val="dk1"/>
-          </a:fillRef>
-          <a:effectRef idx="0">
-            <a:schemeClr val="dk1"/>
-          </a:effectRef>
-          <a:fontRef idx="minor">
-            <a:schemeClr val="lt1"/>
-          </a:fontRef>
-        </p:style>
-        <p:txBody>
-          <a:bodyPr rtlCol="0" anchor="ctr"/>
-          <a:lstStyle/>
-          <a:p>
-            <a:pPr algn="ctr"/>
-            <a:r>
-              <a:rPr lang="de-DE" sz="1200">
-                <a:solidFill>
-                  <a:schemeClr val="bg1"/>
-                </a:solidFill>
-              </a:rPr>
-              <a:t>Recompute &amp; Update Cache</a:t>
-            </a:r>
-            <a:endParaRPr lang="de-DE" sz="1200"/>
-          </a:p>
-        </p:txBody>
-      </p:sp>
-      <p:sp>
-        <p:nvSpPr>
-          <p:cNvPr id="42" name="Arrow: Right 41">
-            <a:extLst>
-              <a:ext uri="{FF2B5EF4-FFF2-40B4-BE49-F238E27FC236}">
-                <a16:creationId xmlns:a16="http://schemas.microsoft.com/office/drawing/2014/main" id="{267FE103-E7C1-0EF6-B263-0641603C5C4B}"/>
-              </a:ext>
-            </a:extLst>
-          </p:cNvPr>
-          <p:cNvSpPr/>
-          <p:nvPr/>
-        </p:nvSpPr>
-        <p:spPr>
-          <a:xfrm rot="900000">
-            <a:off x="5343490" y="5351742"/>
-            <a:ext cx="1256838" cy="455093"/>
-          </a:xfrm>
-          <a:prstGeom prst="rightArrow">
-            <a:avLst/>
-          </a:prstGeom>
-          <a:solidFill>
-            <a:schemeClr val="bg2"/>
-          </a:solidFill>
-          <a:ln>
-            <a:solidFill>
-              <a:schemeClr val="tx1"/>
-            </a:solidFill>
-          </a:ln>
-        </p:spPr>
-        <p:style>
-          <a:lnRef idx="2">
-            <a:schemeClr val="accent1">
-              <a:shade val="15000"/>
-            </a:schemeClr>
-          </a:lnRef>
-          <a:fillRef idx="1">
-            <a:schemeClr val="accent1"/>
-          </a:fillRef>
-          <a:effectRef idx="0">
-            <a:schemeClr val="accent1"/>
-          </a:effectRef>
-          <a:fontRef idx="minor">
-            <a:schemeClr val="lt1"/>
-          </a:fontRef>
-        </p:style>
-        <p:txBody>
-          <a:bodyPr rtlCol="0" anchor="ctr"/>
-          <a:lstStyle/>
-          <a:p>
-            <a:pPr algn="ctr"/>
-            <a:r>
-              <a:rPr lang="de-DE" sz="1200">
-                <a:solidFill>
-                  <a:schemeClr val="bg1"/>
-                </a:solidFill>
-              </a:rPr>
-              <a:t>no</a:t>
-            </a:r>
-          </a:p>
-        </p:txBody>
-      </p:sp>
-      <p:sp>
-        <p:nvSpPr>
-          <p:cNvPr id="44" name="Arrow: Right 43">
-            <a:extLst>
-              <a:ext uri="{FF2B5EF4-FFF2-40B4-BE49-F238E27FC236}">
-                <a16:creationId xmlns:a16="http://schemas.microsoft.com/office/drawing/2014/main" id="{9A87560B-6768-AEA8-5C4D-5C1F0763137A}"/>
-              </a:ext>
-            </a:extLst>
-          </p:cNvPr>
-          <p:cNvSpPr/>
-          <p:nvPr/>
-        </p:nvSpPr>
-        <p:spPr>
-          <a:xfrm rot="20700000">
-            <a:off x="5343490" y="4476030"/>
-            <a:ext cx="1256838" cy="455093"/>
-          </a:xfrm>
-          <a:prstGeom prst="rightArrow">
-            <a:avLst/>
-          </a:prstGeom>
-          <a:solidFill>
-            <a:schemeClr val="bg2"/>
-          </a:solidFill>
-          <a:ln>
-            <a:solidFill>
-              <a:schemeClr val="tx1"/>
-            </a:solidFill>
-          </a:ln>
-        </p:spPr>
-        <p:style>
-          <a:lnRef idx="2">
-            <a:schemeClr val="accent1">
-              <a:shade val="15000"/>
-            </a:schemeClr>
-          </a:lnRef>
-          <a:fillRef idx="1">
-            <a:schemeClr val="accent1"/>
-          </a:fillRef>
-          <a:effectRef idx="0">
-            <a:schemeClr val="accent1"/>
-          </a:effectRef>
-          <a:fontRef idx="minor">
-            <a:schemeClr val="lt1"/>
-          </a:fontRef>
-        </p:style>
-        <p:txBody>
-          <a:bodyPr rtlCol="0" anchor="ctr"/>
-          <a:lstStyle/>
-          <a:p>
-            <a:pPr algn="ctr"/>
-            <a:r>
-              <a:rPr lang="de-DE" sz="1200">
-                <a:solidFill>
-                  <a:schemeClr val="bg1"/>
-                </a:solidFill>
-              </a:rPr>
-              <a:t>yes</a:t>
-            </a:r>
-          </a:p>
-        </p:txBody>
-      </p:sp>
-      <p:sp>
-        <p:nvSpPr>
-          <p:cNvPr id="45" name="Rectangle: Rounded Corners 44">
-            <a:extLst>
-              <a:ext uri="{FF2B5EF4-FFF2-40B4-BE49-F238E27FC236}">
-                <a16:creationId xmlns:a16="http://schemas.microsoft.com/office/drawing/2014/main" id="{08369661-E651-600B-93EF-1B08740CBB9C}"/>
-              </a:ext>
-            </a:extLst>
-          </p:cNvPr>
-          <p:cNvSpPr/>
-          <p:nvPr/>
-        </p:nvSpPr>
-        <p:spPr>
-          <a:xfrm>
-            <a:off x="2049787" y="4954444"/>
-            <a:ext cx="1504733" cy="350884"/>
-          </a:xfrm>
-          <a:prstGeom prst="roundRect">
-            <a:avLst/>
-          </a:prstGeom>
-          <a:solidFill>
-            <a:schemeClr val="bg2"/>
-          </a:solidFill>
-          <a:ln>
-            <a:solidFill>
-              <a:schemeClr val="tx1"/>
-            </a:solidFill>
-          </a:ln>
-        </p:spPr>
-        <p:style>
-          <a:lnRef idx="2">
-            <a:schemeClr val="dk1">
-              <a:shade val="15000"/>
-            </a:schemeClr>
-          </a:lnRef>
-          <a:fillRef idx="1">
-            <a:schemeClr val="dk1"/>
-          </a:fillRef>
-          <a:effectRef idx="0">
-            <a:schemeClr val="dk1"/>
-          </a:effectRef>
-          <a:fontRef idx="minor">
-            <a:schemeClr val="lt1"/>
-          </a:fontRef>
-        </p:style>
-        <p:txBody>
-          <a:bodyPr rtlCol="0" anchor="ctr"/>
-          <a:lstStyle/>
-          <a:p>
-            <a:pPr algn="ctr"/>
-            <a:r>
-              <a:rPr lang="de-DE" sz="1200"/>
-              <a:t>useMemo()</a:t>
-            </a:r>
-          </a:p>
-        </p:txBody>
-      </p:sp>
-      <p:sp>
-        <p:nvSpPr>
-          <p:cNvPr id="46" name="Arrow: Right 45">
-            <a:extLst>
-              <a:ext uri="{FF2B5EF4-FFF2-40B4-BE49-F238E27FC236}">
-                <a16:creationId xmlns:a16="http://schemas.microsoft.com/office/drawing/2014/main" id="{F7A72B4F-CAA4-52C2-4B03-1F7BC8A7B5ED}"/>
-              </a:ext>
-            </a:extLst>
-          </p:cNvPr>
-          <p:cNvSpPr/>
-          <p:nvPr/>
-        </p:nvSpPr>
-        <p:spPr>
-          <a:xfrm>
-            <a:off x="8516470" y="5545322"/>
-            <a:ext cx="1152755" cy="455093"/>
-          </a:xfrm>
-          <a:prstGeom prst="rightArrow">
-            <a:avLst/>
-          </a:prstGeom>
-          <a:solidFill>
-            <a:schemeClr val="bg2"/>
-          </a:solidFill>
-          <a:ln>
-            <a:solidFill>
-              <a:schemeClr val="tx1"/>
-            </a:solidFill>
-          </a:ln>
-        </p:spPr>
-        <p:style>
-          <a:lnRef idx="2">
-            <a:schemeClr val="accent1">
-              <a:shade val="15000"/>
-            </a:schemeClr>
-          </a:lnRef>
-          <a:fillRef idx="1">
-            <a:schemeClr val="accent1"/>
-          </a:fillRef>
-          <a:effectRef idx="0">
-            <a:schemeClr val="accent1"/>
-          </a:effectRef>
-          <a:fontRef idx="minor">
-            <a:schemeClr val="lt1"/>
-          </a:fontRef>
-        </p:style>
-        <p:txBody>
-          <a:bodyPr rtlCol="0" anchor="ctr"/>
-          <a:lstStyle/>
-          <a:p>
-            <a:pPr algn="ctr"/>
-            <a:endParaRPr lang="de-DE" sz="1200">
-              <a:solidFill>
-                <a:schemeClr val="bg1"/>
-              </a:solidFill>
-            </a:endParaRPr>
-          </a:p>
-        </p:txBody>
-      </p:sp>
-      <p:sp>
-        <p:nvSpPr>
-          <p:cNvPr id="48" name="Rectangle: Rounded Corners 47">
-            <a:extLst>
-              <a:ext uri="{FF2B5EF4-FFF2-40B4-BE49-F238E27FC236}">
-                <a16:creationId xmlns:a16="http://schemas.microsoft.com/office/drawing/2014/main" id="{848EE5C0-6A9C-A583-D9C4-C578A879B00B}"/>
-              </a:ext>
-            </a:extLst>
-          </p:cNvPr>
-          <p:cNvSpPr/>
-          <p:nvPr/>
-        </p:nvSpPr>
-        <p:spPr>
-          <a:xfrm>
-            <a:off x="9800804" y="5597426"/>
-            <a:ext cx="1504733" cy="350884"/>
-          </a:xfrm>
-          <a:prstGeom prst="roundRect">
-            <a:avLst/>
-          </a:prstGeom>
-          <a:solidFill>
-            <a:schemeClr val="bg2"/>
-          </a:solidFill>
-          <a:ln>
-            <a:solidFill>
-              <a:schemeClr val="tx1"/>
-            </a:solidFill>
-          </a:ln>
-        </p:spPr>
-        <p:style>
-          <a:lnRef idx="2">
-            <a:schemeClr val="dk1">
-              <a:shade val="15000"/>
-            </a:schemeClr>
-          </a:lnRef>
-          <a:fillRef idx="1">
-            <a:schemeClr val="dk1"/>
-          </a:fillRef>
-          <a:effectRef idx="0">
-            <a:schemeClr val="dk1"/>
-          </a:effectRef>
-          <a:fontRef idx="minor">
-            <a:schemeClr val="lt1"/>
-          </a:fontRef>
-        </p:style>
-        <p:txBody>
-          <a:bodyPr rtlCol="0" anchor="ctr"/>
-          <a:lstStyle/>
-          <a:p>
-            <a:pPr algn="ctr"/>
-            <a:r>
-              <a:rPr lang="de-DE" sz="1200"/>
-              <a:t>Cached Components</a:t>
-            </a:r>
-          </a:p>
-        </p:txBody>
-      </p:sp>
-      <p:sp>
-        <p:nvSpPr>
-          <p:cNvPr id="2" name="Arrow: Right 1">
-            <a:extLst>
-              <a:ext uri="{FF2B5EF4-FFF2-40B4-BE49-F238E27FC236}">
-                <a16:creationId xmlns:a16="http://schemas.microsoft.com/office/drawing/2014/main" id="{EBE1640B-E217-1080-9ED8-59E2D1976E15}"/>
-              </a:ext>
-            </a:extLst>
-          </p:cNvPr>
-          <p:cNvSpPr/>
-          <p:nvPr/>
-        </p:nvSpPr>
-        <p:spPr>
-          <a:xfrm rot="5400000">
-            <a:off x="7254882" y="4930262"/>
-            <a:ext cx="540430" cy="455093"/>
-          </a:xfrm>
-          <a:prstGeom prst="rightArrow">
-            <a:avLst/>
-          </a:prstGeom>
-          <a:solidFill>
-            <a:schemeClr val="bg2"/>
-          </a:solidFill>
-          <a:ln>
-            <a:solidFill>
-              <a:schemeClr val="tx1"/>
-            </a:solidFill>
-          </a:ln>
-        </p:spPr>
-        <p:style>
-          <a:lnRef idx="2">
-            <a:schemeClr val="accent1">
-              <a:shade val="15000"/>
-            </a:schemeClr>
-          </a:lnRef>
-          <a:fillRef idx="1">
-            <a:schemeClr val="accent1"/>
-          </a:fillRef>
-          <a:effectRef idx="0">
-            <a:schemeClr val="accent1"/>
-          </a:effectRef>
-          <a:fontRef idx="minor">
-            <a:schemeClr val="lt1"/>
-          </a:fontRef>
-        </p:style>
-        <p:txBody>
-          <a:bodyPr rtlCol="0" anchor="ctr"/>
-          <a:lstStyle/>
-          <a:p>
-            <a:pPr algn="ctr"/>
-            <a:endParaRPr lang="de-DE" sz="1200">
-              <a:solidFill>
-                <a:schemeClr val="bg1"/>
-              </a:solidFill>
-            </a:endParaRPr>
-          </a:p>
-        </p:txBody>
-      </p:sp>
-    </p:spTree>
-    <p:extLst>
-      <p:ext uri="{BB962C8B-B14F-4D97-AF65-F5344CB8AC3E}">
-        <p14:creationId xmlns:p14="http://schemas.microsoft.com/office/powerpoint/2010/main" val="850149778"/>
       </p:ext>
     </p:extLst>
   </p:cSld>
@@ -14664,10 +13569,10 @@
       </p:grpSpPr>
       <p:sp>
         <p:nvSpPr>
-          <p:cNvPr id="3" name="Titel 2">
+          <p:cNvPr id="2" name="Title 1">
             <a:extLst>
               <a:ext uri="{FF2B5EF4-FFF2-40B4-BE49-F238E27FC236}">
-                <a16:creationId xmlns:a16="http://schemas.microsoft.com/office/drawing/2014/main" id="{F15C4302-1904-95F5-7E7B-E687AE6F4386}"/>
+                <a16:creationId xmlns:a16="http://schemas.microsoft.com/office/drawing/2014/main" id="{7CA98F98-950E-FD15-8A08-D998C8B0A61F}"/>
               </a:ext>
             </a:extLst>
           </p:cNvPr>
@@ -14678,31 +13583,24 @@
             <p:ph type="title"/>
           </p:nvPr>
         </p:nvSpPr>
-        <p:spPr>
-          <a:xfrm>
-            <a:off x="838345" y="365125"/>
-            <a:ext cx="10515311" cy="1325563"/>
-          </a:xfrm>
-        </p:spPr>
+        <p:spPr/>
         <p:txBody>
-          <a:bodyPr anchor="ctr">
-            <a:normAutofit/>
-          </a:bodyPr>
+          <a:bodyPr/>
           <a:lstStyle/>
           <a:p>
             <a:r>
               <a:rPr lang="de-DE"/>
-              <a:t>Rendering 1000 Pokemon</a:t>
+              <a:t>Persisting State - Local Storage</a:t>
             </a:r>
           </a:p>
         </p:txBody>
       </p:sp>
       <p:sp>
         <p:nvSpPr>
-          <p:cNvPr id="24" name="Content Placeholder 3">
+          <p:cNvPr id="5" name="Content Placeholder 3">
             <a:extLst>
               <a:ext uri="{FF2B5EF4-FFF2-40B4-BE49-F238E27FC236}">
-                <a16:creationId xmlns:a16="http://schemas.microsoft.com/office/drawing/2014/main" id="{1D3228B4-EBAC-CCC4-E102-6A4237F848F8}"/>
+                <a16:creationId xmlns:a16="http://schemas.microsoft.com/office/drawing/2014/main" id="{42A3791E-6742-B043-6D0F-BA401780D0A0}"/>
               </a:ext>
             </a:extLst>
           </p:cNvPr>
@@ -14713,1372 +13611,8 @@
         </p:nvSpPr>
         <p:spPr>
           <a:xfrm>
-            <a:off x="8421398" y="2028188"/>
-            <a:ext cx="2523691" cy="437098"/>
-          </a:xfrm>
-          <a:prstGeom prst="rect">
-            <a:avLst/>
-          </a:prstGeom>
-        </p:spPr>
-        <p:txBody>
-          <a:bodyPr vert="horz" lIns="91440" tIns="45720" rIns="91440" bIns="45720" rtlCol="0" anchor="ctr">
-            <a:noAutofit/>
-          </a:bodyPr>
-          <a:lstStyle>
-            <a:lvl1pPr marL="0" indent="0" algn="l" defTabSz="914349" rtl="0" eaLnBrk="1" latinLnBrk="0" hangingPunct="1">
-              <a:lnSpc>
-                <a:spcPct val="90000"/>
-              </a:lnSpc>
-              <a:spcBef>
-                <a:spcPts val="1000"/>
-              </a:spcBef>
-              <a:buClr>
-                <a:srgbClr val="0078D1"/>
-              </a:buClr>
-              <a:buFont typeface="Wingdings" panose="05000000000000000000" pitchFamily="2" charset="2"/>
-              <a:buNone/>
-              <a:defRPr sz="2800" kern="1200">
-                <a:solidFill>
-                  <a:schemeClr val="tx1"/>
-                </a:solidFill>
-                <a:latin typeface="Garet Book" pitchFamily="2" charset="0"/>
-                <a:ea typeface="+mn-ea"/>
-                <a:cs typeface="+mn-cs"/>
-              </a:defRPr>
-            </a:lvl1pPr>
-            <a:lvl2pPr marL="359980" indent="-228587" algn="l" defTabSz="914349" rtl="0" eaLnBrk="1" latinLnBrk="0" hangingPunct="1">
-              <a:lnSpc>
-                <a:spcPct val="90000"/>
-              </a:lnSpc>
-              <a:spcBef>
-                <a:spcPts val="500"/>
-              </a:spcBef>
-              <a:buClr>
-                <a:schemeClr val="tx2"/>
-              </a:buClr>
-              <a:buFont typeface="Wingdings" panose="05000000000000000000" pitchFamily="2" charset="2"/>
-              <a:buChar char="§"/>
-              <a:defRPr sz="2400" kern="1200">
-                <a:solidFill>
-                  <a:schemeClr val="tx1"/>
-                </a:solidFill>
-                <a:latin typeface="Garet Book" pitchFamily="2" charset="0"/>
-                <a:ea typeface="+mn-ea"/>
-                <a:cs typeface="+mn-cs"/>
-              </a:defRPr>
-            </a:lvl2pPr>
-            <a:lvl3pPr marL="611965" indent="-228587" algn="l" defTabSz="914349" rtl="0" eaLnBrk="1" latinLnBrk="0" hangingPunct="1">
-              <a:lnSpc>
-                <a:spcPct val="90000"/>
-              </a:lnSpc>
-              <a:spcBef>
-                <a:spcPts val="500"/>
-              </a:spcBef>
-              <a:buClr>
-                <a:schemeClr val="tx2"/>
-              </a:buClr>
-              <a:buFont typeface="Wingdings" panose="05000000000000000000" pitchFamily="2" charset="2"/>
-              <a:buChar char="§"/>
-              <a:defRPr sz="2000" kern="1200">
-                <a:solidFill>
-                  <a:schemeClr val="tx1"/>
-                </a:solidFill>
-                <a:latin typeface="Garet Book" pitchFamily="2" charset="0"/>
-                <a:ea typeface="+mn-ea"/>
-                <a:cs typeface="+mn-cs"/>
-              </a:defRPr>
-            </a:lvl3pPr>
-            <a:lvl4pPr marL="899950" indent="-228587" algn="l" defTabSz="914349" rtl="0" eaLnBrk="1" latinLnBrk="0" hangingPunct="1">
-              <a:lnSpc>
-                <a:spcPct val="90000"/>
-              </a:lnSpc>
-              <a:spcBef>
-                <a:spcPts val="500"/>
-              </a:spcBef>
-              <a:buClr>
-                <a:schemeClr val="tx2"/>
-              </a:buClr>
-              <a:buFont typeface="Wingdings" panose="05000000000000000000" pitchFamily="2" charset="2"/>
-              <a:buChar char="§"/>
-              <a:defRPr sz="1799" kern="1200">
-                <a:solidFill>
-                  <a:schemeClr val="tx1"/>
-                </a:solidFill>
-                <a:latin typeface="Garet Book" pitchFamily="2" charset="0"/>
-                <a:ea typeface="+mn-ea"/>
-                <a:cs typeface="+mn-cs"/>
-              </a:defRPr>
-            </a:lvl4pPr>
-            <a:lvl5pPr marL="1187934" indent="-228587" algn="l" defTabSz="914349" rtl="0" eaLnBrk="1" latinLnBrk="0" hangingPunct="1">
-              <a:lnSpc>
-                <a:spcPct val="90000"/>
-              </a:lnSpc>
-              <a:spcBef>
-                <a:spcPts val="500"/>
-              </a:spcBef>
-              <a:buClr>
-                <a:schemeClr val="tx2"/>
-              </a:buClr>
-              <a:buFont typeface="Wingdings" panose="05000000000000000000" pitchFamily="2" charset="2"/>
-              <a:buChar char="§"/>
-              <a:defRPr sz="1799" kern="1200">
-                <a:solidFill>
-                  <a:schemeClr val="tx1"/>
-                </a:solidFill>
-                <a:latin typeface="Garet Book" pitchFamily="2" charset="0"/>
-                <a:ea typeface="+mn-ea"/>
-                <a:cs typeface="+mn-cs"/>
-              </a:defRPr>
-            </a:lvl5pPr>
-            <a:lvl6pPr marL="2514460" indent="-228587" algn="l" defTabSz="914349" rtl="0" eaLnBrk="1" latinLnBrk="0" hangingPunct="1">
-              <a:lnSpc>
-                <a:spcPct val="90000"/>
-              </a:lnSpc>
-              <a:spcBef>
-                <a:spcPts val="500"/>
-              </a:spcBef>
-              <a:buFont typeface="Arial" panose="020B0604020202020204" pitchFamily="34" charset="0"/>
-              <a:buChar char="•"/>
-              <a:defRPr sz="1799" kern="1200">
-                <a:solidFill>
-                  <a:schemeClr val="tx1"/>
-                </a:solidFill>
-                <a:latin typeface="+mn-lt"/>
-                <a:ea typeface="+mn-ea"/>
-                <a:cs typeface="+mn-cs"/>
-              </a:defRPr>
-            </a:lvl6pPr>
-            <a:lvl7pPr marL="2971634" indent="-228587" algn="l" defTabSz="914349" rtl="0" eaLnBrk="1" latinLnBrk="0" hangingPunct="1">
-              <a:lnSpc>
-                <a:spcPct val="90000"/>
-              </a:lnSpc>
-              <a:spcBef>
-                <a:spcPts val="500"/>
-              </a:spcBef>
-              <a:buFont typeface="Arial" panose="020B0604020202020204" pitchFamily="34" charset="0"/>
-              <a:buChar char="•"/>
-              <a:defRPr sz="1799" kern="1200">
-                <a:solidFill>
-                  <a:schemeClr val="tx1"/>
-                </a:solidFill>
-                <a:latin typeface="+mn-lt"/>
-                <a:ea typeface="+mn-ea"/>
-                <a:cs typeface="+mn-cs"/>
-              </a:defRPr>
-            </a:lvl7pPr>
-            <a:lvl8pPr marL="3428808" indent="-228587" algn="l" defTabSz="914349" rtl="0" eaLnBrk="1" latinLnBrk="0" hangingPunct="1">
-              <a:lnSpc>
-                <a:spcPct val="90000"/>
-              </a:lnSpc>
-              <a:spcBef>
-                <a:spcPts val="500"/>
-              </a:spcBef>
-              <a:buFont typeface="Arial" panose="020B0604020202020204" pitchFamily="34" charset="0"/>
-              <a:buChar char="•"/>
-              <a:defRPr sz="1799" kern="1200">
-                <a:solidFill>
-                  <a:schemeClr val="tx1"/>
-                </a:solidFill>
-                <a:latin typeface="+mn-lt"/>
-                <a:ea typeface="+mn-ea"/>
-                <a:cs typeface="+mn-cs"/>
-              </a:defRPr>
-            </a:lvl8pPr>
-            <a:lvl9pPr marL="3885983" indent="-228587" algn="l" defTabSz="914349" rtl="0" eaLnBrk="1" latinLnBrk="0" hangingPunct="1">
-              <a:lnSpc>
-                <a:spcPct val="90000"/>
-              </a:lnSpc>
-              <a:spcBef>
-                <a:spcPts val="500"/>
-              </a:spcBef>
-              <a:buFont typeface="Arial" panose="020B0604020202020204" pitchFamily="34" charset="0"/>
-              <a:buChar char="•"/>
-              <a:defRPr sz="1799" kern="1200">
-                <a:solidFill>
-                  <a:schemeClr val="tx1"/>
-                </a:solidFill>
-                <a:latin typeface="+mn-lt"/>
-                <a:ea typeface="+mn-ea"/>
-                <a:cs typeface="+mn-cs"/>
-              </a:defRPr>
-            </a:lvl9pPr>
-          </a:lstStyle>
-          <a:p>
-            <a:r>
-              <a:rPr lang="en-US" sz="1600" b="1"/>
-              <a:t>1.  Render: 1473 ms</a:t>
-            </a:r>
-            <a:endParaRPr lang="de-DE" sz="1600" b="1"/>
-          </a:p>
-        </p:txBody>
-      </p:sp>
-      <p:sp>
-        <p:nvSpPr>
-          <p:cNvPr id="26" name="TextBox 25">
-            <a:extLst>
-              <a:ext uri="{FF2B5EF4-FFF2-40B4-BE49-F238E27FC236}">
-                <a16:creationId xmlns:a16="http://schemas.microsoft.com/office/drawing/2014/main" id="{3F130BA9-F944-57F2-1702-1E616F9A938D}"/>
-              </a:ext>
-            </a:extLst>
-          </p:cNvPr>
-          <p:cNvSpPr txBox="1"/>
-          <p:nvPr/>
-        </p:nvSpPr>
-        <p:spPr>
-          <a:xfrm>
-            <a:off x="838345" y="4417531"/>
-            <a:ext cx="7428200" cy="923330"/>
-          </a:xfrm>
-          <a:prstGeom prst="rect">
-            <a:avLst/>
-          </a:prstGeom>
-          <a:solidFill>
-            <a:schemeClr val="tx1"/>
-          </a:solidFill>
-        </p:spPr>
-        <p:txBody>
-          <a:bodyPr wrap="square">
-            <a:spAutoFit/>
-          </a:bodyPr>
-          <a:lstStyle/>
-          <a:p>
-            <a:r>
-              <a:rPr lang="en-US">
-                <a:solidFill>
-                  <a:srgbClr val="CC7832"/>
-                </a:solidFill>
-                <a:effectLst/>
-                <a:latin typeface="JetBrains Mono"/>
-              </a:rPr>
-              <a:t>const </a:t>
-            </a:r>
-            <a:r>
-              <a:rPr lang="en-US">
-                <a:solidFill>
-                  <a:srgbClr val="A9B7C6"/>
-                </a:solidFill>
-                <a:effectLst/>
-                <a:latin typeface="JetBrains Mono"/>
-              </a:rPr>
-              <a:t>cachedPokemonItems = </a:t>
-            </a:r>
-            <a:r>
-              <a:rPr lang="en-US">
-                <a:solidFill>
-                  <a:srgbClr val="FFC66D"/>
-                </a:solidFill>
-                <a:effectLst/>
-                <a:latin typeface="JetBrains Mono"/>
-              </a:rPr>
-              <a:t>useMemo</a:t>
-            </a:r>
-            <a:r>
-              <a:rPr lang="en-US">
-                <a:solidFill>
-                  <a:srgbClr val="A9B7C6"/>
-                </a:solidFill>
-                <a:effectLst/>
-                <a:latin typeface="JetBrains Mono"/>
-              </a:rPr>
-              <a:t>(() =&gt; pokemons.</a:t>
-            </a:r>
-            <a:r>
-              <a:rPr lang="en-US">
-                <a:solidFill>
-                  <a:srgbClr val="FFC66D"/>
-                </a:solidFill>
-                <a:effectLst/>
-                <a:latin typeface="JetBrains Mono"/>
-              </a:rPr>
-              <a:t>map</a:t>
-            </a:r>
-            <a:r>
-              <a:rPr lang="en-US">
-                <a:solidFill>
-                  <a:srgbClr val="A9B7C6"/>
-                </a:solidFill>
-                <a:effectLst/>
-                <a:latin typeface="JetBrains Mono"/>
-              </a:rPr>
-              <a:t>((pokemon) =&gt; (</a:t>
-            </a:r>
-            <a:br>
-              <a:rPr lang="en-US">
-                <a:solidFill>
-                  <a:srgbClr val="A9B7C6"/>
-                </a:solidFill>
-                <a:effectLst/>
-                <a:latin typeface="JetBrains Mono"/>
-              </a:rPr>
-            </a:br>
-            <a:r>
-              <a:rPr lang="en-US">
-                <a:solidFill>
-                  <a:srgbClr val="A9B7C6"/>
-                </a:solidFill>
-                <a:effectLst/>
-                <a:latin typeface="JetBrains Mono"/>
-              </a:rPr>
-              <a:t>  </a:t>
-            </a:r>
-            <a:r>
-              <a:rPr lang="en-US">
-                <a:solidFill>
-                  <a:srgbClr val="E8BF6A"/>
-                </a:solidFill>
-                <a:effectLst/>
-                <a:latin typeface="JetBrains Mono"/>
-              </a:rPr>
-              <a:t>&lt;ListItem </a:t>
-            </a:r>
-            <a:r>
-              <a:rPr lang="en-US">
-                <a:solidFill>
-                  <a:srgbClr val="BABABA"/>
-                </a:solidFill>
-                <a:effectLst/>
-                <a:latin typeface="JetBrains Mono"/>
-              </a:rPr>
-              <a:t>key</a:t>
-            </a:r>
-            <a:r>
-              <a:rPr lang="en-US">
-                <a:solidFill>
-                  <a:srgbClr val="6A8759"/>
-                </a:solidFill>
-                <a:effectLst/>
-                <a:latin typeface="JetBrains Mono"/>
-              </a:rPr>
-              <a:t>=</a:t>
-            </a:r>
-            <a:r>
-              <a:rPr lang="en-US">
-                <a:solidFill>
-                  <a:srgbClr val="A9B7C6"/>
-                </a:solidFill>
-                <a:effectLst/>
-                <a:latin typeface="JetBrains Mono"/>
-              </a:rPr>
-              <a:t>{pokemon.id}</a:t>
-            </a:r>
-            <a:r>
-              <a:rPr lang="en-US">
-                <a:solidFill>
-                  <a:srgbClr val="E8BF6A"/>
-                </a:solidFill>
-                <a:effectLst/>
-                <a:latin typeface="JetBrains Mono"/>
-              </a:rPr>
-              <a:t>&gt;</a:t>
-            </a:r>
-            <a:r>
-              <a:rPr lang="en-US">
-                <a:solidFill>
-                  <a:srgbClr val="A9B7C6"/>
-                </a:solidFill>
-                <a:effectLst/>
-                <a:latin typeface="JetBrains Mono"/>
-              </a:rPr>
-              <a:t>{ </a:t>
-            </a:r>
-            <a:r>
-              <a:rPr lang="en-US">
-                <a:solidFill>
-                  <a:srgbClr val="808080"/>
-                </a:solidFill>
-                <a:effectLst/>
-                <a:latin typeface="JetBrains Mono"/>
-              </a:rPr>
-              <a:t>/* Any Component */</a:t>
-            </a:r>
-            <a:r>
-              <a:rPr lang="en-US">
-                <a:solidFill>
-                  <a:srgbClr val="A9B7C6"/>
-                </a:solidFill>
-                <a:effectLst/>
-                <a:latin typeface="JetBrains Mono"/>
-              </a:rPr>
-              <a:t>}</a:t>
-            </a:r>
-            <a:r>
-              <a:rPr lang="en-US">
-                <a:solidFill>
-                  <a:srgbClr val="E8BF6A"/>
-                </a:solidFill>
-                <a:effectLst/>
-                <a:latin typeface="JetBrains Mono"/>
-              </a:rPr>
-              <a:t>&lt;/ListItem&gt;</a:t>
-            </a:r>
-            <a:br>
-              <a:rPr lang="en-US">
-                <a:solidFill>
-                  <a:srgbClr val="E8BF6A"/>
-                </a:solidFill>
-                <a:effectLst/>
-                <a:latin typeface="JetBrains Mono"/>
-              </a:rPr>
-            </a:br>
-            <a:r>
-              <a:rPr lang="en-US">
-                <a:solidFill>
-                  <a:srgbClr val="A9B7C6"/>
-                </a:solidFill>
-                <a:effectLst/>
-                <a:latin typeface="JetBrains Mono"/>
-              </a:rPr>
-              <a:t>))</a:t>
-            </a:r>
-            <a:r>
-              <a:rPr lang="en-US">
-                <a:solidFill>
-                  <a:srgbClr val="CC7832"/>
-                </a:solidFill>
-                <a:effectLst/>
-                <a:latin typeface="JetBrains Mono"/>
-              </a:rPr>
-              <a:t>, </a:t>
-            </a:r>
-            <a:r>
-              <a:rPr lang="en-US">
-                <a:solidFill>
-                  <a:srgbClr val="A9B7C6"/>
-                </a:solidFill>
-                <a:effectLst/>
-                <a:latin typeface="JetBrains Mono"/>
-              </a:rPr>
-              <a:t>[pokemons])</a:t>
-            </a:r>
-            <a:r>
-              <a:rPr lang="en-US">
-                <a:solidFill>
-                  <a:srgbClr val="CC7832"/>
-                </a:solidFill>
-                <a:effectLst/>
-                <a:latin typeface="JetBrains Mono"/>
-              </a:rPr>
-              <a:t>;</a:t>
-            </a:r>
-            <a:endParaRPr lang="en-US">
-              <a:solidFill>
-                <a:srgbClr val="A9B7C6"/>
-              </a:solidFill>
-              <a:effectLst/>
-              <a:latin typeface="JetBrains Mono"/>
-            </a:endParaRPr>
-          </a:p>
-        </p:txBody>
-      </p:sp>
-      <p:sp>
-        <p:nvSpPr>
-          <p:cNvPr id="28" name="TextBox 27">
-            <a:extLst>
-              <a:ext uri="{FF2B5EF4-FFF2-40B4-BE49-F238E27FC236}">
-                <a16:creationId xmlns:a16="http://schemas.microsoft.com/office/drawing/2014/main" id="{9C3518CD-0C87-5288-614F-CD76E8E8C7BC}"/>
-              </a:ext>
-            </a:extLst>
-          </p:cNvPr>
-          <p:cNvSpPr txBox="1"/>
-          <p:nvPr/>
-        </p:nvSpPr>
-        <p:spPr>
-          <a:xfrm>
-            <a:off x="838345" y="2028188"/>
-            <a:ext cx="7428199" cy="923330"/>
-          </a:xfrm>
-          <a:prstGeom prst="rect">
-            <a:avLst/>
-          </a:prstGeom>
-          <a:solidFill>
-            <a:schemeClr val="tx1"/>
-          </a:solidFill>
-        </p:spPr>
-        <p:txBody>
-          <a:bodyPr wrap="square">
-            <a:spAutoFit/>
-          </a:bodyPr>
-          <a:lstStyle/>
-          <a:p>
-            <a:r>
-              <a:rPr lang="en-US">
-                <a:solidFill>
-                  <a:srgbClr val="CC7832"/>
-                </a:solidFill>
-                <a:effectLst/>
-                <a:latin typeface="JetBrains Mono"/>
-              </a:rPr>
-              <a:t>const </a:t>
-            </a:r>
-            <a:r>
-              <a:rPr lang="en-US">
-                <a:solidFill>
-                  <a:srgbClr val="A9B7C6"/>
-                </a:solidFill>
-                <a:effectLst/>
-                <a:latin typeface="JetBrains Mono"/>
-              </a:rPr>
-              <a:t>pokemonItems = pokemons.</a:t>
-            </a:r>
-            <a:r>
-              <a:rPr lang="en-US">
-                <a:solidFill>
-                  <a:srgbClr val="FFC66D"/>
-                </a:solidFill>
-                <a:effectLst/>
-                <a:latin typeface="JetBrains Mono"/>
-              </a:rPr>
-              <a:t>map</a:t>
-            </a:r>
-            <a:r>
-              <a:rPr lang="en-US">
-                <a:solidFill>
-                  <a:srgbClr val="A9B7C6"/>
-                </a:solidFill>
-                <a:effectLst/>
-                <a:latin typeface="JetBrains Mono"/>
-              </a:rPr>
-              <a:t>((pokemon) =&gt; (</a:t>
-            </a:r>
-            <a:br>
-              <a:rPr lang="en-US">
-                <a:solidFill>
-                  <a:srgbClr val="A9B7C6"/>
-                </a:solidFill>
-                <a:effectLst/>
-                <a:latin typeface="JetBrains Mono"/>
-              </a:rPr>
-            </a:br>
-            <a:r>
-              <a:rPr lang="en-US">
-                <a:solidFill>
-                  <a:srgbClr val="A9B7C6"/>
-                </a:solidFill>
-                <a:effectLst/>
-                <a:latin typeface="JetBrains Mono"/>
-              </a:rPr>
-              <a:t>  </a:t>
-            </a:r>
-            <a:r>
-              <a:rPr lang="en-US">
-                <a:solidFill>
-                  <a:srgbClr val="E8BF6A"/>
-                </a:solidFill>
-                <a:effectLst/>
-                <a:latin typeface="JetBrains Mono"/>
-              </a:rPr>
-              <a:t>&lt;ListItem </a:t>
-            </a:r>
-            <a:r>
-              <a:rPr lang="en-US">
-                <a:solidFill>
-                  <a:srgbClr val="BABABA"/>
-                </a:solidFill>
-                <a:effectLst/>
-                <a:latin typeface="JetBrains Mono"/>
-              </a:rPr>
-              <a:t>key</a:t>
-            </a:r>
-            <a:r>
-              <a:rPr lang="en-US">
-                <a:solidFill>
-                  <a:srgbClr val="6A8759"/>
-                </a:solidFill>
-                <a:effectLst/>
-                <a:latin typeface="JetBrains Mono"/>
-              </a:rPr>
-              <a:t>=</a:t>
-            </a:r>
-            <a:r>
-              <a:rPr lang="en-US">
-                <a:solidFill>
-                  <a:srgbClr val="A9B7C6"/>
-                </a:solidFill>
-                <a:effectLst/>
-                <a:latin typeface="JetBrains Mono"/>
-              </a:rPr>
-              <a:t>{pokemon.id}</a:t>
-            </a:r>
-            <a:r>
-              <a:rPr lang="en-US">
-                <a:solidFill>
-                  <a:srgbClr val="E8BF6A"/>
-                </a:solidFill>
-                <a:effectLst/>
-                <a:latin typeface="JetBrains Mono"/>
-              </a:rPr>
-              <a:t>&gt;</a:t>
-            </a:r>
-            <a:r>
-              <a:rPr lang="en-US">
-                <a:solidFill>
-                  <a:srgbClr val="A9B7C6"/>
-                </a:solidFill>
-                <a:effectLst/>
-                <a:latin typeface="JetBrains Mono"/>
-              </a:rPr>
-              <a:t>{ </a:t>
-            </a:r>
-            <a:r>
-              <a:rPr lang="en-US">
-                <a:solidFill>
-                  <a:srgbClr val="808080"/>
-                </a:solidFill>
-                <a:effectLst/>
-                <a:latin typeface="JetBrains Mono"/>
-              </a:rPr>
-              <a:t>/* Any Component */</a:t>
-            </a:r>
-            <a:r>
-              <a:rPr lang="en-US">
-                <a:solidFill>
-                  <a:srgbClr val="A9B7C6"/>
-                </a:solidFill>
-                <a:effectLst/>
-                <a:latin typeface="JetBrains Mono"/>
-              </a:rPr>
-              <a:t>}</a:t>
-            </a:r>
-            <a:r>
-              <a:rPr lang="en-US">
-                <a:solidFill>
-                  <a:srgbClr val="E8BF6A"/>
-                </a:solidFill>
-                <a:effectLst/>
-                <a:latin typeface="JetBrains Mono"/>
-              </a:rPr>
-              <a:t>&lt;/ListItem&gt;</a:t>
-            </a:r>
-            <a:br>
-              <a:rPr lang="en-US">
-                <a:solidFill>
-                  <a:srgbClr val="E8BF6A"/>
-                </a:solidFill>
-                <a:effectLst/>
-                <a:latin typeface="JetBrains Mono"/>
-              </a:rPr>
-            </a:br>
-            <a:r>
-              <a:rPr lang="en-US">
-                <a:solidFill>
-                  <a:srgbClr val="A9B7C6"/>
-                </a:solidFill>
-                <a:effectLst/>
-                <a:latin typeface="JetBrains Mono"/>
-              </a:rPr>
-              <a:t>)</a:t>
-            </a:r>
-            <a:r>
-              <a:rPr lang="en-US">
-                <a:solidFill>
-                  <a:srgbClr val="CC7832"/>
-                </a:solidFill>
-                <a:effectLst/>
-                <a:latin typeface="JetBrains Mono"/>
-              </a:rPr>
-              <a:t> ;</a:t>
-            </a:r>
-            <a:endParaRPr lang="en-US">
-              <a:solidFill>
-                <a:srgbClr val="A9B7C6"/>
-              </a:solidFill>
-              <a:effectLst/>
-              <a:latin typeface="JetBrains Mono"/>
-            </a:endParaRPr>
-          </a:p>
-        </p:txBody>
-      </p:sp>
-      <p:sp>
-        <p:nvSpPr>
-          <p:cNvPr id="6" name="Content Placeholder 3">
-            <a:extLst>
-              <a:ext uri="{FF2B5EF4-FFF2-40B4-BE49-F238E27FC236}">
-                <a16:creationId xmlns:a16="http://schemas.microsoft.com/office/drawing/2014/main" id="{E2DA99F4-5DB5-4F1E-7056-5E34D28594FE}"/>
-              </a:ext>
-            </a:extLst>
-          </p:cNvPr>
-          <p:cNvSpPr txBox="1">
-            <a:spLocks/>
-          </p:cNvSpPr>
-          <p:nvPr/>
-        </p:nvSpPr>
-        <p:spPr>
-          <a:xfrm>
-            <a:off x="8421397" y="2516549"/>
-            <a:ext cx="2523692" cy="437098"/>
-          </a:xfrm>
-          <a:prstGeom prst="rect">
-            <a:avLst/>
-          </a:prstGeom>
-        </p:spPr>
-        <p:txBody>
-          <a:bodyPr vert="horz" lIns="91440" tIns="45720" rIns="91440" bIns="45720" rtlCol="0" anchor="ctr">
-            <a:noAutofit/>
-          </a:bodyPr>
-          <a:lstStyle>
-            <a:lvl1pPr marL="0" indent="0" algn="l" defTabSz="914349" rtl="0" eaLnBrk="1" latinLnBrk="0" hangingPunct="1">
-              <a:lnSpc>
-                <a:spcPct val="90000"/>
-              </a:lnSpc>
-              <a:spcBef>
-                <a:spcPts val="1000"/>
-              </a:spcBef>
-              <a:buClr>
-                <a:srgbClr val="0078D1"/>
-              </a:buClr>
-              <a:buFont typeface="Wingdings" panose="05000000000000000000" pitchFamily="2" charset="2"/>
-              <a:buNone/>
-              <a:defRPr sz="2800" kern="1200">
-                <a:solidFill>
-                  <a:schemeClr val="tx1"/>
-                </a:solidFill>
-                <a:latin typeface="Garet Book" pitchFamily="2" charset="0"/>
-                <a:ea typeface="+mn-ea"/>
-                <a:cs typeface="+mn-cs"/>
-              </a:defRPr>
-            </a:lvl1pPr>
-            <a:lvl2pPr marL="359980" indent="-228587" algn="l" defTabSz="914349" rtl="0" eaLnBrk="1" latinLnBrk="0" hangingPunct="1">
-              <a:lnSpc>
-                <a:spcPct val="90000"/>
-              </a:lnSpc>
-              <a:spcBef>
-                <a:spcPts val="500"/>
-              </a:spcBef>
-              <a:buClr>
-                <a:schemeClr val="tx2"/>
-              </a:buClr>
-              <a:buFont typeface="Wingdings" panose="05000000000000000000" pitchFamily="2" charset="2"/>
-              <a:buChar char="§"/>
-              <a:defRPr sz="2400" kern="1200">
-                <a:solidFill>
-                  <a:schemeClr val="tx1"/>
-                </a:solidFill>
-                <a:latin typeface="Garet Book" pitchFamily="2" charset="0"/>
-                <a:ea typeface="+mn-ea"/>
-                <a:cs typeface="+mn-cs"/>
-              </a:defRPr>
-            </a:lvl2pPr>
-            <a:lvl3pPr marL="611965" indent="-228587" algn="l" defTabSz="914349" rtl="0" eaLnBrk="1" latinLnBrk="0" hangingPunct="1">
-              <a:lnSpc>
-                <a:spcPct val="90000"/>
-              </a:lnSpc>
-              <a:spcBef>
-                <a:spcPts val="500"/>
-              </a:spcBef>
-              <a:buClr>
-                <a:schemeClr val="tx2"/>
-              </a:buClr>
-              <a:buFont typeface="Wingdings" panose="05000000000000000000" pitchFamily="2" charset="2"/>
-              <a:buChar char="§"/>
-              <a:defRPr sz="2000" kern="1200">
-                <a:solidFill>
-                  <a:schemeClr val="tx1"/>
-                </a:solidFill>
-                <a:latin typeface="Garet Book" pitchFamily="2" charset="0"/>
-                <a:ea typeface="+mn-ea"/>
-                <a:cs typeface="+mn-cs"/>
-              </a:defRPr>
-            </a:lvl3pPr>
-            <a:lvl4pPr marL="899950" indent="-228587" algn="l" defTabSz="914349" rtl="0" eaLnBrk="1" latinLnBrk="0" hangingPunct="1">
-              <a:lnSpc>
-                <a:spcPct val="90000"/>
-              </a:lnSpc>
-              <a:spcBef>
-                <a:spcPts val="500"/>
-              </a:spcBef>
-              <a:buClr>
-                <a:schemeClr val="tx2"/>
-              </a:buClr>
-              <a:buFont typeface="Wingdings" panose="05000000000000000000" pitchFamily="2" charset="2"/>
-              <a:buChar char="§"/>
-              <a:defRPr sz="1799" kern="1200">
-                <a:solidFill>
-                  <a:schemeClr val="tx1"/>
-                </a:solidFill>
-                <a:latin typeface="Garet Book" pitchFamily="2" charset="0"/>
-                <a:ea typeface="+mn-ea"/>
-                <a:cs typeface="+mn-cs"/>
-              </a:defRPr>
-            </a:lvl4pPr>
-            <a:lvl5pPr marL="1187934" indent="-228587" algn="l" defTabSz="914349" rtl="0" eaLnBrk="1" latinLnBrk="0" hangingPunct="1">
-              <a:lnSpc>
-                <a:spcPct val="90000"/>
-              </a:lnSpc>
-              <a:spcBef>
-                <a:spcPts val="500"/>
-              </a:spcBef>
-              <a:buClr>
-                <a:schemeClr val="tx2"/>
-              </a:buClr>
-              <a:buFont typeface="Wingdings" panose="05000000000000000000" pitchFamily="2" charset="2"/>
-              <a:buChar char="§"/>
-              <a:defRPr sz="1799" kern="1200">
-                <a:solidFill>
-                  <a:schemeClr val="tx1"/>
-                </a:solidFill>
-                <a:latin typeface="Garet Book" pitchFamily="2" charset="0"/>
-                <a:ea typeface="+mn-ea"/>
-                <a:cs typeface="+mn-cs"/>
-              </a:defRPr>
-            </a:lvl5pPr>
-            <a:lvl6pPr marL="2514460" indent="-228587" algn="l" defTabSz="914349" rtl="0" eaLnBrk="1" latinLnBrk="0" hangingPunct="1">
-              <a:lnSpc>
-                <a:spcPct val="90000"/>
-              </a:lnSpc>
-              <a:spcBef>
-                <a:spcPts val="500"/>
-              </a:spcBef>
-              <a:buFont typeface="Arial" panose="020B0604020202020204" pitchFamily="34" charset="0"/>
-              <a:buChar char="•"/>
-              <a:defRPr sz="1799" kern="1200">
-                <a:solidFill>
-                  <a:schemeClr val="tx1"/>
-                </a:solidFill>
-                <a:latin typeface="+mn-lt"/>
-                <a:ea typeface="+mn-ea"/>
-                <a:cs typeface="+mn-cs"/>
-              </a:defRPr>
-            </a:lvl6pPr>
-            <a:lvl7pPr marL="2971634" indent="-228587" algn="l" defTabSz="914349" rtl="0" eaLnBrk="1" latinLnBrk="0" hangingPunct="1">
-              <a:lnSpc>
-                <a:spcPct val="90000"/>
-              </a:lnSpc>
-              <a:spcBef>
-                <a:spcPts val="500"/>
-              </a:spcBef>
-              <a:buFont typeface="Arial" panose="020B0604020202020204" pitchFamily="34" charset="0"/>
-              <a:buChar char="•"/>
-              <a:defRPr sz="1799" kern="1200">
-                <a:solidFill>
-                  <a:schemeClr val="tx1"/>
-                </a:solidFill>
-                <a:latin typeface="+mn-lt"/>
-                <a:ea typeface="+mn-ea"/>
-                <a:cs typeface="+mn-cs"/>
-              </a:defRPr>
-            </a:lvl7pPr>
-            <a:lvl8pPr marL="3428808" indent="-228587" algn="l" defTabSz="914349" rtl="0" eaLnBrk="1" latinLnBrk="0" hangingPunct="1">
-              <a:lnSpc>
-                <a:spcPct val="90000"/>
-              </a:lnSpc>
-              <a:spcBef>
-                <a:spcPts val="500"/>
-              </a:spcBef>
-              <a:buFont typeface="Arial" panose="020B0604020202020204" pitchFamily="34" charset="0"/>
-              <a:buChar char="•"/>
-              <a:defRPr sz="1799" kern="1200">
-                <a:solidFill>
-                  <a:schemeClr val="tx1"/>
-                </a:solidFill>
-                <a:latin typeface="+mn-lt"/>
-                <a:ea typeface="+mn-ea"/>
-                <a:cs typeface="+mn-cs"/>
-              </a:defRPr>
-            </a:lvl8pPr>
-            <a:lvl9pPr marL="3885983" indent="-228587" algn="l" defTabSz="914349" rtl="0" eaLnBrk="1" latinLnBrk="0" hangingPunct="1">
-              <a:lnSpc>
-                <a:spcPct val="90000"/>
-              </a:lnSpc>
-              <a:spcBef>
-                <a:spcPts val="500"/>
-              </a:spcBef>
-              <a:buFont typeface="Arial" panose="020B0604020202020204" pitchFamily="34" charset="0"/>
-              <a:buChar char="•"/>
-              <a:defRPr sz="1799" kern="1200">
-                <a:solidFill>
-                  <a:schemeClr val="tx1"/>
-                </a:solidFill>
-                <a:latin typeface="+mn-lt"/>
-                <a:ea typeface="+mn-ea"/>
-                <a:cs typeface="+mn-cs"/>
-              </a:defRPr>
-            </a:lvl9pPr>
-          </a:lstStyle>
-          <a:p>
-            <a:r>
-              <a:rPr lang="en-US" sz="1600" b="1"/>
-              <a:t>2. Render: </a:t>
-            </a:r>
-            <a:r>
-              <a:rPr lang="en-US" sz="1600" b="1">
-                <a:solidFill>
-                  <a:schemeClr val="bg2">
-                    <a:lumMod val="50000"/>
-                  </a:schemeClr>
-                </a:solidFill>
-              </a:rPr>
-              <a:t>1473 ms</a:t>
-            </a:r>
-            <a:endParaRPr lang="de-DE" sz="1600" b="1">
-              <a:solidFill>
-                <a:schemeClr val="bg2">
-                  <a:lumMod val="50000"/>
-                </a:schemeClr>
-              </a:solidFill>
-            </a:endParaRPr>
-          </a:p>
-        </p:txBody>
-      </p:sp>
-      <p:sp>
-        <p:nvSpPr>
-          <p:cNvPr id="19" name="Content Placeholder 3">
-            <a:extLst>
-              <a:ext uri="{FF2B5EF4-FFF2-40B4-BE49-F238E27FC236}">
-                <a16:creationId xmlns:a16="http://schemas.microsoft.com/office/drawing/2014/main" id="{983D0E26-3504-7CEB-4510-BD9A755A84DE}"/>
-              </a:ext>
-            </a:extLst>
-          </p:cNvPr>
-          <p:cNvSpPr txBox="1">
-            <a:spLocks/>
-          </p:cNvSpPr>
-          <p:nvPr/>
-        </p:nvSpPr>
-        <p:spPr>
-          <a:xfrm>
-            <a:off x="8421398" y="4415402"/>
-            <a:ext cx="2523691" cy="437098"/>
-          </a:xfrm>
-          <a:prstGeom prst="rect">
-            <a:avLst/>
-          </a:prstGeom>
-        </p:spPr>
-        <p:txBody>
-          <a:bodyPr vert="horz" lIns="91440" tIns="45720" rIns="91440" bIns="45720" rtlCol="0" anchor="ctr">
-            <a:noAutofit/>
-          </a:bodyPr>
-          <a:lstStyle>
-            <a:lvl1pPr marL="0" indent="0" algn="l" defTabSz="914349" rtl="0" eaLnBrk="1" latinLnBrk="0" hangingPunct="1">
-              <a:lnSpc>
-                <a:spcPct val="90000"/>
-              </a:lnSpc>
-              <a:spcBef>
-                <a:spcPts val="1000"/>
-              </a:spcBef>
-              <a:buClr>
-                <a:srgbClr val="0078D1"/>
-              </a:buClr>
-              <a:buFont typeface="Wingdings" panose="05000000000000000000" pitchFamily="2" charset="2"/>
-              <a:buNone/>
-              <a:defRPr sz="2800" kern="1200">
-                <a:solidFill>
-                  <a:schemeClr val="tx1"/>
-                </a:solidFill>
-                <a:latin typeface="Garet Book" pitchFamily="2" charset="0"/>
-                <a:ea typeface="+mn-ea"/>
-                <a:cs typeface="+mn-cs"/>
-              </a:defRPr>
-            </a:lvl1pPr>
-            <a:lvl2pPr marL="359980" indent="-228587" algn="l" defTabSz="914349" rtl="0" eaLnBrk="1" latinLnBrk="0" hangingPunct="1">
-              <a:lnSpc>
-                <a:spcPct val="90000"/>
-              </a:lnSpc>
-              <a:spcBef>
-                <a:spcPts val="500"/>
-              </a:spcBef>
-              <a:buClr>
-                <a:schemeClr val="tx2"/>
-              </a:buClr>
-              <a:buFont typeface="Wingdings" panose="05000000000000000000" pitchFamily="2" charset="2"/>
-              <a:buChar char="§"/>
-              <a:defRPr sz="2400" kern="1200">
-                <a:solidFill>
-                  <a:schemeClr val="tx1"/>
-                </a:solidFill>
-                <a:latin typeface="Garet Book" pitchFamily="2" charset="0"/>
-                <a:ea typeface="+mn-ea"/>
-                <a:cs typeface="+mn-cs"/>
-              </a:defRPr>
-            </a:lvl2pPr>
-            <a:lvl3pPr marL="611965" indent="-228587" algn="l" defTabSz="914349" rtl="0" eaLnBrk="1" latinLnBrk="0" hangingPunct="1">
-              <a:lnSpc>
-                <a:spcPct val="90000"/>
-              </a:lnSpc>
-              <a:spcBef>
-                <a:spcPts val="500"/>
-              </a:spcBef>
-              <a:buClr>
-                <a:schemeClr val="tx2"/>
-              </a:buClr>
-              <a:buFont typeface="Wingdings" panose="05000000000000000000" pitchFamily="2" charset="2"/>
-              <a:buChar char="§"/>
-              <a:defRPr sz="2000" kern="1200">
-                <a:solidFill>
-                  <a:schemeClr val="tx1"/>
-                </a:solidFill>
-                <a:latin typeface="Garet Book" pitchFamily="2" charset="0"/>
-                <a:ea typeface="+mn-ea"/>
-                <a:cs typeface="+mn-cs"/>
-              </a:defRPr>
-            </a:lvl3pPr>
-            <a:lvl4pPr marL="899950" indent="-228587" algn="l" defTabSz="914349" rtl="0" eaLnBrk="1" latinLnBrk="0" hangingPunct="1">
-              <a:lnSpc>
-                <a:spcPct val="90000"/>
-              </a:lnSpc>
-              <a:spcBef>
-                <a:spcPts val="500"/>
-              </a:spcBef>
-              <a:buClr>
-                <a:schemeClr val="tx2"/>
-              </a:buClr>
-              <a:buFont typeface="Wingdings" panose="05000000000000000000" pitchFamily="2" charset="2"/>
-              <a:buChar char="§"/>
-              <a:defRPr sz="1799" kern="1200">
-                <a:solidFill>
-                  <a:schemeClr val="tx1"/>
-                </a:solidFill>
-                <a:latin typeface="Garet Book" pitchFamily="2" charset="0"/>
-                <a:ea typeface="+mn-ea"/>
-                <a:cs typeface="+mn-cs"/>
-              </a:defRPr>
-            </a:lvl4pPr>
-            <a:lvl5pPr marL="1187934" indent="-228587" algn="l" defTabSz="914349" rtl="0" eaLnBrk="1" latinLnBrk="0" hangingPunct="1">
-              <a:lnSpc>
-                <a:spcPct val="90000"/>
-              </a:lnSpc>
-              <a:spcBef>
-                <a:spcPts val="500"/>
-              </a:spcBef>
-              <a:buClr>
-                <a:schemeClr val="tx2"/>
-              </a:buClr>
-              <a:buFont typeface="Wingdings" panose="05000000000000000000" pitchFamily="2" charset="2"/>
-              <a:buChar char="§"/>
-              <a:defRPr sz="1799" kern="1200">
-                <a:solidFill>
-                  <a:schemeClr val="tx1"/>
-                </a:solidFill>
-                <a:latin typeface="Garet Book" pitchFamily="2" charset="0"/>
-                <a:ea typeface="+mn-ea"/>
-                <a:cs typeface="+mn-cs"/>
-              </a:defRPr>
-            </a:lvl5pPr>
-            <a:lvl6pPr marL="2514460" indent="-228587" algn="l" defTabSz="914349" rtl="0" eaLnBrk="1" latinLnBrk="0" hangingPunct="1">
-              <a:lnSpc>
-                <a:spcPct val="90000"/>
-              </a:lnSpc>
-              <a:spcBef>
-                <a:spcPts val="500"/>
-              </a:spcBef>
-              <a:buFont typeface="Arial" panose="020B0604020202020204" pitchFamily="34" charset="0"/>
-              <a:buChar char="•"/>
-              <a:defRPr sz="1799" kern="1200">
-                <a:solidFill>
-                  <a:schemeClr val="tx1"/>
-                </a:solidFill>
-                <a:latin typeface="+mn-lt"/>
-                <a:ea typeface="+mn-ea"/>
-                <a:cs typeface="+mn-cs"/>
-              </a:defRPr>
-            </a:lvl6pPr>
-            <a:lvl7pPr marL="2971634" indent="-228587" algn="l" defTabSz="914349" rtl="0" eaLnBrk="1" latinLnBrk="0" hangingPunct="1">
-              <a:lnSpc>
-                <a:spcPct val="90000"/>
-              </a:lnSpc>
-              <a:spcBef>
-                <a:spcPts val="500"/>
-              </a:spcBef>
-              <a:buFont typeface="Arial" panose="020B0604020202020204" pitchFamily="34" charset="0"/>
-              <a:buChar char="•"/>
-              <a:defRPr sz="1799" kern="1200">
-                <a:solidFill>
-                  <a:schemeClr val="tx1"/>
-                </a:solidFill>
-                <a:latin typeface="+mn-lt"/>
-                <a:ea typeface="+mn-ea"/>
-                <a:cs typeface="+mn-cs"/>
-              </a:defRPr>
-            </a:lvl7pPr>
-            <a:lvl8pPr marL="3428808" indent="-228587" algn="l" defTabSz="914349" rtl="0" eaLnBrk="1" latinLnBrk="0" hangingPunct="1">
-              <a:lnSpc>
-                <a:spcPct val="90000"/>
-              </a:lnSpc>
-              <a:spcBef>
-                <a:spcPts val="500"/>
-              </a:spcBef>
-              <a:buFont typeface="Arial" panose="020B0604020202020204" pitchFamily="34" charset="0"/>
-              <a:buChar char="•"/>
-              <a:defRPr sz="1799" kern="1200">
-                <a:solidFill>
-                  <a:schemeClr val="tx1"/>
-                </a:solidFill>
-                <a:latin typeface="+mn-lt"/>
-                <a:ea typeface="+mn-ea"/>
-                <a:cs typeface="+mn-cs"/>
-              </a:defRPr>
-            </a:lvl8pPr>
-            <a:lvl9pPr marL="3885983" indent="-228587" algn="l" defTabSz="914349" rtl="0" eaLnBrk="1" latinLnBrk="0" hangingPunct="1">
-              <a:lnSpc>
-                <a:spcPct val="90000"/>
-              </a:lnSpc>
-              <a:spcBef>
-                <a:spcPts val="500"/>
-              </a:spcBef>
-              <a:buFont typeface="Arial" panose="020B0604020202020204" pitchFamily="34" charset="0"/>
-              <a:buChar char="•"/>
-              <a:defRPr sz="1799" kern="1200">
-                <a:solidFill>
-                  <a:schemeClr val="tx1"/>
-                </a:solidFill>
-                <a:latin typeface="+mn-lt"/>
-                <a:ea typeface="+mn-ea"/>
-                <a:cs typeface="+mn-cs"/>
-              </a:defRPr>
-            </a:lvl9pPr>
-          </a:lstStyle>
-          <a:p>
-            <a:r>
-              <a:rPr lang="en-US" sz="1600" b="1"/>
-              <a:t>1.  Render: 1473 ms</a:t>
-            </a:r>
-            <a:endParaRPr lang="de-DE" sz="1600" b="1"/>
-          </a:p>
-        </p:txBody>
-      </p:sp>
-      <p:sp>
-        <p:nvSpPr>
-          <p:cNvPr id="20" name="Content Placeholder 3">
-            <a:extLst>
-              <a:ext uri="{FF2B5EF4-FFF2-40B4-BE49-F238E27FC236}">
-                <a16:creationId xmlns:a16="http://schemas.microsoft.com/office/drawing/2014/main" id="{CBC9AE5D-1BE1-5140-0296-36094B061083}"/>
-              </a:ext>
-            </a:extLst>
-          </p:cNvPr>
-          <p:cNvSpPr txBox="1">
-            <a:spLocks/>
-          </p:cNvSpPr>
-          <p:nvPr/>
-        </p:nvSpPr>
-        <p:spPr>
-          <a:xfrm>
-            <a:off x="8421397" y="4903763"/>
-            <a:ext cx="2523692" cy="437098"/>
-          </a:xfrm>
-          <a:prstGeom prst="rect">
-            <a:avLst/>
-          </a:prstGeom>
-        </p:spPr>
-        <p:txBody>
-          <a:bodyPr vert="horz" lIns="91440" tIns="45720" rIns="91440" bIns="45720" rtlCol="0" anchor="ctr">
-            <a:noAutofit/>
-          </a:bodyPr>
-          <a:lstStyle>
-            <a:lvl1pPr marL="0" indent="0" algn="l" defTabSz="914349" rtl="0" eaLnBrk="1" latinLnBrk="0" hangingPunct="1">
-              <a:lnSpc>
-                <a:spcPct val="90000"/>
-              </a:lnSpc>
-              <a:spcBef>
-                <a:spcPts val="1000"/>
-              </a:spcBef>
-              <a:buClr>
-                <a:srgbClr val="0078D1"/>
-              </a:buClr>
-              <a:buFont typeface="Wingdings" panose="05000000000000000000" pitchFamily="2" charset="2"/>
-              <a:buNone/>
-              <a:defRPr sz="2800" kern="1200">
-                <a:solidFill>
-                  <a:schemeClr val="tx1"/>
-                </a:solidFill>
-                <a:latin typeface="Garet Book" pitchFamily="2" charset="0"/>
-                <a:ea typeface="+mn-ea"/>
-                <a:cs typeface="+mn-cs"/>
-              </a:defRPr>
-            </a:lvl1pPr>
-            <a:lvl2pPr marL="359980" indent="-228587" algn="l" defTabSz="914349" rtl="0" eaLnBrk="1" latinLnBrk="0" hangingPunct="1">
-              <a:lnSpc>
-                <a:spcPct val="90000"/>
-              </a:lnSpc>
-              <a:spcBef>
-                <a:spcPts val="500"/>
-              </a:spcBef>
-              <a:buClr>
-                <a:schemeClr val="tx2"/>
-              </a:buClr>
-              <a:buFont typeface="Wingdings" panose="05000000000000000000" pitchFamily="2" charset="2"/>
-              <a:buChar char="§"/>
-              <a:defRPr sz="2400" kern="1200">
-                <a:solidFill>
-                  <a:schemeClr val="tx1"/>
-                </a:solidFill>
-                <a:latin typeface="Garet Book" pitchFamily="2" charset="0"/>
-                <a:ea typeface="+mn-ea"/>
-                <a:cs typeface="+mn-cs"/>
-              </a:defRPr>
-            </a:lvl2pPr>
-            <a:lvl3pPr marL="611965" indent="-228587" algn="l" defTabSz="914349" rtl="0" eaLnBrk="1" latinLnBrk="0" hangingPunct="1">
-              <a:lnSpc>
-                <a:spcPct val="90000"/>
-              </a:lnSpc>
-              <a:spcBef>
-                <a:spcPts val="500"/>
-              </a:spcBef>
-              <a:buClr>
-                <a:schemeClr val="tx2"/>
-              </a:buClr>
-              <a:buFont typeface="Wingdings" panose="05000000000000000000" pitchFamily="2" charset="2"/>
-              <a:buChar char="§"/>
-              <a:defRPr sz="2000" kern="1200">
-                <a:solidFill>
-                  <a:schemeClr val="tx1"/>
-                </a:solidFill>
-                <a:latin typeface="Garet Book" pitchFamily="2" charset="0"/>
-                <a:ea typeface="+mn-ea"/>
-                <a:cs typeface="+mn-cs"/>
-              </a:defRPr>
-            </a:lvl3pPr>
-            <a:lvl4pPr marL="899950" indent="-228587" algn="l" defTabSz="914349" rtl="0" eaLnBrk="1" latinLnBrk="0" hangingPunct="1">
-              <a:lnSpc>
-                <a:spcPct val="90000"/>
-              </a:lnSpc>
-              <a:spcBef>
-                <a:spcPts val="500"/>
-              </a:spcBef>
-              <a:buClr>
-                <a:schemeClr val="tx2"/>
-              </a:buClr>
-              <a:buFont typeface="Wingdings" panose="05000000000000000000" pitchFamily="2" charset="2"/>
-              <a:buChar char="§"/>
-              <a:defRPr sz="1799" kern="1200">
-                <a:solidFill>
-                  <a:schemeClr val="tx1"/>
-                </a:solidFill>
-                <a:latin typeface="Garet Book" pitchFamily="2" charset="0"/>
-                <a:ea typeface="+mn-ea"/>
-                <a:cs typeface="+mn-cs"/>
-              </a:defRPr>
-            </a:lvl4pPr>
-            <a:lvl5pPr marL="1187934" indent="-228587" algn="l" defTabSz="914349" rtl="0" eaLnBrk="1" latinLnBrk="0" hangingPunct="1">
-              <a:lnSpc>
-                <a:spcPct val="90000"/>
-              </a:lnSpc>
-              <a:spcBef>
-                <a:spcPts val="500"/>
-              </a:spcBef>
-              <a:buClr>
-                <a:schemeClr val="tx2"/>
-              </a:buClr>
-              <a:buFont typeface="Wingdings" panose="05000000000000000000" pitchFamily="2" charset="2"/>
-              <a:buChar char="§"/>
-              <a:defRPr sz="1799" kern="1200">
-                <a:solidFill>
-                  <a:schemeClr val="tx1"/>
-                </a:solidFill>
-                <a:latin typeface="Garet Book" pitchFamily="2" charset="0"/>
-                <a:ea typeface="+mn-ea"/>
-                <a:cs typeface="+mn-cs"/>
-              </a:defRPr>
-            </a:lvl5pPr>
-            <a:lvl6pPr marL="2514460" indent="-228587" algn="l" defTabSz="914349" rtl="0" eaLnBrk="1" latinLnBrk="0" hangingPunct="1">
-              <a:lnSpc>
-                <a:spcPct val="90000"/>
-              </a:lnSpc>
-              <a:spcBef>
-                <a:spcPts val="500"/>
-              </a:spcBef>
-              <a:buFont typeface="Arial" panose="020B0604020202020204" pitchFamily="34" charset="0"/>
-              <a:buChar char="•"/>
-              <a:defRPr sz="1799" kern="1200">
-                <a:solidFill>
-                  <a:schemeClr val="tx1"/>
-                </a:solidFill>
-                <a:latin typeface="+mn-lt"/>
-                <a:ea typeface="+mn-ea"/>
-                <a:cs typeface="+mn-cs"/>
-              </a:defRPr>
-            </a:lvl6pPr>
-            <a:lvl7pPr marL="2971634" indent="-228587" algn="l" defTabSz="914349" rtl="0" eaLnBrk="1" latinLnBrk="0" hangingPunct="1">
-              <a:lnSpc>
-                <a:spcPct val="90000"/>
-              </a:lnSpc>
-              <a:spcBef>
-                <a:spcPts val="500"/>
-              </a:spcBef>
-              <a:buFont typeface="Arial" panose="020B0604020202020204" pitchFamily="34" charset="0"/>
-              <a:buChar char="•"/>
-              <a:defRPr sz="1799" kern="1200">
-                <a:solidFill>
-                  <a:schemeClr val="tx1"/>
-                </a:solidFill>
-                <a:latin typeface="+mn-lt"/>
-                <a:ea typeface="+mn-ea"/>
-                <a:cs typeface="+mn-cs"/>
-              </a:defRPr>
-            </a:lvl7pPr>
-            <a:lvl8pPr marL="3428808" indent="-228587" algn="l" defTabSz="914349" rtl="0" eaLnBrk="1" latinLnBrk="0" hangingPunct="1">
-              <a:lnSpc>
-                <a:spcPct val="90000"/>
-              </a:lnSpc>
-              <a:spcBef>
-                <a:spcPts val="500"/>
-              </a:spcBef>
-              <a:buFont typeface="Arial" panose="020B0604020202020204" pitchFamily="34" charset="0"/>
-              <a:buChar char="•"/>
-              <a:defRPr sz="1799" kern="1200">
-                <a:solidFill>
-                  <a:schemeClr val="tx1"/>
-                </a:solidFill>
-                <a:latin typeface="+mn-lt"/>
-                <a:ea typeface="+mn-ea"/>
-                <a:cs typeface="+mn-cs"/>
-              </a:defRPr>
-            </a:lvl8pPr>
-            <a:lvl9pPr marL="3885983" indent="-228587" algn="l" defTabSz="914349" rtl="0" eaLnBrk="1" latinLnBrk="0" hangingPunct="1">
-              <a:lnSpc>
-                <a:spcPct val="90000"/>
-              </a:lnSpc>
-              <a:spcBef>
-                <a:spcPts val="500"/>
-              </a:spcBef>
-              <a:buFont typeface="Arial" panose="020B0604020202020204" pitchFamily="34" charset="0"/>
-              <a:buChar char="•"/>
-              <a:defRPr sz="1799" kern="1200">
-                <a:solidFill>
-                  <a:schemeClr val="tx1"/>
-                </a:solidFill>
-                <a:latin typeface="+mn-lt"/>
-                <a:ea typeface="+mn-ea"/>
-                <a:cs typeface="+mn-cs"/>
-              </a:defRPr>
-            </a:lvl9pPr>
-          </a:lstStyle>
-          <a:p>
-            <a:r>
-              <a:rPr lang="en-US" sz="1600" b="1"/>
-              <a:t>2. Render: </a:t>
-            </a:r>
-            <a:r>
-              <a:rPr lang="en-US" sz="1600" b="1">
-                <a:solidFill>
-                  <a:srgbClr val="92D050"/>
-                </a:solidFill>
-              </a:rPr>
-              <a:t>~ 1 ms</a:t>
-            </a:r>
-            <a:endParaRPr lang="de-DE" sz="1600" b="1">
-              <a:solidFill>
-                <a:srgbClr val="92D050"/>
-              </a:solidFill>
-            </a:endParaRPr>
-          </a:p>
-        </p:txBody>
-      </p:sp>
-      <p:sp>
-        <p:nvSpPr>
-          <p:cNvPr id="25" name="Text Placeholder 2">
-            <a:extLst>
-              <a:ext uri="{FF2B5EF4-FFF2-40B4-BE49-F238E27FC236}">
-                <a16:creationId xmlns:a16="http://schemas.microsoft.com/office/drawing/2014/main" id="{4DF4CB98-3468-00B7-D3BB-3386D6DB74CF}"/>
-              </a:ext>
-            </a:extLst>
-          </p:cNvPr>
-          <p:cNvSpPr txBox="1">
-            <a:spLocks/>
-          </p:cNvSpPr>
-          <p:nvPr/>
-        </p:nvSpPr>
-        <p:spPr>
-          <a:xfrm>
-            <a:off x="838345" y="4003446"/>
-            <a:ext cx="2089582" cy="411956"/>
+            <a:off x="839789" y="2343531"/>
+            <a:ext cx="8036356" cy="3059742"/>
           </a:xfrm>
           <a:prstGeom prst="rect">
             <a:avLst/>
@@ -16086,273 +13620,6 @@
         </p:spPr>
         <p:txBody>
           <a:bodyPr vert="horz" lIns="91440" tIns="45720" rIns="91440" bIns="45720" rtlCol="0">
-            <a:normAutofit/>
-          </a:bodyPr>
-          <a:lstStyle>
-            <a:lvl1pPr marL="0" indent="0" algn="l" defTabSz="914349" rtl="0" eaLnBrk="1" latinLnBrk="0" hangingPunct="1">
-              <a:lnSpc>
-                <a:spcPct val="90000"/>
-              </a:lnSpc>
-              <a:spcBef>
-                <a:spcPts val="1000"/>
-              </a:spcBef>
-              <a:buClr>
-                <a:srgbClr val="0078D1"/>
-              </a:buClr>
-              <a:buFont typeface="Wingdings" panose="05000000000000000000" pitchFamily="2" charset="2"/>
-              <a:buNone/>
-              <a:defRPr sz="2800" kern="1200">
-                <a:solidFill>
-                  <a:schemeClr val="tx1"/>
-                </a:solidFill>
-                <a:latin typeface="Garet Book" pitchFamily="2" charset="0"/>
-                <a:ea typeface="+mn-ea"/>
-                <a:cs typeface="+mn-cs"/>
-              </a:defRPr>
-            </a:lvl1pPr>
-            <a:lvl2pPr marL="359980" indent="-228587" algn="l" defTabSz="914349" rtl="0" eaLnBrk="1" latinLnBrk="0" hangingPunct="1">
-              <a:lnSpc>
-                <a:spcPct val="90000"/>
-              </a:lnSpc>
-              <a:spcBef>
-                <a:spcPts val="500"/>
-              </a:spcBef>
-              <a:buClr>
-                <a:schemeClr val="tx2"/>
-              </a:buClr>
-              <a:buFont typeface="Wingdings" panose="05000000000000000000" pitchFamily="2" charset="2"/>
-              <a:buChar char="§"/>
-              <a:defRPr sz="2400" kern="1200">
-                <a:solidFill>
-                  <a:schemeClr val="tx1"/>
-                </a:solidFill>
-                <a:latin typeface="Garet Book" pitchFamily="2" charset="0"/>
-                <a:ea typeface="+mn-ea"/>
-                <a:cs typeface="+mn-cs"/>
-              </a:defRPr>
-            </a:lvl2pPr>
-            <a:lvl3pPr marL="611965" indent="-228587" algn="l" defTabSz="914349" rtl="0" eaLnBrk="1" latinLnBrk="0" hangingPunct="1">
-              <a:lnSpc>
-                <a:spcPct val="90000"/>
-              </a:lnSpc>
-              <a:spcBef>
-                <a:spcPts val="500"/>
-              </a:spcBef>
-              <a:buClr>
-                <a:schemeClr val="tx2"/>
-              </a:buClr>
-              <a:buFont typeface="Wingdings" panose="05000000000000000000" pitchFamily="2" charset="2"/>
-              <a:buChar char="§"/>
-              <a:defRPr sz="2000" kern="1200">
-                <a:solidFill>
-                  <a:schemeClr val="tx1"/>
-                </a:solidFill>
-                <a:latin typeface="Garet Book" pitchFamily="2" charset="0"/>
-                <a:ea typeface="+mn-ea"/>
-                <a:cs typeface="+mn-cs"/>
-              </a:defRPr>
-            </a:lvl3pPr>
-            <a:lvl4pPr marL="899950" indent="-228587" algn="l" defTabSz="914349" rtl="0" eaLnBrk="1" latinLnBrk="0" hangingPunct="1">
-              <a:lnSpc>
-                <a:spcPct val="90000"/>
-              </a:lnSpc>
-              <a:spcBef>
-                <a:spcPts val="500"/>
-              </a:spcBef>
-              <a:buClr>
-                <a:schemeClr val="tx2"/>
-              </a:buClr>
-              <a:buFont typeface="Wingdings" panose="05000000000000000000" pitchFamily="2" charset="2"/>
-              <a:buChar char="§"/>
-              <a:defRPr sz="1799" kern="1200">
-                <a:solidFill>
-                  <a:schemeClr val="tx1"/>
-                </a:solidFill>
-                <a:latin typeface="Garet Book" pitchFamily="2" charset="0"/>
-                <a:ea typeface="+mn-ea"/>
-                <a:cs typeface="+mn-cs"/>
-              </a:defRPr>
-            </a:lvl4pPr>
-            <a:lvl5pPr marL="1187934" indent="-228587" algn="l" defTabSz="914349" rtl="0" eaLnBrk="1" latinLnBrk="0" hangingPunct="1">
-              <a:lnSpc>
-                <a:spcPct val="90000"/>
-              </a:lnSpc>
-              <a:spcBef>
-                <a:spcPts val="500"/>
-              </a:spcBef>
-              <a:buClr>
-                <a:schemeClr val="tx2"/>
-              </a:buClr>
-              <a:buFont typeface="Wingdings" panose="05000000000000000000" pitchFamily="2" charset="2"/>
-              <a:buChar char="§"/>
-              <a:defRPr sz="1799" kern="1200">
-                <a:solidFill>
-                  <a:schemeClr val="tx1"/>
-                </a:solidFill>
-                <a:latin typeface="Garet Book" pitchFamily="2" charset="0"/>
-                <a:ea typeface="+mn-ea"/>
-                <a:cs typeface="+mn-cs"/>
-              </a:defRPr>
-            </a:lvl5pPr>
-            <a:lvl6pPr marL="2514460" indent="-228587" algn="l" defTabSz="914349" rtl="0" eaLnBrk="1" latinLnBrk="0" hangingPunct="1">
-              <a:lnSpc>
-                <a:spcPct val="90000"/>
-              </a:lnSpc>
-              <a:spcBef>
-                <a:spcPts val="500"/>
-              </a:spcBef>
-              <a:buFont typeface="Arial" panose="020B0604020202020204" pitchFamily="34" charset="0"/>
-              <a:buChar char="•"/>
-              <a:defRPr sz="1799" kern="1200">
-                <a:solidFill>
-                  <a:schemeClr val="tx1"/>
-                </a:solidFill>
-                <a:latin typeface="+mn-lt"/>
-                <a:ea typeface="+mn-ea"/>
-                <a:cs typeface="+mn-cs"/>
-              </a:defRPr>
-            </a:lvl6pPr>
-            <a:lvl7pPr marL="2971634" indent="-228587" algn="l" defTabSz="914349" rtl="0" eaLnBrk="1" latinLnBrk="0" hangingPunct="1">
-              <a:lnSpc>
-                <a:spcPct val="90000"/>
-              </a:lnSpc>
-              <a:spcBef>
-                <a:spcPts val="500"/>
-              </a:spcBef>
-              <a:buFont typeface="Arial" panose="020B0604020202020204" pitchFamily="34" charset="0"/>
-              <a:buChar char="•"/>
-              <a:defRPr sz="1799" kern="1200">
-                <a:solidFill>
-                  <a:schemeClr val="tx1"/>
-                </a:solidFill>
-                <a:latin typeface="+mn-lt"/>
-                <a:ea typeface="+mn-ea"/>
-                <a:cs typeface="+mn-cs"/>
-              </a:defRPr>
-            </a:lvl7pPr>
-            <a:lvl8pPr marL="3428808" indent="-228587" algn="l" defTabSz="914349" rtl="0" eaLnBrk="1" latinLnBrk="0" hangingPunct="1">
-              <a:lnSpc>
-                <a:spcPct val="90000"/>
-              </a:lnSpc>
-              <a:spcBef>
-                <a:spcPts val="500"/>
-              </a:spcBef>
-              <a:buFont typeface="Arial" panose="020B0604020202020204" pitchFamily="34" charset="0"/>
-              <a:buChar char="•"/>
-              <a:defRPr sz="1799" kern="1200">
-                <a:solidFill>
-                  <a:schemeClr val="tx1"/>
-                </a:solidFill>
-                <a:latin typeface="+mn-lt"/>
-                <a:ea typeface="+mn-ea"/>
-                <a:cs typeface="+mn-cs"/>
-              </a:defRPr>
-            </a:lvl8pPr>
-            <a:lvl9pPr marL="3885983" indent="-228587" algn="l" defTabSz="914349" rtl="0" eaLnBrk="1" latinLnBrk="0" hangingPunct="1">
-              <a:lnSpc>
-                <a:spcPct val="90000"/>
-              </a:lnSpc>
-              <a:spcBef>
-                <a:spcPts val="500"/>
-              </a:spcBef>
-              <a:buFont typeface="Arial" panose="020B0604020202020204" pitchFamily="34" charset="0"/>
-              <a:buChar char="•"/>
-              <a:defRPr sz="1799" kern="1200">
-                <a:solidFill>
-                  <a:schemeClr val="tx1"/>
-                </a:solidFill>
-                <a:latin typeface="+mn-lt"/>
-                <a:ea typeface="+mn-ea"/>
-                <a:cs typeface="+mn-cs"/>
-              </a:defRPr>
-            </a:lvl9pPr>
-          </a:lstStyle>
-          <a:p>
-            <a:r>
-              <a:rPr lang="de-DE" sz="2000"/>
-              <a:t>Mit useMemo:</a:t>
-            </a:r>
-          </a:p>
-        </p:txBody>
-      </p:sp>
-      <p:sp>
-        <p:nvSpPr>
-          <p:cNvPr id="29" name="Arrow: Right 28">
-            <a:extLst>
-              <a:ext uri="{FF2B5EF4-FFF2-40B4-BE49-F238E27FC236}">
-                <a16:creationId xmlns:a16="http://schemas.microsoft.com/office/drawing/2014/main" id="{DBA5B03F-2498-1CDA-3BFC-E3FD32A44585}"/>
-              </a:ext>
-            </a:extLst>
-          </p:cNvPr>
-          <p:cNvSpPr/>
-          <p:nvPr/>
-        </p:nvSpPr>
-        <p:spPr>
-          <a:xfrm rot="16200000">
-            <a:off x="1404592" y="5402871"/>
-            <a:ext cx="501995" cy="455093"/>
-          </a:xfrm>
-          <a:prstGeom prst="rightArrow">
-            <a:avLst/>
-          </a:prstGeom>
-          <a:solidFill>
-            <a:schemeClr val="bg2"/>
-          </a:solidFill>
-        </p:spPr>
-        <p:style>
-          <a:lnRef idx="2">
-            <a:schemeClr val="accent1">
-              <a:shade val="15000"/>
-            </a:schemeClr>
-          </a:lnRef>
-          <a:fillRef idx="1">
-            <a:schemeClr val="accent1"/>
-          </a:fillRef>
-          <a:effectRef idx="0">
-            <a:schemeClr val="accent1"/>
-          </a:effectRef>
-          <a:fontRef idx="minor">
-            <a:schemeClr val="lt1"/>
-          </a:fontRef>
-        </p:style>
-        <p:txBody>
-          <a:bodyPr rtlCol="0" anchor="ctr"/>
-          <a:lstStyle/>
-          <a:p>
-            <a:pPr algn="ctr"/>
-            <a:endParaRPr lang="de-DE" sz="1200">
-              <a:solidFill>
-                <a:schemeClr val="bg1"/>
-              </a:solidFill>
-            </a:endParaRPr>
-          </a:p>
-        </p:txBody>
-      </p:sp>
-      <p:sp>
-        <p:nvSpPr>
-          <p:cNvPr id="32" name="Content Placeholder 3">
-            <a:extLst>
-              <a:ext uri="{FF2B5EF4-FFF2-40B4-BE49-F238E27FC236}">
-                <a16:creationId xmlns:a16="http://schemas.microsoft.com/office/drawing/2014/main" id="{09928B2E-67D8-EEED-D7C6-58D70A3FE4B1}"/>
-              </a:ext>
-            </a:extLst>
-          </p:cNvPr>
-          <p:cNvSpPr txBox="1">
-            <a:spLocks/>
-          </p:cNvSpPr>
-          <p:nvPr/>
-        </p:nvSpPr>
-        <p:spPr>
-          <a:xfrm>
-            <a:off x="719325" y="5919974"/>
-            <a:ext cx="1872528" cy="437098"/>
-          </a:xfrm>
-          <a:prstGeom prst="rect">
-            <a:avLst/>
-          </a:prstGeom>
-        </p:spPr>
-        <p:txBody>
-          <a:bodyPr vert="horz" lIns="91440" tIns="45720" rIns="91440" bIns="45720" rtlCol="0" anchor="ctr">
             <a:noAutofit/>
           </a:bodyPr>
           <a:lstStyle>
@@ -16535,18 +13802,145 @@
             </a:lvl9pPr>
           </a:lstStyle>
           <a:p>
-            <a:r>
-              <a:rPr lang="en-US" sz="1600" b="1"/>
-              <a:t>Dependencies</a:t>
-            </a:r>
-            <a:endParaRPr lang="de-DE" sz="1600" b="1"/>
+            <a:pPr marL="457200" indent="-457200" defTabSz="914400">
+              <a:spcBef>
+                <a:spcPts val="500"/>
+              </a:spcBef>
+              <a:buClr>
+                <a:srgbClr val="5E42F5"/>
+              </a:buClr>
+              <a:buFont typeface="Wingdings" panose="05000000000000000000" pitchFamily="2" charset="2"/>
+              <a:buChar char="§"/>
+              <a:defRPr/>
+            </a:pPr>
+            <a:r>
+              <a:rPr lang="en-US" sz="1800"/>
+              <a:t>ToDo 2.1: 	Dispatch Jwt to LoginSlice </a:t>
+            </a:r>
+          </a:p>
+          <a:p>
+            <a:pPr marL="817180" lvl="1" indent="-457200" defTabSz="914400">
+              <a:buClr>
+                <a:srgbClr val="5E42F5"/>
+              </a:buClr>
+              <a:defRPr/>
+            </a:pPr>
+            <a:r>
+              <a:rPr lang="en-US" sz="1400"/>
+              <a:t>LoginPage.tsx</a:t>
+            </a:r>
+          </a:p>
+          <a:p>
+            <a:pPr marL="457200" indent="-457200" defTabSz="914400">
+              <a:spcBef>
+                <a:spcPts val="500"/>
+              </a:spcBef>
+              <a:buClr>
+                <a:srgbClr val="5E42F5"/>
+              </a:buClr>
+              <a:buFont typeface="Wingdings" panose="05000000000000000000" pitchFamily="2" charset="2"/>
+              <a:buChar char="§"/>
+              <a:defRPr/>
+            </a:pPr>
+            <a:r>
+              <a:rPr lang="en-US" sz="1800"/>
+              <a:t>ToDo 2.2: 	Save Jwt to LocalStorage</a:t>
+            </a:r>
+          </a:p>
+          <a:p>
+            <a:pPr marL="817180" lvl="1" indent="-457200" defTabSz="914400">
+              <a:buClr>
+                <a:srgbClr val="5E42F5"/>
+              </a:buClr>
+              <a:defRPr/>
+            </a:pPr>
+            <a:r>
+              <a:rPr lang="en-US" sz="1400"/>
+              <a:t>LoginSlice.ts</a:t>
+            </a:r>
+          </a:p>
+          <a:p>
+            <a:pPr marL="457200" indent="-457200" defTabSz="914400">
+              <a:spcBef>
+                <a:spcPts val="500"/>
+              </a:spcBef>
+              <a:buClr>
+                <a:srgbClr val="5E42F5"/>
+              </a:buClr>
+              <a:buFont typeface="Wingdings" panose="05000000000000000000" pitchFamily="2" charset="2"/>
+              <a:buChar char="§"/>
+              <a:defRPr/>
+            </a:pPr>
+            <a:r>
+              <a:rPr lang="en-US" sz="1800"/>
+              <a:t>ToDo 2.3: 	Load Jwt from LocalStorage</a:t>
+            </a:r>
+          </a:p>
+          <a:p>
+            <a:pPr marL="817180" lvl="1" indent="-457200" defTabSz="914400">
+              <a:buClr>
+                <a:srgbClr val="5E42F5"/>
+              </a:buClr>
+              <a:defRPr/>
+            </a:pPr>
+            <a:r>
+              <a:rPr lang="en-US" sz="1400"/>
+              <a:t>LoginSlice.ts</a:t>
+            </a:r>
+          </a:p>
+          <a:p>
+            <a:pPr marL="457200" indent="-457200" defTabSz="914400">
+              <a:spcBef>
+                <a:spcPts val="500"/>
+              </a:spcBef>
+              <a:buClr>
+                <a:srgbClr val="5E42F5"/>
+              </a:buClr>
+              <a:buFont typeface="Wingdings" panose="05000000000000000000" pitchFamily="2" charset="2"/>
+              <a:buChar char="§"/>
+              <a:defRPr/>
+            </a:pPr>
+            <a:r>
+              <a:rPr lang="en-US" sz="1800"/>
+              <a:t>ToDo 2.4: 	Use Jwt from LoginSlice to redirect to MenuPage</a:t>
+            </a:r>
+          </a:p>
+          <a:p>
+            <a:pPr marL="817180" lvl="1" indent="-457200" defTabSz="914400">
+              <a:buClr>
+                <a:srgbClr val="5E42F5"/>
+              </a:buClr>
+              <a:defRPr/>
+            </a:pPr>
+            <a:r>
+              <a:rPr lang="en-US" sz="1400"/>
+              <a:t>LoginRoute.ts</a:t>
+            </a:r>
+          </a:p>
+          <a:p>
+            <a:pPr marL="457200" indent="-457200" defTabSz="914400">
+              <a:buClr>
+                <a:srgbClr val="5E42F5"/>
+              </a:buClr>
+              <a:defRPr/>
+            </a:pPr>
+            <a:endParaRPr lang="en-DE" sz="1800"/>
+          </a:p>
+          <a:p>
+            <a:pPr marL="817180" lvl="1" indent="-457200" defTabSz="914400">
+              <a:buClr>
+                <a:srgbClr val="5E42F5"/>
+              </a:buClr>
+              <a:defRPr/>
+            </a:pPr>
+            <a:endParaRPr lang="en-DE" sz="1400"/>
           </a:p>
         </p:txBody>
       </p:sp>
     </p:spTree>
     <p:extLst>
       <p:ext uri="{BB962C8B-B14F-4D97-AF65-F5344CB8AC3E}">
-        <p14:creationId xmlns:p14="http://schemas.microsoft.com/office/powerpoint/2010/main" val="1313307678"/>
+        <p14:creationId xmlns:p14="http://schemas.microsoft.com/office/powerpoint/2010/main" val="3273706099"/>
       </p:ext>
     </p:extLst>
   </p:cSld>
@@ -16575,10 +13969,10 @@
       </p:grpSpPr>
       <p:sp>
         <p:nvSpPr>
-          <p:cNvPr id="3" name="Titel 2">
+          <p:cNvPr id="2" name="Title 1">
             <a:extLst>
               <a:ext uri="{FF2B5EF4-FFF2-40B4-BE49-F238E27FC236}">
-                <a16:creationId xmlns:a16="http://schemas.microsoft.com/office/drawing/2014/main" id="{F15C4302-1904-95F5-7E7B-E687AE6F4386}"/>
+                <a16:creationId xmlns:a16="http://schemas.microsoft.com/office/drawing/2014/main" id="{C4A5FD65-7FDD-4D18-C678-836520144630}"/>
               </a:ext>
             </a:extLst>
           </p:cNvPr>
@@ -16589,258 +13983,42 @@
             <p:ph type="title"/>
           </p:nvPr>
         </p:nvSpPr>
-        <p:spPr>
-          <a:xfrm>
-            <a:off x="838345" y="365125"/>
-            <a:ext cx="10515311" cy="1325563"/>
-          </a:xfrm>
-        </p:spPr>
+        <p:spPr/>
         <p:txBody>
-          <a:bodyPr anchor="ctr">
-            <a:normAutofit/>
-          </a:bodyPr>
+          <a:bodyPr/>
           <a:lstStyle/>
           <a:p>
             <a:r>
               <a:rPr lang="de-DE"/>
-              <a:t>useMemo</a:t>
+              <a:t>React Hooks</a:t>
             </a:r>
           </a:p>
         </p:txBody>
       </p:sp>
       <p:sp>
         <p:nvSpPr>
-          <p:cNvPr id="8" name="Content Placeholder 3">
+          <p:cNvPr id="3" name="Text Placeholder 2">
             <a:extLst>
               <a:ext uri="{FF2B5EF4-FFF2-40B4-BE49-F238E27FC236}">
-                <a16:creationId xmlns:a16="http://schemas.microsoft.com/office/drawing/2014/main" id="{F8067D0B-1FD0-FDF7-1568-B35177DD2661}"/>
+                <a16:creationId xmlns:a16="http://schemas.microsoft.com/office/drawing/2014/main" id="{78AB5AD5-718A-E719-D22A-1AA46A1A87A3}"/>
               </a:ext>
             </a:extLst>
           </p:cNvPr>
-          <p:cNvSpPr txBox="1">
-            <a:spLocks/>
+          <p:cNvSpPr>
+            <a:spLocks noGrp="1"/>
           </p:cNvSpPr>
-          <p:nvPr/>
+          <p:nvPr>
+            <p:ph type="body" idx="1"/>
+          </p:nvPr>
         </p:nvSpPr>
-        <p:spPr>
-          <a:xfrm>
-            <a:off x="839789" y="2310953"/>
-            <a:ext cx="7147764" cy="1626493"/>
-          </a:xfrm>
-          <a:prstGeom prst="rect">
-            <a:avLst/>
-          </a:prstGeom>
-        </p:spPr>
+        <p:spPr/>
         <p:txBody>
-          <a:bodyPr vert="horz" lIns="91440" tIns="45720" rIns="91440" bIns="45720" rtlCol="0">
-            <a:noAutofit/>
-          </a:bodyPr>
-          <a:lstStyle>
-            <a:lvl1pPr marL="0" indent="0" algn="l" defTabSz="914349" rtl="0" eaLnBrk="1" latinLnBrk="0" hangingPunct="1">
-              <a:lnSpc>
-                <a:spcPct val="90000"/>
-              </a:lnSpc>
-              <a:spcBef>
-                <a:spcPts val="1000"/>
-              </a:spcBef>
-              <a:buClr>
-                <a:srgbClr val="0078D1"/>
-              </a:buClr>
-              <a:buFont typeface="Wingdings" panose="05000000000000000000" pitchFamily="2" charset="2"/>
-              <a:buNone/>
-              <a:defRPr sz="2800" kern="1200">
-                <a:solidFill>
-                  <a:schemeClr val="tx1"/>
-                </a:solidFill>
-                <a:latin typeface="Garet Book" pitchFamily="2" charset="0"/>
-                <a:ea typeface="+mn-ea"/>
-                <a:cs typeface="+mn-cs"/>
-              </a:defRPr>
-            </a:lvl1pPr>
-            <a:lvl2pPr marL="359980" indent="-228587" algn="l" defTabSz="914349" rtl="0" eaLnBrk="1" latinLnBrk="0" hangingPunct="1">
-              <a:lnSpc>
-                <a:spcPct val="90000"/>
-              </a:lnSpc>
-              <a:spcBef>
-                <a:spcPts val="500"/>
-              </a:spcBef>
-              <a:buClr>
-                <a:schemeClr val="tx2"/>
-              </a:buClr>
-              <a:buFont typeface="Wingdings" panose="05000000000000000000" pitchFamily="2" charset="2"/>
-              <a:buChar char="§"/>
-              <a:defRPr sz="2400" kern="1200">
-                <a:solidFill>
-                  <a:schemeClr val="tx1"/>
-                </a:solidFill>
-                <a:latin typeface="Garet Book" pitchFamily="2" charset="0"/>
-                <a:ea typeface="+mn-ea"/>
-                <a:cs typeface="+mn-cs"/>
-              </a:defRPr>
-            </a:lvl2pPr>
-            <a:lvl3pPr marL="611965" indent="-228587" algn="l" defTabSz="914349" rtl="0" eaLnBrk="1" latinLnBrk="0" hangingPunct="1">
-              <a:lnSpc>
-                <a:spcPct val="90000"/>
-              </a:lnSpc>
-              <a:spcBef>
-                <a:spcPts val="500"/>
-              </a:spcBef>
-              <a:buClr>
-                <a:schemeClr val="tx2"/>
-              </a:buClr>
-              <a:buFont typeface="Wingdings" panose="05000000000000000000" pitchFamily="2" charset="2"/>
-              <a:buChar char="§"/>
-              <a:defRPr sz="2000" kern="1200">
-                <a:solidFill>
-                  <a:schemeClr val="tx1"/>
-                </a:solidFill>
-                <a:latin typeface="Garet Book" pitchFamily="2" charset="0"/>
-                <a:ea typeface="+mn-ea"/>
-                <a:cs typeface="+mn-cs"/>
-              </a:defRPr>
-            </a:lvl3pPr>
-            <a:lvl4pPr marL="899950" indent="-228587" algn="l" defTabSz="914349" rtl="0" eaLnBrk="1" latinLnBrk="0" hangingPunct="1">
-              <a:lnSpc>
-                <a:spcPct val="90000"/>
-              </a:lnSpc>
-              <a:spcBef>
-                <a:spcPts val="500"/>
-              </a:spcBef>
-              <a:buClr>
-                <a:schemeClr val="tx2"/>
-              </a:buClr>
-              <a:buFont typeface="Wingdings" panose="05000000000000000000" pitchFamily="2" charset="2"/>
-              <a:buChar char="§"/>
-              <a:defRPr sz="1799" kern="1200">
-                <a:solidFill>
-                  <a:schemeClr val="tx1"/>
-                </a:solidFill>
-                <a:latin typeface="Garet Book" pitchFamily="2" charset="0"/>
-                <a:ea typeface="+mn-ea"/>
-                <a:cs typeface="+mn-cs"/>
-              </a:defRPr>
-            </a:lvl4pPr>
-            <a:lvl5pPr marL="1187934" indent="-228587" algn="l" defTabSz="914349" rtl="0" eaLnBrk="1" latinLnBrk="0" hangingPunct="1">
-              <a:lnSpc>
-                <a:spcPct val="90000"/>
-              </a:lnSpc>
-              <a:spcBef>
-                <a:spcPts val="500"/>
-              </a:spcBef>
-              <a:buClr>
-                <a:schemeClr val="tx2"/>
-              </a:buClr>
-              <a:buFont typeface="Wingdings" panose="05000000000000000000" pitchFamily="2" charset="2"/>
-              <a:buChar char="§"/>
-              <a:defRPr sz="1799" kern="1200">
-                <a:solidFill>
-                  <a:schemeClr val="tx1"/>
-                </a:solidFill>
-                <a:latin typeface="Garet Book" pitchFamily="2" charset="0"/>
-                <a:ea typeface="+mn-ea"/>
-                <a:cs typeface="+mn-cs"/>
-              </a:defRPr>
-            </a:lvl5pPr>
-            <a:lvl6pPr marL="2514460" indent="-228587" algn="l" defTabSz="914349" rtl="0" eaLnBrk="1" latinLnBrk="0" hangingPunct="1">
-              <a:lnSpc>
-                <a:spcPct val="90000"/>
-              </a:lnSpc>
-              <a:spcBef>
-                <a:spcPts val="500"/>
-              </a:spcBef>
-              <a:buFont typeface="Arial" panose="020B0604020202020204" pitchFamily="34" charset="0"/>
-              <a:buChar char="•"/>
-              <a:defRPr sz="1799" kern="1200">
-                <a:solidFill>
-                  <a:schemeClr val="tx1"/>
-                </a:solidFill>
-                <a:latin typeface="+mn-lt"/>
-                <a:ea typeface="+mn-ea"/>
-                <a:cs typeface="+mn-cs"/>
-              </a:defRPr>
-            </a:lvl6pPr>
-            <a:lvl7pPr marL="2971634" indent="-228587" algn="l" defTabSz="914349" rtl="0" eaLnBrk="1" latinLnBrk="0" hangingPunct="1">
-              <a:lnSpc>
-                <a:spcPct val="90000"/>
-              </a:lnSpc>
-              <a:spcBef>
-                <a:spcPts val="500"/>
-              </a:spcBef>
-              <a:buFont typeface="Arial" panose="020B0604020202020204" pitchFamily="34" charset="0"/>
-              <a:buChar char="•"/>
-              <a:defRPr sz="1799" kern="1200">
-                <a:solidFill>
-                  <a:schemeClr val="tx1"/>
-                </a:solidFill>
-                <a:latin typeface="+mn-lt"/>
-                <a:ea typeface="+mn-ea"/>
-                <a:cs typeface="+mn-cs"/>
-              </a:defRPr>
-            </a:lvl7pPr>
-            <a:lvl8pPr marL="3428808" indent="-228587" algn="l" defTabSz="914349" rtl="0" eaLnBrk="1" latinLnBrk="0" hangingPunct="1">
-              <a:lnSpc>
-                <a:spcPct val="90000"/>
-              </a:lnSpc>
-              <a:spcBef>
-                <a:spcPts val="500"/>
-              </a:spcBef>
-              <a:buFont typeface="Arial" panose="020B0604020202020204" pitchFamily="34" charset="0"/>
-              <a:buChar char="•"/>
-              <a:defRPr sz="1799" kern="1200">
-                <a:solidFill>
-                  <a:schemeClr val="tx1"/>
-                </a:solidFill>
-                <a:latin typeface="+mn-lt"/>
-                <a:ea typeface="+mn-ea"/>
-                <a:cs typeface="+mn-cs"/>
-              </a:defRPr>
-            </a:lvl8pPr>
-            <a:lvl9pPr marL="3885983" indent="-228587" algn="l" defTabSz="914349" rtl="0" eaLnBrk="1" latinLnBrk="0" hangingPunct="1">
-              <a:lnSpc>
-                <a:spcPct val="90000"/>
-              </a:lnSpc>
-              <a:spcBef>
-                <a:spcPts val="500"/>
-              </a:spcBef>
-              <a:buFont typeface="Arial" panose="020B0604020202020204" pitchFamily="34" charset="0"/>
-              <a:buChar char="•"/>
-              <a:defRPr sz="1799" kern="1200">
-                <a:solidFill>
-                  <a:schemeClr val="tx1"/>
-                </a:solidFill>
-                <a:latin typeface="+mn-lt"/>
-                <a:ea typeface="+mn-ea"/>
-                <a:cs typeface="+mn-cs"/>
-              </a:defRPr>
-            </a:lvl9pPr>
-          </a:lstStyle>
-          <a:p>
-            <a:pPr marL="457200" indent="-457200" defTabSz="914400">
-              <a:spcBef>
-                <a:spcPts val="500"/>
-              </a:spcBef>
-              <a:buClr>
-                <a:srgbClr val="5E42F5"/>
-              </a:buClr>
-              <a:buFont typeface="Wingdings" panose="05000000000000000000" pitchFamily="2" charset="2"/>
-              <a:buChar char="§"/>
-              <a:defRPr/>
-            </a:pPr>
-            <a:r>
-              <a:rPr lang="en-US" sz="1800"/>
-              <a:t>ToDo 3.1: 	use useMemo on pokemons</a:t>
-            </a:r>
-          </a:p>
-          <a:p>
-            <a:pPr marL="817180" lvl="1" indent="-457200" defTabSz="914400">
-              <a:buClr>
-                <a:srgbClr val="5E42F5"/>
-              </a:buClr>
-              <a:defRPr/>
-            </a:pPr>
-            <a:r>
-              <a:rPr lang="en-US" sz="1400"/>
-              <a:t>PokemonTabContent.tsx</a:t>
+          <a:bodyPr/>
+          <a:lstStyle/>
+          <a:p>
+            <a:r>
+              <a:rPr lang="de-DE"/>
+              <a:t>By Tim</a:t>
             </a:r>
           </a:p>
         </p:txBody>
@@ -16848,7 +14026,7 @@
     </p:spTree>
     <p:extLst>
       <p:ext uri="{BB962C8B-B14F-4D97-AF65-F5344CB8AC3E}">
-        <p14:creationId xmlns:p14="http://schemas.microsoft.com/office/powerpoint/2010/main" val="3213854785"/>
+        <p14:creationId xmlns:p14="http://schemas.microsoft.com/office/powerpoint/2010/main" val="2176160067"/>
       </p:ext>
     </p:extLst>
   </p:cSld>
@@ -17119,7 +14297,7 @@
           <a:p>
             <a:r>
               <a:rPr lang="de-DE" sz="2000"/>
-              <a:t>useRef:</a:t>
+              <a:t>useMemo:</a:t>
             </a:r>
           </a:p>
         </p:txBody>
@@ -17143,7 +14321,7 @@
         <p:spPr>
           <a:xfrm>
             <a:off x="839789" y="2343531"/>
-            <a:ext cx="5256211" cy="935953"/>
+            <a:ext cx="5256211" cy="1626493"/>
           </a:xfrm>
         </p:spPr>
         <p:txBody>
@@ -17172,10 +14350,9 @@
               <a:defRPr/>
             </a:pPr>
             <a:r>
-              <a:rPr lang="en-US" sz="1800"/>
-              <a:t>Persistiert Werte zwischen Renderings</a:t>
-            </a:r>
-            <a:endParaRPr lang="en-DE" sz="1800"/>
+              <a:rPr lang="en-DE" sz="1800"/>
+              <a:t>kapselt eine Funktion, die einen memoisierten Wert zurückgibt</a:t>
+            </a:r>
           </a:p>
           <a:p>
             <a:pPr marL="457200" marR="0" lvl="0" indent="-457200" algn="l" defTabSz="914400" rtl="0" eaLnBrk="1" fontAlgn="auto" latinLnBrk="0" hangingPunct="1">
@@ -17216,8 +14393,8 @@
               <a:t>zu </a:t>
             </a:r>
             <a:r>
-              <a:rPr lang="en-US" sz="1800"/>
-              <a:t>useState aber löst keine Renderings aus</a:t>
+              <a:rPr lang="en-DE" sz="1800"/>
+              <a:t>useEffect durch abhängige States gesteuert, wann der Wert neu berechnet wird</a:t>
             </a:r>
             <a:endParaRPr kumimoji="0" lang="en-DE" sz="1800" i="0" u="none" strike="noStrike" kern="1200" cap="none" spc="0" normalizeH="0" baseline="0" noProof="0">
               <a:ln>
@@ -17235,278 +14412,805 @@
       </p:sp>
       <p:sp>
         <p:nvSpPr>
-          <p:cNvPr id="4" name="TextBox 3">
+          <p:cNvPr id="33" name="Arrow: Right 32">
             <a:extLst>
               <a:ext uri="{FF2B5EF4-FFF2-40B4-BE49-F238E27FC236}">
-                <a16:creationId xmlns:a16="http://schemas.microsoft.com/office/drawing/2014/main" id="{A96AED08-E0BD-D20C-FB85-598D1CEE7FE6}"/>
+                <a16:creationId xmlns:a16="http://schemas.microsoft.com/office/drawing/2014/main" id="{EEECCED3-0447-6EFB-9802-A6967B5426D3}"/>
               </a:ext>
             </a:extLst>
           </p:cNvPr>
-          <p:cNvSpPr txBox="1"/>
+          <p:cNvSpPr/>
           <p:nvPr/>
         </p:nvSpPr>
         <p:spPr>
           <a:xfrm>
-            <a:off x="838345" y="4380562"/>
-            <a:ext cx="6869546" cy="369332"/>
+            <a:off x="903000" y="4902340"/>
+            <a:ext cx="981219" cy="455093"/>
+          </a:xfrm>
+          <a:prstGeom prst="rightArrow">
+            <a:avLst/>
+          </a:prstGeom>
+          <a:solidFill>
+            <a:schemeClr val="bg2"/>
+          </a:solidFill>
+          <a:ln>
+            <a:solidFill>
+              <a:schemeClr val="tx1"/>
+            </a:solidFill>
+          </a:ln>
+        </p:spPr>
+        <p:style>
+          <a:lnRef idx="2">
+            <a:schemeClr val="accent1">
+              <a:shade val="15000"/>
+            </a:schemeClr>
+          </a:lnRef>
+          <a:fillRef idx="1">
+            <a:schemeClr val="accent1"/>
+          </a:fillRef>
+          <a:effectRef idx="0">
+            <a:schemeClr val="accent1"/>
+          </a:effectRef>
+          <a:fontRef idx="minor">
+            <a:schemeClr val="lt1"/>
+          </a:fontRef>
+        </p:style>
+        <p:txBody>
+          <a:bodyPr rtlCol="0" anchor="ctr"/>
+          <a:lstStyle/>
+          <a:p>
+            <a:pPr algn="ctr"/>
+            <a:r>
+              <a:rPr lang="de-DE" sz="1200">
+                <a:solidFill>
+                  <a:schemeClr val="bg1"/>
+                </a:solidFill>
+              </a:rPr>
+              <a:t>Render</a:t>
+            </a:r>
+          </a:p>
+        </p:txBody>
+      </p:sp>
+      <p:sp>
+        <p:nvSpPr>
+          <p:cNvPr id="37" name="Diamond 36">
+            <a:extLst>
+              <a:ext uri="{FF2B5EF4-FFF2-40B4-BE49-F238E27FC236}">
+                <a16:creationId xmlns:a16="http://schemas.microsoft.com/office/drawing/2014/main" id="{626B7858-50A5-14C1-D4F7-5338A98AFB49}"/>
+              </a:ext>
+            </a:extLst>
+          </p:cNvPr>
+          <p:cNvSpPr/>
+          <p:nvPr/>
+        </p:nvSpPr>
+        <p:spPr>
+          <a:xfrm>
+            <a:off x="3720088" y="4282452"/>
+            <a:ext cx="1717963" cy="1717963"/>
+          </a:xfrm>
+          <a:prstGeom prst="diamond">
+            <a:avLst/>
+          </a:prstGeom>
+        </p:spPr>
+        <p:style>
+          <a:lnRef idx="2">
+            <a:schemeClr val="accent2">
+              <a:shade val="15000"/>
+            </a:schemeClr>
+          </a:lnRef>
+          <a:fillRef idx="1">
+            <a:schemeClr val="accent2"/>
+          </a:fillRef>
+          <a:effectRef idx="0">
+            <a:schemeClr val="accent2"/>
+          </a:effectRef>
+          <a:fontRef idx="minor">
+            <a:schemeClr val="lt1"/>
+          </a:fontRef>
+        </p:style>
+        <p:txBody>
+          <a:bodyPr rtlCol="0" anchor="ctr"/>
+          <a:lstStyle/>
+          <a:p>
+            <a:pPr algn="ctr"/>
+            <a:endParaRPr lang="de-DE" sz="1200"/>
+          </a:p>
+        </p:txBody>
+      </p:sp>
+      <p:sp>
+        <p:nvSpPr>
+          <p:cNvPr id="38" name="Text Placeholder 2">
+            <a:extLst>
+              <a:ext uri="{FF2B5EF4-FFF2-40B4-BE49-F238E27FC236}">
+                <a16:creationId xmlns:a16="http://schemas.microsoft.com/office/drawing/2014/main" id="{0E24A600-1FB6-6C37-7D74-14FEDA5DF1F0}"/>
+              </a:ext>
+            </a:extLst>
+          </p:cNvPr>
+          <p:cNvSpPr txBox="1">
+            <a:spLocks/>
+          </p:cNvSpPr>
+          <p:nvPr/>
+        </p:nvSpPr>
+        <p:spPr>
+          <a:xfrm>
+            <a:off x="3720088" y="5011676"/>
+            <a:ext cx="1717963" cy="416347"/>
           </a:xfrm>
           <a:prstGeom prst="rect">
             <a:avLst/>
           </a:prstGeom>
-          <a:solidFill>
-            <a:schemeClr val="tx1"/>
-          </a:solidFill>
+          <a:ln>
+            <a:noFill/>
+          </a:ln>
         </p:spPr>
         <p:txBody>
-          <a:bodyPr wrap="square">
-            <a:spAutoFit/>
+          <a:bodyPr vert="horz" lIns="91440" tIns="45720" rIns="91440" bIns="45720" rtlCol="0" anchor="b">
+            <a:noAutofit/>
           </a:bodyPr>
-          <a:lstStyle/>
-          <a:p>
-            <a:r>
-              <a:rPr lang="en-US">
-                <a:solidFill>
-                  <a:srgbClr val="CC7832"/>
-                </a:solidFill>
-                <a:effectLst/>
-                <a:latin typeface="JetBrains Mono"/>
-              </a:rPr>
-              <a:t>const </a:t>
-            </a:r>
-            <a:r>
-              <a:rPr lang="en-US">
-                <a:solidFill>
-                  <a:srgbClr val="A9B7C6"/>
-                </a:solidFill>
-                <a:effectLst/>
-                <a:latin typeface="JetBrains Mono"/>
-              </a:rPr>
-              <a:t>editedPokemonsMap = </a:t>
-            </a:r>
-            <a:r>
-              <a:rPr lang="en-US">
-                <a:solidFill>
-                  <a:srgbClr val="FFC66D"/>
-                </a:solidFill>
-                <a:effectLst/>
-                <a:latin typeface="JetBrains Mono"/>
-              </a:rPr>
-              <a:t>useRef</a:t>
-            </a:r>
-            <a:r>
-              <a:rPr lang="en-US">
-                <a:solidFill>
-                  <a:srgbClr val="A9B7C6"/>
-                </a:solidFill>
-                <a:effectLst/>
-                <a:latin typeface="JetBrains Mono"/>
-              </a:rPr>
-              <a:t>&lt;Record&lt;</a:t>
-            </a:r>
-            <a:r>
-              <a:rPr lang="en-US">
-                <a:solidFill>
-                  <a:srgbClr val="CC7832"/>
-                </a:solidFill>
-                <a:effectLst/>
-                <a:latin typeface="JetBrains Mono"/>
-              </a:rPr>
-              <a:t>number, </a:t>
-            </a:r>
-            <a:r>
-              <a:rPr lang="en-US">
-                <a:solidFill>
-                  <a:srgbClr val="A9B7C6"/>
-                </a:solidFill>
-                <a:effectLst/>
-                <a:latin typeface="JetBrains Mono"/>
-              </a:rPr>
-              <a:t>IPokemon&gt;&gt;({})</a:t>
-            </a:r>
-            <a:r>
-              <a:rPr lang="en-US">
-                <a:solidFill>
-                  <a:srgbClr val="CC7832"/>
-                </a:solidFill>
-                <a:effectLst/>
-                <a:latin typeface="JetBrains Mono"/>
-              </a:rPr>
-              <a:t>;</a:t>
-            </a:r>
-            <a:endParaRPr lang="en-US">
-              <a:solidFill>
-                <a:srgbClr val="A9B7C6"/>
-              </a:solidFill>
-              <a:effectLst/>
-              <a:latin typeface="JetBrains Mono"/>
-            </a:endParaRPr>
+          <a:lstStyle>
+            <a:lvl1pPr marL="0" indent="0" algn="l" defTabSz="914349" rtl="0" eaLnBrk="1" latinLnBrk="0" hangingPunct="1">
+              <a:lnSpc>
+                <a:spcPct val="90000"/>
+              </a:lnSpc>
+              <a:spcBef>
+                <a:spcPts val="1000"/>
+              </a:spcBef>
+              <a:buClr>
+                <a:srgbClr val="0078D1"/>
+              </a:buClr>
+              <a:buFont typeface="Wingdings" panose="05000000000000000000" pitchFamily="2" charset="2"/>
+              <a:buNone/>
+              <a:defRPr sz="2400" b="1" kern="1200">
+                <a:solidFill>
+                  <a:schemeClr val="tx1"/>
+                </a:solidFill>
+                <a:latin typeface="Garet Book" pitchFamily="2" charset="0"/>
+                <a:ea typeface="+mn-ea"/>
+                <a:cs typeface="+mn-cs"/>
+              </a:defRPr>
+            </a:lvl1pPr>
+            <a:lvl2pPr marL="457175" indent="0" algn="l" defTabSz="914349" rtl="0" eaLnBrk="1" latinLnBrk="0" hangingPunct="1">
+              <a:lnSpc>
+                <a:spcPct val="90000"/>
+              </a:lnSpc>
+              <a:spcBef>
+                <a:spcPts val="500"/>
+              </a:spcBef>
+              <a:buClr>
+                <a:schemeClr val="tx2"/>
+              </a:buClr>
+              <a:buFont typeface="Wingdings" panose="05000000000000000000" pitchFamily="2" charset="2"/>
+              <a:buNone/>
+              <a:defRPr sz="2000" b="1" kern="1200">
+                <a:solidFill>
+                  <a:schemeClr val="tx1"/>
+                </a:solidFill>
+                <a:latin typeface="Garet Book" pitchFamily="2" charset="0"/>
+                <a:ea typeface="+mn-ea"/>
+                <a:cs typeface="+mn-cs"/>
+              </a:defRPr>
+            </a:lvl2pPr>
+            <a:lvl3pPr marL="914349" indent="0" algn="l" defTabSz="914349" rtl="0" eaLnBrk="1" latinLnBrk="0" hangingPunct="1">
+              <a:lnSpc>
+                <a:spcPct val="90000"/>
+              </a:lnSpc>
+              <a:spcBef>
+                <a:spcPts val="500"/>
+              </a:spcBef>
+              <a:buClr>
+                <a:schemeClr val="tx2"/>
+              </a:buClr>
+              <a:buFont typeface="Wingdings" panose="05000000000000000000" pitchFamily="2" charset="2"/>
+              <a:buNone/>
+              <a:defRPr sz="1799" b="1" kern="1200">
+                <a:solidFill>
+                  <a:schemeClr val="tx1"/>
+                </a:solidFill>
+                <a:latin typeface="Garet Book" pitchFamily="2" charset="0"/>
+                <a:ea typeface="+mn-ea"/>
+                <a:cs typeface="+mn-cs"/>
+              </a:defRPr>
+            </a:lvl3pPr>
+            <a:lvl4pPr marL="1371524" indent="0" algn="l" defTabSz="914349" rtl="0" eaLnBrk="1" latinLnBrk="0" hangingPunct="1">
+              <a:lnSpc>
+                <a:spcPct val="90000"/>
+              </a:lnSpc>
+              <a:spcBef>
+                <a:spcPts val="500"/>
+              </a:spcBef>
+              <a:buClr>
+                <a:schemeClr val="tx2"/>
+              </a:buClr>
+              <a:buFont typeface="Wingdings" panose="05000000000000000000" pitchFamily="2" charset="2"/>
+              <a:buNone/>
+              <a:defRPr sz="1600" b="1" kern="1200">
+                <a:solidFill>
+                  <a:schemeClr val="tx1"/>
+                </a:solidFill>
+                <a:latin typeface="Garet Book" pitchFamily="2" charset="0"/>
+                <a:ea typeface="+mn-ea"/>
+                <a:cs typeface="+mn-cs"/>
+              </a:defRPr>
+            </a:lvl4pPr>
+            <a:lvl5pPr marL="1828698" indent="0" algn="l" defTabSz="914349" rtl="0" eaLnBrk="1" latinLnBrk="0" hangingPunct="1">
+              <a:lnSpc>
+                <a:spcPct val="90000"/>
+              </a:lnSpc>
+              <a:spcBef>
+                <a:spcPts val="500"/>
+              </a:spcBef>
+              <a:buClr>
+                <a:schemeClr val="tx2"/>
+              </a:buClr>
+              <a:buFont typeface="Wingdings" panose="05000000000000000000" pitchFamily="2" charset="2"/>
+              <a:buNone/>
+              <a:defRPr sz="1600" b="1" kern="1200">
+                <a:solidFill>
+                  <a:schemeClr val="tx1"/>
+                </a:solidFill>
+                <a:latin typeface="Garet Book" pitchFamily="2" charset="0"/>
+                <a:ea typeface="+mn-ea"/>
+                <a:cs typeface="+mn-cs"/>
+              </a:defRPr>
+            </a:lvl5pPr>
+            <a:lvl6pPr marL="2285872" indent="0" algn="l" defTabSz="914349" rtl="0" eaLnBrk="1" latinLnBrk="0" hangingPunct="1">
+              <a:lnSpc>
+                <a:spcPct val="90000"/>
+              </a:lnSpc>
+              <a:spcBef>
+                <a:spcPts val="500"/>
+              </a:spcBef>
+              <a:buFont typeface="Arial" panose="020B0604020202020204" pitchFamily="34" charset="0"/>
+              <a:buNone/>
+              <a:defRPr sz="1600" b="1" kern="1200">
+                <a:solidFill>
+                  <a:schemeClr val="tx1"/>
+                </a:solidFill>
+                <a:latin typeface="+mn-lt"/>
+                <a:ea typeface="+mn-ea"/>
+                <a:cs typeface="+mn-cs"/>
+              </a:defRPr>
+            </a:lvl6pPr>
+            <a:lvl7pPr marL="2743047" indent="0" algn="l" defTabSz="914349" rtl="0" eaLnBrk="1" latinLnBrk="0" hangingPunct="1">
+              <a:lnSpc>
+                <a:spcPct val="90000"/>
+              </a:lnSpc>
+              <a:spcBef>
+                <a:spcPts val="500"/>
+              </a:spcBef>
+              <a:buFont typeface="Arial" panose="020B0604020202020204" pitchFamily="34" charset="0"/>
+              <a:buNone/>
+              <a:defRPr sz="1600" b="1" kern="1200">
+                <a:solidFill>
+                  <a:schemeClr val="tx1"/>
+                </a:solidFill>
+                <a:latin typeface="+mn-lt"/>
+                <a:ea typeface="+mn-ea"/>
+                <a:cs typeface="+mn-cs"/>
+              </a:defRPr>
+            </a:lvl7pPr>
+            <a:lvl8pPr marL="3200222" indent="0" algn="l" defTabSz="914349" rtl="0" eaLnBrk="1" latinLnBrk="0" hangingPunct="1">
+              <a:lnSpc>
+                <a:spcPct val="90000"/>
+              </a:lnSpc>
+              <a:spcBef>
+                <a:spcPts val="500"/>
+              </a:spcBef>
+              <a:buFont typeface="Arial" panose="020B0604020202020204" pitchFamily="34" charset="0"/>
+              <a:buNone/>
+              <a:defRPr sz="1600" b="1" kern="1200">
+                <a:solidFill>
+                  <a:schemeClr val="tx1"/>
+                </a:solidFill>
+                <a:latin typeface="+mn-lt"/>
+                <a:ea typeface="+mn-ea"/>
+                <a:cs typeface="+mn-cs"/>
+              </a:defRPr>
+            </a:lvl8pPr>
+            <a:lvl9pPr marL="3657396" indent="0" algn="l" defTabSz="914349" rtl="0" eaLnBrk="1" latinLnBrk="0" hangingPunct="1">
+              <a:lnSpc>
+                <a:spcPct val="90000"/>
+              </a:lnSpc>
+              <a:spcBef>
+                <a:spcPts val="500"/>
+              </a:spcBef>
+              <a:buFont typeface="Arial" panose="020B0604020202020204" pitchFamily="34" charset="0"/>
+              <a:buNone/>
+              <a:defRPr sz="1600" b="1" kern="1200">
+                <a:solidFill>
+                  <a:schemeClr val="tx1"/>
+                </a:solidFill>
+                <a:latin typeface="+mn-lt"/>
+                <a:ea typeface="+mn-ea"/>
+                <a:cs typeface="+mn-cs"/>
+              </a:defRPr>
+            </a:lvl9pPr>
+          </a:lstStyle>
+          <a:p>
+            <a:pPr algn="ctr"/>
+            <a:r>
+              <a:rPr lang="de-DE" sz="1200">
+                <a:solidFill>
+                  <a:schemeClr val="bg1"/>
+                </a:solidFill>
+              </a:rPr>
+              <a:t>Dependencies Changed</a:t>
+            </a:r>
           </a:p>
         </p:txBody>
       </p:sp>
       <p:sp>
         <p:nvSpPr>
-          <p:cNvPr id="6" name="TextBox 5">
+          <p:cNvPr id="39" name="Rectangle: Rounded Corners 38">
             <a:extLst>
               <a:ext uri="{FF2B5EF4-FFF2-40B4-BE49-F238E27FC236}">
-                <a16:creationId xmlns:a16="http://schemas.microsoft.com/office/drawing/2014/main" id="{BB9D836E-CB7B-4172-BE6C-EAD6566765E8}"/>
+                <a16:creationId xmlns:a16="http://schemas.microsoft.com/office/drawing/2014/main" id="{0DF9A7F4-CC63-1AD8-76F5-301600A79D8E}"/>
               </a:ext>
             </a:extLst>
           </p:cNvPr>
-          <p:cNvSpPr txBox="1"/>
+          <p:cNvSpPr/>
           <p:nvPr/>
         </p:nvSpPr>
         <p:spPr>
           <a:xfrm>
-            <a:off x="838344" y="4955250"/>
-            <a:ext cx="6869545" cy="923330"/>
+            <a:off x="6718997" y="5561638"/>
+            <a:ext cx="1612203" cy="350884"/>
           </a:xfrm>
-          <a:prstGeom prst="rect">
+          <a:prstGeom prst="roundRect">
             <a:avLst/>
           </a:prstGeom>
           <a:solidFill>
-            <a:schemeClr val="tx1"/>
+            <a:schemeClr val="bg2"/>
           </a:solidFill>
+          <a:ln>
+            <a:solidFill>
+              <a:schemeClr val="tx1"/>
+            </a:solidFill>
+          </a:ln>
         </p:spPr>
+        <p:style>
+          <a:lnRef idx="2">
+            <a:schemeClr val="dk1">
+              <a:shade val="15000"/>
+            </a:schemeClr>
+          </a:lnRef>
+          <a:fillRef idx="1">
+            <a:schemeClr val="dk1"/>
+          </a:fillRef>
+          <a:effectRef idx="0">
+            <a:schemeClr val="dk1"/>
+          </a:effectRef>
+          <a:fontRef idx="minor">
+            <a:schemeClr val="lt1"/>
+          </a:fontRef>
+        </p:style>
         <p:txBody>
-          <a:bodyPr wrap="square">
-            <a:spAutoFit/>
-          </a:bodyPr>
+          <a:bodyPr rtlCol="0" anchor="ctr"/>
           <a:lstStyle/>
           <a:p>
-            <a:r>
-              <a:rPr lang="en-US">
-                <a:solidFill>
-                  <a:srgbClr val="CC7832"/>
-                </a:solidFill>
-                <a:effectLst/>
-                <a:latin typeface="JetBrains Mono"/>
-              </a:rPr>
-              <a:t>const </a:t>
-            </a:r>
-            <a:r>
-              <a:rPr lang="en-US">
-                <a:solidFill>
-                  <a:srgbClr val="FFC66D"/>
-                </a:solidFill>
-                <a:effectLst/>
-                <a:latin typeface="JetBrains Mono"/>
-              </a:rPr>
-              <a:t>handleUpdatePokemon </a:t>
-            </a:r>
-            <a:r>
-              <a:rPr lang="en-US">
-                <a:solidFill>
-                  <a:srgbClr val="A9B7C6"/>
-                </a:solidFill>
-                <a:effectLst/>
-                <a:latin typeface="JetBrains Mono"/>
-              </a:rPr>
-              <a:t>= (pokemon: IPokemon) =&gt; {</a:t>
-            </a:r>
-            <a:br>
-              <a:rPr lang="en-US">
-                <a:solidFill>
-                  <a:srgbClr val="A9B7C6"/>
-                </a:solidFill>
-                <a:effectLst/>
-                <a:latin typeface="JetBrains Mono"/>
-              </a:rPr>
-            </a:br>
-            <a:r>
-              <a:rPr lang="en-US">
-                <a:solidFill>
-                  <a:srgbClr val="A9B7C6"/>
-                </a:solidFill>
-                <a:effectLst/>
-                <a:latin typeface="JetBrains Mono"/>
-              </a:rPr>
-              <a:t>  editedPokemonsMap.</a:t>
-            </a:r>
-            <a:r>
-              <a:rPr lang="en-US">
-                <a:solidFill>
-                  <a:srgbClr val="9876AA"/>
-                </a:solidFill>
-                <a:effectLst/>
-                <a:latin typeface="JetBrains Mono"/>
-              </a:rPr>
-              <a:t>current</a:t>
-            </a:r>
-            <a:r>
-              <a:rPr lang="en-US">
-                <a:solidFill>
-                  <a:srgbClr val="A9B7C6"/>
-                </a:solidFill>
-                <a:effectLst/>
-                <a:latin typeface="JetBrains Mono"/>
-              </a:rPr>
-              <a:t>[pokemon.</a:t>
-            </a:r>
-            <a:r>
-              <a:rPr lang="en-US">
-                <a:solidFill>
-                  <a:srgbClr val="9876AA"/>
-                </a:solidFill>
-                <a:effectLst/>
-                <a:latin typeface="JetBrains Mono"/>
-              </a:rPr>
-              <a:t>id</a:t>
-            </a:r>
-            <a:r>
-              <a:rPr lang="en-US">
-                <a:solidFill>
-                  <a:srgbClr val="A9B7C6"/>
-                </a:solidFill>
-                <a:effectLst/>
-                <a:latin typeface="JetBrains Mono"/>
-              </a:rPr>
-              <a:t>] = pokemon</a:t>
-            </a:r>
-            <a:r>
-              <a:rPr lang="en-US">
-                <a:solidFill>
-                  <a:srgbClr val="CC7832"/>
-                </a:solidFill>
-                <a:effectLst/>
-                <a:latin typeface="JetBrains Mono"/>
-              </a:rPr>
-              <a:t>;</a:t>
-            </a:r>
-            <a:br>
-              <a:rPr lang="en-US">
-                <a:solidFill>
-                  <a:srgbClr val="CC7832"/>
-                </a:solidFill>
-                <a:effectLst/>
-                <a:latin typeface="JetBrains Mono"/>
-              </a:rPr>
-            </a:br>
-            <a:r>
-              <a:rPr lang="en-US">
-                <a:solidFill>
-                  <a:srgbClr val="A9B7C6"/>
-                </a:solidFill>
-                <a:effectLst/>
-                <a:latin typeface="JetBrains Mono"/>
-              </a:rPr>
-              <a:t>}</a:t>
-            </a:r>
-            <a:r>
-              <a:rPr lang="en-US">
-                <a:solidFill>
-                  <a:srgbClr val="CC7832"/>
-                </a:solidFill>
-                <a:effectLst/>
-                <a:latin typeface="JetBrains Mono"/>
-              </a:rPr>
-              <a:t>;</a:t>
-            </a:r>
-            <a:endParaRPr lang="en-US">
+            <a:pPr algn="ctr"/>
+            <a:r>
+              <a:rPr lang="de-DE" sz="1200">
+                <a:solidFill>
+                  <a:schemeClr val="bg1"/>
+                </a:solidFill>
+              </a:rPr>
+              <a:t>Use Cached</a:t>
+            </a:r>
+            <a:endParaRPr lang="de-DE" sz="1200"/>
+          </a:p>
+        </p:txBody>
+      </p:sp>
+      <p:sp>
+        <p:nvSpPr>
+          <p:cNvPr id="41" name="Rectangle: Rounded Corners 40">
+            <a:extLst>
+              <a:ext uri="{FF2B5EF4-FFF2-40B4-BE49-F238E27FC236}">
+                <a16:creationId xmlns:a16="http://schemas.microsoft.com/office/drawing/2014/main" id="{5A34F188-4960-5093-C3DA-222CE556A356}"/>
+              </a:ext>
+            </a:extLst>
+          </p:cNvPr>
+          <p:cNvSpPr/>
+          <p:nvPr/>
+        </p:nvSpPr>
+        <p:spPr>
+          <a:xfrm>
+            <a:off x="6718997" y="4352691"/>
+            <a:ext cx="1612203" cy="440981"/>
+          </a:xfrm>
+          <a:prstGeom prst="roundRect">
+            <a:avLst/>
+          </a:prstGeom>
+          <a:solidFill>
+            <a:schemeClr val="bg2"/>
+          </a:solidFill>
+          <a:ln>
+            <a:solidFill>
+              <a:schemeClr val="tx1"/>
+            </a:solidFill>
+          </a:ln>
+        </p:spPr>
+        <p:style>
+          <a:lnRef idx="2">
+            <a:schemeClr val="dk1">
+              <a:shade val="15000"/>
+            </a:schemeClr>
+          </a:lnRef>
+          <a:fillRef idx="1">
+            <a:schemeClr val="dk1"/>
+          </a:fillRef>
+          <a:effectRef idx="0">
+            <a:schemeClr val="dk1"/>
+          </a:effectRef>
+          <a:fontRef idx="minor">
+            <a:schemeClr val="lt1"/>
+          </a:fontRef>
+        </p:style>
+        <p:txBody>
+          <a:bodyPr rtlCol="0" anchor="ctr"/>
+          <a:lstStyle/>
+          <a:p>
+            <a:pPr algn="ctr"/>
+            <a:r>
+              <a:rPr lang="de-DE" sz="1200">
+                <a:solidFill>
+                  <a:schemeClr val="bg1"/>
+                </a:solidFill>
+              </a:rPr>
+              <a:t>Recompute &amp; Update Cache</a:t>
+            </a:r>
+            <a:endParaRPr lang="de-DE" sz="1200"/>
+          </a:p>
+        </p:txBody>
+      </p:sp>
+      <p:sp>
+        <p:nvSpPr>
+          <p:cNvPr id="42" name="Arrow: Right 41">
+            <a:extLst>
+              <a:ext uri="{FF2B5EF4-FFF2-40B4-BE49-F238E27FC236}">
+                <a16:creationId xmlns:a16="http://schemas.microsoft.com/office/drawing/2014/main" id="{267FE103-E7C1-0EF6-B263-0641603C5C4B}"/>
+              </a:ext>
+            </a:extLst>
+          </p:cNvPr>
+          <p:cNvSpPr/>
+          <p:nvPr/>
+        </p:nvSpPr>
+        <p:spPr>
+          <a:xfrm rot="900000">
+            <a:off x="5343490" y="5351742"/>
+            <a:ext cx="1256838" cy="455093"/>
+          </a:xfrm>
+          <a:prstGeom prst="rightArrow">
+            <a:avLst/>
+          </a:prstGeom>
+          <a:solidFill>
+            <a:schemeClr val="bg2"/>
+          </a:solidFill>
+          <a:ln>
+            <a:solidFill>
+              <a:schemeClr val="tx1"/>
+            </a:solidFill>
+          </a:ln>
+        </p:spPr>
+        <p:style>
+          <a:lnRef idx="2">
+            <a:schemeClr val="accent1">
+              <a:shade val="15000"/>
+            </a:schemeClr>
+          </a:lnRef>
+          <a:fillRef idx="1">
+            <a:schemeClr val="accent1"/>
+          </a:fillRef>
+          <a:effectRef idx="0">
+            <a:schemeClr val="accent1"/>
+          </a:effectRef>
+          <a:fontRef idx="minor">
+            <a:schemeClr val="lt1"/>
+          </a:fontRef>
+        </p:style>
+        <p:txBody>
+          <a:bodyPr rtlCol="0" anchor="ctr"/>
+          <a:lstStyle/>
+          <a:p>
+            <a:pPr algn="ctr"/>
+            <a:r>
+              <a:rPr lang="de-DE" sz="1200">
+                <a:solidFill>
+                  <a:schemeClr val="bg1"/>
+                </a:solidFill>
+              </a:rPr>
+              <a:t>no</a:t>
+            </a:r>
+          </a:p>
+        </p:txBody>
+      </p:sp>
+      <p:sp>
+        <p:nvSpPr>
+          <p:cNvPr id="44" name="Arrow: Right 43">
+            <a:extLst>
+              <a:ext uri="{FF2B5EF4-FFF2-40B4-BE49-F238E27FC236}">
+                <a16:creationId xmlns:a16="http://schemas.microsoft.com/office/drawing/2014/main" id="{9A87560B-6768-AEA8-5C4D-5C1F0763137A}"/>
+              </a:ext>
+            </a:extLst>
+          </p:cNvPr>
+          <p:cNvSpPr/>
+          <p:nvPr/>
+        </p:nvSpPr>
+        <p:spPr>
+          <a:xfrm rot="20700000">
+            <a:off x="5343490" y="4476030"/>
+            <a:ext cx="1256838" cy="455093"/>
+          </a:xfrm>
+          <a:prstGeom prst="rightArrow">
+            <a:avLst/>
+          </a:prstGeom>
+          <a:solidFill>
+            <a:schemeClr val="bg2"/>
+          </a:solidFill>
+          <a:ln>
+            <a:solidFill>
+              <a:schemeClr val="tx1"/>
+            </a:solidFill>
+          </a:ln>
+        </p:spPr>
+        <p:style>
+          <a:lnRef idx="2">
+            <a:schemeClr val="accent1">
+              <a:shade val="15000"/>
+            </a:schemeClr>
+          </a:lnRef>
+          <a:fillRef idx="1">
+            <a:schemeClr val="accent1"/>
+          </a:fillRef>
+          <a:effectRef idx="0">
+            <a:schemeClr val="accent1"/>
+          </a:effectRef>
+          <a:fontRef idx="minor">
+            <a:schemeClr val="lt1"/>
+          </a:fontRef>
+        </p:style>
+        <p:txBody>
+          <a:bodyPr rtlCol="0" anchor="ctr"/>
+          <a:lstStyle/>
+          <a:p>
+            <a:pPr algn="ctr"/>
+            <a:r>
+              <a:rPr lang="de-DE" sz="1200">
+                <a:solidFill>
+                  <a:schemeClr val="bg1"/>
+                </a:solidFill>
+              </a:rPr>
+              <a:t>yes</a:t>
+            </a:r>
+          </a:p>
+        </p:txBody>
+      </p:sp>
+      <p:sp>
+        <p:nvSpPr>
+          <p:cNvPr id="45" name="Rectangle: Rounded Corners 44">
+            <a:extLst>
+              <a:ext uri="{FF2B5EF4-FFF2-40B4-BE49-F238E27FC236}">
+                <a16:creationId xmlns:a16="http://schemas.microsoft.com/office/drawing/2014/main" id="{08369661-E651-600B-93EF-1B08740CBB9C}"/>
+              </a:ext>
+            </a:extLst>
+          </p:cNvPr>
+          <p:cNvSpPr/>
+          <p:nvPr/>
+        </p:nvSpPr>
+        <p:spPr>
+          <a:xfrm>
+            <a:off x="2049787" y="4954444"/>
+            <a:ext cx="1504733" cy="350884"/>
+          </a:xfrm>
+          <a:prstGeom prst="roundRect">
+            <a:avLst/>
+          </a:prstGeom>
+          <a:solidFill>
+            <a:schemeClr val="bg2"/>
+          </a:solidFill>
+          <a:ln>
+            <a:solidFill>
+              <a:schemeClr val="tx1"/>
+            </a:solidFill>
+          </a:ln>
+        </p:spPr>
+        <p:style>
+          <a:lnRef idx="2">
+            <a:schemeClr val="dk1">
+              <a:shade val="15000"/>
+            </a:schemeClr>
+          </a:lnRef>
+          <a:fillRef idx="1">
+            <a:schemeClr val="dk1"/>
+          </a:fillRef>
+          <a:effectRef idx="0">
+            <a:schemeClr val="dk1"/>
+          </a:effectRef>
+          <a:fontRef idx="minor">
+            <a:schemeClr val="lt1"/>
+          </a:fontRef>
+        </p:style>
+        <p:txBody>
+          <a:bodyPr rtlCol="0" anchor="ctr"/>
+          <a:lstStyle/>
+          <a:p>
+            <a:pPr algn="ctr"/>
+            <a:r>
+              <a:rPr lang="de-DE" sz="1200"/>
+              <a:t>useMemo()</a:t>
+            </a:r>
+          </a:p>
+        </p:txBody>
+      </p:sp>
+      <p:sp>
+        <p:nvSpPr>
+          <p:cNvPr id="46" name="Arrow: Right 45">
+            <a:extLst>
+              <a:ext uri="{FF2B5EF4-FFF2-40B4-BE49-F238E27FC236}">
+                <a16:creationId xmlns:a16="http://schemas.microsoft.com/office/drawing/2014/main" id="{F7A72B4F-CAA4-52C2-4B03-1F7BC8A7B5ED}"/>
+              </a:ext>
+            </a:extLst>
+          </p:cNvPr>
+          <p:cNvSpPr/>
+          <p:nvPr/>
+        </p:nvSpPr>
+        <p:spPr>
+          <a:xfrm>
+            <a:off x="8516470" y="5545322"/>
+            <a:ext cx="1152755" cy="455093"/>
+          </a:xfrm>
+          <a:prstGeom prst="rightArrow">
+            <a:avLst/>
+          </a:prstGeom>
+          <a:solidFill>
+            <a:schemeClr val="bg2"/>
+          </a:solidFill>
+          <a:ln>
+            <a:solidFill>
+              <a:schemeClr val="tx1"/>
+            </a:solidFill>
+          </a:ln>
+        </p:spPr>
+        <p:style>
+          <a:lnRef idx="2">
+            <a:schemeClr val="accent1">
+              <a:shade val="15000"/>
+            </a:schemeClr>
+          </a:lnRef>
+          <a:fillRef idx="1">
+            <a:schemeClr val="accent1"/>
+          </a:fillRef>
+          <a:effectRef idx="0">
+            <a:schemeClr val="accent1"/>
+          </a:effectRef>
+          <a:fontRef idx="minor">
+            <a:schemeClr val="lt1"/>
+          </a:fontRef>
+        </p:style>
+        <p:txBody>
+          <a:bodyPr rtlCol="0" anchor="ctr"/>
+          <a:lstStyle/>
+          <a:p>
+            <a:pPr algn="ctr"/>
+            <a:endParaRPr lang="de-DE" sz="1200">
               <a:solidFill>
-                <a:srgbClr val="A9B7C6"/>
+                <a:schemeClr val="bg1"/>
               </a:solidFill>
-              <a:effectLst/>
-              <a:latin typeface="JetBrains Mono"/>
+            </a:endParaRPr>
+          </a:p>
+        </p:txBody>
+      </p:sp>
+      <p:sp>
+        <p:nvSpPr>
+          <p:cNvPr id="48" name="Rectangle: Rounded Corners 47">
+            <a:extLst>
+              <a:ext uri="{FF2B5EF4-FFF2-40B4-BE49-F238E27FC236}">
+                <a16:creationId xmlns:a16="http://schemas.microsoft.com/office/drawing/2014/main" id="{848EE5C0-6A9C-A583-D9C4-C578A879B00B}"/>
+              </a:ext>
+            </a:extLst>
+          </p:cNvPr>
+          <p:cNvSpPr/>
+          <p:nvPr/>
+        </p:nvSpPr>
+        <p:spPr>
+          <a:xfrm>
+            <a:off x="9800804" y="5597426"/>
+            <a:ext cx="1504733" cy="350884"/>
+          </a:xfrm>
+          <a:prstGeom prst="roundRect">
+            <a:avLst/>
+          </a:prstGeom>
+          <a:solidFill>
+            <a:schemeClr val="bg2"/>
+          </a:solidFill>
+          <a:ln>
+            <a:solidFill>
+              <a:schemeClr val="tx1"/>
+            </a:solidFill>
+          </a:ln>
+        </p:spPr>
+        <p:style>
+          <a:lnRef idx="2">
+            <a:schemeClr val="dk1">
+              <a:shade val="15000"/>
+            </a:schemeClr>
+          </a:lnRef>
+          <a:fillRef idx="1">
+            <a:schemeClr val="dk1"/>
+          </a:fillRef>
+          <a:effectRef idx="0">
+            <a:schemeClr val="dk1"/>
+          </a:effectRef>
+          <a:fontRef idx="minor">
+            <a:schemeClr val="lt1"/>
+          </a:fontRef>
+        </p:style>
+        <p:txBody>
+          <a:bodyPr rtlCol="0" anchor="ctr"/>
+          <a:lstStyle/>
+          <a:p>
+            <a:pPr algn="ctr"/>
+            <a:r>
+              <a:rPr lang="de-DE" sz="1200"/>
+              <a:t>Cached Components</a:t>
+            </a:r>
+          </a:p>
+        </p:txBody>
+      </p:sp>
+      <p:sp>
+        <p:nvSpPr>
+          <p:cNvPr id="2" name="Arrow: Right 1">
+            <a:extLst>
+              <a:ext uri="{FF2B5EF4-FFF2-40B4-BE49-F238E27FC236}">
+                <a16:creationId xmlns:a16="http://schemas.microsoft.com/office/drawing/2014/main" id="{EBE1640B-E217-1080-9ED8-59E2D1976E15}"/>
+              </a:ext>
+            </a:extLst>
+          </p:cNvPr>
+          <p:cNvSpPr/>
+          <p:nvPr/>
+        </p:nvSpPr>
+        <p:spPr>
+          <a:xfrm rot="5400000">
+            <a:off x="7254882" y="4930262"/>
+            <a:ext cx="540430" cy="455093"/>
+          </a:xfrm>
+          <a:prstGeom prst="rightArrow">
+            <a:avLst/>
+          </a:prstGeom>
+          <a:solidFill>
+            <a:schemeClr val="bg2"/>
+          </a:solidFill>
+          <a:ln>
+            <a:solidFill>
+              <a:schemeClr val="tx1"/>
+            </a:solidFill>
+          </a:ln>
+        </p:spPr>
+        <p:style>
+          <a:lnRef idx="2">
+            <a:schemeClr val="accent1">
+              <a:shade val="15000"/>
+            </a:schemeClr>
+          </a:lnRef>
+          <a:fillRef idx="1">
+            <a:schemeClr val="accent1"/>
+          </a:fillRef>
+          <a:effectRef idx="0">
+            <a:schemeClr val="accent1"/>
+          </a:effectRef>
+          <a:fontRef idx="minor">
+            <a:schemeClr val="lt1"/>
+          </a:fontRef>
+        </p:style>
+        <p:txBody>
+          <a:bodyPr rtlCol="0" anchor="ctr"/>
+          <a:lstStyle/>
+          <a:p>
+            <a:pPr algn="ctr"/>
+            <a:endParaRPr lang="de-DE" sz="1200">
+              <a:solidFill>
+                <a:schemeClr val="bg1"/>
+              </a:solidFill>
             </a:endParaRPr>
           </a:p>
         </p:txBody>
@@ -17514,7 +15218,7 @@
     </p:spTree>
     <p:extLst>
       <p:ext uri="{BB962C8B-B14F-4D97-AF65-F5344CB8AC3E}">
-        <p14:creationId xmlns:p14="http://schemas.microsoft.com/office/powerpoint/2010/main" val="901182665"/>
+        <p14:creationId xmlns:p14="http://schemas.microsoft.com/office/powerpoint/2010/main" val="850149778"/>
       </p:ext>
     </p:extLst>
   </p:cSld>
@@ -17571,6 +15275,2885 @@
           <a:p>
             <a:r>
               <a:rPr lang="de-DE"/>
+              <a:t>Rendering 1000 Pokemon</a:t>
+            </a:r>
+          </a:p>
+        </p:txBody>
+      </p:sp>
+      <p:sp>
+        <p:nvSpPr>
+          <p:cNvPr id="24" name="Content Placeholder 3">
+            <a:extLst>
+              <a:ext uri="{FF2B5EF4-FFF2-40B4-BE49-F238E27FC236}">
+                <a16:creationId xmlns:a16="http://schemas.microsoft.com/office/drawing/2014/main" id="{1D3228B4-EBAC-CCC4-E102-6A4237F848F8}"/>
+              </a:ext>
+            </a:extLst>
+          </p:cNvPr>
+          <p:cNvSpPr txBox="1">
+            <a:spLocks/>
+          </p:cNvSpPr>
+          <p:nvPr/>
+        </p:nvSpPr>
+        <p:spPr>
+          <a:xfrm>
+            <a:off x="8421398" y="2028188"/>
+            <a:ext cx="2523691" cy="437098"/>
+          </a:xfrm>
+          <a:prstGeom prst="rect">
+            <a:avLst/>
+          </a:prstGeom>
+        </p:spPr>
+        <p:txBody>
+          <a:bodyPr vert="horz" lIns="91440" tIns="45720" rIns="91440" bIns="45720" rtlCol="0" anchor="ctr">
+            <a:noAutofit/>
+          </a:bodyPr>
+          <a:lstStyle>
+            <a:lvl1pPr marL="0" indent="0" algn="l" defTabSz="914349" rtl="0" eaLnBrk="1" latinLnBrk="0" hangingPunct="1">
+              <a:lnSpc>
+                <a:spcPct val="90000"/>
+              </a:lnSpc>
+              <a:spcBef>
+                <a:spcPts val="1000"/>
+              </a:spcBef>
+              <a:buClr>
+                <a:srgbClr val="0078D1"/>
+              </a:buClr>
+              <a:buFont typeface="Wingdings" panose="05000000000000000000" pitchFamily="2" charset="2"/>
+              <a:buNone/>
+              <a:defRPr sz="2800" kern="1200">
+                <a:solidFill>
+                  <a:schemeClr val="tx1"/>
+                </a:solidFill>
+                <a:latin typeface="Garet Book" pitchFamily="2" charset="0"/>
+                <a:ea typeface="+mn-ea"/>
+                <a:cs typeface="+mn-cs"/>
+              </a:defRPr>
+            </a:lvl1pPr>
+            <a:lvl2pPr marL="359980" indent="-228587" algn="l" defTabSz="914349" rtl="0" eaLnBrk="1" latinLnBrk="0" hangingPunct="1">
+              <a:lnSpc>
+                <a:spcPct val="90000"/>
+              </a:lnSpc>
+              <a:spcBef>
+                <a:spcPts val="500"/>
+              </a:spcBef>
+              <a:buClr>
+                <a:schemeClr val="tx2"/>
+              </a:buClr>
+              <a:buFont typeface="Wingdings" panose="05000000000000000000" pitchFamily="2" charset="2"/>
+              <a:buChar char="§"/>
+              <a:defRPr sz="2400" kern="1200">
+                <a:solidFill>
+                  <a:schemeClr val="tx1"/>
+                </a:solidFill>
+                <a:latin typeface="Garet Book" pitchFamily="2" charset="0"/>
+                <a:ea typeface="+mn-ea"/>
+                <a:cs typeface="+mn-cs"/>
+              </a:defRPr>
+            </a:lvl2pPr>
+            <a:lvl3pPr marL="611965" indent="-228587" algn="l" defTabSz="914349" rtl="0" eaLnBrk="1" latinLnBrk="0" hangingPunct="1">
+              <a:lnSpc>
+                <a:spcPct val="90000"/>
+              </a:lnSpc>
+              <a:spcBef>
+                <a:spcPts val="500"/>
+              </a:spcBef>
+              <a:buClr>
+                <a:schemeClr val="tx2"/>
+              </a:buClr>
+              <a:buFont typeface="Wingdings" panose="05000000000000000000" pitchFamily="2" charset="2"/>
+              <a:buChar char="§"/>
+              <a:defRPr sz="2000" kern="1200">
+                <a:solidFill>
+                  <a:schemeClr val="tx1"/>
+                </a:solidFill>
+                <a:latin typeface="Garet Book" pitchFamily="2" charset="0"/>
+                <a:ea typeface="+mn-ea"/>
+                <a:cs typeface="+mn-cs"/>
+              </a:defRPr>
+            </a:lvl3pPr>
+            <a:lvl4pPr marL="899950" indent="-228587" algn="l" defTabSz="914349" rtl="0" eaLnBrk="1" latinLnBrk="0" hangingPunct="1">
+              <a:lnSpc>
+                <a:spcPct val="90000"/>
+              </a:lnSpc>
+              <a:spcBef>
+                <a:spcPts val="500"/>
+              </a:spcBef>
+              <a:buClr>
+                <a:schemeClr val="tx2"/>
+              </a:buClr>
+              <a:buFont typeface="Wingdings" panose="05000000000000000000" pitchFamily="2" charset="2"/>
+              <a:buChar char="§"/>
+              <a:defRPr sz="1799" kern="1200">
+                <a:solidFill>
+                  <a:schemeClr val="tx1"/>
+                </a:solidFill>
+                <a:latin typeface="Garet Book" pitchFamily="2" charset="0"/>
+                <a:ea typeface="+mn-ea"/>
+                <a:cs typeface="+mn-cs"/>
+              </a:defRPr>
+            </a:lvl4pPr>
+            <a:lvl5pPr marL="1187934" indent="-228587" algn="l" defTabSz="914349" rtl="0" eaLnBrk="1" latinLnBrk="0" hangingPunct="1">
+              <a:lnSpc>
+                <a:spcPct val="90000"/>
+              </a:lnSpc>
+              <a:spcBef>
+                <a:spcPts val="500"/>
+              </a:spcBef>
+              <a:buClr>
+                <a:schemeClr val="tx2"/>
+              </a:buClr>
+              <a:buFont typeface="Wingdings" panose="05000000000000000000" pitchFamily="2" charset="2"/>
+              <a:buChar char="§"/>
+              <a:defRPr sz="1799" kern="1200">
+                <a:solidFill>
+                  <a:schemeClr val="tx1"/>
+                </a:solidFill>
+                <a:latin typeface="Garet Book" pitchFamily="2" charset="0"/>
+                <a:ea typeface="+mn-ea"/>
+                <a:cs typeface="+mn-cs"/>
+              </a:defRPr>
+            </a:lvl5pPr>
+            <a:lvl6pPr marL="2514460" indent="-228587" algn="l" defTabSz="914349" rtl="0" eaLnBrk="1" latinLnBrk="0" hangingPunct="1">
+              <a:lnSpc>
+                <a:spcPct val="90000"/>
+              </a:lnSpc>
+              <a:spcBef>
+                <a:spcPts val="500"/>
+              </a:spcBef>
+              <a:buFont typeface="Arial" panose="020B0604020202020204" pitchFamily="34" charset="0"/>
+              <a:buChar char="•"/>
+              <a:defRPr sz="1799" kern="1200">
+                <a:solidFill>
+                  <a:schemeClr val="tx1"/>
+                </a:solidFill>
+                <a:latin typeface="+mn-lt"/>
+                <a:ea typeface="+mn-ea"/>
+                <a:cs typeface="+mn-cs"/>
+              </a:defRPr>
+            </a:lvl6pPr>
+            <a:lvl7pPr marL="2971634" indent="-228587" algn="l" defTabSz="914349" rtl="0" eaLnBrk="1" latinLnBrk="0" hangingPunct="1">
+              <a:lnSpc>
+                <a:spcPct val="90000"/>
+              </a:lnSpc>
+              <a:spcBef>
+                <a:spcPts val="500"/>
+              </a:spcBef>
+              <a:buFont typeface="Arial" panose="020B0604020202020204" pitchFamily="34" charset="0"/>
+              <a:buChar char="•"/>
+              <a:defRPr sz="1799" kern="1200">
+                <a:solidFill>
+                  <a:schemeClr val="tx1"/>
+                </a:solidFill>
+                <a:latin typeface="+mn-lt"/>
+                <a:ea typeface="+mn-ea"/>
+                <a:cs typeface="+mn-cs"/>
+              </a:defRPr>
+            </a:lvl7pPr>
+            <a:lvl8pPr marL="3428808" indent="-228587" algn="l" defTabSz="914349" rtl="0" eaLnBrk="1" latinLnBrk="0" hangingPunct="1">
+              <a:lnSpc>
+                <a:spcPct val="90000"/>
+              </a:lnSpc>
+              <a:spcBef>
+                <a:spcPts val="500"/>
+              </a:spcBef>
+              <a:buFont typeface="Arial" panose="020B0604020202020204" pitchFamily="34" charset="0"/>
+              <a:buChar char="•"/>
+              <a:defRPr sz="1799" kern="1200">
+                <a:solidFill>
+                  <a:schemeClr val="tx1"/>
+                </a:solidFill>
+                <a:latin typeface="+mn-lt"/>
+                <a:ea typeface="+mn-ea"/>
+                <a:cs typeface="+mn-cs"/>
+              </a:defRPr>
+            </a:lvl8pPr>
+            <a:lvl9pPr marL="3885983" indent="-228587" algn="l" defTabSz="914349" rtl="0" eaLnBrk="1" latinLnBrk="0" hangingPunct="1">
+              <a:lnSpc>
+                <a:spcPct val="90000"/>
+              </a:lnSpc>
+              <a:spcBef>
+                <a:spcPts val="500"/>
+              </a:spcBef>
+              <a:buFont typeface="Arial" panose="020B0604020202020204" pitchFamily="34" charset="0"/>
+              <a:buChar char="•"/>
+              <a:defRPr sz="1799" kern="1200">
+                <a:solidFill>
+                  <a:schemeClr val="tx1"/>
+                </a:solidFill>
+                <a:latin typeface="+mn-lt"/>
+                <a:ea typeface="+mn-ea"/>
+                <a:cs typeface="+mn-cs"/>
+              </a:defRPr>
+            </a:lvl9pPr>
+          </a:lstStyle>
+          <a:p>
+            <a:r>
+              <a:rPr lang="en-US" sz="1600" b="1"/>
+              <a:t>1.  Render: 1473 ms</a:t>
+            </a:r>
+            <a:endParaRPr lang="de-DE" sz="1600" b="1"/>
+          </a:p>
+        </p:txBody>
+      </p:sp>
+      <p:sp>
+        <p:nvSpPr>
+          <p:cNvPr id="26" name="TextBox 25">
+            <a:extLst>
+              <a:ext uri="{FF2B5EF4-FFF2-40B4-BE49-F238E27FC236}">
+                <a16:creationId xmlns:a16="http://schemas.microsoft.com/office/drawing/2014/main" id="{3F130BA9-F944-57F2-1702-1E616F9A938D}"/>
+              </a:ext>
+            </a:extLst>
+          </p:cNvPr>
+          <p:cNvSpPr txBox="1"/>
+          <p:nvPr/>
+        </p:nvSpPr>
+        <p:spPr>
+          <a:xfrm>
+            <a:off x="838345" y="4417531"/>
+            <a:ext cx="7428200" cy="923330"/>
+          </a:xfrm>
+          <a:prstGeom prst="rect">
+            <a:avLst/>
+          </a:prstGeom>
+          <a:solidFill>
+            <a:schemeClr val="tx1"/>
+          </a:solidFill>
+        </p:spPr>
+        <p:txBody>
+          <a:bodyPr wrap="square">
+            <a:spAutoFit/>
+          </a:bodyPr>
+          <a:lstStyle/>
+          <a:p>
+            <a:r>
+              <a:rPr lang="en-US">
+                <a:solidFill>
+                  <a:srgbClr val="CC7832"/>
+                </a:solidFill>
+                <a:effectLst/>
+                <a:latin typeface="JetBrains Mono"/>
+              </a:rPr>
+              <a:t>const </a:t>
+            </a:r>
+            <a:r>
+              <a:rPr lang="en-US">
+                <a:solidFill>
+                  <a:srgbClr val="A9B7C6"/>
+                </a:solidFill>
+                <a:effectLst/>
+                <a:latin typeface="JetBrains Mono"/>
+              </a:rPr>
+              <a:t>cachedPokemonItems = </a:t>
+            </a:r>
+            <a:r>
+              <a:rPr lang="en-US">
+                <a:solidFill>
+                  <a:srgbClr val="FFC66D"/>
+                </a:solidFill>
+                <a:effectLst/>
+                <a:latin typeface="JetBrains Mono"/>
+              </a:rPr>
+              <a:t>useMemo</a:t>
+            </a:r>
+            <a:r>
+              <a:rPr lang="en-US">
+                <a:solidFill>
+                  <a:srgbClr val="A9B7C6"/>
+                </a:solidFill>
+                <a:effectLst/>
+                <a:latin typeface="JetBrains Mono"/>
+              </a:rPr>
+              <a:t>(() =&gt; pokemons.</a:t>
+            </a:r>
+            <a:r>
+              <a:rPr lang="en-US">
+                <a:solidFill>
+                  <a:srgbClr val="FFC66D"/>
+                </a:solidFill>
+                <a:effectLst/>
+                <a:latin typeface="JetBrains Mono"/>
+              </a:rPr>
+              <a:t>map</a:t>
+            </a:r>
+            <a:r>
+              <a:rPr lang="en-US">
+                <a:solidFill>
+                  <a:srgbClr val="A9B7C6"/>
+                </a:solidFill>
+                <a:effectLst/>
+                <a:latin typeface="JetBrains Mono"/>
+              </a:rPr>
+              <a:t>((pokemon) =&gt; (</a:t>
+            </a:r>
+            <a:br>
+              <a:rPr lang="en-US">
+                <a:solidFill>
+                  <a:srgbClr val="A9B7C6"/>
+                </a:solidFill>
+                <a:effectLst/>
+                <a:latin typeface="JetBrains Mono"/>
+              </a:rPr>
+            </a:br>
+            <a:r>
+              <a:rPr lang="en-US">
+                <a:solidFill>
+                  <a:srgbClr val="A9B7C6"/>
+                </a:solidFill>
+                <a:effectLst/>
+                <a:latin typeface="JetBrains Mono"/>
+              </a:rPr>
+              <a:t>  </a:t>
+            </a:r>
+            <a:r>
+              <a:rPr lang="en-US">
+                <a:solidFill>
+                  <a:srgbClr val="E8BF6A"/>
+                </a:solidFill>
+                <a:effectLst/>
+                <a:latin typeface="JetBrains Mono"/>
+              </a:rPr>
+              <a:t>&lt;ListItem </a:t>
+            </a:r>
+            <a:r>
+              <a:rPr lang="en-US">
+                <a:solidFill>
+                  <a:srgbClr val="BABABA"/>
+                </a:solidFill>
+                <a:effectLst/>
+                <a:latin typeface="JetBrains Mono"/>
+              </a:rPr>
+              <a:t>key</a:t>
+            </a:r>
+            <a:r>
+              <a:rPr lang="en-US">
+                <a:solidFill>
+                  <a:srgbClr val="6A8759"/>
+                </a:solidFill>
+                <a:effectLst/>
+                <a:latin typeface="JetBrains Mono"/>
+              </a:rPr>
+              <a:t>=</a:t>
+            </a:r>
+            <a:r>
+              <a:rPr lang="en-US">
+                <a:solidFill>
+                  <a:srgbClr val="A9B7C6"/>
+                </a:solidFill>
+                <a:effectLst/>
+                <a:latin typeface="JetBrains Mono"/>
+              </a:rPr>
+              <a:t>{pokemon.id}</a:t>
+            </a:r>
+            <a:r>
+              <a:rPr lang="en-US">
+                <a:solidFill>
+                  <a:srgbClr val="E8BF6A"/>
+                </a:solidFill>
+                <a:effectLst/>
+                <a:latin typeface="JetBrains Mono"/>
+              </a:rPr>
+              <a:t>&gt;</a:t>
+            </a:r>
+            <a:r>
+              <a:rPr lang="en-US">
+                <a:solidFill>
+                  <a:srgbClr val="A9B7C6"/>
+                </a:solidFill>
+                <a:effectLst/>
+                <a:latin typeface="JetBrains Mono"/>
+              </a:rPr>
+              <a:t>{ </a:t>
+            </a:r>
+            <a:r>
+              <a:rPr lang="en-US">
+                <a:solidFill>
+                  <a:srgbClr val="808080"/>
+                </a:solidFill>
+                <a:effectLst/>
+                <a:latin typeface="JetBrains Mono"/>
+              </a:rPr>
+              <a:t>/* Any Component */</a:t>
+            </a:r>
+            <a:r>
+              <a:rPr lang="en-US">
+                <a:solidFill>
+                  <a:srgbClr val="A9B7C6"/>
+                </a:solidFill>
+                <a:effectLst/>
+                <a:latin typeface="JetBrains Mono"/>
+              </a:rPr>
+              <a:t>}</a:t>
+            </a:r>
+            <a:r>
+              <a:rPr lang="en-US">
+                <a:solidFill>
+                  <a:srgbClr val="E8BF6A"/>
+                </a:solidFill>
+                <a:effectLst/>
+                <a:latin typeface="JetBrains Mono"/>
+              </a:rPr>
+              <a:t>&lt;/ListItem&gt;</a:t>
+            </a:r>
+            <a:br>
+              <a:rPr lang="en-US">
+                <a:solidFill>
+                  <a:srgbClr val="E8BF6A"/>
+                </a:solidFill>
+                <a:effectLst/>
+                <a:latin typeface="JetBrains Mono"/>
+              </a:rPr>
+            </a:br>
+            <a:r>
+              <a:rPr lang="en-US">
+                <a:solidFill>
+                  <a:srgbClr val="A9B7C6"/>
+                </a:solidFill>
+                <a:effectLst/>
+                <a:latin typeface="JetBrains Mono"/>
+              </a:rPr>
+              <a:t>))</a:t>
+            </a:r>
+            <a:r>
+              <a:rPr lang="en-US">
+                <a:solidFill>
+                  <a:srgbClr val="CC7832"/>
+                </a:solidFill>
+                <a:effectLst/>
+                <a:latin typeface="JetBrains Mono"/>
+              </a:rPr>
+              <a:t>, </a:t>
+            </a:r>
+            <a:r>
+              <a:rPr lang="en-US">
+                <a:solidFill>
+                  <a:srgbClr val="A9B7C6"/>
+                </a:solidFill>
+                <a:effectLst/>
+                <a:latin typeface="JetBrains Mono"/>
+              </a:rPr>
+              <a:t>[pokemons])</a:t>
+            </a:r>
+            <a:r>
+              <a:rPr lang="en-US">
+                <a:solidFill>
+                  <a:srgbClr val="CC7832"/>
+                </a:solidFill>
+                <a:effectLst/>
+                <a:latin typeface="JetBrains Mono"/>
+              </a:rPr>
+              <a:t>;</a:t>
+            </a:r>
+            <a:endParaRPr lang="en-US">
+              <a:solidFill>
+                <a:srgbClr val="A9B7C6"/>
+              </a:solidFill>
+              <a:effectLst/>
+              <a:latin typeface="JetBrains Mono"/>
+            </a:endParaRPr>
+          </a:p>
+        </p:txBody>
+      </p:sp>
+      <p:sp>
+        <p:nvSpPr>
+          <p:cNvPr id="28" name="TextBox 27">
+            <a:extLst>
+              <a:ext uri="{FF2B5EF4-FFF2-40B4-BE49-F238E27FC236}">
+                <a16:creationId xmlns:a16="http://schemas.microsoft.com/office/drawing/2014/main" id="{9C3518CD-0C87-5288-614F-CD76E8E8C7BC}"/>
+              </a:ext>
+            </a:extLst>
+          </p:cNvPr>
+          <p:cNvSpPr txBox="1"/>
+          <p:nvPr/>
+        </p:nvSpPr>
+        <p:spPr>
+          <a:xfrm>
+            <a:off x="838345" y="2028188"/>
+            <a:ext cx="7428199" cy="923330"/>
+          </a:xfrm>
+          <a:prstGeom prst="rect">
+            <a:avLst/>
+          </a:prstGeom>
+          <a:solidFill>
+            <a:schemeClr val="tx1"/>
+          </a:solidFill>
+        </p:spPr>
+        <p:txBody>
+          <a:bodyPr wrap="square">
+            <a:spAutoFit/>
+          </a:bodyPr>
+          <a:lstStyle/>
+          <a:p>
+            <a:r>
+              <a:rPr lang="en-US">
+                <a:solidFill>
+                  <a:srgbClr val="CC7832"/>
+                </a:solidFill>
+                <a:effectLst/>
+                <a:latin typeface="JetBrains Mono"/>
+              </a:rPr>
+              <a:t>const </a:t>
+            </a:r>
+            <a:r>
+              <a:rPr lang="en-US">
+                <a:solidFill>
+                  <a:srgbClr val="A9B7C6"/>
+                </a:solidFill>
+                <a:effectLst/>
+                <a:latin typeface="JetBrains Mono"/>
+              </a:rPr>
+              <a:t>pokemonItems = pokemons.</a:t>
+            </a:r>
+            <a:r>
+              <a:rPr lang="en-US">
+                <a:solidFill>
+                  <a:srgbClr val="FFC66D"/>
+                </a:solidFill>
+                <a:effectLst/>
+                <a:latin typeface="JetBrains Mono"/>
+              </a:rPr>
+              <a:t>map</a:t>
+            </a:r>
+            <a:r>
+              <a:rPr lang="en-US">
+                <a:solidFill>
+                  <a:srgbClr val="A9B7C6"/>
+                </a:solidFill>
+                <a:effectLst/>
+                <a:latin typeface="JetBrains Mono"/>
+              </a:rPr>
+              <a:t>((pokemon) =&gt; (</a:t>
+            </a:r>
+            <a:br>
+              <a:rPr lang="en-US">
+                <a:solidFill>
+                  <a:srgbClr val="A9B7C6"/>
+                </a:solidFill>
+                <a:effectLst/>
+                <a:latin typeface="JetBrains Mono"/>
+              </a:rPr>
+            </a:br>
+            <a:r>
+              <a:rPr lang="en-US">
+                <a:solidFill>
+                  <a:srgbClr val="A9B7C6"/>
+                </a:solidFill>
+                <a:effectLst/>
+                <a:latin typeface="JetBrains Mono"/>
+              </a:rPr>
+              <a:t>  </a:t>
+            </a:r>
+            <a:r>
+              <a:rPr lang="en-US">
+                <a:solidFill>
+                  <a:srgbClr val="E8BF6A"/>
+                </a:solidFill>
+                <a:effectLst/>
+                <a:latin typeface="JetBrains Mono"/>
+              </a:rPr>
+              <a:t>&lt;ListItem </a:t>
+            </a:r>
+            <a:r>
+              <a:rPr lang="en-US">
+                <a:solidFill>
+                  <a:srgbClr val="BABABA"/>
+                </a:solidFill>
+                <a:effectLst/>
+                <a:latin typeface="JetBrains Mono"/>
+              </a:rPr>
+              <a:t>key</a:t>
+            </a:r>
+            <a:r>
+              <a:rPr lang="en-US">
+                <a:solidFill>
+                  <a:srgbClr val="6A8759"/>
+                </a:solidFill>
+                <a:effectLst/>
+                <a:latin typeface="JetBrains Mono"/>
+              </a:rPr>
+              <a:t>=</a:t>
+            </a:r>
+            <a:r>
+              <a:rPr lang="en-US">
+                <a:solidFill>
+                  <a:srgbClr val="A9B7C6"/>
+                </a:solidFill>
+                <a:effectLst/>
+                <a:latin typeface="JetBrains Mono"/>
+              </a:rPr>
+              <a:t>{pokemon.id}</a:t>
+            </a:r>
+            <a:r>
+              <a:rPr lang="en-US">
+                <a:solidFill>
+                  <a:srgbClr val="E8BF6A"/>
+                </a:solidFill>
+                <a:effectLst/>
+                <a:latin typeface="JetBrains Mono"/>
+              </a:rPr>
+              <a:t>&gt;</a:t>
+            </a:r>
+            <a:r>
+              <a:rPr lang="en-US">
+                <a:solidFill>
+                  <a:srgbClr val="A9B7C6"/>
+                </a:solidFill>
+                <a:effectLst/>
+                <a:latin typeface="JetBrains Mono"/>
+              </a:rPr>
+              <a:t>{ </a:t>
+            </a:r>
+            <a:r>
+              <a:rPr lang="en-US">
+                <a:solidFill>
+                  <a:srgbClr val="808080"/>
+                </a:solidFill>
+                <a:effectLst/>
+                <a:latin typeface="JetBrains Mono"/>
+              </a:rPr>
+              <a:t>/* Any Component */</a:t>
+            </a:r>
+            <a:r>
+              <a:rPr lang="en-US">
+                <a:solidFill>
+                  <a:srgbClr val="A9B7C6"/>
+                </a:solidFill>
+                <a:effectLst/>
+                <a:latin typeface="JetBrains Mono"/>
+              </a:rPr>
+              <a:t>}</a:t>
+            </a:r>
+            <a:r>
+              <a:rPr lang="en-US">
+                <a:solidFill>
+                  <a:srgbClr val="E8BF6A"/>
+                </a:solidFill>
+                <a:effectLst/>
+                <a:latin typeface="JetBrains Mono"/>
+              </a:rPr>
+              <a:t>&lt;/ListItem&gt;</a:t>
+            </a:r>
+            <a:br>
+              <a:rPr lang="en-US">
+                <a:solidFill>
+                  <a:srgbClr val="E8BF6A"/>
+                </a:solidFill>
+                <a:effectLst/>
+                <a:latin typeface="JetBrains Mono"/>
+              </a:rPr>
+            </a:br>
+            <a:r>
+              <a:rPr lang="en-US">
+                <a:solidFill>
+                  <a:srgbClr val="A9B7C6"/>
+                </a:solidFill>
+                <a:effectLst/>
+                <a:latin typeface="JetBrains Mono"/>
+              </a:rPr>
+              <a:t>)</a:t>
+            </a:r>
+            <a:r>
+              <a:rPr lang="en-US">
+                <a:solidFill>
+                  <a:srgbClr val="CC7832"/>
+                </a:solidFill>
+                <a:effectLst/>
+                <a:latin typeface="JetBrains Mono"/>
+              </a:rPr>
+              <a:t> ;</a:t>
+            </a:r>
+            <a:endParaRPr lang="en-US">
+              <a:solidFill>
+                <a:srgbClr val="A9B7C6"/>
+              </a:solidFill>
+              <a:effectLst/>
+              <a:latin typeface="JetBrains Mono"/>
+            </a:endParaRPr>
+          </a:p>
+        </p:txBody>
+      </p:sp>
+      <p:sp>
+        <p:nvSpPr>
+          <p:cNvPr id="6" name="Content Placeholder 3">
+            <a:extLst>
+              <a:ext uri="{FF2B5EF4-FFF2-40B4-BE49-F238E27FC236}">
+                <a16:creationId xmlns:a16="http://schemas.microsoft.com/office/drawing/2014/main" id="{E2DA99F4-5DB5-4F1E-7056-5E34D28594FE}"/>
+              </a:ext>
+            </a:extLst>
+          </p:cNvPr>
+          <p:cNvSpPr txBox="1">
+            <a:spLocks/>
+          </p:cNvSpPr>
+          <p:nvPr/>
+        </p:nvSpPr>
+        <p:spPr>
+          <a:xfrm>
+            <a:off x="8421397" y="2516549"/>
+            <a:ext cx="2523692" cy="437098"/>
+          </a:xfrm>
+          <a:prstGeom prst="rect">
+            <a:avLst/>
+          </a:prstGeom>
+        </p:spPr>
+        <p:txBody>
+          <a:bodyPr vert="horz" lIns="91440" tIns="45720" rIns="91440" bIns="45720" rtlCol="0" anchor="ctr">
+            <a:noAutofit/>
+          </a:bodyPr>
+          <a:lstStyle>
+            <a:lvl1pPr marL="0" indent="0" algn="l" defTabSz="914349" rtl="0" eaLnBrk="1" latinLnBrk="0" hangingPunct="1">
+              <a:lnSpc>
+                <a:spcPct val="90000"/>
+              </a:lnSpc>
+              <a:spcBef>
+                <a:spcPts val="1000"/>
+              </a:spcBef>
+              <a:buClr>
+                <a:srgbClr val="0078D1"/>
+              </a:buClr>
+              <a:buFont typeface="Wingdings" panose="05000000000000000000" pitchFamily="2" charset="2"/>
+              <a:buNone/>
+              <a:defRPr sz="2800" kern="1200">
+                <a:solidFill>
+                  <a:schemeClr val="tx1"/>
+                </a:solidFill>
+                <a:latin typeface="Garet Book" pitchFamily="2" charset="0"/>
+                <a:ea typeface="+mn-ea"/>
+                <a:cs typeface="+mn-cs"/>
+              </a:defRPr>
+            </a:lvl1pPr>
+            <a:lvl2pPr marL="359980" indent="-228587" algn="l" defTabSz="914349" rtl="0" eaLnBrk="1" latinLnBrk="0" hangingPunct="1">
+              <a:lnSpc>
+                <a:spcPct val="90000"/>
+              </a:lnSpc>
+              <a:spcBef>
+                <a:spcPts val="500"/>
+              </a:spcBef>
+              <a:buClr>
+                <a:schemeClr val="tx2"/>
+              </a:buClr>
+              <a:buFont typeface="Wingdings" panose="05000000000000000000" pitchFamily="2" charset="2"/>
+              <a:buChar char="§"/>
+              <a:defRPr sz="2400" kern="1200">
+                <a:solidFill>
+                  <a:schemeClr val="tx1"/>
+                </a:solidFill>
+                <a:latin typeface="Garet Book" pitchFamily="2" charset="0"/>
+                <a:ea typeface="+mn-ea"/>
+                <a:cs typeface="+mn-cs"/>
+              </a:defRPr>
+            </a:lvl2pPr>
+            <a:lvl3pPr marL="611965" indent="-228587" algn="l" defTabSz="914349" rtl="0" eaLnBrk="1" latinLnBrk="0" hangingPunct="1">
+              <a:lnSpc>
+                <a:spcPct val="90000"/>
+              </a:lnSpc>
+              <a:spcBef>
+                <a:spcPts val="500"/>
+              </a:spcBef>
+              <a:buClr>
+                <a:schemeClr val="tx2"/>
+              </a:buClr>
+              <a:buFont typeface="Wingdings" panose="05000000000000000000" pitchFamily="2" charset="2"/>
+              <a:buChar char="§"/>
+              <a:defRPr sz="2000" kern="1200">
+                <a:solidFill>
+                  <a:schemeClr val="tx1"/>
+                </a:solidFill>
+                <a:latin typeface="Garet Book" pitchFamily="2" charset="0"/>
+                <a:ea typeface="+mn-ea"/>
+                <a:cs typeface="+mn-cs"/>
+              </a:defRPr>
+            </a:lvl3pPr>
+            <a:lvl4pPr marL="899950" indent="-228587" algn="l" defTabSz="914349" rtl="0" eaLnBrk="1" latinLnBrk="0" hangingPunct="1">
+              <a:lnSpc>
+                <a:spcPct val="90000"/>
+              </a:lnSpc>
+              <a:spcBef>
+                <a:spcPts val="500"/>
+              </a:spcBef>
+              <a:buClr>
+                <a:schemeClr val="tx2"/>
+              </a:buClr>
+              <a:buFont typeface="Wingdings" panose="05000000000000000000" pitchFamily="2" charset="2"/>
+              <a:buChar char="§"/>
+              <a:defRPr sz="1799" kern="1200">
+                <a:solidFill>
+                  <a:schemeClr val="tx1"/>
+                </a:solidFill>
+                <a:latin typeface="Garet Book" pitchFamily="2" charset="0"/>
+                <a:ea typeface="+mn-ea"/>
+                <a:cs typeface="+mn-cs"/>
+              </a:defRPr>
+            </a:lvl4pPr>
+            <a:lvl5pPr marL="1187934" indent="-228587" algn="l" defTabSz="914349" rtl="0" eaLnBrk="1" latinLnBrk="0" hangingPunct="1">
+              <a:lnSpc>
+                <a:spcPct val="90000"/>
+              </a:lnSpc>
+              <a:spcBef>
+                <a:spcPts val="500"/>
+              </a:spcBef>
+              <a:buClr>
+                <a:schemeClr val="tx2"/>
+              </a:buClr>
+              <a:buFont typeface="Wingdings" panose="05000000000000000000" pitchFamily="2" charset="2"/>
+              <a:buChar char="§"/>
+              <a:defRPr sz="1799" kern="1200">
+                <a:solidFill>
+                  <a:schemeClr val="tx1"/>
+                </a:solidFill>
+                <a:latin typeface="Garet Book" pitchFamily="2" charset="0"/>
+                <a:ea typeface="+mn-ea"/>
+                <a:cs typeface="+mn-cs"/>
+              </a:defRPr>
+            </a:lvl5pPr>
+            <a:lvl6pPr marL="2514460" indent="-228587" algn="l" defTabSz="914349" rtl="0" eaLnBrk="1" latinLnBrk="0" hangingPunct="1">
+              <a:lnSpc>
+                <a:spcPct val="90000"/>
+              </a:lnSpc>
+              <a:spcBef>
+                <a:spcPts val="500"/>
+              </a:spcBef>
+              <a:buFont typeface="Arial" panose="020B0604020202020204" pitchFamily="34" charset="0"/>
+              <a:buChar char="•"/>
+              <a:defRPr sz="1799" kern="1200">
+                <a:solidFill>
+                  <a:schemeClr val="tx1"/>
+                </a:solidFill>
+                <a:latin typeface="+mn-lt"/>
+                <a:ea typeface="+mn-ea"/>
+                <a:cs typeface="+mn-cs"/>
+              </a:defRPr>
+            </a:lvl6pPr>
+            <a:lvl7pPr marL="2971634" indent="-228587" algn="l" defTabSz="914349" rtl="0" eaLnBrk="1" latinLnBrk="0" hangingPunct="1">
+              <a:lnSpc>
+                <a:spcPct val="90000"/>
+              </a:lnSpc>
+              <a:spcBef>
+                <a:spcPts val="500"/>
+              </a:spcBef>
+              <a:buFont typeface="Arial" panose="020B0604020202020204" pitchFamily="34" charset="0"/>
+              <a:buChar char="•"/>
+              <a:defRPr sz="1799" kern="1200">
+                <a:solidFill>
+                  <a:schemeClr val="tx1"/>
+                </a:solidFill>
+                <a:latin typeface="+mn-lt"/>
+                <a:ea typeface="+mn-ea"/>
+                <a:cs typeface="+mn-cs"/>
+              </a:defRPr>
+            </a:lvl7pPr>
+            <a:lvl8pPr marL="3428808" indent="-228587" algn="l" defTabSz="914349" rtl="0" eaLnBrk="1" latinLnBrk="0" hangingPunct="1">
+              <a:lnSpc>
+                <a:spcPct val="90000"/>
+              </a:lnSpc>
+              <a:spcBef>
+                <a:spcPts val="500"/>
+              </a:spcBef>
+              <a:buFont typeface="Arial" panose="020B0604020202020204" pitchFamily="34" charset="0"/>
+              <a:buChar char="•"/>
+              <a:defRPr sz="1799" kern="1200">
+                <a:solidFill>
+                  <a:schemeClr val="tx1"/>
+                </a:solidFill>
+                <a:latin typeface="+mn-lt"/>
+                <a:ea typeface="+mn-ea"/>
+                <a:cs typeface="+mn-cs"/>
+              </a:defRPr>
+            </a:lvl8pPr>
+            <a:lvl9pPr marL="3885983" indent="-228587" algn="l" defTabSz="914349" rtl="0" eaLnBrk="1" latinLnBrk="0" hangingPunct="1">
+              <a:lnSpc>
+                <a:spcPct val="90000"/>
+              </a:lnSpc>
+              <a:spcBef>
+                <a:spcPts val="500"/>
+              </a:spcBef>
+              <a:buFont typeface="Arial" panose="020B0604020202020204" pitchFamily="34" charset="0"/>
+              <a:buChar char="•"/>
+              <a:defRPr sz="1799" kern="1200">
+                <a:solidFill>
+                  <a:schemeClr val="tx1"/>
+                </a:solidFill>
+                <a:latin typeface="+mn-lt"/>
+                <a:ea typeface="+mn-ea"/>
+                <a:cs typeface="+mn-cs"/>
+              </a:defRPr>
+            </a:lvl9pPr>
+          </a:lstStyle>
+          <a:p>
+            <a:r>
+              <a:rPr lang="en-US" sz="1600" b="1"/>
+              <a:t>2. Render: </a:t>
+            </a:r>
+            <a:r>
+              <a:rPr lang="en-US" sz="1600" b="1">
+                <a:solidFill>
+                  <a:schemeClr val="bg2">
+                    <a:lumMod val="50000"/>
+                  </a:schemeClr>
+                </a:solidFill>
+              </a:rPr>
+              <a:t>1473 ms</a:t>
+            </a:r>
+            <a:endParaRPr lang="de-DE" sz="1600" b="1">
+              <a:solidFill>
+                <a:schemeClr val="bg2">
+                  <a:lumMod val="50000"/>
+                </a:schemeClr>
+              </a:solidFill>
+            </a:endParaRPr>
+          </a:p>
+        </p:txBody>
+      </p:sp>
+      <p:sp>
+        <p:nvSpPr>
+          <p:cNvPr id="19" name="Content Placeholder 3">
+            <a:extLst>
+              <a:ext uri="{FF2B5EF4-FFF2-40B4-BE49-F238E27FC236}">
+                <a16:creationId xmlns:a16="http://schemas.microsoft.com/office/drawing/2014/main" id="{983D0E26-3504-7CEB-4510-BD9A755A84DE}"/>
+              </a:ext>
+            </a:extLst>
+          </p:cNvPr>
+          <p:cNvSpPr txBox="1">
+            <a:spLocks/>
+          </p:cNvSpPr>
+          <p:nvPr/>
+        </p:nvSpPr>
+        <p:spPr>
+          <a:xfrm>
+            <a:off x="8421398" y="4415402"/>
+            <a:ext cx="2523691" cy="437098"/>
+          </a:xfrm>
+          <a:prstGeom prst="rect">
+            <a:avLst/>
+          </a:prstGeom>
+        </p:spPr>
+        <p:txBody>
+          <a:bodyPr vert="horz" lIns="91440" tIns="45720" rIns="91440" bIns="45720" rtlCol="0" anchor="ctr">
+            <a:noAutofit/>
+          </a:bodyPr>
+          <a:lstStyle>
+            <a:lvl1pPr marL="0" indent="0" algn="l" defTabSz="914349" rtl="0" eaLnBrk="1" latinLnBrk="0" hangingPunct="1">
+              <a:lnSpc>
+                <a:spcPct val="90000"/>
+              </a:lnSpc>
+              <a:spcBef>
+                <a:spcPts val="1000"/>
+              </a:spcBef>
+              <a:buClr>
+                <a:srgbClr val="0078D1"/>
+              </a:buClr>
+              <a:buFont typeface="Wingdings" panose="05000000000000000000" pitchFamily="2" charset="2"/>
+              <a:buNone/>
+              <a:defRPr sz="2800" kern="1200">
+                <a:solidFill>
+                  <a:schemeClr val="tx1"/>
+                </a:solidFill>
+                <a:latin typeface="Garet Book" pitchFamily="2" charset="0"/>
+                <a:ea typeface="+mn-ea"/>
+                <a:cs typeface="+mn-cs"/>
+              </a:defRPr>
+            </a:lvl1pPr>
+            <a:lvl2pPr marL="359980" indent="-228587" algn="l" defTabSz="914349" rtl="0" eaLnBrk="1" latinLnBrk="0" hangingPunct="1">
+              <a:lnSpc>
+                <a:spcPct val="90000"/>
+              </a:lnSpc>
+              <a:spcBef>
+                <a:spcPts val="500"/>
+              </a:spcBef>
+              <a:buClr>
+                <a:schemeClr val="tx2"/>
+              </a:buClr>
+              <a:buFont typeface="Wingdings" panose="05000000000000000000" pitchFamily="2" charset="2"/>
+              <a:buChar char="§"/>
+              <a:defRPr sz="2400" kern="1200">
+                <a:solidFill>
+                  <a:schemeClr val="tx1"/>
+                </a:solidFill>
+                <a:latin typeface="Garet Book" pitchFamily="2" charset="0"/>
+                <a:ea typeface="+mn-ea"/>
+                <a:cs typeface="+mn-cs"/>
+              </a:defRPr>
+            </a:lvl2pPr>
+            <a:lvl3pPr marL="611965" indent="-228587" algn="l" defTabSz="914349" rtl="0" eaLnBrk="1" latinLnBrk="0" hangingPunct="1">
+              <a:lnSpc>
+                <a:spcPct val="90000"/>
+              </a:lnSpc>
+              <a:spcBef>
+                <a:spcPts val="500"/>
+              </a:spcBef>
+              <a:buClr>
+                <a:schemeClr val="tx2"/>
+              </a:buClr>
+              <a:buFont typeface="Wingdings" panose="05000000000000000000" pitchFamily="2" charset="2"/>
+              <a:buChar char="§"/>
+              <a:defRPr sz="2000" kern="1200">
+                <a:solidFill>
+                  <a:schemeClr val="tx1"/>
+                </a:solidFill>
+                <a:latin typeface="Garet Book" pitchFamily="2" charset="0"/>
+                <a:ea typeface="+mn-ea"/>
+                <a:cs typeface="+mn-cs"/>
+              </a:defRPr>
+            </a:lvl3pPr>
+            <a:lvl4pPr marL="899950" indent="-228587" algn="l" defTabSz="914349" rtl="0" eaLnBrk="1" latinLnBrk="0" hangingPunct="1">
+              <a:lnSpc>
+                <a:spcPct val="90000"/>
+              </a:lnSpc>
+              <a:spcBef>
+                <a:spcPts val="500"/>
+              </a:spcBef>
+              <a:buClr>
+                <a:schemeClr val="tx2"/>
+              </a:buClr>
+              <a:buFont typeface="Wingdings" panose="05000000000000000000" pitchFamily="2" charset="2"/>
+              <a:buChar char="§"/>
+              <a:defRPr sz="1799" kern="1200">
+                <a:solidFill>
+                  <a:schemeClr val="tx1"/>
+                </a:solidFill>
+                <a:latin typeface="Garet Book" pitchFamily="2" charset="0"/>
+                <a:ea typeface="+mn-ea"/>
+                <a:cs typeface="+mn-cs"/>
+              </a:defRPr>
+            </a:lvl4pPr>
+            <a:lvl5pPr marL="1187934" indent="-228587" algn="l" defTabSz="914349" rtl="0" eaLnBrk="1" latinLnBrk="0" hangingPunct="1">
+              <a:lnSpc>
+                <a:spcPct val="90000"/>
+              </a:lnSpc>
+              <a:spcBef>
+                <a:spcPts val="500"/>
+              </a:spcBef>
+              <a:buClr>
+                <a:schemeClr val="tx2"/>
+              </a:buClr>
+              <a:buFont typeface="Wingdings" panose="05000000000000000000" pitchFamily="2" charset="2"/>
+              <a:buChar char="§"/>
+              <a:defRPr sz="1799" kern="1200">
+                <a:solidFill>
+                  <a:schemeClr val="tx1"/>
+                </a:solidFill>
+                <a:latin typeface="Garet Book" pitchFamily="2" charset="0"/>
+                <a:ea typeface="+mn-ea"/>
+                <a:cs typeface="+mn-cs"/>
+              </a:defRPr>
+            </a:lvl5pPr>
+            <a:lvl6pPr marL="2514460" indent="-228587" algn="l" defTabSz="914349" rtl="0" eaLnBrk="1" latinLnBrk="0" hangingPunct="1">
+              <a:lnSpc>
+                <a:spcPct val="90000"/>
+              </a:lnSpc>
+              <a:spcBef>
+                <a:spcPts val="500"/>
+              </a:spcBef>
+              <a:buFont typeface="Arial" panose="020B0604020202020204" pitchFamily="34" charset="0"/>
+              <a:buChar char="•"/>
+              <a:defRPr sz="1799" kern="1200">
+                <a:solidFill>
+                  <a:schemeClr val="tx1"/>
+                </a:solidFill>
+                <a:latin typeface="+mn-lt"/>
+                <a:ea typeface="+mn-ea"/>
+                <a:cs typeface="+mn-cs"/>
+              </a:defRPr>
+            </a:lvl6pPr>
+            <a:lvl7pPr marL="2971634" indent="-228587" algn="l" defTabSz="914349" rtl="0" eaLnBrk="1" latinLnBrk="0" hangingPunct="1">
+              <a:lnSpc>
+                <a:spcPct val="90000"/>
+              </a:lnSpc>
+              <a:spcBef>
+                <a:spcPts val="500"/>
+              </a:spcBef>
+              <a:buFont typeface="Arial" panose="020B0604020202020204" pitchFamily="34" charset="0"/>
+              <a:buChar char="•"/>
+              <a:defRPr sz="1799" kern="1200">
+                <a:solidFill>
+                  <a:schemeClr val="tx1"/>
+                </a:solidFill>
+                <a:latin typeface="+mn-lt"/>
+                <a:ea typeface="+mn-ea"/>
+                <a:cs typeface="+mn-cs"/>
+              </a:defRPr>
+            </a:lvl7pPr>
+            <a:lvl8pPr marL="3428808" indent="-228587" algn="l" defTabSz="914349" rtl="0" eaLnBrk="1" latinLnBrk="0" hangingPunct="1">
+              <a:lnSpc>
+                <a:spcPct val="90000"/>
+              </a:lnSpc>
+              <a:spcBef>
+                <a:spcPts val="500"/>
+              </a:spcBef>
+              <a:buFont typeface="Arial" panose="020B0604020202020204" pitchFamily="34" charset="0"/>
+              <a:buChar char="•"/>
+              <a:defRPr sz="1799" kern="1200">
+                <a:solidFill>
+                  <a:schemeClr val="tx1"/>
+                </a:solidFill>
+                <a:latin typeface="+mn-lt"/>
+                <a:ea typeface="+mn-ea"/>
+                <a:cs typeface="+mn-cs"/>
+              </a:defRPr>
+            </a:lvl8pPr>
+            <a:lvl9pPr marL="3885983" indent="-228587" algn="l" defTabSz="914349" rtl="0" eaLnBrk="1" latinLnBrk="0" hangingPunct="1">
+              <a:lnSpc>
+                <a:spcPct val="90000"/>
+              </a:lnSpc>
+              <a:spcBef>
+                <a:spcPts val="500"/>
+              </a:spcBef>
+              <a:buFont typeface="Arial" panose="020B0604020202020204" pitchFamily="34" charset="0"/>
+              <a:buChar char="•"/>
+              <a:defRPr sz="1799" kern="1200">
+                <a:solidFill>
+                  <a:schemeClr val="tx1"/>
+                </a:solidFill>
+                <a:latin typeface="+mn-lt"/>
+                <a:ea typeface="+mn-ea"/>
+                <a:cs typeface="+mn-cs"/>
+              </a:defRPr>
+            </a:lvl9pPr>
+          </a:lstStyle>
+          <a:p>
+            <a:r>
+              <a:rPr lang="en-US" sz="1600" b="1"/>
+              <a:t>1.  Render: 1473 ms</a:t>
+            </a:r>
+            <a:endParaRPr lang="de-DE" sz="1600" b="1"/>
+          </a:p>
+        </p:txBody>
+      </p:sp>
+      <p:sp>
+        <p:nvSpPr>
+          <p:cNvPr id="20" name="Content Placeholder 3">
+            <a:extLst>
+              <a:ext uri="{FF2B5EF4-FFF2-40B4-BE49-F238E27FC236}">
+                <a16:creationId xmlns:a16="http://schemas.microsoft.com/office/drawing/2014/main" id="{CBC9AE5D-1BE1-5140-0296-36094B061083}"/>
+              </a:ext>
+            </a:extLst>
+          </p:cNvPr>
+          <p:cNvSpPr txBox="1">
+            <a:spLocks/>
+          </p:cNvSpPr>
+          <p:nvPr/>
+        </p:nvSpPr>
+        <p:spPr>
+          <a:xfrm>
+            <a:off x="8421397" y="4903763"/>
+            <a:ext cx="2523692" cy="437098"/>
+          </a:xfrm>
+          <a:prstGeom prst="rect">
+            <a:avLst/>
+          </a:prstGeom>
+        </p:spPr>
+        <p:txBody>
+          <a:bodyPr vert="horz" lIns="91440" tIns="45720" rIns="91440" bIns="45720" rtlCol="0" anchor="ctr">
+            <a:noAutofit/>
+          </a:bodyPr>
+          <a:lstStyle>
+            <a:lvl1pPr marL="0" indent="0" algn="l" defTabSz="914349" rtl="0" eaLnBrk="1" latinLnBrk="0" hangingPunct="1">
+              <a:lnSpc>
+                <a:spcPct val="90000"/>
+              </a:lnSpc>
+              <a:spcBef>
+                <a:spcPts val="1000"/>
+              </a:spcBef>
+              <a:buClr>
+                <a:srgbClr val="0078D1"/>
+              </a:buClr>
+              <a:buFont typeface="Wingdings" panose="05000000000000000000" pitchFamily="2" charset="2"/>
+              <a:buNone/>
+              <a:defRPr sz="2800" kern="1200">
+                <a:solidFill>
+                  <a:schemeClr val="tx1"/>
+                </a:solidFill>
+                <a:latin typeface="Garet Book" pitchFamily="2" charset="0"/>
+                <a:ea typeface="+mn-ea"/>
+                <a:cs typeface="+mn-cs"/>
+              </a:defRPr>
+            </a:lvl1pPr>
+            <a:lvl2pPr marL="359980" indent="-228587" algn="l" defTabSz="914349" rtl="0" eaLnBrk="1" latinLnBrk="0" hangingPunct="1">
+              <a:lnSpc>
+                <a:spcPct val="90000"/>
+              </a:lnSpc>
+              <a:spcBef>
+                <a:spcPts val="500"/>
+              </a:spcBef>
+              <a:buClr>
+                <a:schemeClr val="tx2"/>
+              </a:buClr>
+              <a:buFont typeface="Wingdings" panose="05000000000000000000" pitchFamily="2" charset="2"/>
+              <a:buChar char="§"/>
+              <a:defRPr sz="2400" kern="1200">
+                <a:solidFill>
+                  <a:schemeClr val="tx1"/>
+                </a:solidFill>
+                <a:latin typeface="Garet Book" pitchFamily="2" charset="0"/>
+                <a:ea typeface="+mn-ea"/>
+                <a:cs typeface="+mn-cs"/>
+              </a:defRPr>
+            </a:lvl2pPr>
+            <a:lvl3pPr marL="611965" indent="-228587" algn="l" defTabSz="914349" rtl="0" eaLnBrk="1" latinLnBrk="0" hangingPunct="1">
+              <a:lnSpc>
+                <a:spcPct val="90000"/>
+              </a:lnSpc>
+              <a:spcBef>
+                <a:spcPts val="500"/>
+              </a:spcBef>
+              <a:buClr>
+                <a:schemeClr val="tx2"/>
+              </a:buClr>
+              <a:buFont typeface="Wingdings" panose="05000000000000000000" pitchFamily="2" charset="2"/>
+              <a:buChar char="§"/>
+              <a:defRPr sz="2000" kern="1200">
+                <a:solidFill>
+                  <a:schemeClr val="tx1"/>
+                </a:solidFill>
+                <a:latin typeface="Garet Book" pitchFamily="2" charset="0"/>
+                <a:ea typeface="+mn-ea"/>
+                <a:cs typeface="+mn-cs"/>
+              </a:defRPr>
+            </a:lvl3pPr>
+            <a:lvl4pPr marL="899950" indent="-228587" algn="l" defTabSz="914349" rtl="0" eaLnBrk="1" latinLnBrk="0" hangingPunct="1">
+              <a:lnSpc>
+                <a:spcPct val="90000"/>
+              </a:lnSpc>
+              <a:spcBef>
+                <a:spcPts val="500"/>
+              </a:spcBef>
+              <a:buClr>
+                <a:schemeClr val="tx2"/>
+              </a:buClr>
+              <a:buFont typeface="Wingdings" panose="05000000000000000000" pitchFamily="2" charset="2"/>
+              <a:buChar char="§"/>
+              <a:defRPr sz="1799" kern="1200">
+                <a:solidFill>
+                  <a:schemeClr val="tx1"/>
+                </a:solidFill>
+                <a:latin typeface="Garet Book" pitchFamily="2" charset="0"/>
+                <a:ea typeface="+mn-ea"/>
+                <a:cs typeface="+mn-cs"/>
+              </a:defRPr>
+            </a:lvl4pPr>
+            <a:lvl5pPr marL="1187934" indent="-228587" algn="l" defTabSz="914349" rtl="0" eaLnBrk="1" latinLnBrk="0" hangingPunct="1">
+              <a:lnSpc>
+                <a:spcPct val="90000"/>
+              </a:lnSpc>
+              <a:spcBef>
+                <a:spcPts val="500"/>
+              </a:spcBef>
+              <a:buClr>
+                <a:schemeClr val="tx2"/>
+              </a:buClr>
+              <a:buFont typeface="Wingdings" panose="05000000000000000000" pitchFamily="2" charset="2"/>
+              <a:buChar char="§"/>
+              <a:defRPr sz="1799" kern="1200">
+                <a:solidFill>
+                  <a:schemeClr val="tx1"/>
+                </a:solidFill>
+                <a:latin typeface="Garet Book" pitchFamily="2" charset="0"/>
+                <a:ea typeface="+mn-ea"/>
+                <a:cs typeface="+mn-cs"/>
+              </a:defRPr>
+            </a:lvl5pPr>
+            <a:lvl6pPr marL="2514460" indent="-228587" algn="l" defTabSz="914349" rtl="0" eaLnBrk="1" latinLnBrk="0" hangingPunct="1">
+              <a:lnSpc>
+                <a:spcPct val="90000"/>
+              </a:lnSpc>
+              <a:spcBef>
+                <a:spcPts val="500"/>
+              </a:spcBef>
+              <a:buFont typeface="Arial" panose="020B0604020202020204" pitchFamily="34" charset="0"/>
+              <a:buChar char="•"/>
+              <a:defRPr sz="1799" kern="1200">
+                <a:solidFill>
+                  <a:schemeClr val="tx1"/>
+                </a:solidFill>
+                <a:latin typeface="+mn-lt"/>
+                <a:ea typeface="+mn-ea"/>
+                <a:cs typeface="+mn-cs"/>
+              </a:defRPr>
+            </a:lvl6pPr>
+            <a:lvl7pPr marL="2971634" indent="-228587" algn="l" defTabSz="914349" rtl="0" eaLnBrk="1" latinLnBrk="0" hangingPunct="1">
+              <a:lnSpc>
+                <a:spcPct val="90000"/>
+              </a:lnSpc>
+              <a:spcBef>
+                <a:spcPts val="500"/>
+              </a:spcBef>
+              <a:buFont typeface="Arial" panose="020B0604020202020204" pitchFamily="34" charset="0"/>
+              <a:buChar char="•"/>
+              <a:defRPr sz="1799" kern="1200">
+                <a:solidFill>
+                  <a:schemeClr val="tx1"/>
+                </a:solidFill>
+                <a:latin typeface="+mn-lt"/>
+                <a:ea typeface="+mn-ea"/>
+                <a:cs typeface="+mn-cs"/>
+              </a:defRPr>
+            </a:lvl7pPr>
+            <a:lvl8pPr marL="3428808" indent="-228587" algn="l" defTabSz="914349" rtl="0" eaLnBrk="1" latinLnBrk="0" hangingPunct="1">
+              <a:lnSpc>
+                <a:spcPct val="90000"/>
+              </a:lnSpc>
+              <a:spcBef>
+                <a:spcPts val="500"/>
+              </a:spcBef>
+              <a:buFont typeface="Arial" panose="020B0604020202020204" pitchFamily="34" charset="0"/>
+              <a:buChar char="•"/>
+              <a:defRPr sz="1799" kern="1200">
+                <a:solidFill>
+                  <a:schemeClr val="tx1"/>
+                </a:solidFill>
+                <a:latin typeface="+mn-lt"/>
+                <a:ea typeface="+mn-ea"/>
+                <a:cs typeface="+mn-cs"/>
+              </a:defRPr>
+            </a:lvl8pPr>
+            <a:lvl9pPr marL="3885983" indent="-228587" algn="l" defTabSz="914349" rtl="0" eaLnBrk="1" latinLnBrk="0" hangingPunct="1">
+              <a:lnSpc>
+                <a:spcPct val="90000"/>
+              </a:lnSpc>
+              <a:spcBef>
+                <a:spcPts val="500"/>
+              </a:spcBef>
+              <a:buFont typeface="Arial" panose="020B0604020202020204" pitchFamily="34" charset="0"/>
+              <a:buChar char="•"/>
+              <a:defRPr sz="1799" kern="1200">
+                <a:solidFill>
+                  <a:schemeClr val="tx1"/>
+                </a:solidFill>
+                <a:latin typeface="+mn-lt"/>
+                <a:ea typeface="+mn-ea"/>
+                <a:cs typeface="+mn-cs"/>
+              </a:defRPr>
+            </a:lvl9pPr>
+          </a:lstStyle>
+          <a:p>
+            <a:r>
+              <a:rPr lang="en-US" sz="1600" b="1"/>
+              <a:t>2. Render: </a:t>
+            </a:r>
+            <a:r>
+              <a:rPr lang="en-US" sz="1600" b="1">
+                <a:solidFill>
+                  <a:srgbClr val="92D050"/>
+                </a:solidFill>
+              </a:rPr>
+              <a:t>~ 1 ms</a:t>
+            </a:r>
+            <a:endParaRPr lang="de-DE" sz="1600" b="1">
+              <a:solidFill>
+                <a:srgbClr val="92D050"/>
+              </a:solidFill>
+            </a:endParaRPr>
+          </a:p>
+        </p:txBody>
+      </p:sp>
+      <p:sp>
+        <p:nvSpPr>
+          <p:cNvPr id="25" name="Text Placeholder 2">
+            <a:extLst>
+              <a:ext uri="{FF2B5EF4-FFF2-40B4-BE49-F238E27FC236}">
+                <a16:creationId xmlns:a16="http://schemas.microsoft.com/office/drawing/2014/main" id="{4DF4CB98-3468-00B7-D3BB-3386D6DB74CF}"/>
+              </a:ext>
+            </a:extLst>
+          </p:cNvPr>
+          <p:cNvSpPr txBox="1">
+            <a:spLocks/>
+          </p:cNvSpPr>
+          <p:nvPr/>
+        </p:nvSpPr>
+        <p:spPr>
+          <a:xfrm>
+            <a:off x="838345" y="4003446"/>
+            <a:ext cx="2089582" cy="411956"/>
+          </a:xfrm>
+          <a:prstGeom prst="rect">
+            <a:avLst/>
+          </a:prstGeom>
+        </p:spPr>
+        <p:txBody>
+          <a:bodyPr vert="horz" lIns="91440" tIns="45720" rIns="91440" bIns="45720" rtlCol="0">
+            <a:normAutofit/>
+          </a:bodyPr>
+          <a:lstStyle>
+            <a:lvl1pPr marL="0" indent="0" algn="l" defTabSz="914349" rtl="0" eaLnBrk="1" latinLnBrk="0" hangingPunct="1">
+              <a:lnSpc>
+                <a:spcPct val="90000"/>
+              </a:lnSpc>
+              <a:spcBef>
+                <a:spcPts val="1000"/>
+              </a:spcBef>
+              <a:buClr>
+                <a:srgbClr val="0078D1"/>
+              </a:buClr>
+              <a:buFont typeface="Wingdings" panose="05000000000000000000" pitchFamily="2" charset="2"/>
+              <a:buNone/>
+              <a:defRPr sz="2800" kern="1200">
+                <a:solidFill>
+                  <a:schemeClr val="tx1"/>
+                </a:solidFill>
+                <a:latin typeface="Garet Book" pitchFamily="2" charset="0"/>
+                <a:ea typeface="+mn-ea"/>
+                <a:cs typeface="+mn-cs"/>
+              </a:defRPr>
+            </a:lvl1pPr>
+            <a:lvl2pPr marL="359980" indent="-228587" algn="l" defTabSz="914349" rtl="0" eaLnBrk="1" latinLnBrk="0" hangingPunct="1">
+              <a:lnSpc>
+                <a:spcPct val="90000"/>
+              </a:lnSpc>
+              <a:spcBef>
+                <a:spcPts val="500"/>
+              </a:spcBef>
+              <a:buClr>
+                <a:schemeClr val="tx2"/>
+              </a:buClr>
+              <a:buFont typeface="Wingdings" panose="05000000000000000000" pitchFamily="2" charset="2"/>
+              <a:buChar char="§"/>
+              <a:defRPr sz="2400" kern="1200">
+                <a:solidFill>
+                  <a:schemeClr val="tx1"/>
+                </a:solidFill>
+                <a:latin typeface="Garet Book" pitchFamily="2" charset="0"/>
+                <a:ea typeface="+mn-ea"/>
+                <a:cs typeface="+mn-cs"/>
+              </a:defRPr>
+            </a:lvl2pPr>
+            <a:lvl3pPr marL="611965" indent="-228587" algn="l" defTabSz="914349" rtl="0" eaLnBrk="1" latinLnBrk="0" hangingPunct="1">
+              <a:lnSpc>
+                <a:spcPct val="90000"/>
+              </a:lnSpc>
+              <a:spcBef>
+                <a:spcPts val="500"/>
+              </a:spcBef>
+              <a:buClr>
+                <a:schemeClr val="tx2"/>
+              </a:buClr>
+              <a:buFont typeface="Wingdings" panose="05000000000000000000" pitchFamily="2" charset="2"/>
+              <a:buChar char="§"/>
+              <a:defRPr sz="2000" kern="1200">
+                <a:solidFill>
+                  <a:schemeClr val="tx1"/>
+                </a:solidFill>
+                <a:latin typeface="Garet Book" pitchFamily="2" charset="0"/>
+                <a:ea typeface="+mn-ea"/>
+                <a:cs typeface="+mn-cs"/>
+              </a:defRPr>
+            </a:lvl3pPr>
+            <a:lvl4pPr marL="899950" indent="-228587" algn="l" defTabSz="914349" rtl="0" eaLnBrk="1" latinLnBrk="0" hangingPunct="1">
+              <a:lnSpc>
+                <a:spcPct val="90000"/>
+              </a:lnSpc>
+              <a:spcBef>
+                <a:spcPts val="500"/>
+              </a:spcBef>
+              <a:buClr>
+                <a:schemeClr val="tx2"/>
+              </a:buClr>
+              <a:buFont typeface="Wingdings" panose="05000000000000000000" pitchFamily="2" charset="2"/>
+              <a:buChar char="§"/>
+              <a:defRPr sz="1799" kern="1200">
+                <a:solidFill>
+                  <a:schemeClr val="tx1"/>
+                </a:solidFill>
+                <a:latin typeface="Garet Book" pitchFamily="2" charset="0"/>
+                <a:ea typeface="+mn-ea"/>
+                <a:cs typeface="+mn-cs"/>
+              </a:defRPr>
+            </a:lvl4pPr>
+            <a:lvl5pPr marL="1187934" indent="-228587" algn="l" defTabSz="914349" rtl="0" eaLnBrk="1" latinLnBrk="0" hangingPunct="1">
+              <a:lnSpc>
+                <a:spcPct val="90000"/>
+              </a:lnSpc>
+              <a:spcBef>
+                <a:spcPts val="500"/>
+              </a:spcBef>
+              <a:buClr>
+                <a:schemeClr val="tx2"/>
+              </a:buClr>
+              <a:buFont typeface="Wingdings" panose="05000000000000000000" pitchFamily="2" charset="2"/>
+              <a:buChar char="§"/>
+              <a:defRPr sz="1799" kern="1200">
+                <a:solidFill>
+                  <a:schemeClr val="tx1"/>
+                </a:solidFill>
+                <a:latin typeface="Garet Book" pitchFamily="2" charset="0"/>
+                <a:ea typeface="+mn-ea"/>
+                <a:cs typeface="+mn-cs"/>
+              </a:defRPr>
+            </a:lvl5pPr>
+            <a:lvl6pPr marL="2514460" indent="-228587" algn="l" defTabSz="914349" rtl="0" eaLnBrk="1" latinLnBrk="0" hangingPunct="1">
+              <a:lnSpc>
+                <a:spcPct val="90000"/>
+              </a:lnSpc>
+              <a:spcBef>
+                <a:spcPts val="500"/>
+              </a:spcBef>
+              <a:buFont typeface="Arial" panose="020B0604020202020204" pitchFamily="34" charset="0"/>
+              <a:buChar char="•"/>
+              <a:defRPr sz="1799" kern="1200">
+                <a:solidFill>
+                  <a:schemeClr val="tx1"/>
+                </a:solidFill>
+                <a:latin typeface="+mn-lt"/>
+                <a:ea typeface="+mn-ea"/>
+                <a:cs typeface="+mn-cs"/>
+              </a:defRPr>
+            </a:lvl6pPr>
+            <a:lvl7pPr marL="2971634" indent="-228587" algn="l" defTabSz="914349" rtl="0" eaLnBrk="1" latinLnBrk="0" hangingPunct="1">
+              <a:lnSpc>
+                <a:spcPct val="90000"/>
+              </a:lnSpc>
+              <a:spcBef>
+                <a:spcPts val="500"/>
+              </a:spcBef>
+              <a:buFont typeface="Arial" panose="020B0604020202020204" pitchFamily="34" charset="0"/>
+              <a:buChar char="•"/>
+              <a:defRPr sz="1799" kern="1200">
+                <a:solidFill>
+                  <a:schemeClr val="tx1"/>
+                </a:solidFill>
+                <a:latin typeface="+mn-lt"/>
+                <a:ea typeface="+mn-ea"/>
+                <a:cs typeface="+mn-cs"/>
+              </a:defRPr>
+            </a:lvl7pPr>
+            <a:lvl8pPr marL="3428808" indent="-228587" algn="l" defTabSz="914349" rtl="0" eaLnBrk="1" latinLnBrk="0" hangingPunct="1">
+              <a:lnSpc>
+                <a:spcPct val="90000"/>
+              </a:lnSpc>
+              <a:spcBef>
+                <a:spcPts val="500"/>
+              </a:spcBef>
+              <a:buFont typeface="Arial" panose="020B0604020202020204" pitchFamily="34" charset="0"/>
+              <a:buChar char="•"/>
+              <a:defRPr sz="1799" kern="1200">
+                <a:solidFill>
+                  <a:schemeClr val="tx1"/>
+                </a:solidFill>
+                <a:latin typeface="+mn-lt"/>
+                <a:ea typeface="+mn-ea"/>
+                <a:cs typeface="+mn-cs"/>
+              </a:defRPr>
+            </a:lvl8pPr>
+            <a:lvl9pPr marL="3885983" indent="-228587" algn="l" defTabSz="914349" rtl="0" eaLnBrk="1" latinLnBrk="0" hangingPunct="1">
+              <a:lnSpc>
+                <a:spcPct val="90000"/>
+              </a:lnSpc>
+              <a:spcBef>
+                <a:spcPts val="500"/>
+              </a:spcBef>
+              <a:buFont typeface="Arial" panose="020B0604020202020204" pitchFamily="34" charset="0"/>
+              <a:buChar char="•"/>
+              <a:defRPr sz="1799" kern="1200">
+                <a:solidFill>
+                  <a:schemeClr val="tx1"/>
+                </a:solidFill>
+                <a:latin typeface="+mn-lt"/>
+                <a:ea typeface="+mn-ea"/>
+                <a:cs typeface="+mn-cs"/>
+              </a:defRPr>
+            </a:lvl9pPr>
+          </a:lstStyle>
+          <a:p>
+            <a:r>
+              <a:rPr lang="de-DE" sz="2000"/>
+              <a:t>Mit useMemo:</a:t>
+            </a:r>
+          </a:p>
+        </p:txBody>
+      </p:sp>
+      <p:sp>
+        <p:nvSpPr>
+          <p:cNvPr id="29" name="Arrow: Right 28">
+            <a:extLst>
+              <a:ext uri="{FF2B5EF4-FFF2-40B4-BE49-F238E27FC236}">
+                <a16:creationId xmlns:a16="http://schemas.microsoft.com/office/drawing/2014/main" id="{DBA5B03F-2498-1CDA-3BFC-E3FD32A44585}"/>
+              </a:ext>
+            </a:extLst>
+          </p:cNvPr>
+          <p:cNvSpPr/>
+          <p:nvPr/>
+        </p:nvSpPr>
+        <p:spPr>
+          <a:xfrm rot="16200000">
+            <a:off x="1404592" y="5402871"/>
+            <a:ext cx="501995" cy="455093"/>
+          </a:xfrm>
+          <a:prstGeom prst="rightArrow">
+            <a:avLst/>
+          </a:prstGeom>
+          <a:solidFill>
+            <a:schemeClr val="bg2"/>
+          </a:solidFill>
+        </p:spPr>
+        <p:style>
+          <a:lnRef idx="2">
+            <a:schemeClr val="accent1">
+              <a:shade val="15000"/>
+            </a:schemeClr>
+          </a:lnRef>
+          <a:fillRef idx="1">
+            <a:schemeClr val="accent1"/>
+          </a:fillRef>
+          <a:effectRef idx="0">
+            <a:schemeClr val="accent1"/>
+          </a:effectRef>
+          <a:fontRef idx="minor">
+            <a:schemeClr val="lt1"/>
+          </a:fontRef>
+        </p:style>
+        <p:txBody>
+          <a:bodyPr rtlCol="0" anchor="ctr"/>
+          <a:lstStyle/>
+          <a:p>
+            <a:pPr algn="ctr"/>
+            <a:endParaRPr lang="de-DE" sz="1200">
+              <a:solidFill>
+                <a:schemeClr val="bg1"/>
+              </a:solidFill>
+            </a:endParaRPr>
+          </a:p>
+        </p:txBody>
+      </p:sp>
+      <p:sp>
+        <p:nvSpPr>
+          <p:cNvPr id="32" name="Content Placeholder 3">
+            <a:extLst>
+              <a:ext uri="{FF2B5EF4-FFF2-40B4-BE49-F238E27FC236}">
+                <a16:creationId xmlns:a16="http://schemas.microsoft.com/office/drawing/2014/main" id="{09928B2E-67D8-EEED-D7C6-58D70A3FE4B1}"/>
+              </a:ext>
+            </a:extLst>
+          </p:cNvPr>
+          <p:cNvSpPr txBox="1">
+            <a:spLocks/>
+          </p:cNvSpPr>
+          <p:nvPr/>
+        </p:nvSpPr>
+        <p:spPr>
+          <a:xfrm>
+            <a:off x="719325" y="5919974"/>
+            <a:ext cx="1872528" cy="437098"/>
+          </a:xfrm>
+          <a:prstGeom prst="rect">
+            <a:avLst/>
+          </a:prstGeom>
+        </p:spPr>
+        <p:txBody>
+          <a:bodyPr vert="horz" lIns="91440" tIns="45720" rIns="91440" bIns="45720" rtlCol="0" anchor="ctr">
+            <a:noAutofit/>
+          </a:bodyPr>
+          <a:lstStyle>
+            <a:lvl1pPr marL="0" indent="0" algn="l" defTabSz="914349" rtl="0" eaLnBrk="1" latinLnBrk="0" hangingPunct="1">
+              <a:lnSpc>
+                <a:spcPct val="90000"/>
+              </a:lnSpc>
+              <a:spcBef>
+                <a:spcPts val="1000"/>
+              </a:spcBef>
+              <a:buClr>
+                <a:srgbClr val="0078D1"/>
+              </a:buClr>
+              <a:buFont typeface="Wingdings" panose="05000000000000000000" pitchFamily="2" charset="2"/>
+              <a:buNone/>
+              <a:defRPr sz="2800" kern="1200">
+                <a:solidFill>
+                  <a:schemeClr val="tx1"/>
+                </a:solidFill>
+                <a:latin typeface="Garet Book" pitchFamily="2" charset="0"/>
+                <a:ea typeface="+mn-ea"/>
+                <a:cs typeface="+mn-cs"/>
+              </a:defRPr>
+            </a:lvl1pPr>
+            <a:lvl2pPr marL="359980" indent="-228587" algn="l" defTabSz="914349" rtl="0" eaLnBrk="1" latinLnBrk="0" hangingPunct="1">
+              <a:lnSpc>
+                <a:spcPct val="90000"/>
+              </a:lnSpc>
+              <a:spcBef>
+                <a:spcPts val="500"/>
+              </a:spcBef>
+              <a:buClr>
+                <a:schemeClr val="tx2"/>
+              </a:buClr>
+              <a:buFont typeface="Wingdings" panose="05000000000000000000" pitchFamily="2" charset="2"/>
+              <a:buChar char="§"/>
+              <a:defRPr sz="2400" kern="1200">
+                <a:solidFill>
+                  <a:schemeClr val="tx1"/>
+                </a:solidFill>
+                <a:latin typeface="Garet Book" pitchFamily="2" charset="0"/>
+                <a:ea typeface="+mn-ea"/>
+                <a:cs typeface="+mn-cs"/>
+              </a:defRPr>
+            </a:lvl2pPr>
+            <a:lvl3pPr marL="611965" indent="-228587" algn="l" defTabSz="914349" rtl="0" eaLnBrk="1" latinLnBrk="0" hangingPunct="1">
+              <a:lnSpc>
+                <a:spcPct val="90000"/>
+              </a:lnSpc>
+              <a:spcBef>
+                <a:spcPts val="500"/>
+              </a:spcBef>
+              <a:buClr>
+                <a:schemeClr val="tx2"/>
+              </a:buClr>
+              <a:buFont typeface="Wingdings" panose="05000000000000000000" pitchFamily="2" charset="2"/>
+              <a:buChar char="§"/>
+              <a:defRPr sz="2000" kern="1200">
+                <a:solidFill>
+                  <a:schemeClr val="tx1"/>
+                </a:solidFill>
+                <a:latin typeface="Garet Book" pitchFamily="2" charset="0"/>
+                <a:ea typeface="+mn-ea"/>
+                <a:cs typeface="+mn-cs"/>
+              </a:defRPr>
+            </a:lvl3pPr>
+            <a:lvl4pPr marL="899950" indent="-228587" algn="l" defTabSz="914349" rtl="0" eaLnBrk="1" latinLnBrk="0" hangingPunct="1">
+              <a:lnSpc>
+                <a:spcPct val="90000"/>
+              </a:lnSpc>
+              <a:spcBef>
+                <a:spcPts val="500"/>
+              </a:spcBef>
+              <a:buClr>
+                <a:schemeClr val="tx2"/>
+              </a:buClr>
+              <a:buFont typeface="Wingdings" panose="05000000000000000000" pitchFamily="2" charset="2"/>
+              <a:buChar char="§"/>
+              <a:defRPr sz="1799" kern="1200">
+                <a:solidFill>
+                  <a:schemeClr val="tx1"/>
+                </a:solidFill>
+                <a:latin typeface="Garet Book" pitchFamily="2" charset="0"/>
+                <a:ea typeface="+mn-ea"/>
+                <a:cs typeface="+mn-cs"/>
+              </a:defRPr>
+            </a:lvl4pPr>
+            <a:lvl5pPr marL="1187934" indent="-228587" algn="l" defTabSz="914349" rtl="0" eaLnBrk="1" latinLnBrk="0" hangingPunct="1">
+              <a:lnSpc>
+                <a:spcPct val="90000"/>
+              </a:lnSpc>
+              <a:spcBef>
+                <a:spcPts val="500"/>
+              </a:spcBef>
+              <a:buClr>
+                <a:schemeClr val="tx2"/>
+              </a:buClr>
+              <a:buFont typeface="Wingdings" panose="05000000000000000000" pitchFamily="2" charset="2"/>
+              <a:buChar char="§"/>
+              <a:defRPr sz="1799" kern="1200">
+                <a:solidFill>
+                  <a:schemeClr val="tx1"/>
+                </a:solidFill>
+                <a:latin typeface="Garet Book" pitchFamily="2" charset="0"/>
+                <a:ea typeface="+mn-ea"/>
+                <a:cs typeface="+mn-cs"/>
+              </a:defRPr>
+            </a:lvl5pPr>
+            <a:lvl6pPr marL="2514460" indent="-228587" algn="l" defTabSz="914349" rtl="0" eaLnBrk="1" latinLnBrk="0" hangingPunct="1">
+              <a:lnSpc>
+                <a:spcPct val="90000"/>
+              </a:lnSpc>
+              <a:spcBef>
+                <a:spcPts val="500"/>
+              </a:spcBef>
+              <a:buFont typeface="Arial" panose="020B0604020202020204" pitchFamily="34" charset="0"/>
+              <a:buChar char="•"/>
+              <a:defRPr sz="1799" kern="1200">
+                <a:solidFill>
+                  <a:schemeClr val="tx1"/>
+                </a:solidFill>
+                <a:latin typeface="+mn-lt"/>
+                <a:ea typeface="+mn-ea"/>
+                <a:cs typeface="+mn-cs"/>
+              </a:defRPr>
+            </a:lvl6pPr>
+            <a:lvl7pPr marL="2971634" indent="-228587" algn="l" defTabSz="914349" rtl="0" eaLnBrk="1" latinLnBrk="0" hangingPunct="1">
+              <a:lnSpc>
+                <a:spcPct val="90000"/>
+              </a:lnSpc>
+              <a:spcBef>
+                <a:spcPts val="500"/>
+              </a:spcBef>
+              <a:buFont typeface="Arial" panose="020B0604020202020204" pitchFamily="34" charset="0"/>
+              <a:buChar char="•"/>
+              <a:defRPr sz="1799" kern="1200">
+                <a:solidFill>
+                  <a:schemeClr val="tx1"/>
+                </a:solidFill>
+                <a:latin typeface="+mn-lt"/>
+                <a:ea typeface="+mn-ea"/>
+                <a:cs typeface="+mn-cs"/>
+              </a:defRPr>
+            </a:lvl7pPr>
+            <a:lvl8pPr marL="3428808" indent="-228587" algn="l" defTabSz="914349" rtl="0" eaLnBrk="1" latinLnBrk="0" hangingPunct="1">
+              <a:lnSpc>
+                <a:spcPct val="90000"/>
+              </a:lnSpc>
+              <a:spcBef>
+                <a:spcPts val="500"/>
+              </a:spcBef>
+              <a:buFont typeface="Arial" panose="020B0604020202020204" pitchFamily="34" charset="0"/>
+              <a:buChar char="•"/>
+              <a:defRPr sz="1799" kern="1200">
+                <a:solidFill>
+                  <a:schemeClr val="tx1"/>
+                </a:solidFill>
+                <a:latin typeface="+mn-lt"/>
+                <a:ea typeface="+mn-ea"/>
+                <a:cs typeface="+mn-cs"/>
+              </a:defRPr>
+            </a:lvl8pPr>
+            <a:lvl9pPr marL="3885983" indent="-228587" algn="l" defTabSz="914349" rtl="0" eaLnBrk="1" latinLnBrk="0" hangingPunct="1">
+              <a:lnSpc>
+                <a:spcPct val="90000"/>
+              </a:lnSpc>
+              <a:spcBef>
+                <a:spcPts val="500"/>
+              </a:spcBef>
+              <a:buFont typeface="Arial" panose="020B0604020202020204" pitchFamily="34" charset="0"/>
+              <a:buChar char="•"/>
+              <a:defRPr sz="1799" kern="1200">
+                <a:solidFill>
+                  <a:schemeClr val="tx1"/>
+                </a:solidFill>
+                <a:latin typeface="+mn-lt"/>
+                <a:ea typeface="+mn-ea"/>
+                <a:cs typeface="+mn-cs"/>
+              </a:defRPr>
+            </a:lvl9pPr>
+          </a:lstStyle>
+          <a:p>
+            <a:r>
+              <a:rPr lang="en-US" sz="1600" b="1"/>
+              <a:t>Dependencies</a:t>
+            </a:r>
+            <a:endParaRPr lang="de-DE" sz="1600" b="1"/>
+          </a:p>
+        </p:txBody>
+      </p:sp>
+    </p:spTree>
+    <p:extLst>
+      <p:ext uri="{BB962C8B-B14F-4D97-AF65-F5344CB8AC3E}">
+        <p14:creationId xmlns:p14="http://schemas.microsoft.com/office/powerpoint/2010/main" val="1313307678"/>
+      </p:ext>
+    </p:extLst>
+  </p:cSld>
+  <p:clrMapOvr>
+    <a:masterClrMapping/>
+  </p:clrMapOvr>
+</p:sld>
+</file>
+
+<file path=ppt/slides/slide24.xml><?xml version="1.0" encoding="utf-8"?>
+<p:sld xmlns:a="http://schemas.openxmlformats.org/drawingml/2006/main" xmlns:r="http://schemas.openxmlformats.org/officeDocument/2006/relationships" xmlns:p="http://schemas.openxmlformats.org/presentationml/2006/main">
+  <p:cSld>
+    <p:spTree>
+      <p:nvGrpSpPr>
+        <p:cNvPr id="1" name=""/>
+        <p:cNvGrpSpPr/>
+        <p:nvPr/>
+      </p:nvGrpSpPr>
+      <p:grpSpPr>
+        <a:xfrm>
+          <a:off x="0" y="0"/>
+          <a:ext cx="0" cy="0"/>
+          <a:chOff x="0" y="0"/>
+          <a:chExt cx="0" cy="0"/>
+        </a:xfrm>
+      </p:grpSpPr>
+      <p:sp>
+        <p:nvSpPr>
+          <p:cNvPr id="3" name="Titel 2">
+            <a:extLst>
+              <a:ext uri="{FF2B5EF4-FFF2-40B4-BE49-F238E27FC236}">
+                <a16:creationId xmlns:a16="http://schemas.microsoft.com/office/drawing/2014/main" id="{F15C4302-1904-95F5-7E7B-E687AE6F4386}"/>
+              </a:ext>
+            </a:extLst>
+          </p:cNvPr>
+          <p:cNvSpPr>
+            <a:spLocks noGrp="1"/>
+          </p:cNvSpPr>
+          <p:nvPr>
+            <p:ph type="title"/>
+          </p:nvPr>
+        </p:nvSpPr>
+        <p:spPr>
+          <a:xfrm>
+            <a:off x="838345" y="365125"/>
+            <a:ext cx="10515311" cy="1325563"/>
+          </a:xfrm>
+        </p:spPr>
+        <p:txBody>
+          <a:bodyPr anchor="ctr">
+            <a:normAutofit/>
+          </a:bodyPr>
+          <a:lstStyle/>
+          <a:p>
+            <a:r>
+              <a:rPr lang="de-DE"/>
+              <a:t>useMemo</a:t>
+            </a:r>
+          </a:p>
+        </p:txBody>
+      </p:sp>
+      <p:sp>
+        <p:nvSpPr>
+          <p:cNvPr id="8" name="Content Placeholder 3">
+            <a:extLst>
+              <a:ext uri="{FF2B5EF4-FFF2-40B4-BE49-F238E27FC236}">
+                <a16:creationId xmlns:a16="http://schemas.microsoft.com/office/drawing/2014/main" id="{F8067D0B-1FD0-FDF7-1568-B35177DD2661}"/>
+              </a:ext>
+            </a:extLst>
+          </p:cNvPr>
+          <p:cNvSpPr txBox="1">
+            <a:spLocks/>
+          </p:cNvSpPr>
+          <p:nvPr/>
+        </p:nvSpPr>
+        <p:spPr>
+          <a:xfrm>
+            <a:off x="839789" y="2310953"/>
+            <a:ext cx="7147764" cy="1626493"/>
+          </a:xfrm>
+          <a:prstGeom prst="rect">
+            <a:avLst/>
+          </a:prstGeom>
+        </p:spPr>
+        <p:txBody>
+          <a:bodyPr vert="horz" lIns="91440" tIns="45720" rIns="91440" bIns="45720" rtlCol="0">
+            <a:noAutofit/>
+          </a:bodyPr>
+          <a:lstStyle>
+            <a:lvl1pPr marL="0" indent="0" algn="l" defTabSz="914349" rtl="0" eaLnBrk="1" latinLnBrk="0" hangingPunct="1">
+              <a:lnSpc>
+                <a:spcPct val="90000"/>
+              </a:lnSpc>
+              <a:spcBef>
+                <a:spcPts val="1000"/>
+              </a:spcBef>
+              <a:buClr>
+                <a:srgbClr val="0078D1"/>
+              </a:buClr>
+              <a:buFont typeface="Wingdings" panose="05000000000000000000" pitchFamily="2" charset="2"/>
+              <a:buNone/>
+              <a:defRPr sz="2800" kern="1200">
+                <a:solidFill>
+                  <a:schemeClr val="tx1"/>
+                </a:solidFill>
+                <a:latin typeface="Garet Book" pitchFamily="2" charset="0"/>
+                <a:ea typeface="+mn-ea"/>
+                <a:cs typeface="+mn-cs"/>
+              </a:defRPr>
+            </a:lvl1pPr>
+            <a:lvl2pPr marL="359980" indent="-228587" algn="l" defTabSz="914349" rtl="0" eaLnBrk="1" latinLnBrk="0" hangingPunct="1">
+              <a:lnSpc>
+                <a:spcPct val="90000"/>
+              </a:lnSpc>
+              <a:spcBef>
+                <a:spcPts val="500"/>
+              </a:spcBef>
+              <a:buClr>
+                <a:schemeClr val="tx2"/>
+              </a:buClr>
+              <a:buFont typeface="Wingdings" panose="05000000000000000000" pitchFamily="2" charset="2"/>
+              <a:buChar char="§"/>
+              <a:defRPr sz="2400" kern="1200">
+                <a:solidFill>
+                  <a:schemeClr val="tx1"/>
+                </a:solidFill>
+                <a:latin typeface="Garet Book" pitchFamily="2" charset="0"/>
+                <a:ea typeface="+mn-ea"/>
+                <a:cs typeface="+mn-cs"/>
+              </a:defRPr>
+            </a:lvl2pPr>
+            <a:lvl3pPr marL="611965" indent="-228587" algn="l" defTabSz="914349" rtl="0" eaLnBrk="1" latinLnBrk="0" hangingPunct="1">
+              <a:lnSpc>
+                <a:spcPct val="90000"/>
+              </a:lnSpc>
+              <a:spcBef>
+                <a:spcPts val="500"/>
+              </a:spcBef>
+              <a:buClr>
+                <a:schemeClr val="tx2"/>
+              </a:buClr>
+              <a:buFont typeface="Wingdings" panose="05000000000000000000" pitchFamily="2" charset="2"/>
+              <a:buChar char="§"/>
+              <a:defRPr sz="2000" kern="1200">
+                <a:solidFill>
+                  <a:schemeClr val="tx1"/>
+                </a:solidFill>
+                <a:latin typeface="Garet Book" pitchFamily="2" charset="0"/>
+                <a:ea typeface="+mn-ea"/>
+                <a:cs typeface="+mn-cs"/>
+              </a:defRPr>
+            </a:lvl3pPr>
+            <a:lvl4pPr marL="899950" indent="-228587" algn="l" defTabSz="914349" rtl="0" eaLnBrk="1" latinLnBrk="0" hangingPunct="1">
+              <a:lnSpc>
+                <a:spcPct val="90000"/>
+              </a:lnSpc>
+              <a:spcBef>
+                <a:spcPts val="500"/>
+              </a:spcBef>
+              <a:buClr>
+                <a:schemeClr val="tx2"/>
+              </a:buClr>
+              <a:buFont typeface="Wingdings" panose="05000000000000000000" pitchFamily="2" charset="2"/>
+              <a:buChar char="§"/>
+              <a:defRPr sz="1799" kern="1200">
+                <a:solidFill>
+                  <a:schemeClr val="tx1"/>
+                </a:solidFill>
+                <a:latin typeface="Garet Book" pitchFamily="2" charset="0"/>
+                <a:ea typeface="+mn-ea"/>
+                <a:cs typeface="+mn-cs"/>
+              </a:defRPr>
+            </a:lvl4pPr>
+            <a:lvl5pPr marL="1187934" indent="-228587" algn="l" defTabSz="914349" rtl="0" eaLnBrk="1" latinLnBrk="0" hangingPunct="1">
+              <a:lnSpc>
+                <a:spcPct val="90000"/>
+              </a:lnSpc>
+              <a:spcBef>
+                <a:spcPts val="500"/>
+              </a:spcBef>
+              <a:buClr>
+                <a:schemeClr val="tx2"/>
+              </a:buClr>
+              <a:buFont typeface="Wingdings" panose="05000000000000000000" pitchFamily="2" charset="2"/>
+              <a:buChar char="§"/>
+              <a:defRPr sz="1799" kern="1200">
+                <a:solidFill>
+                  <a:schemeClr val="tx1"/>
+                </a:solidFill>
+                <a:latin typeface="Garet Book" pitchFamily="2" charset="0"/>
+                <a:ea typeface="+mn-ea"/>
+                <a:cs typeface="+mn-cs"/>
+              </a:defRPr>
+            </a:lvl5pPr>
+            <a:lvl6pPr marL="2514460" indent="-228587" algn="l" defTabSz="914349" rtl="0" eaLnBrk="1" latinLnBrk="0" hangingPunct="1">
+              <a:lnSpc>
+                <a:spcPct val="90000"/>
+              </a:lnSpc>
+              <a:spcBef>
+                <a:spcPts val="500"/>
+              </a:spcBef>
+              <a:buFont typeface="Arial" panose="020B0604020202020204" pitchFamily="34" charset="0"/>
+              <a:buChar char="•"/>
+              <a:defRPr sz="1799" kern="1200">
+                <a:solidFill>
+                  <a:schemeClr val="tx1"/>
+                </a:solidFill>
+                <a:latin typeface="+mn-lt"/>
+                <a:ea typeface="+mn-ea"/>
+                <a:cs typeface="+mn-cs"/>
+              </a:defRPr>
+            </a:lvl6pPr>
+            <a:lvl7pPr marL="2971634" indent="-228587" algn="l" defTabSz="914349" rtl="0" eaLnBrk="1" latinLnBrk="0" hangingPunct="1">
+              <a:lnSpc>
+                <a:spcPct val="90000"/>
+              </a:lnSpc>
+              <a:spcBef>
+                <a:spcPts val="500"/>
+              </a:spcBef>
+              <a:buFont typeface="Arial" panose="020B0604020202020204" pitchFamily="34" charset="0"/>
+              <a:buChar char="•"/>
+              <a:defRPr sz="1799" kern="1200">
+                <a:solidFill>
+                  <a:schemeClr val="tx1"/>
+                </a:solidFill>
+                <a:latin typeface="+mn-lt"/>
+                <a:ea typeface="+mn-ea"/>
+                <a:cs typeface="+mn-cs"/>
+              </a:defRPr>
+            </a:lvl7pPr>
+            <a:lvl8pPr marL="3428808" indent="-228587" algn="l" defTabSz="914349" rtl="0" eaLnBrk="1" latinLnBrk="0" hangingPunct="1">
+              <a:lnSpc>
+                <a:spcPct val="90000"/>
+              </a:lnSpc>
+              <a:spcBef>
+                <a:spcPts val="500"/>
+              </a:spcBef>
+              <a:buFont typeface="Arial" panose="020B0604020202020204" pitchFamily="34" charset="0"/>
+              <a:buChar char="•"/>
+              <a:defRPr sz="1799" kern="1200">
+                <a:solidFill>
+                  <a:schemeClr val="tx1"/>
+                </a:solidFill>
+                <a:latin typeface="+mn-lt"/>
+                <a:ea typeface="+mn-ea"/>
+                <a:cs typeface="+mn-cs"/>
+              </a:defRPr>
+            </a:lvl8pPr>
+            <a:lvl9pPr marL="3885983" indent="-228587" algn="l" defTabSz="914349" rtl="0" eaLnBrk="1" latinLnBrk="0" hangingPunct="1">
+              <a:lnSpc>
+                <a:spcPct val="90000"/>
+              </a:lnSpc>
+              <a:spcBef>
+                <a:spcPts val="500"/>
+              </a:spcBef>
+              <a:buFont typeface="Arial" panose="020B0604020202020204" pitchFamily="34" charset="0"/>
+              <a:buChar char="•"/>
+              <a:defRPr sz="1799" kern="1200">
+                <a:solidFill>
+                  <a:schemeClr val="tx1"/>
+                </a:solidFill>
+                <a:latin typeface="+mn-lt"/>
+                <a:ea typeface="+mn-ea"/>
+                <a:cs typeface="+mn-cs"/>
+              </a:defRPr>
+            </a:lvl9pPr>
+          </a:lstStyle>
+          <a:p>
+            <a:pPr marL="457200" indent="-457200" defTabSz="914400">
+              <a:spcBef>
+                <a:spcPts val="500"/>
+              </a:spcBef>
+              <a:buClr>
+                <a:srgbClr val="5E42F5"/>
+              </a:buClr>
+              <a:buFont typeface="Wingdings" panose="05000000000000000000" pitchFamily="2" charset="2"/>
+              <a:buChar char="§"/>
+              <a:defRPr/>
+            </a:pPr>
+            <a:r>
+              <a:rPr lang="en-US" sz="1800"/>
+              <a:t>ToDo 3.1: 	use useMemo on pokemons</a:t>
+            </a:r>
+          </a:p>
+          <a:p>
+            <a:pPr marL="817180" lvl="1" indent="-457200" defTabSz="914400">
+              <a:buClr>
+                <a:srgbClr val="5E42F5"/>
+              </a:buClr>
+              <a:defRPr/>
+            </a:pPr>
+            <a:r>
+              <a:rPr lang="en-US" sz="1400"/>
+              <a:t>PokemonTabContent.tsx</a:t>
+            </a:r>
+          </a:p>
+        </p:txBody>
+      </p:sp>
+    </p:spTree>
+    <p:extLst>
+      <p:ext uri="{BB962C8B-B14F-4D97-AF65-F5344CB8AC3E}">
+        <p14:creationId xmlns:p14="http://schemas.microsoft.com/office/powerpoint/2010/main" val="3213854785"/>
+      </p:ext>
+    </p:extLst>
+  </p:cSld>
+  <p:clrMapOvr>
+    <a:masterClrMapping/>
+  </p:clrMapOvr>
+</p:sld>
+</file>
+
+<file path=ppt/slides/slide25.xml><?xml version="1.0" encoding="utf-8"?>
+<p:sld xmlns:a="http://schemas.openxmlformats.org/drawingml/2006/main" xmlns:r="http://schemas.openxmlformats.org/officeDocument/2006/relationships" xmlns:p="http://schemas.openxmlformats.org/presentationml/2006/main">
+  <p:cSld>
+    <p:spTree>
+      <p:nvGrpSpPr>
+        <p:cNvPr id="1" name=""/>
+        <p:cNvGrpSpPr/>
+        <p:nvPr/>
+      </p:nvGrpSpPr>
+      <p:grpSpPr>
+        <a:xfrm>
+          <a:off x="0" y="0"/>
+          <a:ext cx="0" cy="0"/>
+          <a:chOff x="0" y="0"/>
+          <a:chExt cx="0" cy="0"/>
+        </a:xfrm>
+      </p:grpSpPr>
+      <p:sp>
+        <p:nvSpPr>
+          <p:cNvPr id="3" name="Titel 2">
+            <a:extLst>
+              <a:ext uri="{FF2B5EF4-FFF2-40B4-BE49-F238E27FC236}">
+                <a16:creationId xmlns:a16="http://schemas.microsoft.com/office/drawing/2014/main" id="{F15C4302-1904-95F5-7E7B-E687AE6F4386}"/>
+              </a:ext>
+            </a:extLst>
+          </p:cNvPr>
+          <p:cNvSpPr>
+            <a:spLocks noGrp="1"/>
+          </p:cNvSpPr>
+          <p:nvPr>
+            <p:ph type="title"/>
+          </p:nvPr>
+        </p:nvSpPr>
+        <p:spPr>
+          <a:xfrm>
+            <a:off x="838345" y="365125"/>
+            <a:ext cx="10515311" cy="1325563"/>
+          </a:xfrm>
+        </p:spPr>
+        <p:txBody>
+          <a:bodyPr anchor="ctr">
+            <a:normAutofit/>
+          </a:bodyPr>
+          <a:lstStyle/>
+          <a:p>
+            <a:r>
+              <a:rPr lang="de-DE"/>
+              <a:t>React Hooks</a:t>
+            </a:r>
+          </a:p>
+        </p:txBody>
+      </p:sp>
+      <p:sp>
+        <p:nvSpPr>
+          <p:cNvPr id="7" name="Text Placeholder 2">
+            <a:extLst>
+              <a:ext uri="{FF2B5EF4-FFF2-40B4-BE49-F238E27FC236}">
+                <a16:creationId xmlns:a16="http://schemas.microsoft.com/office/drawing/2014/main" id="{AD7F0BC1-64B4-C22D-D688-A43A681D5B26}"/>
+              </a:ext>
+            </a:extLst>
+          </p:cNvPr>
+          <p:cNvSpPr txBox="1">
+            <a:spLocks/>
+          </p:cNvSpPr>
+          <p:nvPr/>
+        </p:nvSpPr>
+        <p:spPr>
+          <a:xfrm>
+            <a:off x="839789" y="1908428"/>
+            <a:ext cx="5157787" cy="823912"/>
+          </a:xfrm>
+          <a:prstGeom prst="rect">
+            <a:avLst/>
+          </a:prstGeom>
+        </p:spPr>
+        <p:txBody>
+          <a:bodyPr vert="horz" lIns="91440" tIns="45720" rIns="91440" bIns="45720" rtlCol="0">
+            <a:normAutofit/>
+          </a:bodyPr>
+          <a:lstStyle>
+            <a:lvl1pPr marL="0" indent="0" algn="l" defTabSz="914349" rtl="0" eaLnBrk="1" latinLnBrk="0" hangingPunct="1">
+              <a:lnSpc>
+                <a:spcPct val="90000"/>
+              </a:lnSpc>
+              <a:spcBef>
+                <a:spcPts val="1000"/>
+              </a:spcBef>
+              <a:buClr>
+                <a:srgbClr val="0078D1"/>
+              </a:buClr>
+              <a:buFont typeface="Wingdings" panose="05000000000000000000" pitchFamily="2" charset="2"/>
+              <a:buNone/>
+              <a:defRPr sz="2800" kern="1200">
+                <a:solidFill>
+                  <a:schemeClr val="tx1"/>
+                </a:solidFill>
+                <a:latin typeface="Garet Book" pitchFamily="2" charset="0"/>
+                <a:ea typeface="+mn-ea"/>
+                <a:cs typeface="+mn-cs"/>
+              </a:defRPr>
+            </a:lvl1pPr>
+            <a:lvl2pPr marL="359980" indent="-228587" algn="l" defTabSz="914349" rtl="0" eaLnBrk="1" latinLnBrk="0" hangingPunct="1">
+              <a:lnSpc>
+                <a:spcPct val="90000"/>
+              </a:lnSpc>
+              <a:spcBef>
+                <a:spcPts val="500"/>
+              </a:spcBef>
+              <a:buClr>
+                <a:schemeClr val="tx2"/>
+              </a:buClr>
+              <a:buFont typeface="Wingdings" panose="05000000000000000000" pitchFamily="2" charset="2"/>
+              <a:buChar char="§"/>
+              <a:defRPr sz="2400" kern="1200">
+                <a:solidFill>
+                  <a:schemeClr val="tx1"/>
+                </a:solidFill>
+                <a:latin typeface="Garet Book" pitchFamily="2" charset="0"/>
+                <a:ea typeface="+mn-ea"/>
+                <a:cs typeface="+mn-cs"/>
+              </a:defRPr>
+            </a:lvl2pPr>
+            <a:lvl3pPr marL="611965" indent="-228587" algn="l" defTabSz="914349" rtl="0" eaLnBrk="1" latinLnBrk="0" hangingPunct="1">
+              <a:lnSpc>
+                <a:spcPct val="90000"/>
+              </a:lnSpc>
+              <a:spcBef>
+                <a:spcPts val="500"/>
+              </a:spcBef>
+              <a:buClr>
+                <a:schemeClr val="tx2"/>
+              </a:buClr>
+              <a:buFont typeface="Wingdings" panose="05000000000000000000" pitchFamily="2" charset="2"/>
+              <a:buChar char="§"/>
+              <a:defRPr sz="2000" kern="1200">
+                <a:solidFill>
+                  <a:schemeClr val="tx1"/>
+                </a:solidFill>
+                <a:latin typeface="Garet Book" pitchFamily="2" charset="0"/>
+                <a:ea typeface="+mn-ea"/>
+                <a:cs typeface="+mn-cs"/>
+              </a:defRPr>
+            </a:lvl3pPr>
+            <a:lvl4pPr marL="899950" indent="-228587" algn="l" defTabSz="914349" rtl="0" eaLnBrk="1" latinLnBrk="0" hangingPunct="1">
+              <a:lnSpc>
+                <a:spcPct val="90000"/>
+              </a:lnSpc>
+              <a:spcBef>
+                <a:spcPts val="500"/>
+              </a:spcBef>
+              <a:buClr>
+                <a:schemeClr val="tx2"/>
+              </a:buClr>
+              <a:buFont typeface="Wingdings" panose="05000000000000000000" pitchFamily="2" charset="2"/>
+              <a:buChar char="§"/>
+              <a:defRPr sz="1799" kern="1200">
+                <a:solidFill>
+                  <a:schemeClr val="tx1"/>
+                </a:solidFill>
+                <a:latin typeface="Garet Book" pitchFamily="2" charset="0"/>
+                <a:ea typeface="+mn-ea"/>
+                <a:cs typeface="+mn-cs"/>
+              </a:defRPr>
+            </a:lvl4pPr>
+            <a:lvl5pPr marL="1187934" indent="-228587" algn="l" defTabSz="914349" rtl="0" eaLnBrk="1" latinLnBrk="0" hangingPunct="1">
+              <a:lnSpc>
+                <a:spcPct val="90000"/>
+              </a:lnSpc>
+              <a:spcBef>
+                <a:spcPts val="500"/>
+              </a:spcBef>
+              <a:buClr>
+                <a:schemeClr val="tx2"/>
+              </a:buClr>
+              <a:buFont typeface="Wingdings" panose="05000000000000000000" pitchFamily="2" charset="2"/>
+              <a:buChar char="§"/>
+              <a:defRPr sz="1799" kern="1200">
+                <a:solidFill>
+                  <a:schemeClr val="tx1"/>
+                </a:solidFill>
+                <a:latin typeface="Garet Book" pitchFamily="2" charset="0"/>
+                <a:ea typeface="+mn-ea"/>
+                <a:cs typeface="+mn-cs"/>
+              </a:defRPr>
+            </a:lvl5pPr>
+            <a:lvl6pPr marL="2514460" indent="-228587" algn="l" defTabSz="914349" rtl="0" eaLnBrk="1" latinLnBrk="0" hangingPunct="1">
+              <a:lnSpc>
+                <a:spcPct val="90000"/>
+              </a:lnSpc>
+              <a:spcBef>
+                <a:spcPts val="500"/>
+              </a:spcBef>
+              <a:buFont typeface="Arial" panose="020B0604020202020204" pitchFamily="34" charset="0"/>
+              <a:buChar char="•"/>
+              <a:defRPr sz="1799" kern="1200">
+                <a:solidFill>
+                  <a:schemeClr val="tx1"/>
+                </a:solidFill>
+                <a:latin typeface="+mn-lt"/>
+                <a:ea typeface="+mn-ea"/>
+                <a:cs typeface="+mn-cs"/>
+              </a:defRPr>
+            </a:lvl6pPr>
+            <a:lvl7pPr marL="2971634" indent="-228587" algn="l" defTabSz="914349" rtl="0" eaLnBrk="1" latinLnBrk="0" hangingPunct="1">
+              <a:lnSpc>
+                <a:spcPct val="90000"/>
+              </a:lnSpc>
+              <a:spcBef>
+                <a:spcPts val="500"/>
+              </a:spcBef>
+              <a:buFont typeface="Arial" panose="020B0604020202020204" pitchFamily="34" charset="0"/>
+              <a:buChar char="•"/>
+              <a:defRPr sz="1799" kern="1200">
+                <a:solidFill>
+                  <a:schemeClr val="tx1"/>
+                </a:solidFill>
+                <a:latin typeface="+mn-lt"/>
+                <a:ea typeface="+mn-ea"/>
+                <a:cs typeface="+mn-cs"/>
+              </a:defRPr>
+            </a:lvl7pPr>
+            <a:lvl8pPr marL="3428808" indent="-228587" algn="l" defTabSz="914349" rtl="0" eaLnBrk="1" latinLnBrk="0" hangingPunct="1">
+              <a:lnSpc>
+                <a:spcPct val="90000"/>
+              </a:lnSpc>
+              <a:spcBef>
+                <a:spcPts val="500"/>
+              </a:spcBef>
+              <a:buFont typeface="Arial" panose="020B0604020202020204" pitchFamily="34" charset="0"/>
+              <a:buChar char="•"/>
+              <a:defRPr sz="1799" kern="1200">
+                <a:solidFill>
+                  <a:schemeClr val="tx1"/>
+                </a:solidFill>
+                <a:latin typeface="+mn-lt"/>
+                <a:ea typeface="+mn-ea"/>
+                <a:cs typeface="+mn-cs"/>
+              </a:defRPr>
+            </a:lvl8pPr>
+            <a:lvl9pPr marL="3885983" indent="-228587" algn="l" defTabSz="914349" rtl="0" eaLnBrk="1" latinLnBrk="0" hangingPunct="1">
+              <a:lnSpc>
+                <a:spcPct val="90000"/>
+              </a:lnSpc>
+              <a:spcBef>
+                <a:spcPts val="500"/>
+              </a:spcBef>
+              <a:buFont typeface="Arial" panose="020B0604020202020204" pitchFamily="34" charset="0"/>
+              <a:buChar char="•"/>
+              <a:defRPr sz="1799" kern="1200">
+                <a:solidFill>
+                  <a:schemeClr val="tx1"/>
+                </a:solidFill>
+                <a:latin typeface="+mn-lt"/>
+                <a:ea typeface="+mn-ea"/>
+                <a:cs typeface="+mn-cs"/>
+              </a:defRPr>
+            </a:lvl9pPr>
+          </a:lstStyle>
+          <a:p>
+            <a:r>
+              <a:rPr lang="de-DE" sz="2000"/>
+              <a:t>useRef:</a:t>
+            </a:r>
+          </a:p>
+        </p:txBody>
+      </p:sp>
+      <p:sp>
+        <p:nvSpPr>
+          <p:cNvPr id="8" name="Content Placeholder 3">
+            <a:extLst>
+              <a:ext uri="{FF2B5EF4-FFF2-40B4-BE49-F238E27FC236}">
+                <a16:creationId xmlns:a16="http://schemas.microsoft.com/office/drawing/2014/main" id="{E30A0B3B-5E33-DCBD-D65F-4E85373AEA27}"/>
+              </a:ext>
+            </a:extLst>
+          </p:cNvPr>
+          <p:cNvSpPr>
+            <a:spLocks noGrp="1"/>
+          </p:cNvSpPr>
+          <p:nvPr>
+            <p:ph sz="half" idx="2"/>
+          </p:nvPr>
+        </p:nvSpPr>
+        <p:spPr>
+          <a:xfrm>
+            <a:off x="839789" y="2343531"/>
+            <a:ext cx="5256211" cy="935953"/>
+          </a:xfrm>
+        </p:spPr>
+        <p:txBody>
+          <a:bodyPr>
+            <a:noAutofit/>
+          </a:bodyPr>
+          <a:lstStyle/>
+          <a:p>
+            <a:pPr marL="457200" marR="0" lvl="0" indent="-457200" algn="l" defTabSz="914400" rtl="0" eaLnBrk="1" fontAlgn="auto" latinLnBrk="0" hangingPunct="1">
+              <a:lnSpc>
+                <a:spcPct val="90000"/>
+              </a:lnSpc>
+              <a:spcBef>
+                <a:spcPts val="500"/>
+              </a:spcBef>
+              <a:spcAft>
+                <a:spcPts val="0"/>
+              </a:spcAft>
+              <a:buClr>
+                <a:srgbClr val="5E42F5"/>
+              </a:buClr>
+              <a:buSzTx/>
+              <a:buFont typeface="Wingdings" panose="05000000000000000000" pitchFamily="2" charset="2"/>
+              <a:buChar char="§"/>
+              <a:tabLst/>
+              <a:defRPr/>
+            </a:pPr>
+            <a:r>
+              <a:rPr lang="en-US" sz="1800"/>
+              <a:t>Persistiert Werte zwischen Renderings</a:t>
+            </a:r>
+            <a:endParaRPr lang="en-DE" sz="1800"/>
+          </a:p>
+          <a:p>
+            <a:pPr marL="457200" marR="0" lvl="0" indent="-457200" algn="l" defTabSz="914400" rtl="0" eaLnBrk="1" fontAlgn="auto" latinLnBrk="0" hangingPunct="1">
+              <a:lnSpc>
+                <a:spcPct val="90000"/>
+              </a:lnSpc>
+              <a:spcBef>
+                <a:spcPts val="500"/>
+              </a:spcBef>
+              <a:spcAft>
+                <a:spcPts val="0"/>
+              </a:spcAft>
+              <a:buClr>
+                <a:srgbClr val="5E42F5"/>
+              </a:buClr>
+              <a:buSzTx/>
+              <a:buFont typeface="Wingdings" panose="05000000000000000000" pitchFamily="2" charset="2"/>
+              <a:buChar char="§"/>
+              <a:tabLst/>
+              <a:defRPr/>
+            </a:pPr>
+            <a:r>
+              <a:rPr lang="en-DE" sz="1800"/>
+              <a:t>Ähnlich </a:t>
+            </a:r>
+            <a:r>
+              <a:rPr kumimoji="0" lang="en-DE" sz="1800" i="0" u="none" strike="noStrike" kern="1200" cap="none" spc="0" normalizeH="0" baseline="0" noProof="0">
+                <a:ln>
+                  <a:noFill/>
+                </a:ln>
+                <a:effectLst/>
+                <a:uLnTx/>
+                <a:uFillTx/>
+                <a:latin typeface="Garet Book" pitchFamily="2" charset="0"/>
+                <a:ea typeface="+mn-ea"/>
+                <a:cs typeface="+mn-cs"/>
+              </a:rPr>
+              <a:t>zu </a:t>
+            </a:r>
+            <a:r>
+              <a:rPr lang="en-US" sz="1800"/>
+              <a:t>useState aber löst keine Renderings aus</a:t>
+            </a:r>
+            <a:endParaRPr kumimoji="0" lang="en-DE" sz="1800" i="0" u="none" strike="noStrike" kern="1200" cap="none" spc="0" normalizeH="0" baseline="0" noProof="0">
+              <a:ln>
+                <a:noFill/>
+              </a:ln>
+              <a:effectLst/>
+              <a:uLnTx/>
+              <a:uFillTx/>
+              <a:latin typeface="Garet Book" pitchFamily="2" charset="0"/>
+              <a:ea typeface="+mn-ea"/>
+              <a:cs typeface="+mn-cs"/>
+            </a:endParaRPr>
+          </a:p>
+        </p:txBody>
+      </p:sp>
+      <p:sp>
+        <p:nvSpPr>
+          <p:cNvPr id="4" name="TextBox 3">
+            <a:extLst>
+              <a:ext uri="{FF2B5EF4-FFF2-40B4-BE49-F238E27FC236}">
+                <a16:creationId xmlns:a16="http://schemas.microsoft.com/office/drawing/2014/main" id="{A96AED08-E0BD-D20C-FB85-598D1CEE7FE6}"/>
+              </a:ext>
+            </a:extLst>
+          </p:cNvPr>
+          <p:cNvSpPr txBox="1"/>
+          <p:nvPr/>
+        </p:nvSpPr>
+        <p:spPr>
+          <a:xfrm>
+            <a:off x="838345" y="4380562"/>
+            <a:ext cx="6869546" cy="369332"/>
+          </a:xfrm>
+          <a:prstGeom prst="rect">
+            <a:avLst/>
+          </a:prstGeom>
+          <a:solidFill>
+            <a:schemeClr val="tx1"/>
+          </a:solidFill>
+        </p:spPr>
+        <p:txBody>
+          <a:bodyPr wrap="square">
+            <a:spAutoFit/>
+          </a:bodyPr>
+          <a:lstStyle/>
+          <a:p>
+            <a:r>
+              <a:rPr lang="en-US">
+                <a:solidFill>
+                  <a:srgbClr val="CC7832"/>
+                </a:solidFill>
+                <a:effectLst/>
+                <a:latin typeface="JetBrains Mono"/>
+              </a:rPr>
+              <a:t>const </a:t>
+            </a:r>
+            <a:r>
+              <a:rPr lang="en-US">
+                <a:solidFill>
+                  <a:srgbClr val="A9B7C6"/>
+                </a:solidFill>
+                <a:effectLst/>
+                <a:latin typeface="JetBrains Mono"/>
+              </a:rPr>
+              <a:t>editedPokemonsMap = </a:t>
+            </a:r>
+            <a:r>
+              <a:rPr lang="en-US">
+                <a:solidFill>
+                  <a:srgbClr val="FFC66D"/>
+                </a:solidFill>
+                <a:effectLst/>
+                <a:latin typeface="JetBrains Mono"/>
+              </a:rPr>
+              <a:t>useRef</a:t>
+            </a:r>
+            <a:r>
+              <a:rPr lang="en-US">
+                <a:solidFill>
+                  <a:srgbClr val="A9B7C6"/>
+                </a:solidFill>
+                <a:effectLst/>
+                <a:latin typeface="JetBrains Mono"/>
+              </a:rPr>
+              <a:t>&lt;Record&lt;</a:t>
+            </a:r>
+            <a:r>
+              <a:rPr lang="en-US">
+                <a:solidFill>
+                  <a:srgbClr val="CC7832"/>
+                </a:solidFill>
+                <a:effectLst/>
+                <a:latin typeface="JetBrains Mono"/>
+              </a:rPr>
+              <a:t>number, </a:t>
+            </a:r>
+            <a:r>
+              <a:rPr lang="en-US">
+                <a:solidFill>
+                  <a:srgbClr val="A9B7C6"/>
+                </a:solidFill>
+                <a:effectLst/>
+                <a:latin typeface="JetBrains Mono"/>
+              </a:rPr>
+              <a:t>IPokemon&gt;&gt;({})</a:t>
+            </a:r>
+            <a:r>
+              <a:rPr lang="en-US">
+                <a:solidFill>
+                  <a:srgbClr val="CC7832"/>
+                </a:solidFill>
+                <a:effectLst/>
+                <a:latin typeface="JetBrains Mono"/>
+              </a:rPr>
+              <a:t>;</a:t>
+            </a:r>
+            <a:endParaRPr lang="en-US">
+              <a:solidFill>
+                <a:srgbClr val="A9B7C6"/>
+              </a:solidFill>
+              <a:effectLst/>
+              <a:latin typeface="JetBrains Mono"/>
+            </a:endParaRPr>
+          </a:p>
+        </p:txBody>
+      </p:sp>
+      <p:sp>
+        <p:nvSpPr>
+          <p:cNvPr id="6" name="TextBox 5">
+            <a:extLst>
+              <a:ext uri="{FF2B5EF4-FFF2-40B4-BE49-F238E27FC236}">
+                <a16:creationId xmlns:a16="http://schemas.microsoft.com/office/drawing/2014/main" id="{BB9D836E-CB7B-4172-BE6C-EAD6566765E8}"/>
+              </a:ext>
+            </a:extLst>
+          </p:cNvPr>
+          <p:cNvSpPr txBox="1"/>
+          <p:nvPr/>
+        </p:nvSpPr>
+        <p:spPr>
+          <a:xfrm>
+            <a:off x="838344" y="4955250"/>
+            <a:ext cx="6869545" cy="923330"/>
+          </a:xfrm>
+          <a:prstGeom prst="rect">
+            <a:avLst/>
+          </a:prstGeom>
+          <a:solidFill>
+            <a:schemeClr val="tx1"/>
+          </a:solidFill>
+        </p:spPr>
+        <p:txBody>
+          <a:bodyPr wrap="square">
+            <a:spAutoFit/>
+          </a:bodyPr>
+          <a:lstStyle/>
+          <a:p>
+            <a:r>
+              <a:rPr lang="en-US">
+                <a:solidFill>
+                  <a:srgbClr val="CC7832"/>
+                </a:solidFill>
+                <a:effectLst/>
+                <a:latin typeface="JetBrains Mono"/>
+              </a:rPr>
+              <a:t>const </a:t>
+            </a:r>
+            <a:r>
+              <a:rPr lang="en-US">
+                <a:solidFill>
+                  <a:srgbClr val="FFC66D"/>
+                </a:solidFill>
+                <a:effectLst/>
+                <a:latin typeface="JetBrains Mono"/>
+              </a:rPr>
+              <a:t>handleUpdatePokemon </a:t>
+            </a:r>
+            <a:r>
+              <a:rPr lang="en-US">
+                <a:solidFill>
+                  <a:srgbClr val="A9B7C6"/>
+                </a:solidFill>
+                <a:effectLst/>
+                <a:latin typeface="JetBrains Mono"/>
+              </a:rPr>
+              <a:t>= (pokemon: IPokemon) =&gt; {</a:t>
+            </a:r>
+            <a:br>
+              <a:rPr lang="en-US">
+                <a:solidFill>
+                  <a:srgbClr val="A9B7C6"/>
+                </a:solidFill>
+                <a:effectLst/>
+                <a:latin typeface="JetBrains Mono"/>
+              </a:rPr>
+            </a:br>
+            <a:r>
+              <a:rPr lang="en-US">
+                <a:solidFill>
+                  <a:srgbClr val="A9B7C6"/>
+                </a:solidFill>
+                <a:effectLst/>
+                <a:latin typeface="JetBrains Mono"/>
+              </a:rPr>
+              <a:t>  editedPokemonsMap.</a:t>
+            </a:r>
+            <a:r>
+              <a:rPr lang="en-US">
+                <a:solidFill>
+                  <a:srgbClr val="9876AA"/>
+                </a:solidFill>
+                <a:effectLst/>
+                <a:latin typeface="JetBrains Mono"/>
+              </a:rPr>
+              <a:t>current</a:t>
+            </a:r>
+            <a:r>
+              <a:rPr lang="en-US">
+                <a:solidFill>
+                  <a:srgbClr val="A9B7C6"/>
+                </a:solidFill>
+                <a:effectLst/>
+                <a:latin typeface="JetBrains Mono"/>
+              </a:rPr>
+              <a:t>[pokemon.</a:t>
+            </a:r>
+            <a:r>
+              <a:rPr lang="en-US">
+                <a:solidFill>
+                  <a:srgbClr val="9876AA"/>
+                </a:solidFill>
+                <a:effectLst/>
+                <a:latin typeface="JetBrains Mono"/>
+              </a:rPr>
+              <a:t>id</a:t>
+            </a:r>
+            <a:r>
+              <a:rPr lang="en-US">
+                <a:solidFill>
+                  <a:srgbClr val="A9B7C6"/>
+                </a:solidFill>
+                <a:effectLst/>
+                <a:latin typeface="JetBrains Mono"/>
+              </a:rPr>
+              <a:t>] = pokemon</a:t>
+            </a:r>
+            <a:r>
+              <a:rPr lang="en-US">
+                <a:solidFill>
+                  <a:srgbClr val="CC7832"/>
+                </a:solidFill>
+                <a:effectLst/>
+                <a:latin typeface="JetBrains Mono"/>
+              </a:rPr>
+              <a:t>;</a:t>
+            </a:r>
+            <a:br>
+              <a:rPr lang="en-US">
+                <a:solidFill>
+                  <a:srgbClr val="CC7832"/>
+                </a:solidFill>
+                <a:effectLst/>
+                <a:latin typeface="JetBrains Mono"/>
+              </a:rPr>
+            </a:br>
+            <a:r>
+              <a:rPr lang="en-US">
+                <a:solidFill>
+                  <a:srgbClr val="A9B7C6"/>
+                </a:solidFill>
+                <a:effectLst/>
+                <a:latin typeface="JetBrains Mono"/>
+              </a:rPr>
+              <a:t>}</a:t>
+            </a:r>
+            <a:r>
+              <a:rPr lang="en-US">
+                <a:solidFill>
+                  <a:srgbClr val="CC7832"/>
+                </a:solidFill>
+                <a:effectLst/>
+                <a:latin typeface="JetBrains Mono"/>
+              </a:rPr>
+              <a:t>;</a:t>
+            </a:r>
+            <a:endParaRPr lang="en-US">
+              <a:solidFill>
+                <a:srgbClr val="A9B7C6"/>
+              </a:solidFill>
+              <a:effectLst/>
+              <a:latin typeface="JetBrains Mono"/>
+            </a:endParaRPr>
+          </a:p>
+        </p:txBody>
+      </p:sp>
+    </p:spTree>
+    <p:extLst>
+      <p:ext uri="{BB962C8B-B14F-4D97-AF65-F5344CB8AC3E}">
+        <p14:creationId xmlns:p14="http://schemas.microsoft.com/office/powerpoint/2010/main" val="901182665"/>
+      </p:ext>
+    </p:extLst>
+  </p:cSld>
+  <p:clrMapOvr>
+    <a:masterClrMapping/>
+  </p:clrMapOvr>
+</p:sld>
+</file>
+
+<file path=ppt/slides/slide26.xml><?xml version="1.0" encoding="utf-8"?>
+<p:sld xmlns:a="http://schemas.openxmlformats.org/drawingml/2006/main" xmlns:r="http://schemas.openxmlformats.org/officeDocument/2006/relationships" xmlns:p="http://schemas.openxmlformats.org/presentationml/2006/main">
+  <p:cSld>
+    <p:spTree>
+      <p:nvGrpSpPr>
+        <p:cNvPr id="1" name=""/>
+        <p:cNvGrpSpPr/>
+        <p:nvPr/>
+      </p:nvGrpSpPr>
+      <p:grpSpPr>
+        <a:xfrm>
+          <a:off x="0" y="0"/>
+          <a:ext cx="0" cy="0"/>
+          <a:chOff x="0" y="0"/>
+          <a:chExt cx="0" cy="0"/>
+        </a:xfrm>
+      </p:grpSpPr>
+      <p:sp>
+        <p:nvSpPr>
+          <p:cNvPr id="3" name="Titel 2">
+            <a:extLst>
+              <a:ext uri="{FF2B5EF4-FFF2-40B4-BE49-F238E27FC236}">
+                <a16:creationId xmlns:a16="http://schemas.microsoft.com/office/drawing/2014/main" id="{F15C4302-1904-95F5-7E7B-E687AE6F4386}"/>
+              </a:ext>
+            </a:extLst>
+          </p:cNvPr>
+          <p:cNvSpPr>
+            <a:spLocks noGrp="1"/>
+          </p:cNvSpPr>
+          <p:nvPr>
+            <p:ph type="title"/>
+          </p:nvPr>
+        </p:nvSpPr>
+        <p:spPr>
+          <a:xfrm>
+            <a:off x="838345" y="365125"/>
+            <a:ext cx="10515311" cy="1325563"/>
+          </a:xfrm>
+        </p:spPr>
+        <p:txBody>
+          <a:bodyPr anchor="ctr">
+            <a:normAutofit/>
+          </a:bodyPr>
+          <a:lstStyle/>
+          <a:p>
+            <a:r>
+              <a:rPr lang="de-DE"/>
               <a:t>React Hooks</a:t>
             </a:r>
           </a:p>
@@ -17884,7 +18467,7 @@
 </p:sld>
 </file>
 
-<file path=ppt/slides/slide24.xml><?xml version="1.0" encoding="utf-8"?>
+<file path=ppt/slides/slide27.xml><?xml version="1.0" encoding="utf-8"?>
 <p:sld xmlns:a="http://schemas.openxmlformats.org/drawingml/2006/main" xmlns:r="http://schemas.openxmlformats.org/officeDocument/2006/relationships" xmlns:p="http://schemas.openxmlformats.org/presentationml/2006/main">
   <p:cSld>
     <p:spTree>
@@ -19946,7 +20529,7 @@
 </p:sld>
 </file>
 
-<file path=ppt/slides/slide25.xml><?xml version="1.0" encoding="utf-8"?>
+<file path=ppt/slides/slide28.xml><?xml version="1.0" encoding="utf-8"?>
 <p:sld xmlns:a="http://schemas.openxmlformats.org/drawingml/2006/main" xmlns:r="http://schemas.openxmlformats.org/officeDocument/2006/relationships" xmlns:p="http://schemas.openxmlformats.org/presentationml/2006/main">
   <p:cSld>
     <p:spTree>
@@ -20237,7 +20820,7 @@
 </p:sld>
 </file>
 
-<file path=ppt/slides/slide26.xml><?xml version="1.0" encoding="utf-8"?>
+<file path=ppt/slides/slide29.xml><?xml version="1.0" encoding="utf-8"?>
 <p:sld xmlns:a="http://schemas.openxmlformats.org/drawingml/2006/main" xmlns:r="http://schemas.openxmlformats.org/officeDocument/2006/relationships" xmlns:p="http://schemas.openxmlformats.org/presentationml/2006/main">
   <p:cSld>
     <p:spTree>
@@ -21305,6 +21888,100 @@
           <p:cNvPr id="2" name="Title 1">
             <a:extLst>
               <a:ext uri="{FF2B5EF4-FFF2-40B4-BE49-F238E27FC236}">
+                <a16:creationId xmlns:a16="http://schemas.microsoft.com/office/drawing/2014/main" id="{7CA98F98-950E-FD15-8A08-D998C8B0A61F}"/>
+              </a:ext>
+            </a:extLst>
+          </p:cNvPr>
+          <p:cNvSpPr>
+            <a:spLocks noGrp="1"/>
+          </p:cNvSpPr>
+          <p:nvPr>
+            <p:ph type="title"/>
+          </p:nvPr>
+        </p:nvSpPr>
+        <p:spPr/>
+        <p:txBody>
+          <a:bodyPr/>
+          <a:lstStyle/>
+          <a:p>
+            <a:r>
+              <a:rPr lang="de-DE"/>
+              <a:t>Architecture</a:t>
+            </a:r>
+          </a:p>
+        </p:txBody>
+      </p:sp>
+      <p:pic>
+        <p:nvPicPr>
+          <p:cNvPr id="11" name="Picture 10" descr="A diagram of a company&#10;&#10;Description automatically generated with medium confidence">
+            <a:extLst>
+              <a:ext uri="{FF2B5EF4-FFF2-40B4-BE49-F238E27FC236}">
+                <a16:creationId xmlns:a16="http://schemas.microsoft.com/office/drawing/2014/main" id="{EC0D234D-BD6E-71D6-9F48-CC95B9B6B76F}"/>
+              </a:ext>
+            </a:extLst>
+          </p:cNvPr>
+          <p:cNvPicPr>
+            <a:picLocks noChangeAspect="1"/>
+          </p:cNvPicPr>
+          <p:nvPr/>
+        </p:nvPicPr>
+        <p:blipFill>
+          <a:blip r:embed="rId2">
+            <a:extLst>
+              <a:ext uri="{28A0092B-C50C-407E-A947-70E740481C1C}">
+                <a14:useLocalDpi xmlns:a14="http://schemas.microsoft.com/office/drawing/2010/main" val="0"/>
+              </a:ext>
+            </a:extLst>
+          </a:blip>
+          <a:stretch>
+            <a:fillRect/>
+          </a:stretch>
+        </p:blipFill>
+        <p:spPr>
+          <a:xfrm>
+            <a:off x="838200" y="1452282"/>
+            <a:ext cx="10687086" cy="4601384"/>
+          </a:xfrm>
+          <a:prstGeom prst="rect">
+            <a:avLst/>
+          </a:prstGeom>
+        </p:spPr>
+      </p:pic>
+    </p:spTree>
+    <p:extLst>
+      <p:ext uri="{BB962C8B-B14F-4D97-AF65-F5344CB8AC3E}">
+        <p14:creationId xmlns:p14="http://schemas.microsoft.com/office/powerpoint/2010/main" val="2397818895"/>
+      </p:ext>
+    </p:extLst>
+  </p:cSld>
+  <p:clrMapOvr>
+    <a:masterClrMapping/>
+  </p:clrMapOvr>
+</p:sld>
+</file>
+
+<file path=ppt/slides/slide8.xml><?xml version="1.0" encoding="utf-8"?>
+<p:sld xmlns:a="http://schemas.openxmlformats.org/drawingml/2006/main" xmlns:r="http://schemas.openxmlformats.org/officeDocument/2006/relationships" xmlns:p="http://schemas.openxmlformats.org/presentationml/2006/main">
+  <p:cSld>
+    <p:spTree>
+      <p:nvGrpSpPr>
+        <p:cNvPr id="1" name=""/>
+        <p:cNvGrpSpPr/>
+        <p:nvPr/>
+      </p:nvGrpSpPr>
+      <p:grpSpPr>
+        <a:xfrm>
+          <a:off x="0" y="0"/>
+          <a:ext cx="0" cy="0"/>
+          <a:chOff x="0" y="0"/>
+          <a:chExt cx="0" cy="0"/>
+        </a:xfrm>
+      </p:grpSpPr>
+      <p:sp>
+        <p:nvSpPr>
+          <p:cNvPr id="2" name="Title 1">
+            <a:extLst>
+              <a:ext uri="{FF2B5EF4-FFF2-40B4-BE49-F238E27FC236}">
                 <a16:creationId xmlns:a16="http://schemas.microsoft.com/office/drawing/2014/main" id="{C4A5FD65-7FDD-4D18-C678-836520144630}"/>
               </a:ext>
             </a:extLst>
@@ -21371,7 +22048,7 @@
 </p:sld>
 </file>
 
-<file path=ppt/slides/slide8.xml><?xml version="1.0" encoding="utf-8"?>
+<file path=ppt/slides/slide9.xml><?xml version="1.0" encoding="utf-8"?>
 <p:sld xmlns:a="http://schemas.openxmlformats.org/drawingml/2006/main" xmlns:r="http://schemas.openxmlformats.org/officeDocument/2006/relationships" xmlns:p="http://schemas.openxmlformats.org/presentationml/2006/main">
   <p:cSld>
     <p:spTree>
@@ -22643,92 +23320,6 @@
     <p:extLst>
       <p:ext uri="{BB962C8B-B14F-4D97-AF65-F5344CB8AC3E}">
         <p14:creationId xmlns:p14="http://schemas.microsoft.com/office/powerpoint/2010/main" val="506518794"/>
-      </p:ext>
-    </p:extLst>
-  </p:cSld>
-  <p:clrMapOvr>
-    <a:masterClrMapping/>
-  </p:clrMapOvr>
-</p:sld>
-</file>
-
-<file path=ppt/slides/slide9.xml><?xml version="1.0" encoding="utf-8"?>
-<p:sld xmlns:a="http://schemas.openxmlformats.org/drawingml/2006/main" xmlns:r="http://schemas.openxmlformats.org/officeDocument/2006/relationships" xmlns:p="http://schemas.openxmlformats.org/presentationml/2006/main">
-  <p:cSld>
-    <p:spTree>
-      <p:nvGrpSpPr>
-        <p:cNvPr id="1" name=""/>
-        <p:cNvGrpSpPr/>
-        <p:nvPr/>
-      </p:nvGrpSpPr>
-      <p:grpSpPr>
-        <a:xfrm>
-          <a:off x="0" y="0"/>
-          <a:ext cx="0" cy="0"/>
-          <a:chOff x="0" y="0"/>
-          <a:chExt cx="0" cy="0"/>
-        </a:xfrm>
-      </p:grpSpPr>
-      <p:sp>
-        <p:nvSpPr>
-          <p:cNvPr id="2" name="Title 1">
-            <a:extLst>
-              <a:ext uri="{FF2B5EF4-FFF2-40B4-BE49-F238E27FC236}">
-                <a16:creationId xmlns:a16="http://schemas.microsoft.com/office/drawing/2014/main" id="{C4A5FD65-7FDD-4D18-C678-836520144630}"/>
-              </a:ext>
-            </a:extLst>
-          </p:cNvPr>
-          <p:cNvSpPr>
-            <a:spLocks noGrp="1"/>
-          </p:cNvSpPr>
-          <p:nvPr>
-            <p:ph type="title"/>
-          </p:nvPr>
-        </p:nvSpPr>
-        <p:spPr/>
-        <p:txBody>
-          <a:bodyPr/>
-          <a:lstStyle/>
-          <a:p>
-            <a:r>
-              <a:rPr lang="de-DE"/>
-              <a:t>Api-Generierung</a:t>
-            </a:r>
-          </a:p>
-        </p:txBody>
-      </p:sp>
-      <p:sp>
-        <p:nvSpPr>
-          <p:cNvPr id="3" name="Text Placeholder 2">
-            <a:extLst>
-              <a:ext uri="{FF2B5EF4-FFF2-40B4-BE49-F238E27FC236}">
-                <a16:creationId xmlns:a16="http://schemas.microsoft.com/office/drawing/2014/main" id="{78AB5AD5-718A-E719-D22A-1AA46A1A87A3}"/>
-              </a:ext>
-            </a:extLst>
-          </p:cNvPr>
-          <p:cNvSpPr>
-            <a:spLocks noGrp="1"/>
-          </p:cNvSpPr>
-          <p:nvPr>
-            <p:ph type="body" idx="1"/>
-          </p:nvPr>
-        </p:nvSpPr>
-        <p:spPr/>
-        <p:txBody>
-          <a:bodyPr/>
-          <a:lstStyle/>
-          <a:p>
-            <a:r>
-              <a:rPr lang="de-DE"/>
-              <a:t>By Tim</a:t>
-            </a:r>
-          </a:p>
-        </p:txBody>
-      </p:sp>
-    </p:spTree>
-    <p:extLst>
-      <p:ext uri="{BB962C8B-B14F-4D97-AF65-F5344CB8AC3E}">
-        <p14:creationId xmlns:p14="http://schemas.microsoft.com/office/powerpoint/2010/main" val="2711599248"/>
       </p:ext>
     </p:extLst>
   </p:cSld>

--- a/training_react_advanced.pptx
+++ b/training_react_advanced.pptx
@@ -23,8 +23,8 @@
     <p:sldId id="472" r:id="rId17"/>
     <p:sldId id="475" r:id="rId18"/>
     <p:sldId id="474" r:id="rId19"/>
-    <p:sldId id="477" r:id="rId20"/>
-    <p:sldId id="503" r:id="rId21"/>
+    <p:sldId id="504" r:id="rId20"/>
+    <p:sldId id="505" r:id="rId21"/>
     <p:sldId id="467" r:id="rId22"/>
     <p:sldId id="498" r:id="rId23"/>
     <p:sldId id="490" r:id="rId24"/>
@@ -12886,7 +12886,7 @@
           <a:p>
             <a:r>
               <a:rPr lang="de-DE"/>
-              <a:t>Api-Generierung mit</a:t>
+              <a:t>Aufgaben</a:t>
             </a:r>
           </a:p>
         </p:txBody>
@@ -12920,7 +12920,7 @@
         </p:blipFill>
         <p:spPr bwMode="auto">
           <a:xfrm>
-            <a:off x="7081981" y="648826"/>
+            <a:off x="4170257" y="658634"/>
             <a:ext cx="2708339" cy="731984"/>
           </a:xfrm>
           <a:prstGeom prst="rect">
@@ -12940,10 +12940,308 @@
       </p:pic>
       <p:sp>
         <p:nvSpPr>
-          <p:cNvPr id="5" name="Content Placeholder 3">
+          <p:cNvPr id="6" name="TextBox 5">
             <a:extLst>
               <a:ext uri="{FF2B5EF4-FFF2-40B4-BE49-F238E27FC236}">
-                <a16:creationId xmlns:a16="http://schemas.microsoft.com/office/drawing/2014/main" id="{165E9C6A-40B7-D974-E93D-70E1E7A01C5B}"/>
+                <a16:creationId xmlns:a16="http://schemas.microsoft.com/office/drawing/2014/main" id="{7F53BCDE-0670-20CF-3747-CC8DBBB5066A}"/>
+              </a:ext>
+            </a:extLst>
+          </p:cNvPr>
+          <p:cNvSpPr txBox="1"/>
+          <p:nvPr/>
+        </p:nvSpPr>
+        <p:spPr>
+          <a:xfrm>
+            <a:off x="1465592" y="2336147"/>
+            <a:ext cx="9085867" cy="369332"/>
+          </a:xfrm>
+          <a:prstGeom prst="rect">
+            <a:avLst/>
+          </a:prstGeom>
+          <a:solidFill>
+            <a:schemeClr val="tx1"/>
+          </a:solidFill>
+        </p:spPr>
+        <p:txBody>
+          <a:bodyPr wrap="square">
+            <a:spAutoFit/>
+          </a:bodyPr>
+          <a:lstStyle/>
+          <a:p>
+            <a:r>
+              <a:rPr lang="en-US">
+                <a:solidFill>
+                  <a:srgbClr val="9876AA"/>
+                </a:solidFill>
+                <a:effectLst/>
+                <a:latin typeface="JetBrains Mono"/>
+              </a:rPr>
+              <a:t>"ToDo 1.1"</a:t>
+            </a:r>
+            <a:r>
+              <a:rPr lang="en-US">
+                <a:solidFill>
+                  <a:srgbClr val="CC7832"/>
+                </a:solidFill>
+                <a:effectLst/>
+                <a:latin typeface="JetBrains Mono"/>
+              </a:rPr>
+              <a:t>: </a:t>
+            </a:r>
+            <a:r>
+              <a:rPr lang="en-US">
+                <a:solidFill>
+                  <a:srgbClr val="6A8759"/>
+                </a:solidFill>
+                <a:effectLst/>
+                <a:latin typeface="JetBrains Mono"/>
+              </a:rPr>
+              <a:t>"Run command below"</a:t>
+            </a:r>
+            <a:r>
+              <a:rPr lang="en-US">
+                <a:solidFill>
+                  <a:srgbClr val="CC7832"/>
+                </a:solidFill>
+                <a:effectLst/>
+                <a:latin typeface="JetBrains Mono"/>
+              </a:rPr>
+              <a:t>,</a:t>
+            </a:r>
+            <a:endParaRPr lang="en-US">
+              <a:solidFill>
+                <a:srgbClr val="A9B7C6"/>
+              </a:solidFill>
+              <a:effectLst/>
+              <a:latin typeface="JetBrains Mono"/>
+            </a:endParaRPr>
+          </a:p>
+        </p:txBody>
+      </p:sp>
+      <p:sp>
+        <p:nvSpPr>
+          <p:cNvPr id="10" name="TextBox 9">
+            <a:extLst>
+              <a:ext uri="{FF2B5EF4-FFF2-40B4-BE49-F238E27FC236}">
+                <a16:creationId xmlns:a16="http://schemas.microsoft.com/office/drawing/2014/main" id="{F0B5E8F1-FB50-3D3E-C511-633A89A83827}"/>
+              </a:ext>
+            </a:extLst>
+          </p:cNvPr>
+          <p:cNvSpPr txBox="1"/>
+          <p:nvPr/>
+        </p:nvSpPr>
+        <p:spPr>
+          <a:xfrm>
+            <a:off x="1465590" y="3063579"/>
+            <a:ext cx="9085867" cy="369332"/>
+          </a:xfrm>
+          <a:prstGeom prst="rect">
+            <a:avLst/>
+          </a:prstGeom>
+          <a:solidFill>
+            <a:schemeClr val="tx1"/>
+          </a:solidFill>
+        </p:spPr>
+        <p:txBody>
+          <a:bodyPr wrap="square">
+            <a:spAutoFit/>
+          </a:bodyPr>
+          <a:lstStyle/>
+          <a:p>
+            <a:r>
+              <a:rPr lang="en-US">
+                <a:solidFill>
+                  <a:srgbClr val="808080"/>
+                </a:solidFill>
+                <a:effectLst/>
+                <a:latin typeface="JetBrains Mono"/>
+              </a:rPr>
+              <a:t>// </a:t>
+            </a:r>
+            <a:r>
+              <a:rPr lang="en-US" i="1">
+                <a:solidFill>
+                  <a:srgbClr val="A8C023"/>
+                </a:solidFill>
+                <a:effectLst/>
+                <a:latin typeface="JetBrains Mono"/>
+              </a:rPr>
+              <a:t>ToDo 1.2 Import and use login-mutation from generated pokemonApi</a:t>
+            </a:r>
+            <a:endParaRPr lang="en-US">
+              <a:solidFill>
+                <a:srgbClr val="A9B7C6"/>
+              </a:solidFill>
+              <a:effectLst/>
+              <a:latin typeface="JetBrains Mono"/>
+            </a:endParaRPr>
+          </a:p>
+        </p:txBody>
+      </p:sp>
+      <p:sp>
+        <p:nvSpPr>
+          <p:cNvPr id="11" name="TextBox 10">
+            <a:extLst>
+              <a:ext uri="{FF2B5EF4-FFF2-40B4-BE49-F238E27FC236}">
+                <a16:creationId xmlns:a16="http://schemas.microsoft.com/office/drawing/2014/main" id="{6ECBC43C-8AEC-E960-A660-8A40D761E34E}"/>
+              </a:ext>
+            </a:extLst>
+          </p:cNvPr>
+          <p:cNvSpPr txBox="1"/>
+          <p:nvPr/>
+        </p:nvSpPr>
+        <p:spPr>
+          <a:xfrm>
+            <a:off x="1465588" y="3777827"/>
+            <a:ext cx="9085867" cy="369332"/>
+          </a:xfrm>
+          <a:prstGeom prst="rect">
+            <a:avLst/>
+          </a:prstGeom>
+          <a:solidFill>
+            <a:schemeClr val="tx1"/>
+          </a:solidFill>
+        </p:spPr>
+        <p:txBody>
+          <a:bodyPr wrap="square">
+            <a:spAutoFit/>
+          </a:bodyPr>
+          <a:lstStyle/>
+          <a:p>
+            <a:r>
+              <a:rPr lang="en-US">
+                <a:solidFill>
+                  <a:srgbClr val="A9B7C6"/>
+                </a:solidFill>
+                <a:effectLst/>
+                <a:highlight>
+                  <a:srgbClr val="2B2B2B"/>
+                </a:highlight>
+                <a:latin typeface="JetBrains Mono"/>
+              </a:rPr>
+              <a:t>{</a:t>
+            </a:r>
+            <a:r>
+              <a:rPr lang="en-US">
+                <a:solidFill>
+                  <a:srgbClr val="808080"/>
+                </a:solidFill>
+                <a:effectLst/>
+                <a:highlight>
+                  <a:srgbClr val="2B2B2B"/>
+                </a:highlight>
+                <a:latin typeface="JetBrains Mono"/>
+              </a:rPr>
+              <a:t>/* </a:t>
+            </a:r>
+            <a:r>
+              <a:rPr lang="en-US" i="1">
+                <a:solidFill>
+                  <a:srgbClr val="A8C023"/>
+                </a:solidFill>
+                <a:effectLst/>
+                <a:highlight>
+                  <a:srgbClr val="2B2B2B"/>
+                </a:highlight>
+                <a:latin typeface="JetBrains Mono"/>
+              </a:rPr>
+              <a:t>ToDo 1.3 Add ResponsiveLoadingBackdrop when login-mutation isLoading </a:t>
+            </a:r>
+            <a:r>
+              <a:rPr lang="en-US">
+                <a:solidFill>
+                  <a:srgbClr val="808080"/>
+                </a:solidFill>
+                <a:effectLst/>
+                <a:highlight>
+                  <a:srgbClr val="2B2B2B"/>
+                </a:highlight>
+                <a:latin typeface="JetBrains Mono"/>
+              </a:rPr>
+              <a:t>*/</a:t>
+            </a:r>
+            <a:r>
+              <a:rPr lang="en-US">
+                <a:solidFill>
+                  <a:srgbClr val="A9B7C6"/>
+                </a:solidFill>
+                <a:effectLst/>
+                <a:highlight>
+                  <a:srgbClr val="2B2B2B"/>
+                </a:highlight>
+                <a:latin typeface="JetBrains Mono"/>
+              </a:rPr>
+              <a:t>}</a:t>
+            </a:r>
+          </a:p>
+        </p:txBody>
+      </p:sp>
+      <p:sp>
+        <p:nvSpPr>
+          <p:cNvPr id="12" name="TextBox 11">
+            <a:extLst>
+              <a:ext uri="{FF2B5EF4-FFF2-40B4-BE49-F238E27FC236}">
+                <a16:creationId xmlns:a16="http://schemas.microsoft.com/office/drawing/2014/main" id="{80981985-68A6-520F-D7EA-4CE2C076619B}"/>
+              </a:ext>
+            </a:extLst>
+          </p:cNvPr>
+          <p:cNvSpPr txBox="1"/>
+          <p:nvPr/>
+        </p:nvSpPr>
+        <p:spPr>
+          <a:xfrm>
+            <a:off x="1465592" y="4516491"/>
+            <a:ext cx="9085863" cy="369332"/>
+          </a:xfrm>
+          <a:prstGeom prst="rect">
+            <a:avLst/>
+          </a:prstGeom>
+          <a:solidFill>
+            <a:schemeClr val="tx1"/>
+          </a:solidFill>
+        </p:spPr>
+        <p:txBody>
+          <a:bodyPr wrap="square">
+            <a:spAutoFit/>
+          </a:bodyPr>
+          <a:lstStyle/>
+          <a:p>
+            <a:r>
+              <a:rPr lang="en-US">
+                <a:solidFill>
+                  <a:srgbClr val="808080"/>
+                </a:solidFill>
+                <a:effectLst/>
+                <a:latin typeface="JetBrains Mono"/>
+              </a:rPr>
+              <a:t>// </a:t>
+            </a:r>
+            <a:r>
+              <a:rPr lang="en-US" i="1">
+                <a:solidFill>
+                  <a:srgbClr val="A8C023"/>
+                </a:solidFill>
+                <a:effectLst/>
+                <a:latin typeface="JetBrains Mono"/>
+              </a:rPr>
+              <a:t>ToDo 1.4 Run login-mutation with credentials in body</a:t>
+            </a:r>
+            <a:endParaRPr lang="en-US">
+              <a:solidFill>
+                <a:srgbClr val="A9B7C6"/>
+              </a:solidFill>
+              <a:effectLst/>
+              <a:latin typeface="JetBrains Mono"/>
+            </a:endParaRPr>
+          </a:p>
+        </p:txBody>
+      </p:sp>
+      <p:sp>
+        <p:nvSpPr>
+          <p:cNvPr id="13" name="Content Placeholder 2">
+            <a:extLst>
+              <a:ext uri="{FF2B5EF4-FFF2-40B4-BE49-F238E27FC236}">
+                <a16:creationId xmlns:a16="http://schemas.microsoft.com/office/drawing/2014/main" id="{C2A1DA61-AA78-F3DE-E46C-8AEA217AE6E5}"/>
               </a:ext>
             </a:extLst>
           </p:cNvPr>
@@ -12954,8 +13252,8 @@
         </p:nvSpPr>
         <p:spPr>
           <a:xfrm>
-            <a:off x="839789" y="2343531"/>
-            <a:ext cx="10754334" cy="2309151"/>
+            <a:off x="9194447" y="2442126"/>
+            <a:ext cx="1346012" cy="263353"/>
           </a:xfrm>
           <a:prstGeom prst="rect">
             <a:avLst/>
@@ -12963,7 +13261,7 @@
         </p:spPr>
         <p:txBody>
           <a:bodyPr vert="horz" lIns="91440" tIns="45720" rIns="91440" bIns="45720" rtlCol="0">
-            <a:noAutofit/>
+            <a:normAutofit fontScale="85000" lnSpcReduction="10000"/>
           </a:bodyPr>
           <a:lstStyle>
             <a:lvl1pPr marL="0" indent="0" algn="l" defTabSz="914349" rtl="0" eaLnBrk="1" latinLnBrk="0" hangingPunct="1">
@@ -13145,107 +13443,687 @@
             </a:lvl9pPr>
           </a:lstStyle>
           <a:p>
-            <a:pPr marL="457200" indent="-457200" defTabSz="914400">
-              <a:spcBef>
-                <a:spcPts val="500"/>
-              </a:spcBef>
-              <a:buClr>
-                <a:srgbClr val="5E42F5"/>
+            <a:pPr algn="r"/>
+            <a:r>
+              <a:rPr lang="de-DE" sz="1400" b="1">
+                <a:solidFill>
+                  <a:schemeClr val="bg1">
+                    <a:lumMod val="65000"/>
+                  </a:schemeClr>
+                </a:solidFill>
+              </a:rPr>
+              <a:t>package.json</a:t>
+            </a:r>
+          </a:p>
+        </p:txBody>
+      </p:sp>
+      <p:sp>
+        <p:nvSpPr>
+          <p:cNvPr id="14" name="Content Placeholder 2">
+            <a:extLst>
+              <a:ext uri="{FF2B5EF4-FFF2-40B4-BE49-F238E27FC236}">
+                <a16:creationId xmlns:a16="http://schemas.microsoft.com/office/drawing/2014/main" id="{ED8C7633-B73C-6F86-E6B8-058430CD3BCA}"/>
+              </a:ext>
+            </a:extLst>
+          </p:cNvPr>
+          <p:cNvSpPr txBox="1">
+            <a:spLocks/>
+          </p:cNvSpPr>
+          <p:nvPr/>
+        </p:nvSpPr>
+        <p:spPr>
+          <a:xfrm>
+            <a:off x="9097505" y="3177615"/>
+            <a:ext cx="1453950" cy="263353"/>
+          </a:xfrm>
+          <a:prstGeom prst="rect">
+            <a:avLst/>
+          </a:prstGeom>
+        </p:spPr>
+        <p:txBody>
+          <a:bodyPr vert="horz" lIns="91440" tIns="45720" rIns="91440" bIns="45720" rtlCol="0">
+            <a:normAutofit fontScale="92500" lnSpcReduction="10000"/>
+          </a:bodyPr>
+          <a:lstStyle>
+            <a:lvl1pPr marL="0" indent="0" algn="l" defTabSz="914349" rtl="0" eaLnBrk="1" latinLnBrk="0" hangingPunct="1">
+              <a:lnSpc>
+                <a:spcPct val="90000"/>
+              </a:lnSpc>
+              <a:spcBef>
+                <a:spcPts val="1000"/>
+              </a:spcBef>
+              <a:buClr>
+                <a:srgbClr val="0078D1"/>
+              </a:buClr>
+              <a:buFont typeface="Wingdings" panose="05000000000000000000" pitchFamily="2" charset="2"/>
+              <a:buNone/>
+              <a:defRPr sz="2800" kern="1200">
+                <a:solidFill>
+                  <a:schemeClr val="tx1"/>
+                </a:solidFill>
+                <a:latin typeface="Garet Book" pitchFamily="2" charset="0"/>
+                <a:ea typeface="+mn-ea"/>
+                <a:cs typeface="+mn-cs"/>
+              </a:defRPr>
+            </a:lvl1pPr>
+            <a:lvl2pPr marL="359980" indent="-228587" algn="l" defTabSz="914349" rtl="0" eaLnBrk="1" latinLnBrk="0" hangingPunct="1">
+              <a:lnSpc>
+                <a:spcPct val="90000"/>
+              </a:lnSpc>
+              <a:spcBef>
+                <a:spcPts val="500"/>
+              </a:spcBef>
+              <a:buClr>
+                <a:schemeClr val="tx2"/>
               </a:buClr>
               <a:buFont typeface="Wingdings" panose="05000000000000000000" pitchFamily="2" charset="2"/>
               <a:buChar char="§"/>
-              <a:defRPr/>
-            </a:pPr>
-            <a:r>
-              <a:rPr lang="en-US" sz="1800"/>
-              <a:t>ToDo 1.1: 	Generate Client Api </a:t>
-            </a:r>
-          </a:p>
-          <a:p>
-            <a:pPr marL="817180" lvl="1" indent="-457200" defTabSz="914400">
-              <a:buClr>
-                <a:srgbClr val="5E42F5"/>
-              </a:buClr>
-              <a:defRPr/>
-            </a:pPr>
-            <a:r>
-              <a:rPr lang="en-US" sz="1400"/>
-              <a:t>package.json</a:t>
-            </a:r>
-          </a:p>
-          <a:p>
-            <a:pPr marL="457200" indent="-457200" defTabSz="914400">
-              <a:spcBef>
-                <a:spcPts val="500"/>
-              </a:spcBef>
-              <a:buClr>
-                <a:srgbClr val="5E42F5"/>
+              <a:defRPr sz="2400" kern="1200">
+                <a:solidFill>
+                  <a:schemeClr val="tx1"/>
+                </a:solidFill>
+                <a:latin typeface="Garet Book" pitchFamily="2" charset="0"/>
+                <a:ea typeface="+mn-ea"/>
+                <a:cs typeface="+mn-cs"/>
+              </a:defRPr>
+            </a:lvl2pPr>
+            <a:lvl3pPr marL="611965" indent="-228587" algn="l" defTabSz="914349" rtl="0" eaLnBrk="1" latinLnBrk="0" hangingPunct="1">
+              <a:lnSpc>
+                <a:spcPct val="90000"/>
+              </a:lnSpc>
+              <a:spcBef>
+                <a:spcPts val="500"/>
+              </a:spcBef>
+              <a:buClr>
+                <a:schemeClr val="tx2"/>
               </a:buClr>
               <a:buFont typeface="Wingdings" panose="05000000000000000000" pitchFamily="2" charset="2"/>
               <a:buChar char="§"/>
-              <a:defRPr/>
-            </a:pPr>
-            <a:r>
-              <a:rPr lang="en-US" sz="1800"/>
-              <a:t>ToDo 1.2: 	Import and use Login Mutation</a:t>
-            </a:r>
-          </a:p>
-          <a:p>
-            <a:pPr marL="817180" lvl="1" indent="-457200" defTabSz="914400">
-              <a:buClr>
-                <a:srgbClr val="5E42F5"/>
-              </a:buClr>
-              <a:defRPr/>
-            </a:pPr>
-            <a:r>
-              <a:rPr lang="en-US" sz="1400"/>
-              <a:t>LoginPage.tsx</a:t>
-            </a:r>
-          </a:p>
-          <a:p>
-            <a:pPr marL="457200" indent="-457200" defTabSz="914400">
-              <a:spcBef>
-                <a:spcPts val="500"/>
-              </a:spcBef>
-              <a:buClr>
-                <a:srgbClr val="5E42F5"/>
+              <a:defRPr sz="2000" kern="1200">
+                <a:solidFill>
+                  <a:schemeClr val="tx1"/>
+                </a:solidFill>
+                <a:latin typeface="Garet Book" pitchFamily="2" charset="0"/>
+                <a:ea typeface="+mn-ea"/>
+                <a:cs typeface="+mn-cs"/>
+              </a:defRPr>
+            </a:lvl3pPr>
+            <a:lvl4pPr marL="899950" indent="-228587" algn="l" defTabSz="914349" rtl="0" eaLnBrk="1" latinLnBrk="0" hangingPunct="1">
+              <a:lnSpc>
+                <a:spcPct val="90000"/>
+              </a:lnSpc>
+              <a:spcBef>
+                <a:spcPts val="500"/>
+              </a:spcBef>
+              <a:buClr>
+                <a:schemeClr val="tx2"/>
               </a:buClr>
               <a:buFont typeface="Wingdings" panose="05000000000000000000" pitchFamily="2" charset="2"/>
               <a:buChar char="§"/>
-              <a:defRPr/>
-            </a:pPr>
-            <a:r>
-              <a:rPr lang="en-US" sz="1800"/>
-              <a:t>ToDo 1.3: 	Add ResponsiveLoadingBackdrop when login-query isLoading</a:t>
-            </a:r>
-          </a:p>
-          <a:p>
-            <a:pPr marL="817180" lvl="1" indent="-457200" defTabSz="914400">
-              <a:buClr>
-                <a:srgbClr val="5E42F5"/>
-              </a:buClr>
-              <a:defRPr/>
-            </a:pPr>
-            <a:r>
-              <a:rPr lang="en-US" sz="1400"/>
+              <a:defRPr sz="1799" kern="1200">
+                <a:solidFill>
+                  <a:schemeClr val="tx1"/>
+                </a:solidFill>
+                <a:latin typeface="Garet Book" pitchFamily="2" charset="0"/>
+                <a:ea typeface="+mn-ea"/>
+                <a:cs typeface="+mn-cs"/>
+              </a:defRPr>
+            </a:lvl4pPr>
+            <a:lvl5pPr marL="1187934" indent="-228587" algn="l" defTabSz="914349" rtl="0" eaLnBrk="1" latinLnBrk="0" hangingPunct="1">
+              <a:lnSpc>
+                <a:spcPct val="90000"/>
+              </a:lnSpc>
+              <a:spcBef>
+                <a:spcPts val="500"/>
+              </a:spcBef>
+              <a:buClr>
+                <a:schemeClr val="tx2"/>
+              </a:buClr>
+              <a:buFont typeface="Wingdings" panose="05000000000000000000" pitchFamily="2" charset="2"/>
+              <a:buChar char="§"/>
+              <a:defRPr sz="1799" kern="1200">
+                <a:solidFill>
+                  <a:schemeClr val="tx1"/>
+                </a:solidFill>
+                <a:latin typeface="Garet Book" pitchFamily="2" charset="0"/>
+                <a:ea typeface="+mn-ea"/>
+                <a:cs typeface="+mn-cs"/>
+              </a:defRPr>
+            </a:lvl5pPr>
+            <a:lvl6pPr marL="2514460" indent="-228587" algn="l" defTabSz="914349" rtl="0" eaLnBrk="1" latinLnBrk="0" hangingPunct="1">
+              <a:lnSpc>
+                <a:spcPct val="90000"/>
+              </a:lnSpc>
+              <a:spcBef>
+                <a:spcPts val="500"/>
+              </a:spcBef>
+              <a:buFont typeface="Arial" panose="020B0604020202020204" pitchFamily="34" charset="0"/>
+              <a:buChar char="•"/>
+              <a:defRPr sz="1799" kern="1200">
+                <a:solidFill>
+                  <a:schemeClr val="tx1"/>
+                </a:solidFill>
+                <a:latin typeface="+mn-lt"/>
+                <a:ea typeface="+mn-ea"/>
+                <a:cs typeface="+mn-cs"/>
+              </a:defRPr>
+            </a:lvl6pPr>
+            <a:lvl7pPr marL="2971634" indent="-228587" algn="l" defTabSz="914349" rtl="0" eaLnBrk="1" latinLnBrk="0" hangingPunct="1">
+              <a:lnSpc>
+                <a:spcPct val="90000"/>
+              </a:lnSpc>
+              <a:spcBef>
+                <a:spcPts val="500"/>
+              </a:spcBef>
+              <a:buFont typeface="Arial" panose="020B0604020202020204" pitchFamily="34" charset="0"/>
+              <a:buChar char="•"/>
+              <a:defRPr sz="1799" kern="1200">
+                <a:solidFill>
+                  <a:schemeClr val="tx1"/>
+                </a:solidFill>
+                <a:latin typeface="+mn-lt"/>
+                <a:ea typeface="+mn-ea"/>
+                <a:cs typeface="+mn-cs"/>
+              </a:defRPr>
+            </a:lvl7pPr>
+            <a:lvl8pPr marL="3428808" indent="-228587" algn="l" defTabSz="914349" rtl="0" eaLnBrk="1" latinLnBrk="0" hangingPunct="1">
+              <a:lnSpc>
+                <a:spcPct val="90000"/>
+              </a:lnSpc>
+              <a:spcBef>
+                <a:spcPts val="500"/>
+              </a:spcBef>
+              <a:buFont typeface="Arial" panose="020B0604020202020204" pitchFamily="34" charset="0"/>
+              <a:buChar char="•"/>
+              <a:defRPr sz="1799" kern="1200">
+                <a:solidFill>
+                  <a:schemeClr val="tx1"/>
+                </a:solidFill>
+                <a:latin typeface="+mn-lt"/>
+                <a:ea typeface="+mn-ea"/>
+                <a:cs typeface="+mn-cs"/>
+              </a:defRPr>
+            </a:lvl8pPr>
+            <a:lvl9pPr marL="3885983" indent="-228587" algn="l" defTabSz="914349" rtl="0" eaLnBrk="1" latinLnBrk="0" hangingPunct="1">
+              <a:lnSpc>
+                <a:spcPct val="90000"/>
+              </a:lnSpc>
+              <a:spcBef>
+                <a:spcPts val="500"/>
+              </a:spcBef>
+              <a:buFont typeface="Arial" panose="020B0604020202020204" pitchFamily="34" charset="0"/>
+              <a:buChar char="•"/>
+              <a:defRPr sz="1799" kern="1200">
+                <a:solidFill>
+                  <a:schemeClr val="tx1"/>
+                </a:solidFill>
+                <a:latin typeface="+mn-lt"/>
+                <a:ea typeface="+mn-ea"/>
+                <a:cs typeface="+mn-cs"/>
+              </a:defRPr>
+            </a:lvl9pPr>
+          </a:lstStyle>
+          <a:p>
+            <a:pPr algn="r"/>
+            <a:r>
+              <a:rPr lang="de-DE" sz="1400" b="1">
+                <a:solidFill>
+                  <a:schemeClr val="bg1">
+                    <a:lumMod val="65000"/>
+                  </a:schemeClr>
+                </a:solidFill>
+              </a:rPr>
               <a:t>LoginPage.tsx</a:t>
             </a:r>
           </a:p>
-          <a:p>
-            <a:pPr marL="457200" indent="-457200" defTabSz="914400">
-              <a:buClr>
-                <a:srgbClr val="5E42F5"/>
-              </a:buClr>
-              <a:defRPr/>
-            </a:pPr>
-            <a:endParaRPr lang="en-US" sz="1800"/>
+        </p:txBody>
+      </p:sp>
+      <p:sp>
+        <p:nvSpPr>
+          <p:cNvPr id="16" name="Content Placeholder 2">
+            <a:extLst>
+              <a:ext uri="{FF2B5EF4-FFF2-40B4-BE49-F238E27FC236}">
+                <a16:creationId xmlns:a16="http://schemas.microsoft.com/office/drawing/2014/main" id="{802CF0CD-0348-9433-1B24-32F47D74ECC7}"/>
+              </a:ext>
+            </a:extLst>
+          </p:cNvPr>
+          <p:cNvSpPr txBox="1">
+            <a:spLocks/>
+          </p:cNvSpPr>
+          <p:nvPr/>
+        </p:nvSpPr>
+        <p:spPr>
+          <a:xfrm>
+            <a:off x="9097505" y="3912011"/>
+            <a:ext cx="1453950" cy="263353"/>
+          </a:xfrm>
+          <a:prstGeom prst="rect">
+            <a:avLst/>
+          </a:prstGeom>
+        </p:spPr>
+        <p:txBody>
+          <a:bodyPr vert="horz" lIns="91440" tIns="45720" rIns="91440" bIns="45720" rtlCol="0">
+            <a:normAutofit fontScale="92500" lnSpcReduction="10000"/>
+          </a:bodyPr>
+          <a:lstStyle>
+            <a:lvl1pPr marL="0" indent="0" algn="l" defTabSz="914349" rtl="0" eaLnBrk="1" latinLnBrk="0" hangingPunct="1">
+              <a:lnSpc>
+                <a:spcPct val="90000"/>
+              </a:lnSpc>
+              <a:spcBef>
+                <a:spcPts val="1000"/>
+              </a:spcBef>
+              <a:buClr>
+                <a:srgbClr val="0078D1"/>
+              </a:buClr>
+              <a:buFont typeface="Wingdings" panose="05000000000000000000" pitchFamily="2" charset="2"/>
+              <a:buNone/>
+              <a:defRPr sz="2800" kern="1200">
+                <a:solidFill>
+                  <a:schemeClr val="tx1"/>
+                </a:solidFill>
+                <a:latin typeface="Garet Book" pitchFamily="2" charset="0"/>
+                <a:ea typeface="+mn-ea"/>
+                <a:cs typeface="+mn-cs"/>
+              </a:defRPr>
+            </a:lvl1pPr>
+            <a:lvl2pPr marL="359980" indent="-228587" algn="l" defTabSz="914349" rtl="0" eaLnBrk="1" latinLnBrk="0" hangingPunct="1">
+              <a:lnSpc>
+                <a:spcPct val="90000"/>
+              </a:lnSpc>
+              <a:spcBef>
+                <a:spcPts val="500"/>
+              </a:spcBef>
+              <a:buClr>
+                <a:schemeClr val="tx2"/>
+              </a:buClr>
+              <a:buFont typeface="Wingdings" panose="05000000000000000000" pitchFamily="2" charset="2"/>
+              <a:buChar char="§"/>
+              <a:defRPr sz="2400" kern="1200">
+                <a:solidFill>
+                  <a:schemeClr val="tx1"/>
+                </a:solidFill>
+                <a:latin typeface="Garet Book" pitchFamily="2" charset="0"/>
+                <a:ea typeface="+mn-ea"/>
+                <a:cs typeface="+mn-cs"/>
+              </a:defRPr>
+            </a:lvl2pPr>
+            <a:lvl3pPr marL="611965" indent="-228587" algn="l" defTabSz="914349" rtl="0" eaLnBrk="1" latinLnBrk="0" hangingPunct="1">
+              <a:lnSpc>
+                <a:spcPct val="90000"/>
+              </a:lnSpc>
+              <a:spcBef>
+                <a:spcPts val="500"/>
+              </a:spcBef>
+              <a:buClr>
+                <a:schemeClr val="tx2"/>
+              </a:buClr>
+              <a:buFont typeface="Wingdings" panose="05000000000000000000" pitchFamily="2" charset="2"/>
+              <a:buChar char="§"/>
+              <a:defRPr sz="2000" kern="1200">
+                <a:solidFill>
+                  <a:schemeClr val="tx1"/>
+                </a:solidFill>
+                <a:latin typeface="Garet Book" pitchFamily="2" charset="0"/>
+                <a:ea typeface="+mn-ea"/>
+                <a:cs typeface="+mn-cs"/>
+              </a:defRPr>
+            </a:lvl3pPr>
+            <a:lvl4pPr marL="899950" indent="-228587" algn="l" defTabSz="914349" rtl="0" eaLnBrk="1" latinLnBrk="0" hangingPunct="1">
+              <a:lnSpc>
+                <a:spcPct val="90000"/>
+              </a:lnSpc>
+              <a:spcBef>
+                <a:spcPts val="500"/>
+              </a:spcBef>
+              <a:buClr>
+                <a:schemeClr val="tx2"/>
+              </a:buClr>
+              <a:buFont typeface="Wingdings" panose="05000000000000000000" pitchFamily="2" charset="2"/>
+              <a:buChar char="§"/>
+              <a:defRPr sz="1799" kern="1200">
+                <a:solidFill>
+                  <a:schemeClr val="tx1"/>
+                </a:solidFill>
+                <a:latin typeface="Garet Book" pitchFamily="2" charset="0"/>
+                <a:ea typeface="+mn-ea"/>
+                <a:cs typeface="+mn-cs"/>
+              </a:defRPr>
+            </a:lvl4pPr>
+            <a:lvl5pPr marL="1187934" indent="-228587" algn="l" defTabSz="914349" rtl="0" eaLnBrk="1" latinLnBrk="0" hangingPunct="1">
+              <a:lnSpc>
+                <a:spcPct val="90000"/>
+              </a:lnSpc>
+              <a:spcBef>
+                <a:spcPts val="500"/>
+              </a:spcBef>
+              <a:buClr>
+                <a:schemeClr val="tx2"/>
+              </a:buClr>
+              <a:buFont typeface="Wingdings" panose="05000000000000000000" pitchFamily="2" charset="2"/>
+              <a:buChar char="§"/>
+              <a:defRPr sz="1799" kern="1200">
+                <a:solidFill>
+                  <a:schemeClr val="tx1"/>
+                </a:solidFill>
+                <a:latin typeface="Garet Book" pitchFamily="2" charset="0"/>
+                <a:ea typeface="+mn-ea"/>
+                <a:cs typeface="+mn-cs"/>
+              </a:defRPr>
+            </a:lvl5pPr>
+            <a:lvl6pPr marL="2514460" indent="-228587" algn="l" defTabSz="914349" rtl="0" eaLnBrk="1" latinLnBrk="0" hangingPunct="1">
+              <a:lnSpc>
+                <a:spcPct val="90000"/>
+              </a:lnSpc>
+              <a:spcBef>
+                <a:spcPts val="500"/>
+              </a:spcBef>
+              <a:buFont typeface="Arial" panose="020B0604020202020204" pitchFamily="34" charset="0"/>
+              <a:buChar char="•"/>
+              <a:defRPr sz="1799" kern="1200">
+                <a:solidFill>
+                  <a:schemeClr val="tx1"/>
+                </a:solidFill>
+                <a:latin typeface="+mn-lt"/>
+                <a:ea typeface="+mn-ea"/>
+                <a:cs typeface="+mn-cs"/>
+              </a:defRPr>
+            </a:lvl6pPr>
+            <a:lvl7pPr marL="2971634" indent="-228587" algn="l" defTabSz="914349" rtl="0" eaLnBrk="1" latinLnBrk="0" hangingPunct="1">
+              <a:lnSpc>
+                <a:spcPct val="90000"/>
+              </a:lnSpc>
+              <a:spcBef>
+                <a:spcPts val="500"/>
+              </a:spcBef>
+              <a:buFont typeface="Arial" panose="020B0604020202020204" pitchFamily="34" charset="0"/>
+              <a:buChar char="•"/>
+              <a:defRPr sz="1799" kern="1200">
+                <a:solidFill>
+                  <a:schemeClr val="tx1"/>
+                </a:solidFill>
+                <a:latin typeface="+mn-lt"/>
+                <a:ea typeface="+mn-ea"/>
+                <a:cs typeface="+mn-cs"/>
+              </a:defRPr>
+            </a:lvl7pPr>
+            <a:lvl8pPr marL="3428808" indent="-228587" algn="l" defTabSz="914349" rtl="0" eaLnBrk="1" latinLnBrk="0" hangingPunct="1">
+              <a:lnSpc>
+                <a:spcPct val="90000"/>
+              </a:lnSpc>
+              <a:spcBef>
+                <a:spcPts val="500"/>
+              </a:spcBef>
+              <a:buFont typeface="Arial" panose="020B0604020202020204" pitchFamily="34" charset="0"/>
+              <a:buChar char="•"/>
+              <a:defRPr sz="1799" kern="1200">
+                <a:solidFill>
+                  <a:schemeClr val="tx1"/>
+                </a:solidFill>
+                <a:latin typeface="+mn-lt"/>
+                <a:ea typeface="+mn-ea"/>
+                <a:cs typeface="+mn-cs"/>
+              </a:defRPr>
+            </a:lvl8pPr>
+            <a:lvl9pPr marL="3885983" indent="-228587" algn="l" defTabSz="914349" rtl="0" eaLnBrk="1" latinLnBrk="0" hangingPunct="1">
+              <a:lnSpc>
+                <a:spcPct val="90000"/>
+              </a:lnSpc>
+              <a:spcBef>
+                <a:spcPts val="500"/>
+              </a:spcBef>
+              <a:buFont typeface="Arial" panose="020B0604020202020204" pitchFamily="34" charset="0"/>
+              <a:buChar char="•"/>
+              <a:defRPr sz="1799" kern="1200">
+                <a:solidFill>
+                  <a:schemeClr val="tx1"/>
+                </a:solidFill>
+                <a:latin typeface="+mn-lt"/>
+                <a:ea typeface="+mn-ea"/>
+                <a:cs typeface="+mn-cs"/>
+              </a:defRPr>
+            </a:lvl9pPr>
+          </a:lstStyle>
+          <a:p>
+            <a:pPr algn="r"/>
+            <a:r>
+              <a:rPr lang="de-DE" sz="1400" b="1">
+                <a:solidFill>
+                  <a:schemeClr val="bg1">
+                    <a:lumMod val="65000"/>
+                  </a:schemeClr>
+                </a:solidFill>
+              </a:rPr>
+              <a:t>LoginPage.tsx</a:t>
+            </a:r>
+          </a:p>
+        </p:txBody>
+      </p:sp>
+      <p:sp>
+        <p:nvSpPr>
+          <p:cNvPr id="17" name="Content Placeholder 2">
+            <a:extLst>
+              <a:ext uri="{FF2B5EF4-FFF2-40B4-BE49-F238E27FC236}">
+                <a16:creationId xmlns:a16="http://schemas.microsoft.com/office/drawing/2014/main" id="{89337FB8-8248-C162-577A-3202A23DF851}"/>
+              </a:ext>
+            </a:extLst>
+          </p:cNvPr>
+          <p:cNvSpPr txBox="1">
+            <a:spLocks/>
+          </p:cNvSpPr>
+          <p:nvPr/>
+        </p:nvSpPr>
+        <p:spPr>
+          <a:xfrm>
+            <a:off x="9086509" y="4627694"/>
+            <a:ext cx="1453950" cy="263353"/>
+          </a:xfrm>
+          <a:prstGeom prst="rect">
+            <a:avLst/>
+          </a:prstGeom>
+        </p:spPr>
+        <p:txBody>
+          <a:bodyPr vert="horz" lIns="91440" tIns="45720" rIns="91440" bIns="45720" rtlCol="0">
+            <a:normAutofit fontScale="92500" lnSpcReduction="10000"/>
+          </a:bodyPr>
+          <a:lstStyle>
+            <a:lvl1pPr marL="0" indent="0" algn="l" defTabSz="914349" rtl="0" eaLnBrk="1" latinLnBrk="0" hangingPunct="1">
+              <a:lnSpc>
+                <a:spcPct val="90000"/>
+              </a:lnSpc>
+              <a:spcBef>
+                <a:spcPts val="1000"/>
+              </a:spcBef>
+              <a:buClr>
+                <a:srgbClr val="0078D1"/>
+              </a:buClr>
+              <a:buFont typeface="Wingdings" panose="05000000000000000000" pitchFamily="2" charset="2"/>
+              <a:buNone/>
+              <a:defRPr sz="2800" kern="1200">
+                <a:solidFill>
+                  <a:schemeClr val="tx1"/>
+                </a:solidFill>
+                <a:latin typeface="Garet Book" pitchFamily="2" charset="0"/>
+                <a:ea typeface="+mn-ea"/>
+                <a:cs typeface="+mn-cs"/>
+              </a:defRPr>
+            </a:lvl1pPr>
+            <a:lvl2pPr marL="359980" indent="-228587" algn="l" defTabSz="914349" rtl="0" eaLnBrk="1" latinLnBrk="0" hangingPunct="1">
+              <a:lnSpc>
+                <a:spcPct val="90000"/>
+              </a:lnSpc>
+              <a:spcBef>
+                <a:spcPts val="500"/>
+              </a:spcBef>
+              <a:buClr>
+                <a:schemeClr val="tx2"/>
+              </a:buClr>
+              <a:buFont typeface="Wingdings" panose="05000000000000000000" pitchFamily="2" charset="2"/>
+              <a:buChar char="§"/>
+              <a:defRPr sz="2400" kern="1200">
+                <a:solidFill>
+                  <a:schemeClr val="tx1"/>
+                </a:solidFill>
+                <a:latin typeface="Garet Book" pitchFamily="2" charset="0"/>
+                <a:ea typeface="+mn-ea"/>
+                <a:cs typeface="+mn-cs"/>
+              </a:defRPr>
+            </a:lvl2pPr>
+            <a:lvl3pPr marL="611965" indent="-228587" algn="l" defTabSz="914349" rtl="0" eaLnBrk="1" latinLnBrk="0" hangingPunct="1">
+              <a:lnSpc>
+                <a:spcPct val="90000"/>
+              </a:lnSpc>
+              <a:spcBef>
+                <a:spcPts val="500"/>
+              </a:spcBef>
+              <a:buClr>
+                <a:schemeClr val="tx2"/>
+              </a:buClr>
+              <a:buFont typeface="Wingdings" panose="05000000000000000000" pitchFamily="2" charset="2"/>
+              <a:buChar char="§"/>
+              <a:defRPr sz="2000" kern="1200">
+                <a:solidFill>
+                  <a:schemeClr val="tx1"/>
+                </a:solidFill>
+                <a:latin typeface="Garet Book" pitchFamily="2" charset="0"/>
+                <a:ea typeface="+mn-ea"/>
+                <a:cs typeface="+mn-cs"/>
+              </a:defRPr>
+            </a:lvl3pPr>
+            <a:lvl4pPr marL="899950" indent="-228587" algn="l" defTabSz="914349" rtl="0" eaLnBrk="1" latinLnBrk="0" hangingPunct="1">
+              <a:lnSpc>
+                <a:spcPct val="90000"/>
+              </a:lnSpc>
+              <a:spcBef>
+                <a:spcPts val="500"/>
+              </a:spcBef>
+              <a:buClr>
+                <a:schemeClr val="tx2"/>
+              </a:buClr>
+              <a:buFont typeface="Wingdings" panose="05000000000000000000" pitchFamily="2" charset="2"/>
+              <a:buChar char="§"/>
+              <a:defRPr sz="1799" kern="1200">
+                <a:solidFill>
+                  <a:schemeClr val="tx1"/>
+                </a:solidFill>
+                <a:latin typeface="Garet Book" pitchFamily="2" charset="0"/>
+                <a:ea typeface="+mn-ea"/>
+                <a:cs typeface="+mn-cs"/>
+              </a:defRPr>
+            </a:lvl4pPr>
+            <a:lvl5pPr marL="1187934" indent="-228587" algn="l" defTabSz="914349" rtl="0" eaLnBrk="1" latinLnBrk="0" hangingPunct="1">
+              <a:lnSpc>
+                <a:spcPct val="90000"/>
+              </a:lnSpc>
+              <a:spcBef>
+                <a:spcPts val="500"/>
+              </a:spcBef>
+              <a:buClr>
+                <a:schemeClr val="tx2"/>
+              </a:buClr>
+              <a:buFont typeface="Wingdings" panose="05000000000000000000" pitchFamily="2" charset="2"/>
+              <a:buChar char="§"/>
+              <a:defRPr sz="1799" kern="1200">
+                <a:solidFill>
+                  <a:schemeClr val="tx1"/>
+                </a:solidFill>
+                <a:latin typeface="Garet Book" pitchFamily="2" charset="0"/>
+                <a:ea typeface="+mn-ea"/>
+                <a:cs typeface="+mn-cs"/>
+              </a:defRPr>
+            </a:lvl5pPr>
+            <a:lvl6pPr marL="2514460" indent="-228587" algn="l" defTabSz="914349" rtl="0" eaLnBrk="1" latinLnBrk="0" hangingPunct="1">
+              <a:lnSpc>
+                <a:spcPct val="90000"/>
+              </a:lnSpc>
+              <a:spcBef>
+                <a:spcPts val="500"/>
+              </a:spcBef>
+              <a:buFont typeface="Arial" panose="020B0604020202020204" pitchFamily="34" charset="0"/>
+              <a:buChar char="•"/>
+              <a:defRPr sz="1799" kern="1200">
+                <a:solidFill>
+                  <a:schemeClr val="tx1"/>
+                </a:solidFill>
+                <a:latin typeface="+mn-lt"/>
+                <a:ea typeface="+mn-ea"/>
+                <a:cs typeface="+mn-cs"/>
+              </a:defRPr>
+            </a:lvl6pPr>
+            <a:lvl7pPr marL="2971634" indent="-228587" algn="l" defTabSz="914349" rtl="0" eaLnBrk="1" latinLnBrk="0" hangingPunct="1">
+              <a:lnSpc>
+                <a:spcPct val="90000"/>
+              </a:lnSpc>
+              <a:spcBef>
+                <a:spcPts val="500"/>
+              </a:spcBef>
+              <a:buFont typeface="Arial" panose="020B0604020202020204" pitchFamily="34" charset="0"/>
+              <a:buChar char="•"/>
+              <a:defRPr sz="1799" kern="1200">
+                <a:solidFill>
+                  <a:schemeClr val="tx1"/>
+                </a:solidFill>
+                <a:latin typeface="+mn-lt"/>
+                <a:ea typeface="+mn-ea"/>
+                <a:cs typeface="+mn-cs"/>
+              </a:defRPr>
+            </a:lvl7pPr>
+            <a:lvl8pPr marL="3428808" indent="-228587" algn="l" defTabSz="914349" rtl="0" eaLnBrk="1" latinLnBrk="0" hangingPunct="1">
+              <a:lnSpc>
+                <a:spcPct val="90000"/>
+              </a:lnSpc>
+              <a:spcBef>
+                <a:spcPts val="500"/>
+              </a:spcBef>
+              <a:buFont typeface="Arial" panose="020B0604020202020204" pitchFamily="34" charset="0"/>
+              <a:buChar char="•"/>
+              <a:defRPr sz="1799" kern="1200">
+                <a:solidFill>
+                  <a:schemeClr val="tx1"/>
+                </a:solidFill>
+                <a:latin typeface="+mn-lt"/>
+                <a:ea typeface="+mn-ea"/>
+                <a:cs typeface="+mn-cs"/>
+              </a:defRPr>
+            </a:lvl8pPr>
+            <a:lvl9pPr marL="3885983" indent="-228587" algn="l" defTabSz="914349" rtl="0" eaLnBrk="1" latinLnBrk="0" hangingPunct="1">
+              <a:lnSpc>
+                <a:spcPct val="90000"/>
+              </a:lnSpc>
+              <a:spcBef>
+                <a:spcPts val="500"/>
+              </a:spcBef>
+              <a:buFont typeface="Arial" panose="020B0604020202020204" pitchFamily="34" charset="0"/>
+              <a:buChar char="•"/>
+              <a:defRPr sz="1799" kern="1200">
+                <a:solidFill>
+                  <a:schemeClr val="tx1"/>
+                </a:solidFill>
+                <a:latin typeface="+mn-lt"/>
+                <a:ea typeface="+mn-ea"/>
+                <a:cs typeface="+mn-cs"/>
+              </a:defRPr>
+            </a:lvl9pPr>
+          </a:lstStyle>
+          <a:p>
+            <a:pPr algn="r"/>
+            <a:r>
+              <a:rPr lang="de-DE" sz="1400" b="1">
+                <a:solidFill>
+                  <a:schemeClr val="bg1">
+                    <a:lumMod val="65000"/>
+                  </a:schemeClr>
+                </a:solidFill>
+              </a:rPr>
+              <a:t>LoginPage.tsx</a:t>
+            </a:r>
           </a:p>
         </p:txBody>
       </p:sp>
     </p:spTree>
     <p:extLst>
       <p:ext uri="{BB962C8B-B14F-4D97-AF65-F5344CB8AC3E}">
-        <p14:creationId xmlns:p14="http://schemas.microsoft.com/office/powerpoint/2010/main" val="3786685350"/>
+        <p14:creationId xmlns:p14="http://schemas.microsoft.com/office/powerpoint/2010/main" val="3724287011"/>
       </p:ext>
     </p:extLst>
   </p:cSld>
@@ -13286,7 +14164,7 @@
         </p:nvSpPr>
         <p:spPr>
           <a:xfrm>
-            <a:off x="741485" y="4958265"/>
+            <a:off x="1772426" y="4958265"/>
             <a:ext cx="8250114" cy="646331"/>
           </a:xfrm>
           <a:prstGeom prst="rect">
@@ -13415,7 +14293,7 @@
         </p:nvSpPr>
         <p:spPr>
           <a:xfrm>
-            <a:off x="741485" y="3955867"/>
+            <a:off x="1772426" y="3955867"/>
             <a:ext cx="8250114" cy="646331"/>
           </a:xfrm>
           <a:prstGeom prst="rect">
@@ -13557,7 +14435,7 @@
         </p:nvSpPr>
         <p:spPr>
           <a:xfrm>
-            <a:off x="741484" y="2965128"/>
+            <a:off x="1772425" y="2965128"/>
             <a:ext cx="8250115" cy="646331"/>
           </a:xfrm>
           <a:prstGeom prst="rect">
@@ -13746,7 +14624,7 @@
         </p:nvSpPr>
         <p:spPr>
           <a:xfrm>
-            <a:off x="741483" y="1974389"/>
+            <a:off x="1772424" y="1974389"/>
             <a:ext cx="8250113" cy="646331"/>
           </a:xfrm>
           <a:prstGeom prst="rect">
@@ -13804,7 +14682,7 @@
         </p:nvSpPr>
         <p:spPr>
           <a:xfrm>
-            <a:off x="741484" y="4958264"/>
+            <a:off x="1772425" y="4958264"/>
             <a:ext cx="8250115" cy="646331"/>
           </a:xfrm>
           <a:prstGeom prst="rect">
@@ -13861,7 +14739,7 @@
         </p:nvSpPr>
         <p:spPr>
           <a:xfrm>
-            <a:off x="741484" y="3967525"/>
+            <a:off x="1772425" y="3967525"/>
             <a:ext cx="8250115" cy="646331"/>
           </a:xfrm>
           <a:prstGeom prst="rect">
@@ -13918,7 +14796,7 @@
         </p:nvSpPr>
         <p:spPr>
           <a:xfrm>
-            <a:off x="741484" y="2976786"/>
+            <a:off x="1772425" y="2976786"/>
             <a:ext cx="8250115" cy="646331"/>
           </a:xfrm>
           <a:prstGeom prst="rect">
@@ -13975,7 +14853,7 @@
         </p:nvSpPr>
         <p:spPr>
           <a:xfrm>
-            <a:off x="741483" y="1986047"/>
+            <a:off x="1772424" y="1986047"/>
             <a:ext cx="8250115" cy="646331"/>
           </a:xfrm>
           <a:prstGeom prst="rect">
@@ -14046,10 +14924,57 @@
           </a:p>
         </p:txBody>
       </p:sp>
+      <p:pic>
+        <p:nvPicPr>
+          <p:cNvPr id="3" name="Picture 2" descr="GitHub - rtk-incubator/rtk-query-codegen">
+            <a:extLst>
+              <a:ext uri="{FF2B5EF4-FFF2-40B4-BE49-F238E27FC236}">
+                <a16:creationId xmlns:a16="http://schemas.microsoft.com/office/drawing/2014/main" id="{1948EF48-69FA-C0DC-BF26-ACB9B6A2FAEF}"/>
+              </a:ext>
+            </a:extLst>
+          </p:cNvPr>
+          <p:cNvPicPr>
+            <a:picLocks noChangeAspect="1" noChangeArrowheads="1"/>
+          </p:cNvPicPr>
+          <p:nvPr/>
+        </p:nvPicPr>
+        <p:blipFill>
+          <a:blip r:embed="rId2">
+            <a:extLst>
+              <a:ext uri="{28A0092B-C50C-407E-A947-70E740481C1C}">
+                <a14:useLocalDpi xmlns:a14="http://schemas.microsoft.com/office/drawing/2010/main" val="0"/>
+              </a:ext>
+            </a:extLst>
+          </a:blip>
+          <a:srcRect/>
+          <a:stretch>
+            <a:fillRect/>
+          </a:stretch>
+        </p:blipFill>
+        <p:spPr bwMode="auto">
+          <a:xfrm>
+            <a:off x="4170257" y="658634"/>
+            <a:ext cx="2708339" cy="731984"/>
+          </a:xfrm>
+          <a:prstGeom prst="rect">
+            <a:avLst/>
+          </a:prstGeom>
+          <a:noFill/>
+          <a:extLst>
+            <a:ext uri="{909E8E84-426E-40DD-AFC4-6F175D3DCCD1}">
+              <a14:hiddenFill xmlns:a14="http://schemas.microsoft.com/office/drawing/2010/main">
+                <a:solidFill>
+                  <a:srgbClr val="FFFFFF"/>
+                </a:solidFill>
+              </a14:hiddenFill>
+            </a:ext>
+          </a:extLst>
+        </p:spPr>
+      </p:pic>
     </p:spTree>
     <p:extLst>
       <p:ext uri="{BB962C8B-B14F-4D97-AF65-F5344CB8AC3E}">
-        <p14:creationId xmlns:p14="http://schemas.microsoft.com/office/powerpoint/2010/main" val="4272533794"/>
+        <p14:creationId xmlns:p14="http://schemas.microsoft.com/office/powerpoint/2010/main" val="355280352"/>
       </p:ext>
     </p:extLst>
   </p:cSld>
@@ -29886,15 +30811,6 @@
 </file>
 
 <file path=customXml/item1.xml><?xml version="1.0" encoding="utf-8"?>
-<?mso-contentType ?>
-<FormTemplates xmlns="http://schemas.microsoft.com/sharepoint/v3/contenttype/forms">
-  <Display>DocumentLibraryForm</Display>
-  <Edit>DocumentLibraryForm</Edit>
-  <New>DocumentLibraryForm</New>
-</FormTemplates>
-</file>
-
-<file path=customXml/item2.xml><?xml version="1.0" encoding="utf-8"?>
 <p:properties xmlns:p="http://schemas.microsoft.com/office/2006/metadata/properties" xmlns:xsi="http://www.w3.org/2001/XMLSchema-instance" xmlns:pc="http://schemas.microsoft.com/office/infopath/2007/PartnerControls">
   <documentManagement>
     <_Flow_SignoffStatus xmlns="6c5753e0-85cf-46f2-8355-eec33c0b2dc8" xsi:nil="true"/>
@@ -29921,6 +30837,15 @@
     </SharedWithUsers>
   </documentManagement>
 </p:properties>
+</file>
+
+<file path=customXml/item2.xml><?xml version="1.0" encoding="utf-8"?>
+<?mso-contentType ?>
+<FormTemplates xmlns="http://schemas.microsoft.com/sharepoint/v3/contenttype/forms">
+  <Display>DocumentLibraryForm</Display>
+  <Edit>DocumentLibraryForm</Edit>
+  <New>DocumentLibraryForm</New>
+</FormTemplates>
 </file>
 
 <file path=customXml/item3.xml><?xml version="1.0" encoding="utf-8"?>
@@ -30185,20 +31110,20 @@
 </file>
 
 <file path=customXml/itemProps1.xml><?xml version="1.0" encoding="utf-8"?>
-<ds:datastoreItem xmlns:ds="http://schemas.openxmlformats.org/officeDocument/2006/customXml" ds:itemID="{7DFAF670-841C-45BF-AD8F-06FD58B65FF8}">
-  <ds:schemaRefs>
-    <ds:schemaRef ds:uri="http://schemas.microsoft.com/sharepoint/v3/contenttype/forms"/>
-  </ds:schemaRefs>
-</ds:datastoreItem>
-</file>
-
-<file path=customXml/itemProps2.xml><?xml version="1.0" encoding="utf-8"?>
 <ds:datastoreItem xmlns:ds="http://schemas.openxmlformats.org/officeDocument/2006/customXml" ds:itemID="{DFFCC383-1CAD-4E67-95BE-7666A585A00B}">
   <ds:schemaRefs>
     <ds:schemaRef ds:uri="6c5753e0-85cf-46f2-8355-eec33c0b2dc8"/>
     <ds:schemaRef ds:uri="90c5ddf0-2617-45ca-952f-f899c8b262d9"/>
     <ds:schemaRef ds:uri="http://schemas.microsoft.com/office/2006/metadata/properties"/>
     <ds:schemaRef ds:uri="http://schemas.microsoft.com/office/infopath/2007/PartnerControls"/>
+  </ds:schemaRefs>
+</ds:datastoreItem>
+</file>
+
+<file path=customXml/itemProps2.xml><?xml version="1.0" encoding="utf-8"?>
+<ds:datastoreItem xmlns:ds="http://schemas.openxmlformats.org/officeDocument/2006/customXml" ds:itemID="{7DFAF670-841C-45BF-AD8F-06FD58B65FF8}">
+  <ds:schemaRefs>
+    <ds:schemaRef ds:uri="http://schemas.microsoft.com/sharepoint/v3/contenttype/forms"/>
   </ds:schemaRefs>
 </ds:datastoreItem>
 </file>
